--- a/pt2/lectures/lecture6/lecture6.pptx
+++ b/pt2/lectures/lecture6/lecture6.pptx
@@ -1,31 +1,29 @@
 
 <file path=ppt/presentation.xml><?xml version="1.0" encoding="utf-8"?>
-<p:presentation xmlns:a="http://schemas.openxmlformats.org/drawingml/2006/main" xmlns:r="http://schemas.openxmlformats.org/officeDocument/2006/relationships" xmlns:p="http://schemas.openxmlformats.org/presentationml/2006/main" xmlns:m="http://schemas.openxmlformats.org/officeDocument/2006/math" xmlns:w="http://schemas.openxmlformats.org/wordprocessingml/2006/main" saveSubsetFonts="1">
+<p:presentation xmlns:a="http://schemas.openxmlformats.org/drawingml/2006/main" xmlns:r="http://schemas.openxmlformats.org/officeDocument/2006/relationships" xmlns:p="http://schemas.openxmlformats.org/presentationml/2006/main" saveSubsetFonts="1">
   <p:sldMasterIdLst>
     <p:sldMasterId id="2147483648" r:id="rId1"/>
   </p:sldMasterIdLst>
   <p:sldIdLst>
-    <p:sldId id="256" r:id="rId3"/>
-    <p:sldId id="257" r:id="rId4"/>
-    <p:sldId id="258" r:id="rId5"/>
-    <p:sldId id="259" r:id="rId6"/>
-    <p:sldId id="260" r:id="rId7"/>
-    <p:sldId id="261" r:id="rId8"/>
-    <p:sldId id="262" r:id="rId9"/>
-    <p:sldId id="263" r:id="rId10"/>
-    <p:sldId id="264" r:id="rId11"/>
-    <p:sldId id="265" r:id="rId12"/>
-    <p:sldId id="266" r:id="rId13"/>
-    <p:sldId id="267" r:id="rId14"/>
-    <p:sldId id="268" r:id="rId15"/>
-    <p:sldId id="269" r:id="rId16"/>
-    <p:sldId id="270" r:id="rId17"/>
-    <p:sldId id="271" r:id="rId18"/>
-    <p:sldId id="272" r:id="rId19"/>
-    <p:sldId id="273" r:id="rId20"/>
-    <p:sldId id="274" r:id="rId21"/>
-    <p:sldId id="275" r:id="rId22"/>
-    <p:sldId id="276" r:id="rId23"/>
+    <p:sldId id="256" r:id="rId2"/>
+    <p:sldId id="257" r:id="rId3"/>
+    <p:sldId id="258" r:id="rId4"/>
+    <p:sldId id="259" r:id="rId5"/>
+    <p:sldId id="260" r:id="rId6"/>
+    <p:sldId id="261" r:id="rId7"/>
+    <p:sldId id="262" r:id="rId8"/>
+    <p:sldId id="263" r:id="rId9"/>
+    <p:sldId id="264" r:id="rId10"/>
+    <p:sldId id="265" r:id="rId11"/>
+    <p:sldId id="266" r:id="rId12"/>
+    <p:sldId id="267" r:id="rId13"/>
+    <p:sldId id="268" r:id="rId14"/>
+    <p:sldId id="269" r:id="rId15"/>
+    <p:sldId id="270" r:id="rId16"/>
+    <p:sldId id="271" r:id="rId17"/>
+    <p:sldId id="272" r:id="rId18"/>
+    <p:sldId id="273" r:id="rId19"/>
+    <p:sldId id="274" r:id="rId20"/>
   </p:sldIdLst>
   <p:sldSz cx="12192000" cy="6858000"/>
   <p:notesSz cx="12192000" cy="6858000"/>
@@ -124,17 +122,33 @@
       </a:defRPr>
     </a:lvl9pPr>
   </p:defaultTextStyle>
+  <p:extLst>
+    <p:ext uri="{EFAFB233-063F-42B5-8137-9DF3F51BA10A}">
+      <p15:sldGuideLst xmlns:p15="http://schemas.microsoft.com/office/powerpoint/2012/main">
+        <p15:guide id="1" orient="horz" pos="2160">
+          <p15:clr>
+            <a:srgbClr val="A4A3A4"/>
+          </p15:clr>
+        </p15:guide>
+        <p15:guide id="2" pos="2880">
+          <p15:clr>
+            <a:srgbClr val="A4A3A4"/>
+          </p15:clr>
+        </p15:guide>
+      </p15:sldGuideLst>
+    </p:ext>
+  </p:extLst>
 </p:presentation>
 </file>
 
 <file path=ppt/slideLayouts/slideLayout1.xml><?xml version="1.0" encoding="utf-8"?>
-<p:sldLayout xmlns:a="http://schemas.openxmlformats.org/drawingml/2006/main" xmlns:r="http://schemas.openxmlformats.org/officeDocument/2006/relationships" xmlns:p="http://schemas.openxmlformats.org/presentationml/2006/main" xmlns:m="http://schemas.openxmlformats.org/officeDocument/2006/math" xmlns:w="http://schemas.openxmlformats.org/wordprocessingml/2006/main" matchingName="" preserve="1" showMasterPhAnim="0" showMasterSp="0" type="title" userDrawn="1">
+<p:sldLayout xmlns:a="http://schemas.openxmlformats.org/drawingml/2006/main" xmlns:r="http://schemas.openxmlformats.org/officeDocument/2006/relationships" xmlns:p="http://schemas.openxmlformats.org/presentationml/2006/main" showMasterSp="0" showMasterPhAnim="0" type="title" preserve="1" userDrawn="1">
   <p:cSld name="Титульный слайд">
     <p:spTree>
       <p:nvGrpSpPr>
-        <p:cNvPr id="1" name="" hidden="0"/>
+        <p:cNvPr id="1" name=""/>
         <p:cNvGrpSpPr/>
-        <p:nvPr isPhoto="0" userDrawn="0"/>
+        <p:nvPr/>
       </p:nvGrpSpPr>
       <p:grpSpPr bwMode="auto">
         <a:xfrm>
@@ -146,9 +160,9 @@
       </p:grpSpPr>
       <p:grpSp>
         <p:nvGrpSpPr>
-          <p:cNvPr id="7" name="Group 6" hidden="0"/>
+          <p:cNvPr id="7" name="Group 6"/>
           <p:cNvGrpSpPr/>
-          <p:nvPr isPhoto="0" userDrawn="0"/>
+          <p:nvPr/>
         </p:nvGrpSpPr>
         <p:grpSpPr bwMode="auto">
           <a:xfrm>
@@ -160,11 +174,11 @@
         </p:grpSpPr>
         <p:cxnSp>
           <p:nvCxnSpPr>
-            <p:cNvPr id="32" name="Straight Connector 31" hidden="0"/>
+            <p:cNvPr id="32" name="Straight Connector 31"/>
             <p:cNvCxnSpPr>
               <a:cxnSpLocks/>
             </p:cNvCxnSpPr>
-            <p:nvPr isPhoto="0" userDrawn="0"/>
+            <p:nvPr/>
           </p:nvCxnSpPr>
           <p:spPr bwMode="auto">
             <a:xfrm>
@@ -199,11 +213,11 @@
         </p:cxnSp>
         <p:cxnSp>
           <p:nvCxnSpPr>
-            <p:cNvPr id="21" name="Straight Connector 20" hidden="0"/>
+            <p:cNvPr id="21" name="Straight Connector 20"/>
             <p:cNvCxnSpPr>
               <a:cxnSpLocks/>
             </p:cNvCxnSpPr>
-            <p:nvPr isPhoto="0" userDrawn="0"/>
+            <p:nvPr/>
           </p:nvCxnSpPr>
           <p:spPr bwMode="auto">
             <a:xfrm flipH="1">
@@ -238,9 +252,9 @@
         </p:cxnSp>
         <p:sp>
           <p:nvSpPr>
-            <p:cNvPr id="24" name="Rectangle 23" hidden="0"/>
+            <p:cNvPr id="24" name="Rectangle 23"/>
             <p:cNvSpPr/>
-            <p:nvPr isPhoto="0" userDrawn="0"/>
+            <p:nvPr/>
           </p:nvSpPr>
           <p:spPr bwMode="auto">
             <a:xfrm>
@@ -254,7 +268,7 @@
               <a:cxnLst/>
               <a:rect l="l" t="t" r="r" b="b"/>
               <a:pathLst>
-                <a:path w="3007349" h="6866467" fill="norm" stroke="1" extrusionOk="0">
+                <a:path w="3007349" h="6866467" extrusionOk="0">
                   <a:moveTo>
                     <a:pt x="2045532" y="0"/>
                   </a:moveTo>
@@ -301,9 +315,9 @@
         </p:sp>
         <p:sp>
           <p:nvSpPr>
-            <p:cNvPr id="26" name="Rectangle 25" hidden="0"/>
+            <p:cNvPr id="26" name="Rectangle 25"/>
             <p:cNvSpPr/>
-            <p:nvPr isPhoto="0" userDrawn="0"/>
+            <p:nvPr/>
           </p:nvSpPr>
           <p:spPr bwMode="auto">
             <a:xfrm>
@@ -317,7 +331,7 @@
               <a:cxnLst/>
               <a:rect l="l" t="t" r="r" b="b"/>
               <a:pathLst>
-                <a:path w="2573311" h="6866467" fill="norm" stroke="1" extrusionOk="0">
+                <a:path w="2573311" h="6866467" extrusionOk="0">
                   <a:moveTo>
                     <a:pt x="0" y="0"/>
                   </a:moveTo>
@@ -364,9 +378,9 @@
         </p:sp>
         <p:sp>
           <p:nvSpPr>
-            <p:cNvPr id="27" name="Isosceles Triangle 26" hidden="0"/>
+            <p:cNvPr id="27" name="Isosceles Triangle 26"/>
             <p:cNvSpPr/>
-            <p:nvPr isPhoto="0" userDrawn="0"/>
+            <p:nvPr/>
           </p:nvSpPr>
           <p:spPr bwMode="auto">
             <a:xfrm>
@@ -405,9 +419,9 @@
         </p:sp>
         <p:sp>
           <p:nvSpPr>
-            <p:cNvPr id="28" name="Rectangle 27" hidden="0"/>
+            <p:cNvPr id="28" name="Rectangle 27"/>
             <p:cNvSpPr/>
-            <p:nvPr isPhoto="0" userDrawn="0"/>
+            <p:nvPr/>
           </p:nvSpPr>
           <p:spPr bwMode="auto">
             <a:xfrm>
@@ -421,7 +435,7 @@
               <a:cxnLst/>
               <a:rect l="l" t="t" r="r" b="b"/>
               <a:pathLst>
-                <a:path w="2858013" h="6866467" fill="norm" stroke="1" extrusionOk="0">
+                <a:path w="2858013" h="6866467" extrusionOk="0">
                   <a:moveTo>
                     <a:pt x="0" y="0"/>
                   </a:moveTo>
@@ -469,9 +483,9 @@
         </p:sp>
         <p:sp>
           <p:nvSpPr>
-            <p:cNvPr id="29" name="Rectangle 28" hidden="0"/>
+            <p:cNvPr id="29" name="Rectangle 28"/>
             <p:cNvSpPr/>
-            <p:nvPr isPhoto="0" userDrawn="0"/>
+            <p:nvPr/>
           </p:nvSpPr>
           <p:spPr bwMode="auto">
             <a:xfrm>
@@ -485,7 +499,7 @@
               <a:cxnLst/>
               <a:rect l="l" t="t" r="r" b="b"/>
               <a:pathLst>
-                <a:path w="1290094" h="6858000" fill="norm" stroke="1" extrusionOk="0">
+                <a:path w="1290094" h="6858000" extrusionOk="0">
                   <a:moveTo>
                     <a:pt x="1019735" y="0"/>
                   </a:moveTo>
@@ -534,9 +548,9 @@
         </p:sp>
         <p:sp>
           <p:nvSpPr>
-            <p:cNvPr id="30" name="Rectangle 29" hidden="0"/>
+            <p:cNvPr id="30" name="Rectangle 29"/>
             <p:cNvSpPr/>
-            <p:nvPr isPhoto="0" userDrawn="0"/>
+            <p:nvPr/>
           </p:nvSpPr>
           <p:spPr bwMode="auto">
             <a:xfrm>
@@ -550,7 +564,7 @@
               <a:cxnLst/>
               <a:rect l="l" t="t" r="r" b="b"/>
               <a:pathLst>
-                <a:path w="1249825" h="6858000" fill="norm" stroke="1" extrusionOk="0">
+                <a:path w="1249825" h="6858000" extrusionOk="0">
                   <a:moveTo>
                     <a:pt x="0" y="0"/>
                   </a:moveTo>
@@ -597,9 +611,9 @@
         </p:sp>
         <p:sp>
           <p:nvSpPr>
-            <p:cNvPr id="31" name="Isosceles Triangle 30" hidden="0"/>
+            <p:cNvPr id="31" name="Isosceles Triangle 30"/>
             <p:cNvSpPr/>
-            <p:nvPr isPhoto="0" userDrawn="0"/>
+            <p:nvPr/>
           </p:nvSpPr>
           <p:spPr bwMode="auto">
             <a:xfrm>
@@ -638,9 +652,9 @@
         </p:sp>
         <p:sp>
           <p:nvSpPr>
-            <p:cNvPr id="19" name="Isosceles Triangle 18" hidden="0"/>
+            <p:cNvPr id="19" name="Isosceles Triangle 18"/>
             <p:cNvSpPr/>
-            <p:nvPr isPhoto="0" userDrawn="0"/>
+            <p:nvPr/>
           </p:nvSpPr>
           <p:spPr bwMode="auto">
             <a:xfrm rot="10800000">
@@ -680,12 +694,12 @@
       </p:grpSp>
       <p:sp>
         <p:nvSpPr>
-          <p:cNvPr id="2" name="Title 1" hidden="0"/>
+          <p:cNvPr id="2" name="Title 1"/>
           <p:cNvSpPr>
             <a:spLocks noGrp="1"/>
           </p:cNvSpPr>
-          <p:nvPr isPhoto="0" userDrawn="0">
-            <p:ph type="ctrTitle" hasCustomPrompt="0"/>
+          <p:nvPr>
+            <p:ph type="ctrTitle"/>
           </p:nvPr>
         </p:nvSpPr>
         <p:spPr bwMode="auto">
@@ -721,12 +735,12 @@
       </p:sp>
       <p:sp>
         <p:nvSpPr>
-          <p:cNvPr id="3" name="Subtitle 2" hidden="0"/>
+          <p:cNvPr id="3" name="Subtitle 2"/>
           <p:cNvSpPr>
             <a:spLocks noGrp="1"/>
           </p:cNvSpPr>
-          <p:nvPr isPhoto="0" userDrawn="0">
-            <p:ph type="subTitle" idx="1" hasCustomPrompt="0"/>
+          <p:nvPr>
+            <p:ph type="subTitle" idx="1"/>
           </p:nvPr>
         </p:nvSpPr>
         <p:spPr bwMode="auto">
@@ -844,12 +858,12 @@
       </p:sp>
       <p:sp>
         <p:nvSpPr>
-          <p:cNvPr id="4" name="Date Placeholder 3" hidden="0"/>
+          <p:cNvPr id="4" name="Date Placeholder 3"/>
           <p:cNvSpPr>
             <a:spLocks noGrp="1"/>
           </p:cNvSpPr>
-          <p:nvPr isPhoto="0" userDrawn="0">
-            <p:ph type="dt" sz="half" idx="10" hasCustomPrompt="0"/>
+          <p:nvPr>
+            <p:ph type="dt" sz="half" idx="10"/>
           </p:nvPr>
         </p:nvSpPr>
         <p:spPr bwMode="auto"/>
@@ -862,7 +876,7 @@
             </a:pPr>
             <a:fld id="{C989420C-30AB-4EEF-8469-B3FCB007A542}" type="datetimeFigureOut">
               <a:rPr lang="en-US"/>
-              <a:t/>
+              <a:t>5/19/2022</a:t>
             </a:fld>
             <a:endParaRPr lang="en-US"/>
           </a:p>
@@ -870,12 +884,12 @@
       </p:sp>
       <p:sp>
         <p:nvSpPr>
-          <p:cNvPr id="5" name="Footer Placeholder 4" hidden="0"/>
+          <p:cNvPr id="5" name="Footer Placeholder 4"/>
           <p:cNvSpPr>
             <a:spLocks noGrp="1"/>
           </p:cNvSpPr>
-          <p:nvPr isPhoto="0" userDrawn="0">
-            <p:ph type="ftr" sz="quarter" idx="11" hasCustomPrompt="0"/>
+          <p:nvPr>
+            <p:ph type="ftr" sz="quarter" idx="11"/>
           </p:nvPr>
         </p:nvSpPr>
         <p:spPr bwMode="auto"/>
@@ -892,12 +906,12 @@
       </p:sp>
       <p:sp>
         <p:nvSpPr>
-          <p:cNvPr id="6" name="Slide Number Placeholder 5" hidden="0"/>
+          <p:cNvPr id="6" name="Slide Number Placeholder 5"/>
           <p:cNvSpPr>
             <a:spLocks noGrp="1"/>
           </p:cNvSpPr>
-          <p:nvPr isPhoto="0" userDrawn="0">
-            <p:ph type="sldNum" sz="quarter" idx="12" hasCustomPrompt="0"/>
+          <p:nvPr>
+            <p:ph type="sldNum" sz="quarter" idx="12"/>
           </p:nvPr>
         </p:nvSpPr>
         <p:spPr bwMode="auto"/>
@@ -910,7 +924,7 @@
             </a:pPr>
             <a:fld id="{835FBC02-2961-494D-B648-ACE393148AFA}" type="slidenum">
               <a:rPr lang="en-US"/>
-              <a:t/>
+              <a:t>‹#›</a:t>
             </a:fld>
             <a:endParaRPr lang="en-US"/>
           </a:p>
@@ -925,13 +939,13 @@
 </file>
 
 <file path=ppt/slideLayouts/slideLayout10.xml><?xml version="1.0" encoding="utf-8"?>
-<p:sldLayout xmlns:a="http://schemas.openxmlformats.org/drawingml/2006/main" xmlns:r="http://schemas.openxmlformats.org/officeDocument/2006/relationships" xmlns:p="http://schemas.openxmlformats.org/presentationml/2006/main" xmlns:m="http://schemas.openxmlformats.org/officeDocument/2006/math" xmlns:w="http://schemas.openxmlformats.org/wordprocessingml/2006/main" matchingName="" preserve="1" showMasterPhAnim="0" userDrawn="1">
+<p:sldLayout xmlns:a="http://schemas.openxmlformats.org/drawingml/2006/main" xmlns:r="http://schemas.openxmlformats.org/officeDocument/2006/relationships" xmlns:p="http://schemas.openxmlformats.org/presentationml/2006/main" showMasterPhAnim="0" preserve="1" userDrawn="1">
   <p:cSld name="Заголовок и подпись">
     <p:spTree>
       <p:nvGrpSpPr>
-        <p:cNvPr id="1" name="" hidden="0"/>
+        <p:cNvPr id="1" name=""/>
         <p:cNvGrpSpPr/>
-        <p:nvPr isPhoto="0" userDrawn="0"/>
+        <p:nvPr/>
       </p:nvGrpSpPr>
       <p:grpSpPr bwMode="auto">
         <a:xfrm>
@@ -943,12 +957,12 @@
       </p:grpSpPr>
       <p:sp>
         <p:nvSpPr>
-          <p:cNvPr id="2" name="Title 1" hidden="0"/>
+          <p:cNvPr id="2" name="Title 1"/>
           <p:cNvSpPr>
             <a:spLocks noGrp="1"/>
           </p:cNvSpPr>
-          <p:nvPr isPhoto="0" userDrawn="0">
-            <p:ph type="title" hasCustomPrompt="0"/>
+          <p:nvPr>
+            <p:ph type="title"/>
           </p:nvPr>
         </p:nvSpPr>
         <p:spPr bwMode="auto">
@@ -980,12 +994,12 @@
       </p:sp>
       <p:sp>
         <p:nvSpPr>
-          <p:cNvPr id="3" name="Text Placeholder 2" hidden="0"/>
+          <p:cNvPr id="3" name="Text Placeholder 2"/>
           <p:cNvSpPr>
             <a:spLocks noGrp="1"/>
           </p:cNvSpPr>
-          <p:nvPr isPhoto="0" userDrawn="0">
-            <p:ph type="body" idx="1" hasCustomPrompt="0"/>
+          <p:nvPr>
+            <p:ph type="body" idx="1"/>
           </p:nvPr>
         </p:nvSpPr>
         <p:spPr bwMode="auto">
@@ -1105,12 +1119,12 @@
       </p:sp>
       <p:sp>
         <p:nvSpPr>
-          <p:cNvPr id="4" name="Date Placeholder 3" hidden="0"/>
+          <p:cNvPr id="4" name="Date Placeholder 3"/>
           <p:cNvSpPr>
             <a:spLocks noGrp="1"/>
           </p:cNvSpPr>
-          <p:nvPr isPhoto="0" userDrawn="0">
-            <p:ph type="dt" sz="half" idx="10" hasCustomPrompt="0"/>
+          <p:nvPr>
+            <p:ph type="dt" sz="half" idx="10"/>
           </p:nvPr>
         </p:nvSpPr>
         <p:spPr bwMode="auto"/>
@@ -1123,7 +1137,7 @@
             </a:pPr>
             <a:fld id="{C989420C-30AB-4EEF-8469-B3FCB007A542}" type="datetimeFigureOut">
               <a:rPr lang="en-US"/>
-              <a:t/>
+              <a:t>5/19/2022</a:t>
             </a:fld>
             <a:endParaRPr lang="en-US"/>
           </a:p>
@@ -1131,12 +1145,12 @@
       </p:sp>
       <p:sp>
         <p:nvSpPr>
-          <p:cNvPr id="5" name="Footer Placeholder 4" hidden="0"/>
+          <p:cNvPr id="5" name="Footer Placeholder 4"/>
           <p:cNvSpPr>
             <a:spLocks noGrp="1"/>
           </p:cNvSpPr>
-          <p:nvPr isPhoto="0" userDrawn="0">
-            <p:ph type="ftr" sz="quarter" idx="11" hasCustomPrompt="0"/>
+          <p:nvPr>
+            <p:ph type="ftr" sz="quarter" idx="11"/>
           </p:nvPr>
         </p:nvSpPr>
         <p:spPr bwMode="auto"/>
@@ -1153,12 +1167,12 @@
       </p:sp>
       <p:sp>
         <p:nvSpPr>
-          <p:cNvPr id="6" name="Slide Number Placeholder 5" hidden="0"/>
+          <p:cNvPr id="6" name="Slide Number Placeholder 5"/>
           <p:cNvSpPr>
             <a:spLocks noGrp="1"/>
           </p:cNvSpPr>
-          <p:nvPr isPhoto="0" userDrawn="0">
-            <p:ph type="sldNum" sz="quarter" idx="12" hasCustomPrompt="0"/>
+          <p:nvPr>
+            <p:ph type="sldNum" sz="quarter" idx="12"/>
           </p:nvPr>
         </p:nvSpPr>
         <p:spPr bwMode="auto"/>
@@ -1171,7 +1185,7 @@
             </a:pPr>
             <a:fld id="{835FBC02-2961-494D-B648-ACE393148AFA}" type="slidenum">
               <a:rPr lang="en-US"/>
-              <a:t/>
+              <a:t>‹#›</a:t>
             </a:fld>
             <a:endParaRPr lang="en-US"/>
           </a:p>
@@ -1186,13 +1200,13 @@
 </file>
 
 <file path=ppt/slideLayouts/slideLayout11.xml><?xml version="1.0" encoding="utf-8"?>
-<p:sldLayout xmlns:a="http://schemas.openxmlformats.org/drawingml/2006/main" xmlns:r="http://schemas.openxmlformats.org/officeDocument/2006/relationships" xmlns:p="http://schemas.openxmlformats.org/presentationml/2006/main" xmlns:m="http://schemas.openxmlformats.org/officeDocument/2006/math" xmlns:w="http://schemas.openxmlformats.org/wordprocessingml/2006/main" matchingName="" preserve="1" showMasterPhAnim="0" userDrawn="1">
+<p:sldLayout xmlns:a="http://schemas.openxmlformats.org/drawingml/2006/main" xmlns:r="http://schemas.openxmlformats.org/officeDocument/2006/relationships" xmlns:p="http://schemas.openxmlformats.org/presentationml/2006/main" showMasterPhAnim="0" preserve="1" userDrawn="1">
   <p:cSld name="Цитата с подписью">
     <p:spTree>
       <p:nvGrpSpPr>
-        <p:cNvPr id="1" name="" hidden="0"/>
+        <p:cNvPr id="1" name=""/>
         <p:cNvGrpSpPr/>
-        <p:nvPr isPhoto="0" userDrawn="0"/>
+        <p:nvPr/>
       </p:nvGrpSpPr>
       <p:grpSpPr bwMode="auto">
         <a:xfrm>
@@ -1204,12 +1218,12 @@
       </p:grpSpPr>
       <p:sp>
         <p:nvSpPr>
-          <p:cNvPr id="2" name="Title 1" hidden="0"/>
+          <p:cNvPr id="2" name="Title 1"/>
           <p:cNvSpPr>
             <a:spLocks noGrp="1"/>
           </p:cNvSpPr>
-          <p:nvPr isPhoto="0" userDrawn="0">
-            <p:ph type="title" hasCustomPrompt="0"/>
+          <p:nvPr>
+            <p:ph type="title"/>
           </p:nvPr>
         </p:nvSpPr>
         <p:spPr bwMode="auto">
@@ -1241,12 +1255,12 @@
       </p:sp>
       <p:sp>
         <p:nvSpPr>
-          <p:cNvPr id="23" name="Text Placeholder 9" hidden="0"/>
+          <p:cNvPr id="23" name="Text Placeholder 9"/>
           <p:cNvSpPr>
             <a:spLocks noGrp="1"/>
           </p:cNvSpPr>
-          <p:nvPr isPhoto="0" userDrawn="0">
-            <p:ph type="body" sz="quarter" idx="13" hasCustomPrompt="0"/>
+          <p:nvPr>
+            <p:ph type="body" sz="quarter" idx="13"/>
           </p:nvPr>
         </p:nvSpPr>
         <p:spPr bwMode="auto">
@@ -1307,12 +1321,12 @@
       </p:sp>
       <p:sp>
         <p:nvSpPr>
-          <p:cNvPr id="3" name="Text Placeholder 2" hidden="0"/>
+          <p:cNvPr id="3" name="Text Placeholder 2"/>
           <p:cNvSpPr>
             <a:spLocks noGrp="1"/>
           </p:cNvSpPr>
-          <p:nvPr isPhoto="0" userDrawn="0">
-            <p:ph type="body" idx="1" hasCustomPrompt="0"/>
+          <p:nvPr>
+            <p:ph type="body" idx="1"/>
           </p:nvPr>
         </p:nvSpPr>
         <p:spPr bwMode="auto">
@@ -1432,12 +1446,12 @@
       </p:sp>
       <p:sp>
         <p:nvSpPr>
-          <p:cNvPr id="4" name="Date Placeholder 3" hidden="0"/>
+          <p:cNvPr id="4" name="Date Placeholder 3"/>
           <p:cNvSpPr>
             <a:spLocks noGrp="1"/>
           </p:cNvSpPr>
-          <p:nvPr isPhoto="0" userDrawn="0">
-            <p:ph type="dt" sz="half" idx="10" hasCustomPrompt="0"/>
+          <p:nvPr>
+            <p:ph type="dt" sz="half" idx="10"/>
           </p:nvPr>
         </p:nvSpPr>
         <p:spPr bwMode="auto"/>
@@ -1450,7 +1464,7 @@
             </a:pPr>
             <a:fld id="{C989420C-30AB-4EEF-8469-B3FCB007A542}" type="datetimeFigureOut">
               <a:rPr lang="en-US"/>
-              <a:t/>
+              <a:t>5/19/2022</a:t>
             </a:fld>
             <a:endParaRPr lang="en-US"/>
           </a:p>
@@ -1458,12 +1472,12 @@
       </p:sp>
       <p:sp>
         <p:nvSpPr>
-          <p:cNvPr id="5" name="Footer Placeholder 4" hidden="0"/>
+          <p:cNvPr id="5" name="Footer Placeholder 4"/>
           <p:cNvSpPr>
             <a:spLocks noGrp="1"/>
           </p:cNvSpPr>
-          <p:nvPr isPhoto="0" userDrawn="0">
-            <p:ph type="ftr" sz="quarter" idx="11" hasCustomPrompt="0"/>
+          <p:nvPr>
+            <p:ph type="ftr" sz="quarter" idx="11"/>
           </p:nvPr>
         </p:nvSpPr>
         <p:spPr bwMode="auto"/>
@@ -1480,12 +1494,12 @@
       </p:sp>
       <p:sp>
         <p:nvSpPr>
-          <p:cNvPr id="6" name="Slide Number Placeholder 5" hidden="0"/>
+          <p:cNvPr id="6" name="Slide Number Placeholder 5"/>
           <p:cNvSpPr>
             <a:spLocks noGrp="1"/>
           </p:cNvSpPr>
-          <p:nvPr isPhoto="0" userDrawn="0">
-            <p:ph type="sldNum" sz="quarter" idx="12" hasCustomPrompt="0"/>
+          <p:nvPr>
+            <p:ph type="sldNum" sz="quarter" idx="12"/>
           </p:nvPr>
         </p:nvSpPr>
         <p:spPr bwMode="auto"/>
@@ -1498,7 +1512,7 @@
             </a:pPr>
             <a:fld id="{835FBC02-2961-494D-B648-ACE393148AFA}" type="slidenum">
               <a:rPr lang="en-US"/>
-              <a:t/>
+              <a:t>‹#›</a:t>
             </a:fld>
             <a:endParaRPr lang="en-US"/>
           </a:p>
@@ -1506,9 +1520,9 @@
       </p:sp>
       <p:sp>
         <p:nvSpPr>
-          <p:cNvPr id="20" name="TextBox 19" hidden="0"/>
+          <p:cNvPr id="20" name="TextBox 19"/>
           <p:cNvSpPr txBox="1"/>
-          <p:nvPr isPhoto="0" userDrawn="0"/>
+          <p:nvPr/>
         </p:nvSpPr>
         <p:spPr bwMode="auto">
           <a:xfrm>
@@ -1549,9 +1563,9 @@
       </p:sp>
       <p:sp>
         <p:nvSpPr>
-          <p:cNvPr id="22" name="TextBox 21" hidden="0"/>
+          <p:cNvPr id="22" name="TextBox 21"/>
           <p:cNvSpPr txBox="1"/>
-          <p:nvPr isPhoto="0" userDrawn="0"/>
+          <p:nvPr/>
         </p:nvSpPr>
         <p:spPr bwMode="auto">
           <a:xfrm>
@@ -1607,13 +1621,13 @@
 </file>
 
 <file path=ppt/slideLayouts/slideLayout12.xml><?xml version="1.0" encoding="utf-8"?>
-<p:sldLayout xmlns:a="http://schemas.openxmlformats.org/drawingml/2006/main" xmlns:r="http://schemas.openxmlformats.org/officeDocument/2006/relationships" xmlns:p="http://schemas.openxmlformats.org/presentationml/2006/main" xmlns:m="http://schemas.openxmlformats.org/officeDocument/2006/math" xmlns:w="http://schemas.openxmlformats.org/wordprocessingml/2006/main" matchingName="" preserve="1" showMasterPhAnim="0" userDrawn="1">
+<p:sldLayout xmlns:a="http://schemas.openxmlformats.org/drawingml/2006/main" xmlns:r="http://schemas.openxmlformats.org/officeDocument/2006/relationships" xmlns:p="http://schemas.openxmlformats.org/presentationml/2006/main" showMasterPhAnim="0" preserve="1" userDrawn="1">
   <p:cSld name="Карточка имени">
     <p:spTree>
       <p:nvGrpSpPr>
-        <p:cNvPr id="1" name="" hidden="0"/>
+        <p:cNvPr id="1" name=""/>
         <p:cNvGrpSpPr/>
-        <p:nvPr isPhoto="0" userDrawn="0"/>
+        <p:nvPr/>
       </p:nvGrpSpPr>
       <p:grpSpPr bwMode="auto">
         <a:xfrm>
@@ -1625,12 +1639,12 @@
       </p:grpSpPr>
       <p:sp>
         <p:nvSpPr>
-          <p:cNvPr id="2" name="Title 1" hidden="0"/>
+          <p:cNvPr id="2" name="Title 1"/>
           <p:cNvSpPr>
             <a:spLocks noGrp="1"/>
           </p:cNvSpPr>
-          <p:nvPr isPhoto="0" userDrawn="0">
-            <p:ph type="title" hasCustomPrompt="0"/>
+          <p:nvPr>
+            <p:ph type="title"/>
           </p:nvPr>
         </p:nvSpPr>
         <p:spPr bwMode="auto">
@@ -1662,12 +1676,12 @@
       </p:sp>
       <p:sp>
         <p:nvSpPr>
-          <p:cNvPr id="3" name="Text Placeholder 2" hidden="0"/>
+          <p:cNvPr id="3" name="Text Placeholder 2"/>
           <p:cNvSpPr>
             <a:spLocks noGrp="1"/>
           </p:cNvSpPr>
-          <p:nvPr isPhoto="0" userDrawn="0">
-            <p:ph type="body" idx="1" hasCustomPrompt="0"/>
+          <p:nvPr>
+            <p:ph type="body" idx="1"/>
           </p:nvPr>
         </p:nvSpPr>
         <p:spPr bwMode="auto">
@@ -1787,12 +1801,12 @@
       </p:sp>
       <p:sp>
         <p:nvSpPr>
-          <p:cNvPr id="4" name="Date Placeholder 3" hidden="0"/>
+          <p:cNvPr id="4" name="Date Placeholder 3"/>
           <p:cNvSpPr>
             <a:spLocks noGrp="1"/>
           </p:cNvSpPr>
-          <p:nvPr isPhoto="0" userDrawn="0">
-            <p:ph type="dt" sz="half" idx="10" hasCustomPrompt="0"/>
+          <p:nvPr>
+            <p:ph type="dt" sz="half" idx="10"/>
           </p:nvPr>
         </p:nvSpPr>
         <p:spPr bwMode="auto"/>
@@ -1805,7 +1819,7 @@
             </a:pPr>
             <a:fld id="{C989420C-30AB-4EEF-8469-B3FCB007A542}" type="datetimeFigureOut">
               <a:rPr lang="en-US"/>
-              <a:t/>
+              <a:t>5/19/2022</a:t>
             </a:fld>
             <a:endParaRPr lang="en-US"/>
           </a:p>
@@ -1813,12 +1827,12 @@
       </p:sp>
       <p:sp>
         <p:nvSpPr>
-          <p:cNvPr id="5" name="Footer Placeholder 4" hidden="0"/>
+          <p:cNvPr id="5" name="Footer Placeholder 4"/>
           <p:cNvSpPr>
             <a:spLocks noGrp="1"/>
           </p:cNvSpPr>
-          <p:nvPr isPhoto="0" userDrawn="0">
-            <p:ph type="ftr" sz="quarter" idx="11" hasCustomPrompt="0"/>
+          <p:nvPr>
+            <p:ph type="ftr" sz="quarter" idx="11"/>
           </p:nvPr>
         </p:nvSpPr>
         <p:spPr bwMode="auto"/>
@@ -1835,12 +1849,12 @@
       </p:sp>
       <p:sp>
         <p:nvSpPr>
-          <p:cNvPr id="6" name="Slide Number Placeholder 5" hidden="0"/>
+          <p:cNvPr id="6" name="Slide Number Placeholder 5"/>
           <p:cNvSpPr>
             <a:spLocks noGrp="1"/>
           </p:cNvSpPr>
-          <p:nvPr isPhoto="0" userDrawn="0">
-            <p:ph type="sldNum" sz="quarter" idx="12" hasCustomPrompt="0"/>
+          <p:nvPr>
+            <p:ph type="sldNum" sz="quarter" idx="12"/>
           </p:nvPr>
         </p:nvSpPr>
         <p:spPr bwMode="auto"/>
@@ -1853,7 +1867,7 @@
             </a:pPr>
             <a:fld id="{835FBC02-2961-494D-B648-ACE393148AFA}" type="slidenum">
               <a:rPr lang="en-US"/>
-              <a:t/>
+              <a:t>‹#›</a:t>
             </a:fld>
             <a:endParaRPr lang="en-US"/>
           </a:p>
@@ -1868,13 +1882,13 @@
 </file>
 
 <file path=ppt/slideLayouts/slideLayout13.xml><?xml version="1.0" encoding="utf-8"?>
-<p:sldLayout xmlns:a="http://schemas.openxmlformats.org/drawingml/2006/main" xmlns:r="http://schemas.openxmlformats.org/officeDocument/2006/relationships" xmlns:p="http://schemas.openxmlformats.org/presentationml/2006/main" xmlns:m="http://schemas.openxmlformats.org/officeDocument/2006/math" xmlns:w="http://schemas.openxmlformats.org/wordprocessingml/2006/main" matchingName="" preserve="1" showMasterPhAnim="0" userDrawn="1">
+<p:sldLayout xmlns:a="http://schemas.openxmlformats.org/drawingml/2006/main" xmlns:r="http://schemas.openxmlformats.org/officeDocument/2006/relationships" xmlns:p="http://schemas.openxmlformats.org/presentationml/2006/main" showMasterPhAnim="0" preserve="1" userDrawn="1">
   <p:cSld name="Цитата карточки имени">
     <p:spTree>
       <p:nvGrpSpPr>
-        <p:cNvPr id="1" name="" hidden="0"/>
+        <p:cNvPr id="1" name=""/>
         <p:cNvGrpSpPr/>
-        <p:nvPr isPhoto="0" userDrawn="0"/>
+        <p:nvPr/>
       </p:nvGrpSpPr>
       <p:grpSpPr bwMode="auto">
         <a:xfrm>
@@ -1886,12 +1900,12 @@
       </p:grpSpPr>
       <p:sp>
         <p:nvSpPr>
-          <p:cNvPr id="2" name="Title 1" hidden="0"/>
+          <p:cNvPr id="2" name="Title 1"/>
           <p:cNvSpPr>
             <a:spLocks noGrp="1"/>
           </p:cNvSpPr>
-          <p:nvPr isPhoto="0" userDrawn="0">
-            <p:ph type="title" hasCustomPrompt="0"/>
+          <p:nvPr>
+            <p:ph type="title"/>
           </p:nvPr>
         </p:nvSpPr>
         <p:spPr bwMode="auto">
@@ -1923,12 +1937,12 @@
       </p:sp>
       <p:sp>
         <p:nvSpPr>
-          <p:cNvPr id="23" name="Text Placeholder 9" hidden="0"/>
+          <p:cNvPr id="23" name="Text Placeholder 9"/>
           <p:cNvSpPr>
             <a:spLocks noGrp="1"/>
           </p:cNvSpPr>
-          <p:nvPr isPhoto="0" userDrawn="0">
-            <p:ph type="body" sz="quarter" idx="13" hasCustomPrompt="0"/>
+          <p:nvPr>
+            <p:ph type="body" sz="quarter" idx="13"/>
           </p:nvPr>
         </p:nvSpPr>
         <p:spPr bwMode="auto">
@@ -1989,12 +2003,12 @@
       </p:sp>
       <p:sp>
         <p:nvSpPr>
-          <p:cNvPr id="3" name="Text Placeholder 2" hidden="0"/>
+          <p:cNvPr id="3" name="Text Placeholder 2"/>
           <p:cNvSpPr>
             <a:spLocks noGrp="1"/>
           </p:cNvSpPr>
-          <p:nvPr isPhoto="0" userDrawn="0">
-            <p:ph type="body" idx="1" hasCustomPrompt="0"/>
+          <p:nvPr>
+            <p:ph type="body" idx="1"/>
           </p:nvPr>
         </p:nvSpPr>
         <p:spPr bwMode="auto">
@@ -2114,12 +2128,12 @@
       </p:sp>
       <p:sp>
         <p:nvSpPr>
-          <p:cNvPr id="4" name="Date Placeholder 3" hidden="0"/>
+          <p:cNvPr id="4" name="Date Placeholder 3"/>
           <p:cNvSpPr>
             <a:spLocks noGrp="1"/>
           </p:cNvSpPr>
-          <p:nvPr isPhoto="0" userDrawn="0">
-            <p:ph type="dt" sz="half" idx="10" hasCustomPrompt="0"/>
+          <p:nvPr>
+            <p:ph type="dt" sz="half" idx="10"/>
           </p:nvPr>
         </p:nvSpPr>
         <p:spPr bwMode="auto"/>
@@ -2132,7 +2146,7 @@
             </a:pPr>
             <a:fld id="{C989420C-30AB-4EEF-8469-B3FCB007A542}" type="datetimeFigureOut">
               <a:rPr lang="en-US"/>
-              <a:t/>
+              <a:t>5/19/2022</a:t>
             </a:fld>
             <a:endParaRPr lang="en-US"/>
           </a:p>
@@ -2140,12 +2154,12 @@
       </p:sp>
       <p:sp>
         <p:nvSpPr>
-          <p:cNvPr id="5" name="Footer Placeholder 4" hidden="0"/>
+          <p:cNvPr id="5" name="Footer Placeholder 4"/>
           <p:cNvSpPr>
             <a:spLocks noGrp="1"/>
           </p:cNvSpPr>
-          <p:nvPr isPhoto="0" userDrawn="0">
-            <p:ph type="ftr" sz="quarter" idx="11" hasCustomPrompt="0"/>
+          <p:nvPr>
+            <p:ph type="ftr" sz="quarter" idx="11"/>
           </p:nvPr>
         </p:nvSpPr>
         <p:spPr bwMode="auto"/>
@@ -2162,12 +2176,12 @@
       </p:sp>
       <p:sp>
         <p:nvSpPr>
-          <p:cNvPr id="6" name="Slide Number Placeholder 5" hidden="0"/>
+          <p:cNvPr id="6" name="Slide Number Placeholder 5"/>
           <p:cNvSpPr>
             <a:spLocks noGrp="1"/>
           </p:cNvSpPr>
-          <p:nvPr isPhoto="0" userDrawn="0">
-            <p:ph type="sldNum" sz="quarter" idx="12" hasCustomPrompt="0"/>
+          <p:nvPr>
+            <p:ph type="sldNum" sz="quarter" idx="12"/>
           </p:nvPr>
         </p:nvSpPr>
         <p:spPr bwMode="auto"/>
@@ -2180,7 +2194,7 @@
             </a:pPr>
             <a:fld id="{835FBC02-2961-494D-B648-ACE393148AFA}" type="slidenum">
               <a:rPr lang="en-US"/>
-              <a:t/>
+              <a:t>‹#›</a:t>
             </a:fld>
             <a:endParaRPr lang="en-US"/>
           </a:p>
@@ -2188,9 +2202,9 @@
       </p:sp>
       <p:sp>
         <p:nvSpPr>
-          <p:cNvPr id="24" name="TextBox 23" hidden="0"/>
+          <p:cNvPr id="24" name="TextBox 23"/>
           <p:cNvSpPr txBox="1"/>
-          <p:nvPr isPhoto="0" userDrawn="0"/>
+          <p:nvPr/>
         </p:nvSpPr>
         <p:spPr bwMode="auto">
           <a:xfrm>
@@ -2231,9 +2245,9 @@
       </p:sp>
       <p:sp>
         <p:nvSpPr>
-          <p:cNvPr id="25" name="TextBox 24" hidden="0"/>
+          <p:cNvPr id="25" name="TextBox 24"/>
           <p:cNvSpPr txBox="1"/>
-          <p:nvPr isPhoto="0" userDrawn="0"/>
+          <p:nvPr/>
         </p:nvSpPr>
         <p:spPr bwMode="auto">
           <a:xfrm>
@@ -2281,13 +2295,13 @@
 </file>
 
 <file path=ppt/slideLayouts/slideLayout14.xml><?xml version="1.0" encoding="utf-8"?>
-<p:sldLayout xmlns:a="http://schemas.openxmlformats.org/drawingml/2006/main" xmlns:r="http://schemas.openxmlformats.org/officeDocument/2006/relationships" xmlns:p="http://schemas.openxmlformats.org/presentationml/2006/main" xmlns:m="http://schemas.openxmlformats.org/officeDocument/2006/math" xmlns:w="http://schemas.openxmlformats.org/wordprocessingml/2006/main" matchingName="" preserve="1" showMasterPhAnim="0" userDrawn="1">
+<p:sldLayout xmlns:a="http://schemas.openxmlformats.org/drawingml/2006/main" xmlns:r="http://schemas.openxmlformats.org/officeDocument/2006/relationships" xmlns:p="http://schemas.openxmlformats.org/presentationml/2006/main" showMasterPhAnim="0" preserve="1" userDrawn="1">
   <p:cSld name="Истина или ложь">
     <p:spTree>
       <p:nvGrpSpPr>
-        <p:cNvPr id="1" name="" hidden="0"/>
+        <p:cNvPr id="1" name=""/>
         <p:cNvGrpSpPr/>
-        <p:nvPr isPhoto="0" userDrawn="0"/>
+        <p:nvPr/>
       </p:nvGrpSpPr>
       <p:grpSpPr bwMode="auto">
         <a:xfrm>
@@ -2299,12 +2313,12 @@
       </p:grpSpPr>
       <p:sp>
         <p:nvSpPr>
-          <p:cNvPr id="2" name="Title 1" hidden="0"/>
+          <p:cNvPr id="2" name="Title 1"/>
           <p:cNvSpPr>
             <a:spLocks noGrp="1"/>
           </p:cNvSpPr>
-          <p:nvPr isPhoto="0" userDrawn="0">
-            <p:ph type="title" hasCustomPrompt="0"/>
+          <p:nvPr>
+            <p:ph type="title"/>
           </p:nvPr>
         </p:nvSpPr>
         <p:spPr bwMode="auto">
@@ -2336,12 +2350,12 @@
       </p:sp>
       <p:sp>
         <p:nvSpPr>
-          <p:cNvPr id="23" name="Text Placeholder 9" hidden="0"/>
+          <p:cNvPr id="23" name="Text Placeholder 9"/>
           <p:cNvSpPr>
             <a:spLocks noGrp="1"/>
           </p:cNvSpPr>
-          <p:nvPr isPhoto="0" userDrawn="0">
-            <p:ph type="body" sz="quarter" idx="13" hasCustomPrompt="0"/>
+          <p:nvPr>
+            <p:ph type="body" sz="quarter" idx="13"/>
           </p:nvPr>
         </p:nvSpPr>
         <p:spPr bwMode="auto">
@@ -2399,12 +2413,12 @@
       </p:sp>
       <p:sp>
         <p:nvSpPr>
-          <p:cNvPr id="3" name="Text Placeholder 2" hidden="0"/>
+          <p:cNvPr id="3" name="Text Placeholder 2"/>
           <p:cNvSpPr>
             <a:spLocks noGrp="1"/>
           </p:cNvSpPr>
-          <p:nvPr isPhoto="0" userDrawn="0">
-            <p:ph type="body" idx="1" hasCustomPrompt="0"/>
+          <p:nvPr>
+            <p:ph type="body" idx="1"/>
           </p:nvPr>
         </p:nvSpPr>
         <p:spPr bwMode="auto">
@@ -2524,12 +2538,12 @@
       </p:sp>
       <p:sp>
         <p:nvSpPr>
-          <p:cNvPr id="4" name="Date Placeholder 3" hidden="0"/>
+          <p:cNvPr id="4" name="Date Placeholder 3"/>
           <p:cNvSpPr>
             <a:spLocks noGrp="1"/>
           </p:cNvSpPr>
-          <p:nvPr isPhoto="0" userDrawn="0">
-            <p:ph type="dt" sz="half" idx="10" hasCustomPrompt="0"/>
+          <p:nvPr>
+            <p:ph type="dt" sz="half" idx="10"/>
           </p:nvPr>
         </p:nvSpPr>
         <p:spPr bwMode="auto"/>
@@ -2542,7 +2556,7 @@
             </a:pPr>
             <a:fld id="{C989420C-30AB-4EEF-8469-B3FCB007A542}" type="datetimeFigureOut">
               <a:rPr lang="en-US"/>
-              <a:t/>
+              <a:t>5/19/2022</a:t>
             </a:fld>
             <a:endParaRPr lang="en-US"/>
           </a:p>
@@ -2550,12 +2564,12 @@
       </p:sp>
       <p:sp>
         <p:nvSpPr>
-          <p:cNvPr id="5" name="Footer Placeholder 4" hidden="0"/>
+          <p:cNvPr id="5" name="Footer Placeholder 4"/>
           <p:cNvSpPr>
             <a:spLocks noGrp="1"/>
           </p:cNvSpPr>
-          <p:nvPr isPhoto="0" userDrawn="0">
-            <p:ph type="ftr" sz="quarter" idx="11" hasCustomPrompt="0"/>
+          <p:nvPr>
+            <p:ph type="ftr" sz="quarter" idx="11"/>
           </p:nvPr>
         </p:nvSpPr>
         <p:spPr bwMode="auto"/>
@@ -2572,12 +2586,12 @@
       </p:sp>
       <p:sp>
         <p:nvSpPr>
-          <p:cNvPr id="6" name="Slide Number Placeholder 5" hidden="0"/>
+          <p:cNvPr id="6" name="Slide Number Placeholder 5"/>
           <p:cNvSpPr>
             <a:spLocks noGrp="1"/>
           </p:cNvSpPr>
-          <p:nvPr isPhoto="0" userDrawn="0">
-            <p:ph type="sldNum" sz="quarter" idx="12" hasCustomPrompt="0"/>
+          <p:nvPr>
+            <p:ph type="sldNum" sz="quarter" idx="12"/>
           </p:nvPr>
         </p:nvSpPr>
         <p:spPr bwMode="auto"/>
@@ -2590,7 +2604,7 @@
             </a:pPr>
             <a:fld id="{835FBC02-2961-494D-B648-ACE393148AFA}" type="slidenum">
               <a:rPr lang="en-US"/>
-              <a:t/>
+              <a:t>‹#›</a:t>
             </a:fld>
             <a:endParaRPr lang="en-US"/>
           </a:p>
@@ -2605,13 +2619,13 @@
 </file>
 
 <file path=ppt/slideLayouts/slideLayout15.xml><?xml version="1.0" encoding="utf-8"?>
-<p:sldLayout xmlns:a="http://schemas.openxmlformats.org/drawingml/2006/main" xmlns:r="http://schemas.openxmlformats.org/officeDocument/2006/relationships" xmlns:p="http://schemas.openxmlformats.org/presentationml/2006/main" xmlns:m="http://schemas.openxmlformats.org/officeDocument/2006/math" xmlns:w="http://schemas.openxmlformats.org/wordprocessingml/2006/main" matchingName="" preserve="1" showMasterPhAnim="0" type="vertTx" userDrawn="1">
+<p:sldLayout xmlns:a="http://schemas.openxmlformats.org/drawingml/2006/main" xmlns:r="http://schemas.openxmlformats.org/officeDocument/2006/relationships" xmlns:p="http://schemas.openxmlformats.org/presentationml/2006/main" showMasterPhAnim="0" type="vertTx" preserve="1" userDrawn="1">
   <p:cSld name="Заголовок и вертикальный текст">
     <p:spTree>
       <p:nvGrpSpPr>
-        <p:cNvPr id="1" name="" hidden="0"/>
+        <p:cNvPr id="1" name=""/>
         <p:cNvGrpSpPr/>
-        <p:nvPr isPhoto="0" userDrawn="0"/>
+        <p:nvPr/>
       </p:nvGrpSpPr>
       <p:grpSpPr bwMode="auto">
         <a:xfrm>
@@ -2623,12 +2637,12 @@
       </p:grpSpPr>
       <p:sp>
         <p:nvSpPr>
-          <p:cNvPr id="2" name="Title 1" hidden="0"/>
+          <p:cNvPr id="2" name="Title 1"/>
           <p:cNvSpPr>
             <a:spLocks noGrp="1"/>
           </p:cNvSpPr>
-          <p:nvPr isPhoto="0" userDrawn="0">
-            <p:ph type="title" hasCustomPrompt="0"/>
+          <p:nvPr>
+            <p:ph type="title"/>
           </p:nvPr>
         </p:nvSpPr>
         <p:spPr bwMode="auto"/>
@@ -2649,12 +2663,12 @@
       </p:sp>
       <p:sp>
         <p:nvSpPr>
-          <p:cNvPr id="3" name="Vertical Text Placeholder 2" hidden="0"/>
+          <p:cNvPr id="3" name="Vertical Text Placeholder 2"/>
           <p:cNvSpPr>
             <a:spLocks noGrp="1"/>
           </p:cNvSpPr>
-          <p:nvPr isPhoto="0" userDrawn="0">
-            <p:ph type="body" orient="vert" idx="1" hasCustomPrompt="0"/>
+          <p:nvPr>
+            <p:ph type="body" orient="vert" idx="1"/>
           </p:nvPr>
         </p:nvSpPr>
         <p:spPr bwMode="auto"/>
@@ -2715,12 +2729,12 @@
       </p:sp>
       <p:sp>
         <p:nvSpPr>
-          <p:cNvPr id="4" name="Date Placeholder 3" hidden="0"/>
+          <p:cNvPr id="4" name="Date Placeholder 3"/>
           <p:cNvSpPr>
             <a:spLocks noGrp="1"/>
           </p:cNvSpPr>
-          <p:nvPr isPhoto="0" userDrawn="0">
-            <p:ph type="dt" sz="half" idx="10" hasCustomPrompt="0"/>
+          <p:nvPr>
+            <p:ph type="dt" sz="half" idx="10"/>
           </p:nvPr>
         </p:nvSpPr>
         <p:spPr bwMode="auto"/>
@@ -2733,7 +2747,7 @@
             </a:pPr>
             <a:fld id="{C989420C-30AB-4EEF-8469-B3FCB007A542}" type="datetimeFigureOut">
               <a:rPr lang="en-US"/>
-              <a:t/>
+              <a:t>5/19/2022</a:t>
             </a:fld>
             <a:endParaRPr lang="en-US"/>
           </a:p>
@@ -2741,12 +2755,12 @@
       </p:sp>
       <p:sp>
         <p:nvSpPr>
-          <p:cNvPr id="5" name="Footer Placeholder 4" hidden="0"/>
+          <p:cNvPr id="5" name="Footer Placeholder 4"/>
           <p:cNvSpPr>
             <a:spLocks noGrp="1"/>
           </p:cNvSpPr>
-          <p:nvPr isPhoto="0" userDrawn="0">
-            <p:ph type="ftr" sz="quarter" idx="11" hasCustomPrompt="0"/>
+          <p:nvPr>
+            <p:ph type="ftr" sz="quarter" idx="11"/>
           </p:nvPr>
         </p:nvSpPr>
         <p:spPr bwMode="auto"/>
@@ -2763,12 +2777,12 @@
       </p:sp>
       <p:sp>
         <p:nvSpPr>
-          <p:cNvPr id="6" name="Slide Number Placeholder 5" hidden="0"/>
+          <p:cNvPr id="6" name="Slide Number Placeholder 5"/>
           <p:cNvSpPr>
             <a:spLocks noGrp="1"/>
           </p:cNvSpPr>
-          <p:nvPr isPhoto="0" userDrawn="0">
-            <p:ph type="sldNum" sz="quarter" idx="12" hasCustomPrompt="0"/>
+          <p:nvPr>
+            <p:ph type="sldNum" sz="quarter" idx="12"/>
           </p:nvPr>
         </p:nvSpPr>
         <p:spPr bwMode="auto"/>
@@ -2781,7 +2795,7 @@
             </a:pPr>
             <a:fld id="{835FBC02-2961-494D-B648-ACE393148AFA}" type="slidenum">
               <a:rPr lang="en-US"/>
-              <a:t/>
+              <a:t>‹#›</a:t>
             </a:fld>
             <a:endParaRPr lang="en-US"/>
           </a:p>
@@ -2796,13 +2810,13 @@
 </file>
 
 <file path=ppt/slideLayouts/slideLayout16.xml><?xml version="1.0" encoding="utf-8"?>
-<p:sldLayout xmlns:a="http://schemas.openxmlformats.org/drawingml/2006/main" xmlns:r="http://schemas.openxmlformats.org/officeDocument/2006/relationships" xmlns:p="http://schemas.openxmlformats.org/presentationml/2006/main" xmlns:m="http://schemas.openxmlformats.org/officeDocument/2006/math" xmlns:w="http://schemas.openxmlformats.org/wordprocessingml/2006/main" matchingName="" preserve="1" showMasterPhAnim="0" type="vertTitleAndTx" userDrawn="1">
+<p:sldLayout xmlns:a="http://schemas.openxmlformats.org/drawingml/2006/main" xmlns:r="http://schemas.openxmlformats.org/officeDocument/2006/relationships" xmlns:p="http://schemas.openxmlformats.org/presentationml/2006/main" showMasterPhAnim="0" type="vertTitleAndTx" preserve="1" userDrawn="1">
   <p:cSld name="Вертикальный заголовок и текст">
     <p:spTree>
       <p:nvGrpSpPr>
-        <p:cNvPr id="1" name="" hidden="0"/>
+        <p:cNvPr id="1" name=""/>
         <p:cNvGrpSpPr/>
-        <p:nvPr isPhoto="0" userDrawn="0"/>
+        <p:nvPr/>
       </p:nvGrpSpPr>
       <p:grpSpPr bwMode="auto">
         <a:xfrm>
@@ -2814,12 +2828,12 @@
       </p:grpSpPr>
       <p:sp>
         <p:nvSpPr>
-          <p:cNvPr id="2" name="Vertical Title 1" hidden="0"/>
+          <p:cNvPr id="2" name="Vertical Title 1"/>
           <p:cNvSpPr>
             <a:spLocks noGrp="1"/>
           </p:cNvSpPr>
-          <p:nvPr isPhoto="0" userDrawn="0">
-            <p:ph type="title" orient="vert" hasCustomPrompt="0"/>
+          <p:nvPr>
+            <p:ph type="title" orient="vert"/>
           </p:nvPr>
         </p:nvSpPr>
         <p:spPr bwMode="auto">
@@ -2845,12 +2859,12 @@
       </p:sp>
       <p:sp>
         <p:nvSpPr>
-          <p:cNvPr id="3" name="Vertical Text Placeholder 2" hidden="0"/>
+          <p:cNvPr id="3" name="Vertical Text Placeholder 2"/>
           <p:cNvSpPr>
             <a:spLocks noGrp="1"/>
           </p:cNvSpPr>
-          <p:nvPr isPhoto="0" userDrawn="0">
-            <p:ph type="body" orient="vert" idx="1" hasCustomPrompt="0"/>
+          <p:nvPr>
+            <p:ph type="body" orient="vert" idx="1"/>
           </p:nvPr>
         </p:nvSpPr>
         <p:spPr bwMode="auto">
@@ -2916,12 +2930,12 @@
       </p:sp>
       <p:sp>
         <p:nvSpPr>
-          <p:cNvPr id="4" name="Date Placeholder 3" hidden="0"/>
+          <p:cNvPr id="4" name="Date Placeholder 3"/>
           <p:cNvSpPr>
             <a:spLocks noGrp="1"/>
           </p:cNvSpPr>
-          <p:nvPr isPhoto="0" userDrawn="0">
-            <p:ph type="dt" sz="half" idx="10" hasCustomPrompt="0"/>
+          <p:nvPr>
+            <p:ph type="dt" sz="half" idx="10"/>
           </p:nvPr>
         </p:nvSpPr>
         <p:spPr bwMode="auto"/>
@@ -2934,7 +2948,7 @@
             </a:pPr>
             <a:fld id="{C989420C-30AB-4EEF-8469-B3FCB007A542}" type="datetimeFigureOut">
               <a:rPr lang="en-US"/>
-              <a:t/>
+              <a:t>5/19/2022</a:t>
             </a:fld>
             <a:endParaRPr lang="en-US"/>
           </a:p>
@@ -2942,12 +2956,12 @@
       </p:sp>
       <p:sp>
         <p:nvSpPr>
-          <p:cNvPr id="5" name="Footer Placeholder 4" hidden="0"/>
+          <p:cNvPr id="5" name="Footer Placeholder 4"/>
           <p:cNvSpPr>
             <a:spLocks noGrp="1"/>
           </p:cNvSpPr>
-          <p:nvPr isPhoto="0" userDrawn="0">
-            <p:ph type="ftr" sz="quarter" idx="11" hasCustomPrompt="0"/>
+          <p:nvPr>
+            <p:ph type="ftr" sz="quarter" idx="11"/>
           </p:nvPr>
         </p:nvSpPr>
         <p:spPr bwMode="auto"/>
@@ -2964,12 +2978,12 @@
       </p:sp>
       <p:sp>
         <p:nvSpPr>
-          <p:cNvPr id="6" name="Slide Number Placeholder 5" hidden="0"/>
+          <p:cNvPr id="6" name="Slide Number Placeholder 5"/>
           <p:cNvSpPr>
             <a:spLocks noGrp="1"/>
           </p:cNvSpPr>
-          <p:nvPr isPhoto="0" userDrawn="0">
-            <p:ph type="sldNum" sz="quarter" idx="12" hasCustomPrompt="0"/>
+          <p:nvPr>
+            <p:ph type="sldNum" sz="quarter" idx="12"/>
           </p:nvPr>
         </p:nvSpPr>
         <p:spPr bwMode="auto"/>
@@ -2982,7 +2996,7 @@
             </a:pPr>
             <a:fld id="{835FBC02-2961-494D-B648-ACE393148AFA}" type="slidenum">
               <a:rPr lang="en-US"/>
-              <a:t/>
+              <a:t>‹#›</a:t>
             </a:fld>
             <a:endParaRPr lang="en-US"/>
           </a:p>
@@ -2997,13 +3011,13 @@
 </file>
 
 <file path=ppt/slideLayouts/slideLayout2.xml><?xml version="1.0" encoding="utf-8"?>
-<p:sldLayout xmlns:a="http://schemas.openxmlformats.org/drawingml/2006/main" xmlns:r="http://schemas.openxmlformats.org/officeDocument/2006/relationships" xmlns:p="http://schemas.openxmlformats.org/presentationml/2006/main" xmlns:m="http://schemas.openxmlformats.org/officeDocument/2006/math" xmlns:w="http://schemas.openxmlformats.org/wordprocessingml/2006/main" matchingName="" preserve="1" showMasterPhAnim="0" type="obj" userDrawn="1">
+<p:sldLayout xmlns:a="http://schemas.openxmlformats.org/drawingml/2006/main" xmlns:r="http://schemas.openxmlformats.org/officeDocument/2006/relationships" xmlns:p="http://schemas.openxmlformats.org/presentationml/2006/main" showMasterPhAnim="0" type="obj" preserve="1" userDrawn="1">
   <p:cSld name="Заголовок и объект">
     <p:spTree>
       <p:nvGrpSpPr>
-        <p:cNvPr id="1" name="" hidden="0"/>
+        <p:cNvPr id="1" name=""/>
         <p:cNvGrpSpPr/>
-        <p:nvPr isPhoto="0" userDrawn="0"/>
+        <p:nvPr/>
       </p:nvGrpSpPr>
       <p:grpSpPr bwMode="auto">
         <a:xfrm>
@@ -3015,12 +3029,12 @@
       </p:grpSpPr>
       <p:sp>
         <p:nvSpPr>
-          <p:cNvPr id="2" name="Title 1" hidden="0"/>
+          <p:cNvPr id="2" name="Title 1"/>
           <p:cNvSpPr>
             <a:spLocks noGrp="1"/>
           </p:cNvSpPr>
-          <p:nvPr isPhoto="0" userDrawn="0">
-            <p:ph type="title" hasCustomPrompt="0"/>
+          <p:nvPr>
+            <p:ph type="title"/>
           </p:nvPr>
         </p:nvSpPr>
         <p:spPr bwMode="auto"/>
@@ -3047,12 +3061,12 @@
       </p:sp>
       <p:sp>
         <p:nvSpPr>
-          <p:cNvPr id="3" name="Content Placeholder 2" hidden="0"/>
+          <p:cNvPr id="3" name="Content Placeholder 2"/>
           <p:cNvSpPr>
             <a:spLocks noGrp="1"/>
           </p:cNvSpPr>
-          <p:nvPr isPhoto="0" userDrawn="0">
-            <p:ph idx="1" hasCustomPrompt="0"/>
+          <p:nvPr>
+            <p:ph idx="1"/>
           </p:nvPr>
         </p:nvSpPr>
         <p:spPr bwMode="auto"/>
@@ -3113,12 +3127,12 @@
       </p:sp>
       <p:sp>
         <p:nvSpPr>
-          <p:cNvPr id="4" name="Date Placeholder 3" hidden="0"/>
+          <p:cNvPr id="4" name="Date Placeholder 3"/>
           <p:cNvSpPr>
             <a:spLocks noGrp="1"/>
           </p:cNvSpPr>
-          <p:nvPr isPhoto="0" userDrawn="0">
-            <p:ph type="dt" sz="half" idx="10" hasCustomPrompt="0"/>
+          <p:nvPr>
+            <p:ph type="dt" sz="half" idx="10"/>
           </p:nvPr>
         </p:nvSpPr>
         <p:spPr bwMode="auto"/>
@@ -3131,7 +3145,7 @@
             </a:pPr>
             <a:fld id="{C989420C-30AB-4EEF-8469-B3FCB007A542}" type="datetimeFigureOut">
               <a:rPr lang="en-US"/>
-              <a:t/>
+              <a:t>5/19/2022</a:t>
             </a:fld>
             <a:endParaRPr lang="en-US"/>
           </a:p>
@@ -3139,12 +3153,12 @@
       </p:sp>
       <p:sp>
         <p:nvSpPr>
-          <p:cNvPr id="5" name="Footer Placeholder 4" hidden="0"/>
+          <p:cNvPr id="5" name="Footer Placeholder 4"/>
           <p:cNvSpPr>
             <a:spLocks noGrp="1"/>
           </p:cNvSpPr>
-          <p:nvPr isPhoto="0" userDrawn="0">
-            <p:ph type="ftr" sz="quarter" idx="11" hasCustomPrompt="0"/>
+          <p:nvPr>
+            <p:ph type="ftr" sz="quarter" idx="11"/>
           </p:nvPr>
         </p:nvSpPr>
         <p:spPr bwMode="auto"/>
@@ -3161,12 +3175,12 @@
       </p:sp>
       <p:sp>
         <p:nvSpPr>
-          <p:cNvPr id="6" name="Slide Number Placeholder 5" hidden="0"/>
+          <p:cNvPr id="6" name="Slide Number Placeholder 5"/>
           <p:cNvSpPr>
             <a:spLocks noGrp="1"/>
           </p:cNvSpPr>
-          <p:nvPr isPhoto="0" userDrawn="0">
-            <p:ph type="sldNum" sz="quarter" idx="12" hasCustomPrompt="0"/>
+          <p:nvPr>
+            <p:ph type="sldNum" sz="quarter" idx="12"/>
           </p:nvPr>
         </p:nvSpPr>
         <p:spPr bwMode="auto"/>
@@ -3179,7 +3193,7 @@
             </a:pPr>
             <a:fld id="{835FBC02-2961-494D-B648-ACE393148AFA}" type="slidenum">
               <a:rPr lang="en-US"/>
-              <a:t/>
+              <a:t>‹#›</a:t>
             </a:fld>
             <a:endParaRPr lang="en-US"/>
           </a:p>
@@ -3194,13 +3208,13 @@
 </file>
 
 <file path=ppt/slideLayouts/slideLayout3.xml><?xml version="1.0" encoding="utf-8"?>
-<p:sldLayout xmlns:a="http://schemas.openxmlformats.org/drawingml/2006/main" xmlns:r="http://schemas.openxmlformats.org/officeDocument/2006/relationships" xmlns:p="http://schemas.openxmlformats.org/presentationml/2006/main" xmlns:m="http://schemas.openxmlformats.org/officeDocument/2006/math" xmlns:w="http://schemas.openxmlformats.org/wordprocessingml/2006/main" matchingName="" preserve="1" showMasterPhAnim="0" type="secHead" userDrawn="1">
+<p:sldLayout xmlns:a="http://schemas.openxmlformats.org/drawingml/2006/main" xmlns:r="http://schemas.openxmlformats.org/officeDocument/2006/relationships" xmlns:p="http://schemas.openxmlformats.org/presentationml/2006/main" showMasterPhAnim="0" type="secHead" preserve="1" userDrawn="1">
   <p:cSld name="Заголовок раздела">
     <p:spTree>
       <p:nvGrpSpPr>
-        <p:cNvPr id="1" name="" hidden="0"/>
+        <p:cNvPr id="1" name=""/>
         <p:cNvGrpSpPr/>
-        <p:nvPr isPhoto="0" userDrawn="0"/>
+        <p:nvPr/>
       </p:nvGrpSpPr>
       <p:grpSpPr bwMode="auto">
         <a:xfrm>
@@ -3212,12 +3226,12 @@
       </p:grpSpPr>
       <p:sp>
         <p:nvSpPr>
-          <p:cNvPr id="2" name="Title 1" hidden="0"/>
+          <p:cNvPr id="2" name="Title 1"/>
           <p:cNvSpPr>
             <a:spLocks noGrp="1"/>
           </p:cNvSpPr>
-          <p:nvPr isPhoto="0" userDrawn="0">
-            <p:ph type="title" hasCustomPrompt="0"/>
+          <p:nvPr>
+            <p:ph type="title"/>
           </p:nvPr>
         </p:nvSpPr>
         <p:spPr bwMode="auto">
@@ -3247,12 +3261,12 @@
       </p:sp>
       <p:sp>
         <p:nvSpPr>
-          <p:cNvPr id="3" name="Text Placeholder 2" hidden="0"/>
+          <p:cNvPr id="3" name="Text Placeholder 2"/>
           <p:cNvSpPr>
             <a:spLocks noGrp="1"/>
           </p:cNvSpPr>
-          <p:nvPr isPhoto="0" userDrawn="0">
-            <p:ph type="body" idx="1" hasCustomPrompt="0"/>
+          <p:nvPr>
+            <p:ph type="body" idx="1"/>
           </p:nvPr>
         </p:nvSpPr>
         <p:spPr bwMode="auto">
@@ -3370,12 +3384,12 @@
       </p:sp>
       <p:sp>
         <p:nvSpPr>
-          <p:cNvPr id="4" name="Date Placeholder 3" hidden="0"/>
+          <p:cNvPr id="4" name="Date Placeholder 3"/>
           <p:cNvSpPr>
             <a:spLocks noGrp="1"/>
           </p:cNvSpPr>
-          <p:nvPr isPhoto="0" userDrawn="0">
-            <p:ph type="dt" sz="half" idx="10" hasCustomPrompt="0"/>
+          <p:nvPr>
+            <p:ph type="dt" sz="half" idx="10"/>
           </p:nvPr>
         </p:nvSpPr>
         <p:spPr bwMode="auto"/>
@@ -3388,7 +3402,7 @@
             </a:pPr>
             <a:fld id="{C989420C-30AB-4EEF-8469-B3FCB007A542}" type="datetimeFigureOut">
               <a:rPr lang="en-US"/>
-              <a:t/>
+              <a:t>5/19/2022</a:t>
             </a:fld>
             <a:endParaRPr lang="en-US"/>
           </a:p>
@@ -3396,12 +3410,12 @@
       </p:sp>
       <p:sp>
         <p:nvSpPr>
-          <p:cNvPr id="5" name="Footer Placeholder 4" hidden="0"/>
+          <p:cNvPr id="5" name="Footer Placeholder 4"/>
           <p:cNvSpPr>
             <a:spLocks noGrp="1"/>
           </p:cNvSpPr>
-          <p:nvPr isPhoto="0" userDrawn="0">
-            <p:ph type="ftr" sz="quarter" idx="11" hasCustomPrompt="0"/>
+          <p:nvPr>
+            <p:ph type="ftr" sz="quarter" idx="11"/>
           </p:nvPr>
         </p:nvSpPr>
         <p:spPr bwMode="auto"/>
@@ -3418,12 +3432,12 @@
       </p:sp>
       <p:sp>
         <p:nvSpPr>
-          <p:cNvPr id="6" name="Slide Number Placeholder 5" hidden="0"/>
+          <p:cNvPr id="6" name="Slide Number Placeholder 5"/>
           <p:cNvSpPr>
             <a:spLocks noGrp="1"/>
           </p:cNvSpPr>
-          <p:nvPr isPhoto="0" userDrawn="0">
-            <p:ph type="sldNum" sz="quarter" idx="12" hasCustomPrompt="0"/>
+          <p:nvPr>
+            <p:ph type="sldNum" sz="quarter" idx="12"/>
           </p:nvPr>
         </p:nvSpPr>
         <p:spPr bwMode="auto"/>
@@ -3436,7 +3450,7 @@
             </a:pPr>
             <a:fld id="{835FBC02-2961-494D-B648-ACE393148AFA}" type="slidenum">
               <a:rPr lang="en-US"/>
-              <a:t/>
+              <a:t>‹#›</a:t>
             </a:fld>
             <a:endParaRPr lang="en-US"/>
           </a:p>
@@ -3451,13 +3465,13 @@
 </file>
 
 <file path=ppt/slideLayouts/slideLayout4.xml><?xml version="1.0" encoding="utf-8"?>
-<p:sldLayout xmlns:a="http://schemas.openxmlformats.org/drawingml/2006/main" xmlns:r="http://schemas.openxmlformats.org/officeDocument/2006/relationships" xmlns:p="http://schemas.openxmlformats.org/presentationml/2006/main" xmlns:m="http://schemas.openxmlformats.org/officeDocument/2006/math" xmlns:w="http://schemas.openxmlformats.org/wordprocessingml/2006/main" matchingName="" preserve="1" showMasterPhAnim="0" type="twoObj" userDrawn="1">
+<p:sldLayout xmlns:a="http://schemas.openxmlformats.org/drawingml/2006/main" xmlns:r="http://schemas.openxmlformats.org/officeDocument/2006/relationships" xmlns:p="http://schemas.openxmlformats.org/presentationml/2006/main" showMasterPhAnim="0" type="twoObj" preserve="1" userDrawn="1">
   <p:cSld name="Два объекта">
     <p:spTree>
       <p:nvGrpSpPr>
-        <p:cNvPr id="1" name="" hidden="0"/>
+        <p:cNvPr id="1" name=""/>
         <p:cNvGrpSpPr/>
-        <p:nvPr isPhoto="0" userDrawn="0"/>
+        <p:nvPr/>
       </p:nvGrpSpPr>
       <p:grpSpPr bwMode="auto">
         <a:xfrm>
@@ -3469,12 +3483,12 @@
       </p:grpSpPr>
       <p:sp>
         <p:nvSpPr>
-          <p:cNvPr id="2" name="Title 1" hidden="0"/>
+          <p:cNvPr id="2" name="Title 1"/>
           <p:cNvSpPr>
             <a:spLocks noGrp="1"/>
           </p:cNvSpPr>
-          <p:nvPr isPhoto="0" userDrawn="0">
-            <p:ph type="title" hasCustomPrompt="0"/>
+          <p:nvPr>
+            <p:ph type="title"/>
           </p:nvPr>
         </p:nvSpPr>
         <p:spPr bwMode="auto"/>
@@ -3495,12 +3509,12 @@
       </p:sp>
       <p:sp>
         <p:nvSpPr>
-          <p:cNvPr id="3" name="Content Placeholder 2" hidden="0"/>
+          <p:cNvPr id="3" name="Content Placeholder 2"/>
           <p:cNvSpPr>
             <a:spLocks noGrp="1"/>
           </p:cNvSpPr>
-          <p:nvPr isPhoto="0" userDrawn="0">
-            <p:ph sz="half" idx="1" hasCustomPrompt="0"/>
+          <p:nvPr>
+            <p:ph sz="half" idx="1"/>
           </p:nvPr>
         </p:nvSpPr>
         <p:spPr bwMode="auto">
@@ -3566,12 +3580,12 @@
       </p:sp>
       <p:sp>
         <p:nvSpPr>
-          <p:cNvPr id="4" name="Content Placeholder 3" hidden="0"/>
+          <p:cNvPr id="4" name="Content Placeholder 3"/>
           <p:cNvSpPr>
             <a:spLocks noGrp="1"/>
           </p:cNvSpPr>
-          <p:nvPr isPhoto="0" userDrawn="0">
-            <p:ph sz="half" idx="2" hasCustomPrompt="0"/>
+          <p:nvPr>
+            <p:ph sz="half" idx="2"/>
           </p:nvPr>
         </p:nvSpPr>
         <p:spPr bwMode="auto">
@@ -3637,12 +3651,12 @@
       </p:sp>
       <p:sp>
         <p:nvSpPr>
-          <p:cNvPr id="5" name="Date Placeholder 4" hidden="0"/>
+          <p:cNvPr id="5" name="Date Placeholder 4"/>
           <p:cNvSpPr>
             <a:spLocks noGrp="1"/>
           </p:cNvSpPr>
-          <p:nvPr isPhoto="0" userDrawn="0">
-            <p:ph type="dt" sz="half" idx="10" hasCustomPrompt="0"/>
+          <p:nvPr>
+            <p:ph type="dt" sz="half" idx="10"/>
           </p:nvPr>
         </p:nvSpPr>
         <p:spPr bwMode="auto"/>
@@ -3655,7 +3669,7 @@
             </a:pPr>
             <a:fld id="{C989420C-30AB-4EEF-8469-B3FCB007A542}" type="datetimeFigureOut">
               <a:rPr lang="en-US"/>
-              <a:t/>
+              <a:t>5/19/2022</a:t>
             </a:fld>
             <a:endParaRPr lang="en-US"/>
           </a:p>
@@ -3663,12 +3677,12 @@
       </p:sp>
       <p:sp>
         <p:nvSpPr>
-          <p:cNvPr id="6" name="Footer Placeholder 5" hidden="0"/>
+          <p:cNvPr id="6" name="Footer Placeholder 5"/>
           <p:cNvSpPr>
             <a:spLocks noGrp="1"/>
           </p:cNvSpPr>
-          <p:nvPr isPhoto="0" userDrawn="0">
-            <p:ph type="ftr" sz="quarter" idx="11" hasCustomPrompt="0"/>
+          <p:nvPr>
+            <p:ph type="ftr" sz="quarter" idx="11"/>
           </p:nvPr>
         </p:nvSpPr>
         <p:spPr bwMode="auto"/>
@@ -3685,12 +3699,12 @@
       </p:sp>
       <p:sp>
         <p:nvSpPr>
-          <p:cNvPr id="7" name="Slide Number Placeholder 6" hidden="0"/>
+          <p:cNvPr id="7" name="Slide Number Placeholder 6"/>
           <p:cNvSpPr>
             <a:spLocks noGrp="1"/>
           </p:cNvSpPr>
-          <p:nvPr isPhoto="0" userDrawn="0">
-            <p:ph type="sldNum" sz="quarter" idx="12" hasCustomPrompt="0"/>
+          <p:nvPr>
+            <p:ph type="sldNum" sz="quarter" idx="12"/>
           </p:nvPr>
         </p:nvSpPr>
         <p:spPr bwMode="auto"/>
@@ -3703,7 +3717,7 @@
             </a:pPr>
             <a:fld id="{835FBC02-2961-494D-B648-ACE393148AFA}" type="slidenum">
               <a:rPr lang="en-US"/>
-              <a:t/>
+              <a:t>‹#›</a:t>
             </a:fld>
             <a:endParaRPr lang="en-US"/>
           </a:p>
@@ -3718,13 +3732,13 @@
 </file>
 
 <file path=ppt/slideLayouts/slideLayout5.xml><?xml version="1.0" encoding="utf-8"?>
-<p:sldLayout xmlns:a="http://schemas.openxmlformats.org/drawingml/2006/main" xmlns:r="http://schemas.openxmlformats.org/officeDocument/2006/relationships" xmlns:p="http://schemas.openxmlformats.org/presentationml/2006/main" xmlns:m="http://schemas.openxmlformats.org/officeDocument/2006/math" xmlns:w="http://schemas.openxmlformats.org/wordprocessingml/2006/main" matchingName="" preserve="1" showMasterPhAnim="0" type="twoTxTwoObj" userDrawn="1">
+<p:sldLayout xmlns:a="http://schemas.openxmlformats.org/drawingml/2006/main" xmlns:r="http://schemas.openxmlformats.org/officeDocument/2006/relationships" xmlns:p="http://schemas.openxmlformats.org/presentationml/2006/main" showMasterPhAnim="0" type="twoTxTwoObj" preserve="1" userDrawn="1">
   <p:cSld name="Сравнение">
     <p:spTree>
       <p:nvGrpSpPr>
-        <p:cNvPr id="1" name="" hidden="0"/>
+        <p:cNvPr id="1" name=""/>
         <p:cNvGrpSpPr/>
-        <p:nvPr isPhoto="0" userDrawn="0"/>
+        <p:nvPr/>
       </p:nvGrpSpPr>
       <p:grpSpPr bwMode="auto">
         <a:xfrm>
@@ -3736,12 +3750,12 @@
       </p:grpSpPr>
       <p:sp>
         <p:nvSpPr>
-          <p:cNvPr id="2" name="Title 1" hidden="0"/>
+          <p:cNvPr id="2" name="Title 1"/>
           <p:cNvSpPr>
             <a:spLocks noGrp="1"/>
           </p:cNvSpPr>
-          <p:nvPr isPhoto="0" userDrawn="0">
-            <p:ph type="title" hasCustomPrompt="0"/>
+          <p:nvPr>
+            <p:ph type="title"/>
           </p:nvPr>
         </p:nvSpPr>
         <p:spPr bwMode="auto"/>
@@ -3766,12 +3780,12 @@
       </p:sp>
       <p:sp>
         <p:nvSpPr>
-          <p:cNvPr id="3" name="Text Placeholder 2" hidden="0"/>
+          <p:cNvPr id="3" name="Text Placeholder 2"/>
           <p:cNvSpPr>
             <a:spLocks noGrp="1"/>
           </p:cNvSpPr>
-          <p:nvPr isPhoto="0" userDrawn="0">
-            <p:ph type="body" idx="1" hasCustomPrompt="0"/>
+          <p:nvPr>
+            <p:ph type="body" idx="1"/>
           </p:nvPr>
         </p:nvSpPr>
         <p:spPr bwMode="auto">
@@ -3836,12 +3850,12 @@
       </p:sp>
       <p:sp>
         <p:nvSpPr>
-          <p:cNvPr id="4" name="Content Placeholder 3" hidden="0"/>
+          <p:cNvPr id="4" name="Content Placeholder 3"/>
           <p:cNvSpPr>
             <a:spLocks noGrp="1"/>
           </p:cNvSpPr>
-          <p:nvPr isPhoto="0" userDrawn="0">
-            <p:ph sz="half" idx="2" hasCustomPrompt="0"/>
+          <p:nvPr>
+            <p:ph sz="half" idx="2"/>
           </p:nvPr>
         </p:nvSpPr>
         <p:spPr bwMode="auto">
@@ -3909,12 +3923,12 @@
       </p:sp>
       <p:sp>
         <p:nvSpPr>
-          <p:cNvPr id="5" name="Text Placeholder 4" hidden="0"/>
+          <p:cNvPr id="5" name="Text Placeholder 4"/>
           <p:cNvSpPr>
             <a:spLocks noGrp="1"/>
           </p:cNvSpPr>
-          <p:nvPr isPhoto="0" userDrawn="0">
-            <p:ph type="body" sz="quarter" idx="3" hasCustomPrompt="0"/>
+          <p:nvPr>
+            <p:ph type="body" sz="quarter" idx="3"/>
           </p:nvPr>
         </p:nvSpPr>
         <p:spPr bwMode="auto">
@@ -3979,12 +3993,12 @@
       </p:sp>
       <p:sp>
         <p:nvSpPr>
-          <p:cNvPr id="6" name="Content Placeholder 5" hidden="0"/>
+          <p:cNvPr id="6" name="Content Placeholder 5"/>
           <p:cNvSpPr>
             <a:spLocks noGrp="1"/>
           </p:cNvSpPr>
-          <p:nvPr isPhoto="0" userDrawn="0">
-            <p:ph sz="quarter" idx="4" hasCustomPrompt="0"/>
+          <p:nvPr>
+            <p:ph sz="quarter" idx="4"/>
           </p:nvPr>
         </p:nvSpPr>
         <p:spPr bwMode="auto">
@@ -4052,12 +4066,12 @@
       </p:sp>
       <p:sp>
         <p:nvSpPr>
-          <p:cNvPr id="7" name="Date Placeholder 6" hidden="0"/>
+          <p:cNvPr id="7" name="Date Placeholder 6"/>
           <p:cNvSpPr>
             <a:spLocks noGrp="1"/>
           </p:cNvSpPr>
-          <p:nvPr isPhoto="0" userDrawn="0">
-            <p:ph type="dt" sz="half" idx="10" hasCustomPrompt="0"/>
+          <p:nvPr>
+            <p:ph type="dt" sz="half" idx="10"/>
           </p:nvPr>
         </p:nvSpPr>
         <p:spPr bwMode="auto"/>
@@ -4070,7 +4084,7 @@
             </a:pPr>
             <a:fld id="{C989420C-30AB-4EEF-8469-B3FCB007A542}" type="datetimeFigureOut">
               <a:rPr lang="en-US"/>
-              <a:t/>
+              <a:t>5/19/2022</a:t>
             </a:fld>
             <a:endParaRPr lang="en-US"/>
           </a:p>
@@ -4078,12 +4092,12 @@
       </p:sp>
       <p:sp>
         <p:nvSpPr>
-          <p:cNvPr id="8" name="Footer Placeholder 7" hidden="0"/>
+          <p:cNvPr id="8" name="Footer Placeholder 7"/>
           <p:cNvSpPr>
             <a:spLocks noGrp="1"/>
           </p:cNvSpPr>
-          <p:nvPr isPhoto="0" userDrawn="0">
-            <p:ph type="ftr" sz="quarter" idx="11" hasCustomPrompt="0"/>
+          <p:nvPr>
+            <p:ph type="ftr" sz="quarter" idx="11"/>
           </p:nvPr>
         </p:nvSpPr>
         <p:spPr bwMode="auto"/>
@@ -4100,12 +4114,12 @@
       </p:sp>
       <p:sp>
         <p:nvSpPr>
-          <p:cNvPr id="9" name="Slide Number Placeholder 8" hidden="0"/>
+          <p:cNvPr id="9" name="Slide Number Placeholder 8"/>
           <p:cNvSpPr>
             <a:spLocks noGrp="1"/>
           </p:cNvSpPr>
-          <p:nvPr isPhoto="0" userDrawn="0">
-            <p:ph type="sldNum" sz="quarter" idx="12" hasCustomPrompt="0"/>
+          <p:nvPr>
+            <p:ph type="sldNum" sz="quarter" idx="12"/>
           </p:nvPr>
         </p:nvSpPr>
         <p:spPr bwMode="auto"/>
@@ -4118,7 +4132,7 @@
             </a:pPr>
             <a:fld id="{835FBC02-2961-494D-B648-ACE393148AFA}" type="slidenum">
               <a:rPr lang="en-US"/>
-              <a:t/>
+              <a:t>‹#›</a:t>
             </a:fld>
             <a:endParaRPr lang="en-US"/>
           </a:p>
@@ -4133,13 +4147,13 @@
 </file>
 
 <file path=ppt/slideLayouts/slideLayout6.xml><?xml version="1.0" encoding="utf-8"?>
-<p:sldLayout xmlns:a="http://schemas.openxmlformats.org/drawingml/2006/main" xmlns:r="http://schemas.openxmlformats.org/officeDocument/2006/relationships" xmlns:p="http://schemas.openxmlformats.org/presentationml/2006/main" xmlns:m="http://schemas.openxmlformats.org/officeDocument/2006/math" xmlns:w="http://schemas.openxmlformats.org/wordprocessingml/2006/main" matchingName="" preserve="1" showMasterPhAnim="0" type="titleOnly" userDrawn="1">
+<p:sldLayout xmlns:a="http://schemas.openxmlformats.org/drawingml/2006/main" xmlns:r="http://schemas.openxmlformats.org/officeDocument/2006/relationships" xmlns:p="http://schemas.openxmlformats.org/presentationml/2006/main" showMasterPhAnim="0" type="titleOnly" preserve="1" userDrawn="1">
   <p:cSld name="Только заголовок">
     <p:spTree>
       <p:nvGrpSpPr>
-        <p:cNvPr id="1" name="" hidden="0"/>
+        <p:cNvPr id="1" name=""/>
         <p:cNvGrpSpPr/>
-        <p:nvPr isPhoto="0" userDrawn="0"/>
+        <p:nvPr/>
       </p:nvGrpSpPr>
       <p:grpSpPr bwMode="auto">
         <a:xfrm>
@@ -4151,12 +4165,12 @@
       </p:grpSpPr>
       <p:sp>
         <p:nvSpPr>
-          <p:cNvPr id="2" name="Title 1" hidden="0"/>
+          <p:cNvPr id="2" name="Title 1"/>
           <p:cNvSpPr>
             <a:spLocks noGrp="1"/>
           </p:cNvSpPr>
-          <p:nvPr isPhoto="0" userDrawn="0">
-            <p:ph type="title" hasCustomPrompt="0"/>
+          <p:nvPr>
+            <p:ph type="title"/>
           </p:nvPr>
         </p:nvSpPr>
         <p:spPr bwMode="auto">
@@ -4182,12 +4196,12 @@
       </p:sp>
       <p:sp>
         <p:nvSpPr>
-          <p:cNvPr id="3" name="Date Placeholder 2" hidden="0"/>
+          <p:cNvPr id="3" name="Date Placeholder 2"/>
           <p:cNvSpPr>
             <a:spLocks noGrp="1"/>
           </p:cNvSpPr>
-          <p:nvPr isPhoto="0" userDrawn="0">
-            <p:ph type="dt" sz="half" idx="10" hasCustomPrompt="0"/>
+          <p:nvPr>
+            <p:ph type="dt" sz="half" idx="10"/>
           </p:nvPr>
         </p:nvSpPr>
         <p:spPr bwMode="auto"/>
@@ -4200,7 +4214,7 @@
             </a:pPr>
             <a:fld id="{C989420C-30AB-4EEF-8469-B3FCB007A542}" type="datetimeFigureOut">
               <a:rPr lang="en-US"/>
-              <a:t/>
+              <a:t>5/19/2022</a:t>
             </a:fld>
             <a:endParaRPr lang="en-US"/>
           </a:p>
@@ -4208,12 +4222,12 @@
       </p:sp>
       <p:sp>
         <p:nvSpPr>
-          <p:cNvPr id="4" name="Footer Placeholder 3" hidden="0"/>
+          <p:cNvPr id="4" name="Footer Placeholder 3"/>
           <p:cNvSpPr>
             <a:spLocks noGrp="1"/>
           </p:cNvSpPr>
-          <p:nvPr isPhoto="0" userDrawn="0">
-            <p:ph type="ftr" sz="quarter" idx="11" hasCustomPrompt="0"/>
+          <p:nvPr>
+            <p:ph type="ftr" sz="quarter" idx="11"/>
           </p:nvPr>
         </p:nvSpPr>
         <p:spPr bwMode="auto"/>
@@ -4230,12 +4244,12 @@
       </p:sp>
       <p:sp>
         <p:nvSpPr>
-          <p:cNvPr id="5" name="Slide Number Placeholder 4" hidden="0"/>
+          <p:cNvPr id="5" name="Slide Number Placeholder 4"/>
           <p:cNvSpPr>
             <a:spLocks noGrp="1"/>
           </p:cNvSpPr>
-          <p:nvPr isPhoto="0" userDrawn="0">
-            <p:ph type="sldNum" sz="quarter" idx="12" hasCustomPrompt="0"/>
+          <p:nvPr>
+            <p:ph type="sldNum" sz="quarter" idx="12"/>
           </p:nvPr>
         </p:nvSpPr>
         <p:spPr bwMode="auto"/>
@@ -4248,7 +4262,7 @@
             </a:pPr>
             <a:fld id="{835FBC02-2961-494D-B648-ACE393148AFA}" type="slidenum">
               <a:rPr lang="en-US"/>
-              <a:t/>
+              <a:t>‹#›</a:t>
             </a:fld>
             <a:endParaRPr lang="en-US"/>
           </a:p>
@@ -4263,13 +4277,13 @@
 </file>
 
 <file path=ppt/slideLayouts/slideLayout7.xml><?xml version="1.0" encoding="utf-8"?>
-<p:sldLayout xmlns:a="http://schemas.openxmlformats.org/drawingml/2006/main" xmlns:r="http://schemas.openxmlformats.org/officeDocument/2006/relationships" xmlns:p="http://schemas.openxmlformats.org/presentationml/2006/main" xmlns:m="http://schemas.openxmlformats.org/officeDocument/2006/math" xmlns:w="http://schemas.openxmlformats.org/wordprocessingml/2006/main" matchingName="" preserve="1" showMasterPhAnim="0" type="blank" userDrawn="1">
+<p:sldLayout xmlns:a="http://schemas.openxmlformats.org/drawingml/2006/main" xmlns:r="http://schemas.openxmlformats.org/officeDocument/2006/relationships" xmlns:p="http://schemas.openxmlformats.org/presentationml/2006/main" showMasterPhAnim="0" type="blank" preserve="1" userDrawn="1">
   <p:cSld name="Пустой слайд">
     <p:spTree>
       <p:nvGrpSpPr>
-        <p:cNvPr id="1" name="" hidden="0"/>
+        <p:cNvPr id="1" name=""/>
         <p:cNvGrpSpPr/>
-        <p:nvPr isPhoto="0" userDrawn="0"/>
+        <p:nvPr/>
       </p:nvGrpSpPr>
       <p:grpSpPr bwMode="auto">
         <a:xfrm>
@@ -4281,12 +4295,12 @@
       </p:grpSpPr>
       <p:sp>
         <p:nvSpPr>
-          <p:cNvPr id="2" name="Date Placeholder 1" hidden="0"/>
+          <p:cNvPr id="2" name="Date Placeholder 1"/>
           <p:cNvSpPr>
             <a:spLocks noGrp="1"/>
           </p:cNvSpPr>
-          <p:nvPr isPhoto="0" userDrawn="0">
-            <p:ph type="dt" sz="half" idx="10" hasCustomPrompt="0"/>
+          <p:nvPr>
+            <p:ph type="dt" sz="half" idx="10"/>
           </p:nvPr>
         </p:nvSpPr>
         <p:spPr bwMode="auto"/>
@@ -4299,7 +4313,7 @@
             </a:pPr>
             <a:fld id="{C989420C-30AB-4EEF-8469-B3FCB007A542}" type="datetimeFigureOut">
               <a:rPr lang="en-US"/>
-              <a:t/>
+              <a:t>5/19/2022</a:t>
             </a:fld>
             <a:endParaRPr lang="en-US"/>
           </a:p>
@@ -4307,12 +4321,12 @@
       </p:sp>
       <p:sp>
         <p:nvSpPr>
-          <p:cNvPr id="3" name="Footer Placeholder 2" hidden="0"/>
+          <p:cNvPr id="3" name="Footer Placeholder 2"/>
           <p:cNvSpPr>
             <a:spLocks noGrp="1"/>
           </p:cNvSpPr>
-          <p:nvPr isPhoto="0" userDrawn="0">
-            <p:ph type="ftr" sz="quarter" idx="11" hasCustomPrompt="0"/>
+          <p:nvPr>
+            <p:ph type="ftr" sz="quarter" idx="11"/>
           </p:nvPr>
         </p:nvSpPr>
         <p:spPr bwMode="auto"/>
@@ -4329,12 +4343,12 @@
       </p:sp>
       <p:sp>
         <p:nvSpPr>
-          <p:cNvPr id="4" name="Slide Number Placeholder 3" hidden="0"/>
+          <p:cNvPr id="4" name="Slide Number Placeholder 3"/>
           <p:cNvSpPr>
             <a:spLocks noGrp="1"/>
           </p:cNvSpPr>
-          <p:nvPr isPhoto="0" userDrawn="0">
-            <p:ph type="sldNum" sz="quarter" idx="12" hasCustomPrompt="0"/>
+          <p:nvPr>
+            <p:ph type="sldNum" sz="quarter" idx="12"/>
           </p:nvPr>
         </p:nvSpPr>
         <p:spPr bwMode="auto"/>
@@ -4347,7 +4361,7 @@
             </a:pPr>
             <a:fld id="{835FBC02-2961-494D-B648-ACE393148AFA}" type="slidenum">
               <a:rPr lang="en-US"/>
-              <a:t/>
+              <a:t>‹#›</a:t>
             </a:fld>
             <a:endParaRPr lang="en-US"/>
           </a:p>
@@ -4362,13 +4376,13 @@
 </file>
 
 <file path=ppt/slideLayouts/slideLayout8.xml><?xml version="1.0" encoding="utf-8"?>
-<p:sldLayout xmlns:a="http://schemas.openxmlformats.org/drawingml/2006/main" xmlns:r="http://schemas.openxmlformats.org/officeDocument/2006/relationships" xmlns:p="http://schemas.openxmlformats.org/presentationml/2006/main" xmlns:m="http://schemas.openxmlformats.org/officeDocument/2006/math" xmlns:w="http://schemas.openxmlformats.org/wordprocessingml/2006/main" matchingName="" preserve="1" showMasterPhAnim="0" type="objTx" userDrawn="1">
+<p:sldLayout xmlns:a="http://schemas.openxmlformats.org/drawingml/2006/main" xmlns:r="http://schemas.openxmlformats.org/officeDocument/2006/relationships" xmlns:p="http://schemas.openxmlformats.org/presentationml/2006/main" showMasterPhAnim="0" type="objTx" preserve="1" userDrawn="1">
   <p:cSld name="Объект с подписью">
     <p:spTree>
       <p:nvGrpSpPr>
-        <p:cNvPr id="1" name="" hidden="0"/>
+        <p:cNvPr id="1" name=""/>
         <p:cNvGrpSpPr/>
-        <p:nvPr isPhoto="0" userDrawn="0"/>
+        <p:nvPr/>
       </p:nvGrpSpPr>
       <p:grpSpPr bwMode="auto">
         <a:xfrm>
@@ -4380,12 +4394,12 @@
       </p:grpSpPr>
       <p:sp>
         <p:nvSpPr>
-          <p:cNvPr id="2" name="Title 1" hidden="0"/>
+          <p:cNvPr id="2" name="Title 1"/>
           <p:cNvSpPr>
             <a:spLocks noGrp="1"/>
           </p:cNvSpPr>
-          <p:nvPr isPhoto="0" userDrawn="0">
-            <p:ph type="title" hasCustomPrompt="0"/>
+          <p:nvPr>
+            <p:ph type="title"/>
           </p:nvPr>
         </p:nvSpPr>
         <p:spPr bwMode="auto">
@@ -4417,12 +4431,12 @@
       </p:sp>
       <p:sp>
         <p:nvSpPr>
-          <p:cNvPr id="3" name="Content Placeholder 2" hidden="0"/>
+          <p:cNvPr id="3" name="Content Placeholder 2"/>
           <p:cNvSpPr>
             <a:spLocks noGrp="1"/>
           </p:cNvSpPr>
-          <p:nvPr isPhoto="0" userDrawn="0">
-            <p:ph idx="1" hasCustomPrompt="0"/>
+          <p:nvPr>
+            <p:ph idx="1"/>
           </p:nvPr>
         </p:nvSpPr>
         <p:spPr bwMode="auto">
@@ -4490,12 +4504,12 @@
       </p:sp>
       <p:sp>
         <p:nvSpPr>
-          <p:cNvPr id="4" name="Text Placeholder 3" hidden="0"/>
+          <p:cNvPr id="4" name="Text Placeholder 3"/>
           <p:cNvSpPr>
             <a:spLocks noGrp="1"/>
           </p:cNvSpPr>
-          <p:nvPr isPhoto="0" userDrawn="0">
-            <p:ph type="body" sz="half" idx="2" hasCustomPrompt="0"/>
+          <p:nvPr>
+            <p:ph type="body" sz="half" idx="2"/>
           </p:nvPr>
         </p:nvSpPr>
         <p:spPr bwMode="auto">
@@ -4560,12 +4574,12 @@
       </p:sp>
       <p:sp>
         <p:nvSpPr>
-          <p:cNvPr id="5" name="Date Placeholder 4" hidden="0"/>
+          <p:cNvPr id="5" name="Date Placeholder 4"/>
           <p:cNvSpPr>
             <a:spLocks noGrp="1"/>
           </p:cNvSpPr>
-          <p:nvPr isPhoto="0" userDrawn="0">
-            <p:ph type="dt" sz="half" idx="10" hasCustomPrompt="0"/>
+          <p:nvPr>
+            <p:ph type="dt" sz="half" idx="10"/>
           </p:nvPr>
         </p:nvSpPr>
         <p:spPr bwMode="auto"/>
@@ -4578,7 +4592,7 @@
             </a:pPr>
             <a:fld id="{C989420C-30AB-4EEF-8469-B3FCB007A542}" type="datetimeFigureOut">
               <a:rPr lang="en-US"/>
-              <a:t/>
+              <a:t>5/19/2022</a:t>
             </a:fld>
             <a:endParaRPr lang="en-US"/>
           </a:p>
@@ -4586,12 +4600,12 @@
       </p:sp>
       <p:sp>
         <p:nvSpPr>
-          <p:cNvPr id="6" name="Footer Placeholder 5" hidden="0"/>
+          <p:cNvPr id="6" name="Footer Placeholder 5"/>
           <p:cNvSpPr>
             <a:spLocks noGrp="1"/>
           </p:cNvSpPr>
-          <p:nvPr isPhoto="0" userDrawn="0">
-            <p:ph type="ftr" sz="quarter" idx="11" hasCustomPrompt="0"/>
+          <p:nvPr>
+            <p:ph type="ftr" sz="quarter" idx="11"/>
           </p:nvPr>
         </p:nvSpPr>
         <p:spPr bwMode="auto"/>
@@ -4608,12 +4622,12 @@
       </p:sp>
       <p:sp>
         <p:nvSpPr>
-          <p:cNvPr id="7" name="Slide Number Placeholder 6" hidden="0"/>
+          <p:cNvPr id="7" name="Slide Number Placeholder 6"/>
           <p:cNvSpPr>
             <a:spLocks noGrp="1"/>
           </p:cNvSpPr>
-          <p:nvPr isPhoto="0" userDrawn="0">
-            <p:ph type="sldNum" sz="quarter" idx="12" hasCustomPrompt="0"/>
+          <p:nvPr>
+            <p:ph type="sldNum" sz="quarter" idx="12"/>
           </p:nvPr>
         </p:nvSpPr>
         <p:spPr bwMode="auto"/>
@@ -4626,7 +4640,7 @@
             </a:pPr>
             <a:fld id="{835FBC02-2961-494D-B648-ACE393148AFA}" type="slidenum">
               <a:rPr lang="en-US"/>
-              <a:t/>
+              <a:t>‹#›</a:t>
             </a:fld>
             <a:endParaRPr lang="en-US"/>
           </a:p>
@@ -4641,13 +4655,13 @@
 </file>
 
 <file path=ppt/slideLayouts/slideLayout9.xml><?xml version="1.0" encoding="utf-8"?>
-<p:sldLayout xmlns:a="http://schemas.openxmlformats.org/drawingml/2006/main" xmlns:r="http://schemas.openxmlformats.org/officeDocument/2006/relationships" xmlns:p="http://schemas.openxmlformats.org/presentationml/2006/main" xmlns:m="http://schemas.openxmlformats.org/officeDocument/2006/math" xmlns:w="http://schemas.openxmlformats.org/wordprocessingml/2006/main" matchingName="" preserve="1" showMasterPhAnim="0" type="picTx" userDrawn="1">
+<p:sldLayout xmlns:a="http://schemas.openxmlformats.org/drawingml/2006/main" xmlns:r="http://schemas.openxmlformats.org/officeDocument/2006/relationships" xmlns:p="http://schemas.openxmlformats.org/presentationml/2006/main" showMasterPhAnim="0" type="picTx" preserve="1" userDrawn="1">
   <p:cSld name="Рисунок с подписью">
     <p:spTree>
       <p:nvGrpSpPr>
-        <p:cNvPr id="1" name="" hidden="0"/>
+        <p:cNvPr id="1" name=""/>
         <p:cNvGrpSpPr/>
-        <p:nvPr isPhoto="0" userDrawn="0"/>
+        <p:nvPr/>
       </p:nvGrpSpPr>
       <p:grpSpPr bwMode="auto">
         <a:xfrm>
@@ -4659,12 +4673,12 @@
       </p:grpSpPr>
       <p:sp>
         <p:nvSpPr>
-          <p:cNvPr id="2" name="Title 1" hidden="0"/>
+          <p:cNvPr id="2" name="Title 1"/>
           <p:cNvSpPr>
             <a:spLocks noGrp="1"/>
           </p:cNvSpPr>
-          <p:nvPr isPhoto="0" userDrawn="0">
-            <p:ph type="title" hasCustomPrompt="0"/>
+          <p:nvPr>
+            <p:ph type="title"/>
           </p:nvPr>
         </p:nvSpPr>
         <p:spPr bwMode="auto">
@@ -4696,12 +4710,12 @@
       </p:sp>
       <p:sp>
         <p:nvSpPr>
-          <p:cNvPr id="3" name="Picture Placeholder 2" hidden="0"/>
+          <p:cNvPr id="3" name="Picture Placeholder 2"/>
           <p:cNvSpPr>
-            <a:spLocks noChangeAspect="1" noGrp="1"/>
+            <a:spLocks noGrp="1" noChangeAspect="1"/>
           </p:cNvSpPr>
-          <p:nvPr isPhoto="0" userDrawn="0">
-            <p:ph type="pic" idx="1" hasCustomPrompt="0"/>
+          <p:nvPr>
+            <p:ph type="pic" idx="1"/>
           </p:nvPr>
         </p:nvSpPr>
         <p:spPr bwMode="auto">
@@ -4766,12 +4780,12 @@
       </p:sp>
       <p:sp>
         <p:nvSpPr>
-          <p:cNvPr id="4" name="Text Placeholder 3" hidden="0"/>
+          <p:cNvPr id="4" name="Text Placeholder 3"/>
           <p:cNvSpPr>
             <a:spLocks noGrp="1"/>
           </p:cNvSpPr>
-          <p:nvPr isPhoto="0" userDrawn="0">
-            <p:ph type="body" sz="half" idx="2" hasCustomPrompt="0"/>
+          <p:nvPr>
+            <p:ph type="body" sz="half" idx="2"/>
           </p:nvPr>
         </p:nvSpPr>
         <p:spPr bwMode="auto">
@@ -4836,12 +4850,12 @@
       </p:sp>
       <p:sp>
         <p:nvSpPr>
-          <p:cNvPr id="5" name="Date Placeholder 4" hidden="0"/>
+          <p:cNvPr id="5" name="Date Placeholder 4"/>
           <p:cNvSpPr>
             <a:spLocks noGrp="1"/>
           </p:cNvSpPr>
-          <p:nvPr isPhoto="0" userDrawn="0">
-            <p:ph type="dt" sz="half" idx="10" hasCustomPrompt="0"/>
+          <p:nvPr>
+            <p:ph type="dt" sz="half" idx="10"/>
           </p:nvPr>
         </p:nvSpPr>
         <p:spPr bwMode="auto"/>
@@ -4854,7 +4868,7 @@
             </a:pPr>
             <a:fld id="{C989420C-30AB-4EEF-8469-B3FCB007A542}" type="datetimeFigureOut">
               <a:rPr lang="en-US"/>
-              <a:t/>
+              <a:t>5/19/2022</a:t>
             </a:fld>
             <a:endParaRPr lang="en-US"/>
           </a:p>
@@ -4862,12 +4876,12 @@
       </p:sp>
       <p:sp>
         <p:nvSpPr>
-          <p:cNvPr id="6" name="Footer Placeholder 5" hidden="0"/>
+          <p:cNvPr id="6" name="Footer Placeholder 5"/>
           <p:cNvSpPr>
             <a:spLocks noGrp="1"/>
           </p:cNvSpPr>
-          <p:nvPr isPhoto="0" userDrawn="0">
-            <p:ph type="ftr" sz="quarter" idx="11" hasCustomPrompt="0"/>
+          <p:nvPr>
+            <p:ph type="ftr" sz="quarter" idx="11"/>
           </p:nvPr>
         </p:nvSpPr>
         <p:spPr bwMode="auto"/>
@@ -4884,12 +4898,12 @@
       </p:sp>
       <p:sp>
         <p:nvSpPr>
-          <p:cNvPr id="7" name="Slide Number Placeholder 6" hidden="0"/>
+          <p:cNvPr id="7" name="Slide Number Placeholder 6"/>
           <p:cNvSpPr>
             <a:spLocks noGrp="1"/>
           </p:cNvSpPr>
-          <p:nvPr isPhoto="0" userDrawn="0">
-            <p:ph type="sldNum" sz="quarter" idx="12" hasCustomPrompt="0"/>
+          <p:nvPr>
+            <p:ph type="sldNum" sz="quarter" idx="12"/>
           </p:nvPr>
         </p:nvSpPr>
         <p:spPr bwMode="auto"/>
@@ -4902,7 +4916,7 @@
             </a:pPr>
             <a:fld id="{835FBC02-2961-494D-B648-ACE393148AFA}" type="slidenum">
               <a:rPr lang="en-US"/>
-              <a:t/>
+              <a:t>‹#›</a:t>
             </a:fld>
             <a:endParaRPr lang="en-US"/>
           </a:p>
@@ -4917,8 +4931,8 @@
 </file>
 
 <file path=ppt/slideMasters/slideMaster1.xml><?xml version="1.0" encoding="utf-8"?>
-<p:sldMaster xmlns:a="http://schemas.openxmlformats.org/drawingml/2006/main" xmlns:r="http://schemas.openxmlformats.org/officeDocument/2006/relationships" xmlns:p="http://schemas.openxmlformats.org/presentationml/2006/main" xmlns:m="http://schemas.openxmlformats.org/officeDocument/2006/math" xmlns:w="http://schemas.openxmlformats.org/wordprocessingml/2006/main" preserve="0">
-  <p:cSld name="">
+<p:sldMaster xmlns:a="http://schemas.openxmlformats.org/drawingml/2006/main" xmlns:r="http://schemas.openxmlformats.org/officeDocument/2006/relationships" xmlns:p="http://schemas.openxmlformats.org/presentationml/2006/main">
+  <p:cSld>
     <p:bg>
       <p:bgRef idx="1001">
         <a:schemeClr val="bg1"/>
@@ -4926,9 +4940,9 @@
     </p:bg>
     <p:spTree>
       <p:nvGrpSpPr>
-        <p:cNvPr id="1" name="" hidden="0"/>
+        <p:cNvPr id="1" name=""/>
         <p:cNvGrpSpPr/>
-        <p:nvPr isPhoto="0" userDrawn="0"/>
+        <p:nvPr/>
       </p:nvGrpSpPr>
       <p:grpSpPr bwMode="auto">
         <a:xfrm>
@@ -4940,9 +4954,9 @@
       </p:grpSpPr>
       <p:grpSp>
         <p:nvGrpSpPr>
-          <p:cNvPr id="7" name="Group 6" hidden="0"/>
+          <p:cNvPr id="7" name="Group 6"/>
           <p:cNvGrpSpPr/>
-          <p:nvPr isPhoto="0" userDrawn="0"/>
+          <p:nvPr/>
         </p:nvGrpSpPr>
         <p:grpSpPr bwMode="auto">
           <a:xfrm>
@@ -4954,11 +4968,11 @@
         </p:grpSpPr>
         <p:cxnSp>
           <p:nvCxnSpPr>
-            <p:cNvPr id="20" name="Straight Connector 19" hidden="0"/>
+            <p:cNvPr id="20" name="Straight Connector 19"/>
             <p:cNvCxnSpPr>
               <a:cxnSpLocks/>
             </p:cNvCxnSpPr>
-            <p:nvPr isPhoto="0" userDrawn="0"/>
+            <p:nvPr/>
           </p:nvCxnSpPr>
           <p:spPr bwMode="auto">
             <a:xfrm>
@@ -4993,11 +5007,11 @@
         </p:cxnSp>
         <p:cxnSp>
           <p:nvCxnSpPr>
-            <p:cNvPr id="21" name="Straight Connector 20" hidden="0"/>
+            <p:cNvPr id="21" name="Straight Connector 20"/>
             <p:cNvCxnSpPr>
               <a:cxnSpLocks/>
             </p:cNvCxnSpPr>
-            <p:nvPr isPhoto="0" userDrawn="0"/>
+            <p:nvPr/>
           </p:nvCxnSpPr>
           <p:spPr bwMode="auto">
             <a:xfrm flipH="1">
@@ -5032,9 +5046,9 @@
         </p:cxnSp>
         <p:sp>
           <p:nvSpPr>
-            <p:cNvPr id="22" name="Rectangle 23" hidden="0"/>
+            <p:cNvPr id="22" name="Rectangle 23"/>
             <p:cNvSpPr/>
-            <p:nvPr isPhoto="0" userDrawn="0"/>
+            <p:nvPr/>
           </p:nvSpPr>
           <p:spPr bwMode="auto">
             <a:xfrm>
@@ -5048,7 +5062,7 @@
               <a:cxnLst/>
               <a:rect l="l" t="t" r="r" b="b"/>
               <a:pathLst>
-                <a:path w="3007349" h="6866467" fill="norm" stroke="1" extrusionOk="0">
+                <a:path w="3007349" h="6866467" extrusionOk="0">
                   <a:moveTo>
                     <a:pt x="2045532" y="0"/>
                   </a:moveTo>
@@ -5095,9 +5109,9 @@
         </p:sp>
         <p:sp>
           <p:nvSpPr>
-            <p:cNvPr id="23" name="Rectangle 25" hidden="0"/>
+            <p:cNvPr id="23" name="Rectangle 25"/>
             <p:cNvSpPr/>
-            <p:nvPr isPhoto="0" userDrawn="0"/>
+            <p:nvPr/>
           </p:nvSpPr>
           <p:spPr bwMode="auto">
             <a:xfrm>
@@ -5111,7 +5125,7 @@
               <a:cxnLst/>
               <a:rect l="l" t="t" r="r" b="b"/>
               <a:pathLst>
-                <a:path w="2573311" h="6866467" fill="norm" stroke="1" extrusionOk="0">
+                <a:path w="2573311" h="6866467" extrusionOk="0">
                   <a:moveTo>
                     <a:pt x="0" y="0"/>
                   </a:moveTo>
@@ -5158,9 +5172,9 @@
         </p:sp>
         <p:sp>
           <p:nvSpPr>
-            <p:cNvPr id="24" name="Isosceles Triangle 23" hidden="0"/>
+            <p:cNvPr id="24" name="Isosceles Triangle 23"/>
             <p:cNvSpPr/>
-            <p:nvPr isPhoto="0" userDrawn="0"/>
+            <p:nvPr/>
           </p:nvSpPr>
           <p:spPr bwMode="auto">
             <a:xfrm>
@@ -5199,9 +5213,9 @@
         </p:sp>
         <p:sp>
           <p:nvSpPr>
-            <p:cNvPr id="25" name="Rectangle 27" hidden="0"/>
+            <p:cNvPr id="25" name="Rectangle 27"/>
             <p:cNvSpPr/>
-            <p:nvPr isPhoto="0" userDrawn="0"/>
+            <p:nvPr/>
           </p:nvSpPr>
           <p:spPr bwMode="auto">
             <a:xfrm>
@@ -5215,7 +5229,7 @@
               <a:cxnLst/>
               <a:rect l="l" t="t" r="r" b="b"/>
               <a:pathLst>
-                <a:path w="2858013" h="6866467" fill="norm" stroke="1" extrusionOk="0">
+                <a:path w="2858013" h="6866467" extrusionOk="0">
                   <a:moveTo>
                     <a:pt x="0" y="0"/>
                   </a:moveTo>
@@ -5263,9 +5277,9 @@
         </p:sp>
         <p:sp>
           <p:nvSpPr>
-            <p:cNvPr id="26" name="Rectangle 28" hidden="0"/>
+            <p:cNvPr id="26" name="Rectangle 28"/>
             <p:cNvSpPr/>
-            <p:nvPr isPhoto="0" userDrawn="0"/>
+            <p:nvPr/>
           </p:nvSpPr>
           <p:spPr bwMode="auto">
             <a:xfrm>
@@ -5279,7 +5293,7 @@
               <a:cxnLst/>
               <a:rect l="l" t="t" r="r" b="b"/>
               <a:pathLst>
-                <a:path w="1290094" h="6858000" fill="norm" stroke="1" extrusionOk="0">
+                <a:path w="1290094" h="6858000" extrusionOk="0">
                   <a:moveTo>
                     <a:pt x="1019735" y="0"/>
                   </a:moveTo>
@@ -5328,9 +5342,9 @@
         </p:sp>
         <p:sp>
           <p:nvSpPr>
-            <p:cNvPr id="27" name="Rectangle 29" hidden="0"/>
+            <p:cNvPr id="27" name="Rectangle 29"/>
             <p:cNvSpPr/>
-            <p:nvPr isPhoto="0" userDrawn="0"/>
+            <p:nvPr/>
           </p:nvSpPr>
           <p:spPr bwMode="auto">
             <a:xfrm>
@@ -5344,7 +5358,7 @@
               <a:cxnLst/>
               <a:rect l="l" t="t" r="r" b="b"/>
               <a:pathLst>
-                <a:path w="1249825" h="6858000" fill="norm" stroke="1" extrusionOk="0">
+                <a:path w="1249825" h="6858000" extrusionOk="0">
                   <a:moveTo>
                     <a:pt x="0" y="0"/>
                   </a:moveTo>
@@ -5391,9 +5405,9 @@
         </p:sp>
         <p:sp>
           <p:nvSpPr>
-            <p:cNvPr id="28" name="Isosceles Triangle 27" hidden="0"/>
+            <p:cNvPr id="28" name="Isosceles Triangle 27"/>
             <p:cNvSpPr/>
-            <p:nvPr isPhoto="0" userDrawn="0"/>
+            <p:nvPr/>
           </p:nvSpPr>
           <p:spPr bwMode="auto">
             <a:xfrm>
@@ -5432,9 +5446,9 @@
         </p:sp>
         <p:sp>
           <p:nvSpPr>
-            <p:cNvPr id="29" name="Isosceles Triangle 28" hidden="0"/>
+            <p:cNvPr id="29" name="Isosceles Triangle 28"/>
             <p:cNvSpPr/>
-            <p:nvPr isPhoto="0" userDrawn="0"/>
+            <p:nvPr/>
           </p:nvSpPr>
           <p:spPr bwMode="auto">
             <a:xfrm>
@@ -5474,12 +5488,12 @@
       </p:grpSp>
       <p:sp>
         <p:nvSpPr>
-          <p:cNvPr id="2" name="Title Placeholder 1" hidden="0"/>
+          <p:cNvPr id="2" name="Title Placeholder 1"/>
           <p:cNvSpPr>
             <a:spLocks noGrp="1"/>
           </p:cNvSpPr>
-          <p:nvPr isPhoto="0" userDrawn="0">
-            <p:ph type="title" hasCustomPrompt="0"/>
+          <p:nvPr>
+            <p:ph type="title"/>
           </p:nvPr>
         </p:nvSpPr>
         <p:spPr bwMode="auto">
@@ -5510,12 +5524,12 @@
       </p:sp>
       <p:sp>
         <p:nvSpPr>
-          <p:cNvPr id="3" name="Text Placeholder 2" hidden="0"/>
+          <p:cNvPr id="3" name="Text Placeholder 2"/>
           <p:cNvSpPr>
             <a:spLocks noGrp="1"/>
           </p:cNvSpPr>
-          <p:nvPr isPhoto="0" userDrawn="0">
-            <p:ph type="body" idx="1" hasCustomPrompt="0"/>
+          <p:nvPr>
+            <p:ph type="body" idx="1"/>
           </p:nvPr>
         </p:nvSpPr>
         <p:spPr bwMode="auto">
@@ -5586,12 +5600,12 @@
       </p:sp>
       <p:sp>
         <p:nvSpPr>
-          <p:cNvPr id="4" name="Date Placeholder 3" hidden="0"/>
+          <p:cNvPr id="4" name="Date Placeholder 3"/>
           <p:cNvSpPr>
             <a:spLocks noGrp="1"/>
           </p:cNvSpPr>
-          <p:nvPr isPhoto="0" userDrawn="0">
-            <p:ph type="dt" sz="half" idx="2" hasCustomPrompt="0"/>
+          <p:nvPr>
+            <p:ph type="dt" sz="half" idx="2"/>
           </p:nvPr>
         </p:nvSpPr>
         <p:spPr bwMode="auto">
@@ -5622,7 +5636,7 @@
             </a:pPr>
             <a:fld id="{C989420C-30AB-4EEF-8469-B3FCB007A542}" type="datetimeFigureOut">
               <a:rPr lang="en-US"/>
-              <a:t/>
+              <a:t>5/19/2022</a:t>
             </a:fld>
             <a:endParaRPr lang="en-US"/>
           </a:p>
@@ -5630,12 +5644,12 @@
       </p:sp>
       <p:sp>
         <p:nvSpPr>
-          <p:cNvPr id="5" name="Footer Placeholder 4" hidden="0"/>
+          <p:cNvPr id="5" name="Footer Placeholder 4"/>
           <p:cNvSpPr>
             <a:spLocks noGrp="1"/>
           </p:cNvSpPr>
-          <p:nvPr isPhoto="0" userDrawn="0">
-            <p:ph type="ftr" sz="quarter" idx="3" hasCustomPrompt="0"/>
+          <p:nvPr>
+            <p:ph type="ftr" sz="quarter" idx="3"/>
           </p:nvPr>
         </p:nvSpPr>
         <p:spPr bwMode="auto">
@@ -5670,12 +5684,12 @@
       </p:sp>
       <p:sp>
         <p:nvSpPr>
-          <p:cNvPr id="6" name="Slide Number Placeholder 5" hidden="0"/>
+          <p:cNvPr id="6" name="Slide Number Placeholder 5"/>
           <p:cNvSpPr>
             <a:spLocks noGrp="1"/>
           </p:cNvSpPr>
-          <p:nvPr isPhoto="0" userDrawn="0">
-            <p:ph type="sldNum" sz="quarter" idx="4" hasCustomPrompt="0"/>
+          <p:nvPr>
+            <p:ph type="sldNum" sz="quarter" idx="4"/>
           </p:nvPr>
         </p:nvSpPr>
         <p:spPr bwMode="auto">
@@ -5704,7 +5718,7 @@
             </a:pPr>
             <a:fld id="{835FBC02-2961-494D-B648-ACE393148AFA}" type="slidenum">
               <a:rPr lang="en-US"/>
-              <a:t/>
+              <a:t>‹#›</a:t>
             </a:fld>
             <a:endParaRPr lang="en-US"/>
           </a:p>
@@ -5712,7 +5726,7 @@
       </p:sp>
     </p:spTree>
   </p:cSld>
-  <p:clrMap accent1="accent1" accent2="accent2" accent3="accent3" accent4="accent4" accent5="accent5" accent6="accent6" bg1="lt1" bg2="lt2" folHlink="folHlink" hlink="hlink" tx1="dk1" tx2="dk2"/>
+  <p:clrMap bg1="lt1" tx1="dk1" bg2="lt2" tx2="dk2" accent1="accent1" accent2="accent2" accent3="accent3" accent4="accent4" accent5="accent5" accent6="accent6" hlink="hlink" folHlink="folHlink"/>
   <p:sldLayoutIdLst>
     <p:sldLayoutId id="2147483649" r:id="rId1"/>
     <p:sldLayoutId id="2147483650" r:id="rId2"/>
@@ -6131,13 +6145,13 @@
 </file>
 
 <file path=ppt/slides/slide1.xml><?xml version="1.0" encoding="utf-8"?>
-<p:sld xmlns:a="http://schemas.openxmlformats.org/drawingml/2006/main" xmlns:r="http://schemas.openxmlformats.org/officeDocument/2006/relationships" xmlns:p="http://schemas.openxmlformats.org/presentationml/2006/main" xmlns:m="http://schemas.openxmlformats.org/officeDocument/2006/math" xmlns:w="http://schemas.openxmlformats.org/wordprocessingml/2006/main" showMasterPhAnim="0" show="1">
-  <p:cSld name="">
+<p:sld xmlns:a="http://schemas.openxmlformats.org/drawingml/2006/main" xmlns:r="http://schemas.openxmlformats.org/officeDocument/2006/relationships" xmlns:p="http://schemas.openxmlformats.org/presentationml/2006/main" showMasterPhAnim="0">
+  <p:cSld>
     <p:spTree>
       <p:nvGrpSpPr>
-        <p:cNvPr id="1" name="" hidden="0"/>
+        <p:cNvPr id="1" name=""/>
         <p:cNvGrpSpPr/>
-        <p:nvPr isPhoto="0" userDrawn="0"/>
+        <p:nvPr/>
       </p:nvGrpSpPr>
       <p:grpSpPr bwMode="auto">
         <a:xfrm>
@@ -6149,12 +6163,12 @@
       </p:grpSpPr>
       <p:sp>
         <p:nvSpPr>
-          <p:cNvPr id="4" name="Title 1" hidden="0"/>
+          <p:cNvPr id="4" name="Title 1"/>
           <p:cNvSpPr>
             <a:spLocks noGrp="1"/>
           </p:cNvSpPr>
-          <p:nvPr isPhoto="0" userDrawn="0">
-            <p:ph type="ctrTitle" hasCustomPrompt="0"/>
+          <p:nvPr>
+            <p:ph type="ctrTitle"/>
           </p:nvPr>
         </p:nvSpPr>
         <p:spPr bwMode="auto">
@@ -6191,12 +6205,12 @@
       </p:sp>
       <p:sp>
         <p:nvSpPr>
-          <p:cNvPr id="5" name="Subtitle 2" hidden="0"/>
+          <p:cNvPr id="5" name="Subtitle 2"/>
           <p:cNvSpPr>
             <a:spLocks noGrp="1"/>
           </p:cNvSpPr>
-          <p:nvPr isPhoto="0" userDrawn="0">
-            <p:ph type="subTitle" idx="1" hasCustomPrompt="0"/>
+          <p:nvPr>
+            <p:ph type="subTitle" idx="1"/>
           </p:nvPr>
         </p:nvSpPr>
         <p:spPr bwMode="auto">
@@ -6293,11 +6307,11 @@
   <p:clrMapOvr>
     <a:masterClrMapping/>
   </p:clrMapOvr>
-  <mc:AlternateContent xmlns:mc="http://schemas.openxmlformats.org/markup-compatibility/2006">
-    <mc:Choice xmlns:p14="http://schemas.microsoft.com/office/powerpoint/2010/main" Requires="p14">
-      <p:transition p14:dur="2000" advClick="1"/>
+  <mc:AlternateContent xmlns:mc="http://schemas.openxmlformats.org/markup-compatibility/2006" xmlns:p14="http://schemas.microsoft.com/office/powerpoint/2010/main">
+    <mc:Choice Requires="p14">
+      <p:transition spd="slow" p14:dur="2000"/>
     </mc:Choice>
-    <mc:Fallback>
+    <mc:Fallback xmlns:w="http://schemas.openxmlformats.org/wordprocessingml/2006/main" xmlns:m="http://schemas.openxmlformats.org/officeDocument/2006/math" xmlns="">
       <p:transition advClick="1"/>
     </mc:Fallback>
   </mc:AlternateContent>
@@ -6305,13 +6319,13 @@
 </file>
 
 <file path=ppt/slides/slide10.xml><?xml version="1.0" encoding="utf-8"?>
-<p:sld xmlns:a="http://schemas.openxmlformats.org/drawingml/2006/main" xmlns:r="http://schemas.openxmlformats.org/officeDocument/2006/relationships" xmlns:p="http://schemas.openxmlformats.org/presentationml/2006/main" xmlns:m="http://schemas.openxmlformats.org/officeDocument/2006/math" xmlns:w="http://schemas.openxmlformats.org/wordprocessingml/2006/main" showMasterPhAnim="0" show="1">
-  <p:cSld name="">
+<p:sld xmlns:a="http://schemas.openxmlformats.org/drawingml/2006/main" xmlns:r="http://schemas.openxmlformats.org/officeDocument/2006/relationships" xmlns:p="http://schemas.openxmlformats.org/presentationml/2006/main" showMasterPhAnim="0">
+  <p:cSld>
     <p:spTree>
       <p:nvGrpSpPr>
-        <p:cNvPr id="1" name="" hidden="0"/>
+        <p:cNvPr id="1" name=""/>
         <p:cNvGrpSpPr/>
-        <p:nvPr isPhoto="0" userDrawn="0"/>
+        <p:nvPr/>
       </p:nvGrpSpPr>
       <p:grpSpPr bwMode="auto">
         <a:xfrm>
@@ -6323,9 +6337,9 @@
       </p:grpSpPr>
       <p:sp>
         <p:nvSpPr>
-          <p:cNvPr id="4" name="Title 1" hidden="0"/>
+          <p:cNvPr id="4" name="Title 1"/>
           <p:cNvSpPr txBox="1"/>
-          <p:nvPr isPhoto="0" userDrawn="0"/>
+          <p:nvPr/>
         </p:nvSpPr>
         <p:spPr bwMode="auto">
           <a:xfrm>
@@ -6426,11 +6440,7 @@
             </a:pPr>
             <a:r>
               <a:rPr lang="ru-RU" sz="2800"/>
-              <a:t>Неизменяющие</a:t>
-            </a:r>
-            <a:r>
-              <a:rPr lang="ru-RU" sz="2800"/>
-              <a:t> (</a:t>
+              <a:t>Неизменяющие (</a:t>
             </a:r>
             <a:r>
               <a:rPr lang="en-US" sz="2800"/>
@@ -6452,17 +6462,16 @@
               <a:rPr lang="en-US" sz="2800"/>
               <a:t>: &lt;algorithm&gt;</a:t>
             </a:r>
-            <a:endParaRPr lang="en-US" sz="2800"/>
           </a:p>
         </p:txBody>
       </p:sp>
       <p:graphicFrame>
         <p:nvGraphicFramePr>
-          <p:cNvPr id="5" name="Таблица 4" hidden="0"/>
+          <p:cNvPr id="5" name="Таблица 4"/>
           <p:cNvGraphicFramePr>
-            <a:graphicFrameLocks xmlns:a="http://schemas.openxmlformats.org/drawingml/2006/main" noGrp="1"/>
+            <a:graphicFrameLocks noGrp="1"/>
           </p:cNvGraphicFramePr>
-          <p:nvPr isPhoto="0" userDrawn="0"/>
+          <p:nvPr/>
         </p:nvGraphicFramePr>
         <p:xfrm>
           <a:off x="443057" y="795080"/>
@@ -6471,7 +6480,7 @@
         <a:graphic>
           <a:graphicData uri="http://schemas.openxmlformats.org/drawingml/2006/table">
             <a:tbl>
-              <a:tblPr firstRow="1" firstCol="0" lastRow="0" lastCol="0" bandRow="1" bandCol="0">
+              <a:tblPr firstRow="1" bandRow="1">
                 <a:tableStyleId>{4FEF7C57-BB6A-CDCA-EEBC-2947F47A9CEB}</a:tableStyleId>
               </a:tblPr>
               <a:tblGrid>
@@ -6483,6 +6492,7 @@
                 <a:tc>
                   <a:txBody>
                     <a:bodyPr/>
+                    <a:lstStyle/>
                     <a:p>
                       <a:pPr algn="ctr">
                         <a:defRPr/>
@@ -6499,6 +6509,7 @@
                 <a:tc>
                   <a:txBody>
                     <a:bodyPr/>
+                    <a:lstStyle/>
                     <a:p>
                       <a:pPr algn="ctr">
                         <a:defRPr/>
@@ -6515,6 +6526,7 @@
                 <a:tc>
                   <a:txBody>
                     <a:bodyPr/>
+                    <a:lstStyle/>
                     <a:p>
                       <a:pPr marL="0" marR="0" indent="0" algn="ctr" defTabSz="457200">
                         <a:lnSpc>
@@ -6534,11 +6546,7 @@
                       </a:pPr>
                       <a:r>
                         <a:rPr lang="ru-RU" sz="1600"/>
-                        <a:t>Сложность</a:t>
-                      </a:r>
-                      <a:r>
-                        <a:rPr lang="ru-RU" sz="1600"/>
-                        <a:t> по времени</a:t>
+                        <a:t>Сложность по времени</a:t>
                       </a:r>
                       <a:endParaRPr lang="en-US" sz="1600"/>
                     </a:p>
@@ -6550,6 +6558,7 @@
                 <a:tc>
                   <a:txBody>
                     <a:bodyPr/>
+                    <a:lstStyle/>
                     <a:p>
                       <a:pPr marL="342900" indent="-342900">
                         <a:buFont typeface="+mj-lt"/>
@@ -6616,6 +6625,7 @@
                 <a:tc>
                   <a:txBody>
                     <a:bodyPr/>
+                    <a:lstStyle/>
                     <a:p>
                       <a:pPr marL="342900" indent="-342900">
                         <a:buFont typeface="+mj-lt"/>
@@ -6723,6 +6733,7 @@
                 <a:tc>
                   <a:txBody>
                     <a:bodyPr/>
+                    <a:lstStyle/>
                     <a:p>
                       <a:pPr marL="0" marR="0" indent="0" algn="ctr" defTabSz="457200">
                         <a:lnSpc>
@@ -6754,6 +6765,7 @@
                 <a:tc>
                   <a:txBody>
                     <a:bodyPr/>
+                    <a:lstStyle/>
                     <a:p>
                       <a:pPr marL="342900" indent="-342900">
                         <a:buAutoNum type="arabicPeriod"/>
@@ -6774,7 +6786,6 @@
                         <a:rPr lang="en-US" sz="1600"/>
                         <a:t>is_permutation</a:t>
                       </a:r>
-                      <a:endParaRPr lang="en-US" sz="1600"/>
                     </a:p>
                     <a:p>
                       <a:pPr marL="342900" indent="-342900">
@@ -6804,6 +6815,7 @@
                 <a:tc>
                   <a:txBody>
                     <a:bodyPr/>
+                    <a:lstStyle/>
                     <a:p>
                       <a:pPr marL="342900" indent="-342900">
                         <a:buAutoNum type="arabicPeriod"/>
@@ -6852,11 +6864,7 @@
                       </a:r>
                       <a:r>
                         <a:rPr lang="ru-RU" sz="1600"/>
-                        <a:t>Поиск элемента, начиная с которого интервалы </a:t>
-                      </a:r>
-                      <a:r>
-                        <a:rPr lang="ru-RU" sz="1600"/>
-                        <a:t>различаются</a:t>
+                        <a:t>Поиск элемента, начиная с которого интервалы различаются</a:t>
                       </a:r>
                       <a:endParaRPr lang="en-US" sz="1600"/>
                     </a:p>
@@ -6877,17 +6885,14 @@
                 <a:tc>
                   <a:txBody>
                     <a:bodyPr/>
+                    <a:lstStyle/>
                     <a:p>
                       <a:pPr>
                         <a:defRPr/>
                       </a:pPr>
                       <a:r>
                         <a:rPr lang="en-US" sz="1600"/>
-                        <a:t>2.</a:t>
-                      </a:r>
-                      <a:r>
-                        <a:rPr lang="en-US" sz="1600"/>
-                        <a:t> O(N</a:t>
+                        <a:t>2. O(N</a:t>
                       </a:r>
                       <a:r>
                         <a:rPr lang="en-US" sz="1600" baseline="30000"/>
@@ -6918,11 +6923,7 @@
                       </a:pPr>
                       <a:r>
                         <a:rPr lang="ru-RU" sz="1600"/>
-                        <a:t>Остальные</a:t>
-                      </a:r>
-                      <a:r>
-                        <a:rPr lang="ru-RU" sz="1600"/>
-                        <a:t> </a:t>
+                        <a:t>Остальные </a:t>
                       </a:r>
                       <a:r>
                         <a:rPr lang="en-US" sz="1600"/>
@@ -6949,11 +6950,11 @@
   <p:clrMapOvr>
     <a:masterClrMapping/>
   </p:clrMapOvr>
-  <mc:AlternateContent xmlns:mc="http://schemas.openxmlformats.org/markup-compatibility/2006">
-    <mc:Choice xmlns:p14="http://schemas.microsoft.com/office/powerpoint/2010/main" Requires="p14">
-      <p:transition p14:dur="2000" advClick="1"/>
+  <mc:AlternateContent xmlns:mc="http://schemas.openxmlformats.org/markup-compatibility/2006" xmlns:p14="http://schemas.microsoft.com/office/powerpoint/2010/main">
+    <mc:Choice Requires="p14">
+      <p:transition spd="slow" p14:dur="2000"/>
     </mc:Choice>
-    <mc:Fallback>
+    <mc:Fallback xmlns:w="http://schemas.openxmlformats.org/wordprocessingml/2006/main" xmlns:m="http://schemas.openxmlformats.org/officeDocument/2006/math" xmlns="">
       <p:transition advClick="1"/>
     </mc:Fallback>
   </mc:AlternateContent>
@@ -6961,13 +6962,13 @@
 </file>
 
 <file path=ppt/slides/slide11.xml><?xml version="1.0" encoding="utf-8"?>
-<p:sld xmlns:a="http://schemas.openxmlformats.org/drawingml/2006/main" xmlns:r="http://schemas.openxmlformats.org/officeDocument/2006/relationships" xmlns:p="http://schemas.openxmlformats.org/presentationml/2006/main" xmlns:m="http://schemas.openxmlformats.org/officeDocument/2006/math" xmlns:w="http://schemas.openxmlformats.org/wordprocessingml/2006/main" showMasterPhAnim="0" show="1">
-  <p:cSld name="">
+<p:sld xmlns:a="http://schemas.openxmlformats.org/drawingml/2006/main" xmlns:r="http://schemas.openxmlformats.org/officeDocument/2006/relationships" xmlns:p="http://schemas.openxmlformats.org/presentationml/2006/main" showMasterPhAnim="0">
+  <p:cSld>
     <p:spTree>
       <p:nvGrpSpPr>
-        <p:cNvPr id="1" name="" hidden="0"/>
+        <p:cNvPr id="1" name=""/>
         <p:cNvGrpSpPr/>
-        <p:nvPr isPhoto="0" userDrawn="0"/>
+        <p:nvPr/>
       </p:nvGrpSpPr>
       <p:grpSpPr bwMode="auto">
         <a:xfrm>
@@ -6979,9 +6980,9 @@
       </p:grpSpPr>
       <p:sp>
         <p:nvSpPr>
-          <p:cNvPr id="4" name="Title 1" hidden="0"/>
+          <p:cNvPr id="4" name="Title 1"/>
           <p:cNvSpPr txBox="1"/>
-          <p:nvPr isPhoto="0" userDrawn="0"/>
+          <p:nvPr/>
         </p:nvSpPr>
         <p:spPr bwMode="auto">
           <a:xfrm>
@@ -7082,11 +7083,7 @@
             </a:pPr>
             <a:r>
               <a:rPr lang="ru-RU" sz="2800"/>
-              <a:t>Неизменяющие</a:t>
-            </a:r>
-            <a:r>
-              <a:rPr lang="ru-RU" sz="2800"/>
-              <a:t> (</a:t>
+              <a:t>Неизменяющие (</a:t>
             </a:r>
             <a:r>
               <a:rPr lang="en-US" sz="2800"/>
@@ -7108,17 +7105,16 @@
               <a:rPr lang="en-US" sz="2800"/>
               <a:t>: &lt;algorithm&gt;</a:t>
             </a:r>
-            <a:endParaRPr lang="en-US" sz="2800"/>
           </a:p>
         </p:txBody>
       </p:sp>
       <p:graphicFrame>
         <p:nvGraphicFramePr>
-          <p:cNvPr id="5" name="Таблица 4" hidden="0"/>
+          <p:cNvPr id="5" name="Таблица 4"/>
           <p:cNvGraphicFramePr>
-            <a:graphicFrameLocks xmlns:a="http://schemas.openxmlformats.org/drawingml/2006/main" noGrp="1"/>
+            <a:graphicFrameLocks noGrp="1"/>
           </p:cNvGraphicFramePr>
-          <p:nvPr isPhoto="0" userDrawn="0"/>
+          <p:nvPr/>
         </p:nvGraphicFramePr>
         <p:xfrm>
           <a:off x="443057" y="795081"/>
@@ -7127,7 +7123,7 @@
         <a:graphic>
           <a:graphicData uri="http://schemas.openxmlformats.org/drawingml/2006/table">
             <a:tbl>
-              <a:tblPr firstRow="1" firstCol="0" lastRow="0" lastCol="0" bandRow="1" bandCol="0">
+              <a:tblPr firstRow="1" bandRow="1">
                 <a:tableStyleId>{4FEF7C57-BB6A-CDCA-EEBC-2947F47A9CEB}</a:tableStyleId>
               </a:tblPr>
               <a:tblGrid>
@@ -7139,6 +7135,7 @@
                 <a:tc>
                   <a:txBody>
                     <a:bodyPr/>
+                    <a:lstStyle/>
                     <a:p>
                       <a:pPr algn="ctr">
                         <a:defRPr/>
@@ -7155,6 +7152,7 @@
                 <a:tc>
                   <a:txBody>
                     <a:bodyPr/>
+                    <a:lstStyle/>
                     <a:p>
                       <a:pPr algn="ctr">
                         <a:defRPr/>
@@ -7171,17 +7169,14 @@
                 <a:tc>
                   <a:txBody>
                     <a:bodyPr/>
+                    <a:lstStyle/>
                     <a:p>
                       <a:pPr algn="ctr">
                         <a:defRPr/>
                       </a:pPr>
                       <a:r>
                         <a:rPr lang="ru-RU" sz="1600"/>
-                        <a:t>Сложность</a:t>
-                      </a:r>
-                      <a:r>
-                        <a:rPr lang="ru-RU" sz="1600"/>
-                        <a:t> по времени</a:t>
+                        <a:t>Сложность по времени</a:t>
                       </a:r>
                       <a:endParaRPr lang="en-US" sz="1600"/>
                     </a:p>
@@ -7193,6 +7188,7 @@
                 <a:tc>
                   <a:txBody>
                     <a:bodyPr/>
+                    <a:lstStyle/>
                     <a:p>
                       <a:pPr marL="342900" indent="-342900">
                         <a:buFont typeface="+mj-lt"/>
@@ -7203,7 +7199,6 @@
                         <a:rPr lang="en-US" sz="1600"/>
                         <a:t>is_sorted</a:t>
                       </a:r>
-                      <a:endParaRPr lang="en-US" sz="1600"/>
                     </a:p>
                     <a:p>
                       <a:pPr marL="342900" indent="-342900">
@@ -7227,7 +7222,6 @@
                         <a:rPr lang="en-US" sz="1600"/>
                         <a:t>Is_partitioned</a:t>
                       </a:r>
-                      <a:endParaRPr lang="en-US" sz="1600"/>
                     </a:p>
                     <a:p>
                       <a:pPr marL="342900" indent="-342900">
@@ -7239,7 +7233,6 @@
                         <a:rPr lang="en-US" sz="1600"/>
                         <a:t>partition_point</a:t>
                       </a:r>
-                      <a:endParaRPr lang="en-US" sz="1600"/>
                     </a:p>
                     <a:p>
                       <a:pPr marL="342900" indent="-342900">
@@ -7263,7 +7256,6 @@
                         <a:rPr lang="en-US" sz="1600"/>
                         <a:t>is_heap_until</a:t>
                       </a:r>
-                      <a:endParaRPr lang="en-US" sz="1600"/>
                     </a:p>
                   </a:txBody>
                   <a:tcPr anchor="ctr"/>
@@ -7271,6 +7263,7 @@
                 <a:tc>
                   <a:txBody>
                     <a:bodyPr/>
+                    <a:lstStyle/>
                     <a:p>
                       <a:pPr marL="342900" indent="-342900">
                         <a:buFont typeface="+mj-lt"/>
@@ -7279,11 +7272,7 @@
                       </a:pPr>
                       <a:r>
                         <a:rPr lang="ru-RU" sz="1600"/>
-                        <a:t>Проверяет,</a:t>
-                      </a:r>
-                      <a:r>
-                        <a:rPr lang="ru-RU" sz="1600"/>
-                        <a:t> отсортированы ли элементы в интервале</a:t>
+                        <a:t>Проверяет, отсортированы ли элементы в интервале</a:t>
                       </a:r>
                       <a:endParaRPr lang="en-US" sz="1600"/>
                     </a:p>
@@ -7295,11 +7284,7 @@
                       </a:pPr>
                       <a:r>
                         <a:rPr lang="ru-RU" sz="1600"/>
-                        <a:t>Поиск первого элемента,</a:t>
-                      </a:r>
-                      <a:r>
-                        <a:rPr lang="ru-RU" sz="1600"/>
-                        <a:t> нарушающего порядок сортировки</a:t>
+                        <a:t>Поиск первого элемента, нарушающего порядок сортировки</a:t>
                       </a:r>
                       <a:endParaRPr/>
                     </a:p>
@@ -7311,15 +7296,7 @@
                       </a:pPr>
                       <a:r>
                         <a:rPr lang="ru-RU" sz="1600"/>
-                        <a:t>Проверяет, разделён ли интервал на </a:t>
-                      </a:r>
-                      <a:r>
-                        <a:rPr lang="ru-RU" sz="1600"/>
-                        <a:t>подинтервалы</a:t>
-                      </a:r>
-                      <a:r>
-                        <a:rPr lang="ru-RU" sz="1600"/>
-                        <a:t> в соответствии с условием</a:t>
+                        <a:t>Проверяет, разделён ли интервал на подинтервалы в соответствии с условием</a:t>
                       </a:r>
                       <a:endParaRPr lang="en-US" sz="1600"/>
                     </a:p>
@@ -7331,11 +7308,7 @@
                       </a:pPr>
                       <a:r>
                         <a:rPr lang="ru-RU" sz="1600"/>
-                        <a:t>Поиск последнего элемента первого </a:t>
-                      </a:r>
-                      <a:r>
-                        <a:rPr lang="ru-RU" sz="1600"/>
-                        <a:t>подинтервала</a:t>
+                        <a:t>Поиск последнего элемента первого подинтервала</a:t>
                       </a:r>
                       <a:endParaRPr lang="en-US" sz="1600"/>
                     </a:p>
@@ -7408,6 +7381,7 @@
                 <a:tc>
                   <a:txBody>
                     <a:bodyPr/>
+                    <a:lstStyle/>
                     <a:p>
                       <a:pPr marL="0" marR="0" indent="0" algn="l" defTabSz="457200">
                         <a:lnSpc>
@@ -7454,23 +7428,11 @@
                       </a:pPr>
                       <a:r>
                         <a:rPr lang="ru-RU" sz="1600"/>
-                        <a:t>4.</a:t>
-                      </a:r>
-                      <a:r>
-                        <a:rPr lang="ru-RU" sz="1600"/>
-                        <a:t> </a:t>
+                        <a:t>4. </a:t>
                       </a:r>
                       <a:r>
                         <a:rPr lang="en-US" sz="1600"/>
-                        <a:t>O(</a:t>
-                      </a:r>
-                      <a:r>
-                        <a:rPr lang="en-US" sz="1600"/>
-                        <a:t>logN</a:t>
-                      </a:r>
-                      <a:r>
-                        <a:rPr lang="en-US" sz="1600"/>
-                        <a:t>)</a:t>
+                        <a:t>O(logN)</a:t>
                       </a:r>
                       <a:endParaRPr/>
                     </a:p>
@@ -7518,11 +7480,11 @@
   <p:clrMapOvr>
     <a:masterClrMapping/>
   </p:clrMapOvr>
-  <mc:AlternateContent xmlns:mc="http://schemas.openxmlformats.org/markup-compatibility/2006">
-    <mc:Choice xmlns:p14="http://schemas.microsoft.com/office/powerpoint/2010/main" Requires="p14">
-      <p:transition p14:dur="2000" advClick="1"/>
+  <mc:AlternateContent xmlns:mc="http://schemas.openxmlformats.org/markup-compatibility/2006" xmlns:p14="http://schemas.microsoft.com/office/powerpoint/2010/main">
+    <mc:Choice Requires="p14">
+      <p:transition spd="slow" p14:dur="2000"/>
     </mc:Choice>
-    <mc:Fallback>
+    <mc:Fallback xmlns:w="http://schemas.openxmlformats.org/wordprocessingml/2006/main" xmlns:m="http://schemas.openxmlformats.org/officeDocument/2006/math" xmlns="">
       <p:transition advClick="1"/>
     </mc:Fallback>
   </mc:AlternateContent>
@@ -7530,13 +7492,13 @@
 </file>
 
 <file path=ppt/slides/slide12.xml><?xml version="1.0" encoding="utf-8"?>
-<p:sld xmlns:a="http://schemas.openxmlformats.org/drawingml/2006/main" xmlns:r="http://schemas.openxmlformats.org/officeDocument/2006/relationships" xmlns:p="http://schemas.openxmlformats.org/presentationml/2006/main" xmlns:m="http://schemas.openxmlformats.org/officeDocument/2006/math" xmlns:w="http://schemas.openxmlformats.org/wordprocessingml/2006/main" showMasterPhAnim="0" show="1">
-  <p:cSld name="">
+<p:sld xmlns:a="http://schemas.openxmlformats.org/drawingml/2006/main" xmlns:r="http://schemas.openxmlformats.org/officeDocument/2006/relationships" xmlns:p="http://schemas.openxmlformats.org/presentationml/2006/main" showMasterPhAnim="0">
+  <p:cSld>
     <p:spTree>
       <p:nvGrpSpPr>
-        <p:cNvPr id="1" name="" hidden="0"/>
+        <p:cNvPr id="1" name=""/>
         <p:cNvGrpSpPr/>
-        <p:nvPr isPhoto="0" userDrawn="0"/>
+        <p:nvPr/>
       </p:nvGrpSpPr>
       <p:grpSpPr bwMode="auto">
         <a:xfrm>
@@ -7548,9 +7510,9 @@
       </p:grpSpPr>
       <p:sp>
         <p:nvSpPr>
-          <p:cNvPr id="4" name="Title 1" hidden="0"/>
+          <p:cNvPr id="4" name="Title 1"/>
           <p:cNvSpPr txBox="1"/>
-          <p:nvPr isPhoto="0" userDrawn="0"/>
+          <p:nvPr/>
         </p:nvSpPr>
         <p:spPr bwMode="auto">
           <a:xfrm>
@@ -7673,17 +7635,16 @@
               <a:rPr lang="en-US" sz="2800"/>
               <a:t>: &lt;algorithm&gt;</a:t>
             </a:r>
-            <a:endParaRPr lang="en-US" sz="2800"/>
           </a:p>
         </p:txBody>
       </p:sp>
       <p:graphicFrame>
         <p:nvGraphicFramePr>
-          <p:cNvPr id="5" name="Таблица 4" hidden="0"/>
+          <p:cNvPr id="5" name="Таблица 4"/>
           <p:cNvGraphicFramePr>
-            <a:graphicFrameLocks xmlns:a="http://schemas.openxmlformats.org/drawingml/2006/main" noGrp="1"/>
+            <a:graphicFrameLocks noGrp="1"/>
           </p:cNvGraphicFramePr>
-          <p:nvPr isPhoto="0" userDrawn="0"/>
+          <p:nvPr/>
         </p:nvGraphicFramePr>
         <p:xfrm>
           <a:off x="443057" y="795080"/>
@@ -7692,7 +7653,7 @@
         <a:graphic>
           <a:graphicData uri="http://schemas.openxmlformats.org/drawingml/2006/table">
             <a:tbl>
-              <a:tblPr firstRow="1" firstCol="0" lastRow="0" lastCol="0" bandRow="1" bandCol="0">
+              <a:tblPr firstRow="1" bandRow="1">
                 <a:tableStyleId>{4FEF7C57-BB6A-CDCA-EEBC-2947F47A9CEB}</a:tableStyleId>
               </a:tblPr>
               <a:tblGrid>
@@ -7704,6 +7665,7 @@
                 <a:tc>
                   <a:txBody>
                     <a:bodyPr/>
+                    <a:lstStyle/>
                     <a:p>
                       <a:pPr algn="ctr">
                         <a:defRPr/>
@@ -7720,6 +7682,7 @@
                 <a:tc>
                   <a:txBody>
                     <a:bodyPr/>
+                    <a:lstStyle/>
                     <a:p>
                       <a:pPr algn="ctr">
                         <a:defRPr/>
@@ -7736,6 +7699,7 @@
                 <a:tc>
                   <a:txBody>
                     <a:bodyPr/>
+                    <a:lstStyle/>
                     <a:p>
                       <a:pPr marL="0" marR="0" indent="0" algn="ctr" defTabSz="457200">
                         <a:lnSpc>
@@ -7755,15 +7719,7 @@
                       </a:pPr>
                       <a:r>
                         <a:rPr lang="ru-RU" sz="1400"/>
-                        <a:t>Сложность</a:t>
-                      </a:r>
-                      <a:r>
-                        <a:rPr lang="ru-RU" sz="1400"/>
-                        <a:t> по </a:t>
-                      </a:r>
-                      <a:r>
-                        <a:rPr lang="ru-RU" sz="1400"/>
-                        <a:t>времени</a:t>
+                        <a:t>Сложность по времени</a:t>
                       </a:r>
                       <a:endParaRPr lang="en-US" sz="1400"/>
                     </a:p>
@@ -7775,6 +7731,7 @@
                 <a:tc>
                   <a:txBody>
                     <a:bodyPr/>
+                    <a:lstStyle/>
                     <a:p>
                       <a:pPr marL="342900" indent="-342900">
                         <a:buFont typeface="+mj-lt"/>
@@ -7797,7 +7754,6 @@
                         <a:rPr lang="en-US" sz="1600"/>
                         <a:t>transform</a:t>
                       </a:r>
-                      <a:endParaRPr lang="en-US" sz="1600"/>
                     </a:p>
                   </a:txBody>
                   <a:tcPr anchor="ctr"/>
@@ -7805,6 +7761,7 @@
                 <a:tc>
                   <a:txBody>
                     <a:bodyPr/>
+                    <a:lstStyle/>
                     <a:p>
                       <a:pPr marL="342900" indent="-342900">
                         <a:buAutoNum type="arabicPeriod"/>
@@ -7812,15 +7769,7 @@
                       </a:pPr>
                       <a:r>
                         <a:rPr lang="ru-RU" sz="1600"/>
-                        <a:t>Применяет операцию к каждому элементу последовательности. Может быть и </a:t>
-                      </a:r>
-                      <a:r>
-                        <a:rPr lang="ru-RU" sz="1600"/>
-                        <a:t>неизменяющим</a:t>
-                      </a:r>
-                      <a:r>
-                        <a:rPr lang="ru-RU" sz="1600"/>
-                        <a:t> – зависит от операции</a:t>
+                        <a:t>Применяет операцию к каждому элементу последовательности. Может быть и неизменяющим – зависит от операции</a:t>
                       </a:r>
                       <a:endParaRPr lang="en-US" sz="1600"/>
                     </a:p>
@@ -7839,11 +7788,7 @@
                       </a:r>
                       <a:r>
                         <a:rPr lang="ru-RU" sz="1600"/>
-                        <a:t>Можно использовать одну и ту же </a:t>
-                      </a:r>
-                      <a:r>
-                        <a:rPr lang="ru-RU" sz="1600"/>
-                        <a:t>последовательность</a:t>
+                        <a:t>Можно использовать одну и ту же последовательность</a:t>
                       </a:r>
                       <a:endParaRPr lang="en-US" sz="1600"/>
                     </a:p>
@@ -7853,6 +7798,7 @@
                 <a:tc>
                   <a:txBody>
                     <a:bodyPr/>
+                    <a:lstStyle/>
                     <a:p>
                       <a:pPr marL="0" indent="0" algn="ctr">
                         <a:buNone/>
@@ -7862,7 +7808,6 @@
                         <a:rPr lang="en-US" sz="1600"/>
                         <a:t>O(N)</a:t>
                       </a:r>
-                      <a:endParaRPr lang="en-US" sz="1600"/>
                     </a:p>
                   </a:txBody>
                   <a:tcPr anchor="ctr"/>
@@ -7872,6 +7817,7 @@
                 <a:tc>
                   <a:txBody>
                     <a:bodyPr/>
+                    <a:lstStyle/>
                     <a:p>
                       <a:pPr marL="342900" indent="-342900">
                         <a:buFont typeface="+mj-lt"/>
@@ -7918,7 +7864,6 @@
                         <a:rPr lang="en-US" sz="1600"/>
                         <a:t>copy_backward</a:t>
                       </a:r>
-                      <a:endParaRPr lang="en-US" sz="1600"/>
                     </a:p>
                   </a:txBody>
                   <a:tcPr anchor="ctr"/>
@@ -7926,6 +7871,7 @@
                 <a:tc>
                   <a:txBody>
                     <a:bodyPr/>
+                    <a:lstStyle/>
                     <a:p>
                       <a:pPr marL="342900" indent="-342900">
                         <a:buAutoNum type="arabicPeriod"/>
@@ -7988,7 +7934,6 @@
                         <a:rPr lang="ru-RU" sz="1600"/>
                         <a:t>в обратном порядке – последний элемент копируется первым</a:t>
                       </a:r>
-                      <a:endParaRPr lang="ru-RU" sz="1600"/>
                     </a:p>
                   </a:txBody>
                   <a:tcPr anchor="ctr"/>
@@ -7996,6 +7941,7 @@
                 <a:tc>
                   <a:txBody>
                     <a:bodyPr/>
+                    <a:lstStyle/>
                     <a:p>
                       <a:pPr marL="0" marR="0" indent="0" algn="ctr" defTabSz="457200">
                         <a:lnSpc>
@@ -8033,6 +7979,7 @@
                 <a:tc>
                   <a:txBody>
                     <a:bodyPr/>
+                    <a:lstStyle/>
                     <a:p>
                       <a:pPr marL="342900" indent="-342900">
                         <a:buFont typeface="+mj-lt"/>
@@ -8055,7 +8002,6 @@
                         <a:rPr lang="en-US" sz="1600"/>
                         <a:t>move_backward</a:t>
                       </a:r>
-                      <a:endParaRPr lang="en-US" sz="1600"/>
                     </a:p>
                   </a:txBody>
                   <a:tcPr anchor="ctr"/>
@@ -8063,6 +8009,7 @@
                 <a:tc>
                   <a:txBody>
                     <a:bodyPr/>
+                    <a:lstStyle/>
                     <a:p>
                       <a:pPr marL="342900" marR="0" indent="-342900" algn="l" defTabSz="457200">
                         <a:lnSpc>
@@ -8131,6 +8078,7 @@
                 <a:tc>
                   <a:txBody>
                     <a:bodyPr/>
+                    <a:lstStyle/>
                     <a:p>
                       <a:pPr marL="0" marR="0" indent="0" algn="ctr" defTabSz="457200">
                         <a:lnSpc>
@@ -8169,6 +8117,7 @@
                 <a:tc>
                   <a:txBody>
                     <a:bodyPr/>
+                    <a:lstStyle/>
                     <a:p>
                       <a:pPr marL="342900" indent="-342900">
                         <a:buFont typeface="+mj-lt"/>
@@ -8191,7 +8140,6 @@
                         <a:rPr lang="en-US" sz="1600"/>
                         <a:t>swap_ranges</a:t>
                       </a:r>
-                      <a:endParaRPr lang="en-US" sz="1600"/>
                     </a:p>
                   </a:txBody>
                   <a:tcPr anchor="ctr"/>
@@ -8199,6 +8147,7 @@
                 <a:tc>
                   <a:txBody>
                     <a:bodyPr/>
+                    <a:lstStyle/>
                     <a:p>
                       <a:pPr marL="342900" indent="-342900">
                         <a:buFont typeface="+mj-lt"/>
@@ -8207,11 +8156,7 @@
                       </a:pPr>
                       <a:r>
                         <a:rPr lang="ru-RU"/>
-                        <a:t>Объединяет</a:t>
-                      </a:r>
-                      <a:r>
-                        <a:rPr lang="ru-RU"/>
-                        <a:t> два интервала</a:t>
+                        <a:t>Объединяет два интервала</a:t>
                       </a:r>
                       <a:endParaRPr/>
                     </a:p>
@@ -8233,6 +8178,7 @@
                 <a:tc>
                   <a:txBody>
                     <a:bodyPr/>
+                    <a:lstStyle/>
                     <a:p>
                       <a:pPr marL="0" marR="0" indent="0" algn="ctr" defTabSz="457200">
                         <a:lnSpc>
@@ -8269,11 +8215,11 @@
   <p:clrMapOvr>
     <a:masterClrMapping/>
   </p:clrMapOvr>
-  <mc:AlternateContent xmlns:mc="http://schemas.openxmlformats.org/markup-compatibility/2006">
-    <mc:Choice xmlns:p14="http://schemas.microsoft.com/office/powerpoint/2010/main" Requires="p14">
-      <p:transition p14:dur="2000" advClick="1"/>
+  <mc:AlternateContent xmlns:mc="http://schemas.openxmlformats.org/markup-compatibility/2006" xmlns:p14="http://schemas.microsoft.com/office/powerpoint/2010/main">
+    <mc:Choice Requires="p14">
+      <p:transition spd="slow" p14:dur="2000"/>
     </mc:Choice>
-    <mc:Fallback>
+    <mc:Fallback xmlns:w="http://schemas.openxmlformats.org/wordprocessingml/2006/main" xmlns:m="http://schemas.openxmlformats.org/officeDocument/2006/math" xmlns="">
       <p:transition advClick="1"/>
     </mc:Fallback>
   </mc:AlternateContent>
@@ -8281,13 +8227,13 @@
 </file>
 
 <file path=ppt/slides/slide13.xml><?xml version="1.0" encoding="utf-8"?>
-<p:sld xmlns:a="http://schemas.openxmlformats.org/drawingml/2006/main" xmlns:r="http://schemas.openxmlformats.org/officeDocument/2006/relationships" xmlns:p="http://schemas.openxmlformats.org/presentationml/2006/main" xmlns:m="http://schemas.openxmlformats.org/officeDocument/2006/math" xmlns:w="http://schemas.openxmlformats.org/wordprocessingml/2006/main" showMasterPhAnim="0" show="1">
-  <p:cSld name="">
+<p:sld xmlns:a="http://schemas.openxmlformats.org/drawingml/2006/main" xmlns:r="http://schemas.openxmlformats.org/officeDocument/2006/relationships" xmlns:p="http://schemas.openxmlformats.org/presentationml/2006/main" showMasterPhAnim="0">
+  <p:cSld>
     <p:spTree>
       <p:nvGrpSpPr>
-        <p:cNvPr id="1" name="" hidden="0"/>
+        <p:cNvPr id="1" name=""/>
         <p:cNvGrpSpPr/>
-        <p:nvPr isPhoto="0" userDrawn="0"/>
+        <p:nvPr/>
       </p:nvGrpSpPr>
       <p:grpSpPr bwMode="auto">
         <a:xfrm>
@@ -8299,9 +8245,9 @@
       </p:grpSpPr>
       <p:sp>
         <p:nvSpPr>
-          <p:cNvPr id="4" name="Title 1" hidden="0"/>
+          <p:cNvPr id="4" name="Title 1"/>
           <p:cNvSpPr txBox="1"/>
-          <p:nvPr isPhoto="0" userDrawn="0"/>
+          <p:nvPr/>
         </p:nvSpPr>
         <p:spPr bwMode="auto">
           <a:xfrm>
@@ -8424,17 +8370,16 @@
               <a:rPr lang="en-US" sz="2800"/>
               <a:t>: &lt;algorithm&gt;</a:t>
             </a:r>
-            <a:endParaRPr lang="en-US" sz="2800"/>
           </a:p>
         </p:txBody>
       </p:sp>
       <p:graphicFrame>
         <p:nvGraphicFramePr>
-          <p:cNvPr id="5" name="Таблица 4" hidden="0"/>
+          <p:cNvPr id="5" name="Таблица 4"/>
           <p:cNvGraphicFramePr>
-            <a:graphicFrameLocks xmlns:a="http://schemas.openxmlformats.org/drawingml/2006/main" noGrp="1"/>
+            <a:graphicFrameLocks noGrp="1"/>
           </p:cNvGraphicFramePr>
-          <p:nvPr isPhoto="0" userDrawn="0"/>
+          <p:nvPr/>
         </p:nvGraphicFramePr>
         <p:xfrm>
           <a:off x="443057" y="795080"/>
@@ -8443,7 +8388,7 @@
         <a:graphic>
           <a:graphicData uri="http://schemas.openxmlformats.org/drawingml/2006/table">
             <a:tbl>
-              <a:tblPr firstRow="1" firstCol="0" lastRow="0" lastCol="0" bandRow="1" bandCol="0">
+              <a:tblPr firstRow="1" bandRow="1">
                 <a:tableStyleId>{4FEF7C57-BB6A-CDCA-EEBC-2947F47A9CEB}</a:tableStyleId>
               </a:tblPr>
               <a:tblGrid>
@@ -8455,6 +8400,7 @@
                 <a:tc>
                   <a:txBody>
                     <a:bodyPr/>
+                    <a:lstStyle/>
                     <a:p>
                       <a:pPr algn="ctr">
                         <a:defRPr/>
@@ -8471,6 +8417,7 @@
                 <a:tc>
                   <a:txBody>
                     <a:bodyPr/>
+                    <a:lstStyle/>
                     <a:p>
                       <a:pPr algn="ctr">
                         <a:defRPr/>
@@ -8487,6 +8434,7 @@
                 <a:tc>
                   <a:txBody>
                     <a:bodyPr/>
+                    <a:lstStyle/>
                     <a:p>
                       <a:pPr marL="0" marR="0" indent="0" algn="ctr" defTabSz="457200">
                         <a:lnSpc>
@@ -8506,15 +8454,7 @@
                       </a:pPr>
                       <a:r>
                         <a:rPr lang="ru-RU" sz="1400"/>
-                        <a:t>Сложность</a:t>
-                      </a:r>
-                      <a:r>
-                        <a:rPr lang="ru-RU" sz="1400"/>
-                        <a:t> по </a:t>
-                      </a:r>
-                      <a:r>
-                        <a:rPr lang="ru-RU" sz="1400"/>
-                        <a:t>времени</a:t>
+                        <a:t>Сложность по времени</a:t>
                       </a:r>
                       <a:endParaRPr lang="en-US" sz="1400"/>
                     </a:p>
@@ -8526,6 +8466,7 @@
                 <a:tc>
                   <a:txBody>
                     <a:bodyPr/>
+                    <a:lstStyle/>
                     <a:p>
                       <a:pPr marL="342900" indent="-342900">
                         <a:buFont typeface="+mj-lt"/>
@@ -8548,7 +8489,6 @@
                         <a:rPr lang="en-US" sz="1600"/>
                         <a:t>fill_n</a:t>
                       </a:r>
-                      <a:endParaRPr lang="en-US" sz="1600"/>
                     </a:p>
                     <a:p>
                       <a:pPr marL="342900" indent="-342900">
@@ -8572,7 +8512,6 @@
                         <a:rPr lang="en-US" sz="1600"/>
                         <a:t>generate_n</a:t>
                       </a:r>
-                      <a:endParaRPr lang="en-US" sz="1600"/>
                     </a:p>
                   </a:txBody>
                   <a:tcPr anchor="ctr"/>
@@ -8580,6 +8519,7 @@
                 <a:tc>
                   <a:txBody>
                     <a:bodyPr/>
+                    <a:lstStyle/>
                     <a:p>
                       <a:pPr marL="342900" indent="-342900">
                         <a:buAutoNum type="arabicPeriod"/>
@@ -8587,11 +8527,7 @@
                       </a:pPr>
                       <a:r>
                         <a:rPr lang="ru-RU" sz="1600"/>
-                        <a:t>Заменяет каждый элемент</a:t>
-                      </a:r>
-                      <a:r>
-                        <a:rPr lang="ru-RU" sz="1600"/>
-                        <a:t> в интервале данным значением</a:t>
+                        <a:t>Заменяет каждый элемент в интервале данным значением</a:t>
                       </a:r>
                       <a:endParaRPr/>
                     </a:p>
@@ -8662,6 +8598,7 @@
                 <a:tc>
                   <a:txBody>
                     <a:bodyPr/>
+                    <a:lstStyle/>
                     <a:p>
                       <a:pPr marL="0" indent="0" algn="ctr">
                         <a:buNone/>
@@ -8671,7 +8608,6 @@
                         <a:rPr lang="en-US" sz="1600"/>
                         <a:t>O(n)</a:t>
                       </a:r>
-                      <a:endParaRPr lang="en-US" sz="1600"/>
                     </a:p>
                   </a:txBody>
                   <a:tcPr anchor="ctr"/>
@@ -8681,6 +8617,7 @@
                 <a:tc>
                   <a:txBody>
                     <a:bodyPr/>
+                    <a:lstStyle/>
                     <a:p>
                       <a:pPr marL="342900" indent="-342900">
                         <a:buFont typeface="+mj-lt"/>
@@ -8703,7 +8640,6 @@
                         <a:rPr lang="en-US" sz="1600"/>
                         <a:t>replace_if</a:t>
                       </a:r>
-                      <a:endParaRPr lang="en-US" sz="1600"/>
                     </a:p>
                     <a:p>
                       <a:pPr marL="342900" indent="-342900">
@@ -8754,6 +8690,7 @@
                 <a:tc>
                   <a:txBody>
                     <a:bodyPr/>
+                    <a:lstStyle/>
                     <a:p>
                       <a:pPr marL="342900" indent="-342900">
                         <a:buAutoNum type="arabicPeriod"/>
@@ -8772,11 +8709,7 @@
                       </a:pPr>
                       <a:r>
                         <a:rPr lang="ru-RU" sz="1600"/>
-                        <a:t>Заменяет</a:t>
-                      </a:r>
-                      <a:r>
-                        <a:rPr lang="ru-RU" sz="1600"/>
-                        <a:t> элементы, удовлетворяющие условию, на другое значение</a:t>
+                        <a:t>Заменяет элементы, удовлетворяющие условию, на другое значение</a:t>
                       </a:r>
                       <a:endParaRPr/>
                     </a:p>
@@ -8787,11 +8720,7 @@
                       </a:pPr>
                       <a:r>
                         <a:rPr lang="ru-RU" sz="1600"/>
-                        <a:t>Копирует элементы</a:t>
-                      </a:r>
-                      <a:r>
-                        <a:rPr lang="ru-RU" sz="1600"/>
-                        <a:t> из одного интервала в другой, заменяя значения элементов, равных данному, на другое данное значение</a:t>
+                        <a:t>Копирует элементы из одного интервала в другой, заменяя значения элементов, равных данному, на другое данное значение</a:t>
                       </a:r>
                       <a:endParaRPr/>
                     </a:p>
@@ -8804,7 +8733,6 @@
                         <a:rPr lang="ru-RU" sz="1600"/>
                         <a:t>Копирует элементы из одного интервала в другой, заменяя значения элементов, удовлетворяющих условию, на данное значение </a:t>
                       </a:r>
-                      <a:endParaRPr lang="ru-RU" sz="1600"/>
                     </a:p>
                     <a:p>
                       <a:pPr marL="342900" indent="-342900">
@@ -8819,6 +8747,7 @@
                 <a:tc>
                   <a:txBody>
                     <a:bodyPr/>
+                    <a:lstStyle/>
                     <a:p>
                       <a:pPr marL="0" marR="0" indent="0" algn="ctr" defTabSz="457200">
                         <a:lnSpc>
@@ -8861,11 +8790,11 @@
   <p:clrMapOvr>
     <a:masterClrMapping/>
   </p:clrMapOvr>
-  <mc:AlternateContent xmlns:mc="http://schemas.openxmlformats.org/markup-compatibility/2006">
-    <mc:Choice xmlns:p14="http://schemas.microsoft.com/office/powerpoint/2010/main" Requires="p14">
-      <p:transition p14:dur="2000" advClick="1"/>
+  <mc:AlternateContent xmlns:mc="http://schemas.openxmlformats.org/markup-compatibility/2006" xmlns:p14="http://schemas.microsoft.com/office/powerpoint/2010/main">
+    <mc:Choice Requires="p14">
+      <p:transition spd="slow" p14:dur="2000"/>
     </mc:Choice>
-    <mc:Fallback>
+    <mc:Fallback xmlns:w="http://schemas.openxmlformats.org/wordprocessingml/2006/main" xmlns:m="http://schemas.openxmlformats.org/officeDocument/2006/math" xmlns="">
       <p:transition advClick="1"/>
     </mc:Fallback>
   </mc:AlternateContent>
@@ -8873,13 +8802,13 @@
 </file>
 
 <file path=ppt/slides/slide14.xml><?xml version="1.0" encoding="utf-8"?>
-<p:sld xmlns:a="http://schemas.openxmlformats.org/drawingml/2006/main" xmlns:r="http://schemas.openxmlformats.org/officeDocument/2006/relationships" xmlns:p="http://schemas.openxmlformats.org/presentationml/2006/main" xmlns:m="http://schemas.openxmlformats.org/officeDocument/2006/math" xmlns:w="http://schemas.openxmlformats.org/wordprocessingml/2006/main" showMasterPhAnim="0" show="1">
-  <p:cSld name="">
+<p:sld xmlns:a="http://schemas.openxmlformats.org/drawingml/2006/main" xmlns:r="http://schemas.openxmlformats.org/officeDocument/2006/relationships" xmlns:p="http://schemas.openxmlformats.org/presentationml/2006/main" showMasterPhAnim="0">
+  <p:cSld>
     <p:spTree>
       <p:nvGrpSpPr>
-        <p:cNvPr id="1" name="" hidden="0"/>
+        <p:cNvPr id="1" name=""/>
         <p:cNvGrpSpPr/>
-        <p:nvPr isPhoto="0" userDrawn="0"/>
+        <p:nvPr/>
       </p:nvGrpSpPr>
       <p:grpSpPr bwMode="auto">
         <a:xfrm>
@@ -8891,11 +8820,11 @@
       </p:grpSpPr>
       <p:graphicFrame>
         <p:nvGraphicFramePr>
-          <p:cNvPr id="4" name="Таблица 3" hidden="0"/>
+          <p:cNvPr id="4" name="Таблица 3"/>
           <p:cNvGraphicFramePr>
-            <a:graphicFrameLocks xmlns:a="http://schemas.openxmlformats.org/drawingml/2006/main" noGrp="1"/>
+            <a:graphicFrameLocks noGrp="1"/>
           </p:cNvGraphicFramePr>
-          <p:nvPr isPhoto="0" userDrawn="0"/>
+          <p:nvPr/>
         </p:nvGraphicFramePr>
         <p:xfrm>
           <a:off x="479376" y="908721"/>
@@ -8904,7 +8833,7 @@
         <a:graphic>
           <a:graphicData uri="http://schemas.openxmlformats.org/drawingml/2006/table">
             <a:tbl>
-              <a:tblPr firstRow="1" firstCol="0" lastRow="0" lastCol="0" bandRow="1" bandCol="0">
+              <a:tblPr firstRow="1" bandRow="1">
                 <a:tableStyleId>{4FEF7C57-BB6A-CDCA-EEBC-2947F47A9CEB}</a:tableStyleId>
               </a:tblPr>
               <a:tblGrid>
@@ -8916,6 +8845,7 @@
                 <a:tc>
                   <a:txBody>
                     <a:bodyPr/>
+                    <a:lstStyle/>
                     <a:p>
                       <a:pPr algn="ctr">
                         <a:defRPr/>
@@ -8932,6 +8862,7 @@
                 <a:tc>
                   <a:txBody>
                     <a:bodyPr/>
+                    <a:lstStyle/>
                     <a:p>
                       <a:pPr algn="ctr">
                         <a:defRPr/>
@@ -8948,6 +8879,7 @@
                 <a:tc>
                   <a:txBody>
                     <a:bodyPr/>
+                    <a:lstStyle/>
                     <a:p>
                       <a:pPr marL="0" marR="0" indent="0" algn="ctr" defTabSz="457200">
                         <a:lnSpc>
@@ -8967,15 +8899,7 @@
                       </a:pPr>
                       <a:r>
                         <a:rPr lang="ru-RU" sz="1400"/>
-                        <a:t>Сложность</a:t>
-                      </a:r>
-                      <a:r>
-                        <a:rPr lang="ru-RU" sz="1400"/>
-                        <a:t> по </a:t>
-                      </a:r>
-                      <a:r>
-                        <a:rPr lang="ru-RU" sz="1400"/>
-                        <a:t>времени</a:t>
+                        <a:t>Сложность по времени</a:t>
                       </a:r>
                       <a:endParaRPr lang="en-US" sz="1400"/>
                     </a:p>
@@ -8987,6 +8911,7 @@
                 <a:tc>
                   <a:txBody>
                     <a:bodyPr/>
+                    <a:lstStyle/>
                     <a:p>
                       <a:pPr marL="342900" indent="-342900">
                         <a:buFont typeface="+mj-lt"/>
@@ -9009,7 +8934,6 @@
                         <a:rPr lang="en-US" sz="1600"/>
                         <a:t>remove_if</a:t>
                       </a:r>
-                      <a:endParaRPr lang="en-US" sz="1600"/>
                     </a:p>
                     <a:p>
                       <a:pPr marL="342900" indent="-342900">
@@ -9021,7 +8945,6 @@
                         <a:rPr lang="en-US" sz="1600"/>
                         <a:t>remove_copy</a:t>
                       </a:r>
-                      <a:endParaRPr lang="en-US" sz="1600"/>
                     </a:p>
                     <a:p>
                       <a:pPr marL="342900" indent="-342900">
@@ -9049,6 +8972,7 @@
                 <a:tc>
                   <a:txBody>
                     <a:bodyPr/>
+                    <a:lstStyle/>
                     <a:p>
                       <a:pPr marL="342900" indent="-342900">
                         <a:buAutoNum type="arabicPeriod"/>
@@ -9056,11 +8980,7 @@
                       </a:pPr>
                       <a:r>
                         <a:rPr lang="ru-RU" sz="1600"/>
-                        <a:t>Удаляет</a:t>
-                      </a:r>
-                      <a:r>
-                        <a:rPr lang="ru-RU" sz="1600"/>
-                        <a:t> (на самом деле не совсем) из интервала элементы, равные данному</a:t>
+                        <a:t>Удаляет (на самом деле не совсем) из интервала элементы, равные данному</a:t>
                       </a:r>
                       <a:endParaRPr/>
                     </a:p>
@@ -9071,11 +8991,7 @@
                       </a:pPr>
                       <a:r>
                         <a:rPr lang="ru-RU" sz="1600"/>
-                        <a:t>Удаляет</a:t>
-                      </a:r>
-                      <a:r>
-                        <a:rPr lang="ru-RU" sz="1600"/>
-                        <a:t> (на самом деле не совсем) из интервала элементы, для которых выполняется данное условие</a:t>
+                        <a:t>Удаляет (на самом деле не совсем) из интервала элементы, для которых выполняется данное условие</a:t>
                       </a:r>
                       <a:endParaRPr lang="en-US" sz="1600"/>
                     </a:p>
@@ -9088,7 +9004,6 @@
                         <a:rPr lang="ru-RU" sz="1600"/>
                         <a:t>Копирует элементы из одного интервала в другой за исключением элементов, равных данному</a:t>
                       </a:r>
-                      <a:endParaRPr lang="ru-RU" sz="1600"/>
                     </a:p>
                     <a:p>
                       <a:pPr marL="342900" marR="0" indent="-342900" algn="l" defTabSz="457200">
@@ -9119,6 +9034,7 @@
                 <a:tc>
                   <a:txBody>
                     <a:bodyPr/>
+                    <a:lstStyle/>
                     <a:p>
                       <a:pPr marL="0" indent="0" algn="ctr">
                         <a:buNone/>
@@ -9128,7 +9044,6 @@
                         <a:rPr lang="en-US" sz="1600"/>
                         <a:t>O(n)</a:t>
                       </a:r>
-                      <a:endParaRPr lang="en-US" sz="1600"/>
                     </a:p>
                   </a:txBody>
                   <a:tcPr anchor="ctr"/>
@@ -9138,6 +9053,7 @@
                 <a:tc>
                   <a:txBody>
                     <a:bodyPr/>
+                    <a:lstStyle/>
                     <a:p>
                       <a:pPr marL="342900" indent="-342900">
                         <a:buFont typeface="+mj-lt"/>
@@ -9160,7 +9076,6 @@
                         <a:rPr lang="en-US" sz="1600"/>
                         <a:t>unique_copy</a:t>
                       </a:r>
-                      <a:endParaRPr lang="en-US" sz="1600"/>
                     </a:p>
                   </a:txBody>
                   <a:tcPr anchor="ctr"/>
@@ -9168,6 +9083,7 @@
                 <a:tc>
                   <a:txBody>
                     <a:bodyPr/>
+                    <a:lstStyle/>
                     <a:p>
                       <a:pPr marL="342900" marR="0" indent="-342900" algn="l" defTabSz="457200">
                         <a:lnSpc>
@@ -9187,11 +9103,7 @@
                       </a:pPr>
                       <a:r>
                         <a:rPr lang="ru-RU" sz="1600"/>
-                        <a:t>Удаляет</a:t>
-                      </a:r>
-                      <a:r>
-                        <a:rPr lang="ru-RU" sz="1600"/>
-                        <a:t> (на самом деле не совсем) из интервала прилегающие (следующие друг за другом) дубликаты элементов</a:t>
+                        <a:t>Удаляет (на самом деле не совсем) из интервала прилегающие (следующие друг за другом) дубликаты элементов</a:t>
                       </a:r>
                       <a:endParaRPr/>
                     </a:p>
@@ -9216,7 +9128,6 @@
                         <a:rPr lang="ru-RU" sz="1600"/>
                         <a:t>Копирует элементы из одного интервала в другой за исключением прилегающих (следующие друг за другом) дубликатов элементов</a:t>
                       </a:r>
-                      <a:endParaRPr lang="ru-RU" sz="1600"/>
                     </a:p>
                   </a:txBody>
                   <a:tcPr anchor="ctr"/>
@@ -9224,6 +9135,7 @@
                 <a:tc>
                   <a:txBody>
                     <a:bodyPr/>
+                    <a:lstStyle/>
                     <a:p>
                       <a:pPr marL="0" marR="0" indent="0" algn="ctr" defTabSz="457200">
                         <a:lnSpc>
@@ -9263,9 +9175,9 @@
       </p:graphicFrame>
       <p:sp>
         <p:nvSpPr>
-          <p:cNvPr id="5" name="Title 1" hidden="0"/>
+          <p:cNvPr id="5" name="Title 1"/>
           <p:cNvSpPr txBox="1"/>
-          <p:nvPr isPhoto="0" userDrawn="0"/>
+          <p:nvPr/>
         </p:nvSpPr>
         <p:spPr bwMode="auto">
           <a:xfrm>
@@ -9388,17 +9300,16 @@
               <a:rPr lang="en-US" sz="2800"/>
               <a:t>: &lt;algorithm&gt;</a:t>
             </a:r>
-            <a:endParaRPr lang="en-US" sz="2800"/>
           </a:p>
         </p:txBody>
       </p:sp>
       <p:pic>
         <p:nvPicPr>
-          <p:cNvPr id="6" name="Рисунок 5" hidden="0"/>
+          <p:cNvPr id="6" name="Рисунок 5"/>
           <p:cNvPicPr>
             <a:picLocks noChangeAspect="1"/>
           </p:cNvPicPr>
-          <p:nvPr isPhoto="0" userDrawn="0"/>
+          <p:nvPr/>
         </p:nvPicPr>
         <p:blipFill>
           <a:blip r:embed="rId2"/>
@@ -9416,9 +9327,9 @@
       </p:pic>
       <p:sp>
         <p:nvSpPr>
-          <p:cNvPr id="7" name="TextBox 6" hidden="0"/>
+          <p:cNvPr id="7" name="TextBox 6"/>
           <p:cNvSpPr txBox="1"/>
-          <p:nvPr isPhoto="0" userDrawn="0"/>
+          <p:nvPr/>
         </p:nvSpPr>
         <p:spPr bwMode="auto">
           <a:xfrm>
@@ -9451,21 +9362,16 @@
             </a:pPr>
             <a:r>
               <a:rPr lang="en-US"/>
-              <a:t>std</a:t>
-            </a:r>
-            <a:r>
-              <a:rPr lang="en-US"/>
-              <a:t>::list{6, 5, 4, 3, 2, 1, 1, 2, 3, 4, 5, 6}</a:t>
-            </a:r>
-            <a:endParaRPr lang="en-US"/>
+              <a:t>std::list{6, 5, 4, 3, 2, 1, 1, 2, 3, 4, 5, 6}</a:t>
+            </a:r>
           </a:p>
         </p:txBody>
       </p:sp>
       <p:sp>
         <p:nvSpPr>
-          <p:cNvPr id="8" name="Стрелка углом вверх 7" hidden="0"/>
+          <p:cNvPr id="8" name="Стрелка углом вверх 7"/>
           <p:cNvSpPr/>
-          <p:nvPr isPhoto="0" userDrawn="0"/>
+          <p:nvPr/>
         </p:nvSpPr>
         <p:spPr bwMode="auto">
           <a:xfrm rot="5400000">
@@ -9509,9 +9415,9 @@
       </p:sp>
       <p:sp>
         <p:nvSpPr>
-          <p:cNvPr id="9" name="TextBox 8" hidden="0"/>
+          <p:cNvPr id="9" name="TextBox 8"/>
           <p:cNvSpPr txBox="1"/>
-          <p:nvPr isPhoto="0" userDrawn="0"/>
+          <p:nvPr/>
         </p:nvSpPr>
         <p:spPr bwMode="auto">
           <a:xfrm>
@@ -9534,21 +9440,16 @@
             </a:pPr>
             <a:r>
               <a:rPr lang="en-US"/>
-              <a:t>std</a:t>
-            </a:r>
-            <a:r>
-              <a:rPr lang="en-US"/>
-              <a:t>::remove(beg, end, 3)</a:t>
-            </a:r>
-            <a:endParaRPr lang="en-US"/>
+              <a:t>std::remove(beg, end, 3)</a:t>
+            </a:r>
           </a:p>
         </p:txBody>
       </p:sp>
       <p:sp>
         <p:nvSpPr>
-          <p:cNvPr id="10" name="TextBox 9" hidden="0"/>
+          <p:cNvPr id="10" name="TextBox 9"/>
           <p:cNvSpPr txBox="1"/>
-          <p:nvPr isPhoto="0" userDrawn="0"/>
+          <p:nvPr/>
         </p:nvSpPr>
         <p:spPr bwMode="auto">
           <a:xfrm>
@@ -9583,11 +9484,7 @@
             </a:pPr>
             <a:r>
               <a:rPr lang="en-US"/>
-              <a:t>std</a:t>
-            </a:r>
-            <a:r>
-              <a:rPr lang="en-US"/>
-              <a:t>::list{6, 5, 4, 2, 1, 1, 2, 4, 5, 6</a:t>
+              <a:t>std::list{6, 5, 4, 2, 1, 1, 2, 4, 5, 6</a:t>
             </a:r>
             <a:r>
               <a:rPr lang="ru-RU"/>
@@ -9597,15 +9494,14 @@
               <a:rPr lang="en-US"/>
               <a:t>}</a:t>
             </a:r>
-            <a:endParaRPr lang="en-US"/>
           </a:p>
         </p:txBody>
       </p:sp>
       <p:sp>
         <p:nvSpPr>
-          <p:cNvPr id="11" name="Стрелка углом вверх 10" hidden="0"/>
+          <p:cNvPr id="11" name="Стрелка углом вверх 10"/>
           <p:cNvSpPr/>
-          <p:nvPr isPhoto="0" userDrawn="0"/>
+          <p:nvPr/>
         </p:nvSpPr>
         <p:spPr bwMode="auto">
           <a:xfrm>
@@ -9649,9 +9545,9 @@
       </p:sp>
       <p:sp>
         <p:nvSpPr>
-          <p:cNvPr id="12" name="Стрелка вниз 11" hidden="0"/>
+          <p:cNvPr id="12" name="Стрелка вниз 11"/>
           <p:cNvSpPr/>
-          <p:nvPr isPhoto="0" userDrawn="0"/>
+          <p:nvPr/>
         </p:nvSpPr>
         <p:spPr bwMode="auto">
           <a:xfrm>
@@ -9694,9 +9590,9 @@
       </p:sp>
       <p:sp>
         <p:nvSpPr>
-          <p:cNvPr id="13" name="TextBox 12" hidden="0"/>
+          <p:cNvPr id="13" name="TextBox 12"/>
           <p:cNvSpPr txBox="1"/>
-          <p:nvPr isPhoto="0" userDrawn="0"/>
+          <p:nvPr/>
         </p:nvSpPr>
         <p:spPr bwMode="auto">
           <a:xfrm>
@@ -9744,11 +9640,11 @@
   <p:clrMapOvr>
     <a:masterClrMapping/>
   </p:clrMapOvr>
-  <mc:AlternateContent xmlns:mc="http://schemas.openxmlformats.org/markup-compatibility/2006">
-    <mc:Choice xmlns:p14="http://schemas.microsoft.com/office/powerpoint/2010/main" Requires="p14">
-      <p:transition p14:dur="2000" advClick="1"/>
+  <mc:AlternateContent xmlns:mc="http://schemas.openxmlformats.org/markup-compatibility/2006" xmlns:p14="http://schemas.microsoft.com/office/powerpoint/2010/main">
+    <mc:Choice Requires="p14">
+      <p:transition spd="slow" p14:dur="2000"/>
     </mc:Choice>
-    <mc:Fallback>
+    <mc:Fallback xmlns:w="http://schemas.openxmlformats.org/wordprocessingml/2006/main" xmlns:m="http://schemas.openxmlformats.org/officeDocument/2006/math" xmlns="">
       <p:transition advClick="1"/>
     </mc:Fallback>
   </mc:AlternateContent>
@@ -9756,13 +9652,13 @@
 </file>
 
 <file path=ppt/slides/slide15.xml><?xml version="1.0" encoding="utf-8"?>
-<p:sld xmlns:a="http://schemas.openxmlformats.org/drawingml/2006/main" xmlns:r="http://schemas.openxmlformats.org/officeDocument/2006/relationships" xmlns:p="http://schemas.openxmlformats.org/presentationml/2006/main" xmlns:m="http://schemas.openxmlformats.org/officeDocument/2006/math" xmlns:w="http://schemas.openxmlformats.org/wordprocessingml/2006/main" showMasterPhAnim="0" show="1">
-  <p:cSld name="">
+<p:sld xmlns:a="http://schemas.openxmlformats.org/drawingml/2006/main" xmlns:r="http://schemas.openxmlformats.org/officeDocument/2006/relationships" xmlns:p="http://schemas.openxmlformats.org/presentationml/2006/main" showMasterPhAnim="0">
+  <p:cSld>
     <p:spTree>
       <p:nvGrpSpPr>
-        <p:cNvPr id="1" name="" hidden="0"/>
+        <p:cNvPr id="1" name=""/>
         <p:cNvGrpSpPr/>
-        <p:nvPr isPhoto="0" userDrawn="0"/>
+        <p:nvPr/>
       </p:nvGrpSpPr>
       <p:grpSpPr bwMode="auto">
         <a:xfrm>
@@ -9774,9 +9670,9 @@
       </p:grpSpPr>
       <p:sp>
         <p:nvSpPr>
-          <p:cNvPr id="4" name="Title 1" hidden="0"/>
+          <p:cNvPr id="4" name="Title 1"/>
           <p:cNvSpPr txBox="1"/>
-          <p:nvPr isPhoto="0" userDrawn="0"/>
+          <p:nvPr/>
         </p:nvSpPr>
         <p:spPr bwMode="auto">
           <a:xfrm>
@@ -9877,11 +9773,7 @@
             </a:pPr>
             <a:r>
               <a:rPr lang="ru-RU" sz="2800"/>
-              <a:t>Перестанавливающие </a:t>
-            </a:r>
-            <a:r>
-              <a:rPr lang="ru-RU" sz="2800"/>
-              <a:t>(</a:t>
+              <a:t>Перестанавливающие (</a:t>
             </a:r>
             <a:r>
               <a:rPr lang="en-US" sz="2800"/>
@@ -9903,17 +9795,16 @@
               <a:rPr lang="en-US" sz="2800"/>
               <a:t>: &lt;algorithm&gt;</a:t>
             </a:r>
-            <a:endParaRPr lang="en-US" sz="2800"/>
           </a:p>
         </p:txBody>
       </p:sp>
       <p:graphicFrame>
         <p:nvGraphicFramePr>
-          <p:cNvPr id="5" name="Таблица 4" hidden="0"/>
+          <p:cNvPr id="5" name="Таблица 4"/>
           <p:cNvGraphicFramePr>
-            <a:graphicFrameLocks xmlns:a="http://schemas.openxmlformats.org/drawingml/2006/main" noGrp="1"/>
+            <a:graphicFrameLocks noGrp="1"/>
           </p:cNvGraphicFramePr>
-          <p:nvPr isPhoto="0" userDrawn="0"/>
+          <p:nvPr/>
         </p:nvGraphicFramePr>
         <p:xfrm>
           <a:off x="479376" y="908721"/>
@@ -9922,7 +9813,7 @@
         <a:graphic>
           <a:graphicData uri="http://schemas.openxmlformats.org/drawingml/2006/table">
             <a:tbl>
-              <a:tblPr firstRow="1" firstCol="0" lastRow="0" lastCol="0" bandRow="1" bandCol="0">
+              <a:tblPr firstRow="1" bandRow="1">
                 <a:tableStyleId>{4FEF7C57-BB6A-CDCA-EEBC-2947F47A9CEB}</a:tableStyleId>
               </a:tblPr>
               <a:tblGrid>
@@ -9934,6 +9825,7 @@
                 <a:tc>
                   <a:txBody>
                     <a:bodyPr/>
+                    <a:lstStyle/>
                     <a:p>
                       <a:pPr algn="ctr">
                         <a:defRPr/>
@@ -9950,6 +9842,7 @@
                 <a:tc>
                   <a:txBody>
                     <a:bodyPr/>
+                    <a:lstStyle/>
                     <a:p>
                       <a:pPr algn="ctr">
                         <a:defRPr/>
@@ -9966,6 +9859,7 @@
                 <a:tc>
                   <a:txBody>
                     <a:bodyPr/>
+                    <a:lstStyle/>
                     <a:p>
                       <a:pPr marL="0" marR="0" indent="0" algn="ctr" defTabSz="457200">
                         <a:lnSpc>
@@ -9985,15 +9879,7 @@
                       </a:pPr>
                       <a:r>
                         <a:rPr lang="ru-RU" sz="1400"/>
-                        <a:t>Сложность</a:t>
-                      </a:r>
-                      <a:r>
-                        <a:rPr lang="ru-RU" sz="1400"/>
-                        <a:t> по </a:t>
-                      </a:r>
-                      <a:r>
-                        <a:rPr lang="ru-RU" sz="1400"/>
-                        <a:t>времени</a:t>
+                        <a:t>Сложность по времени</a:t>
                       </a:r>
                       <a:endParaRPr lang="en-US" sz="1400"/>
                     </a:p>
@@ -10005,6 +9891,7 @@
                 <a:tc>
                   <a:txBody>
                     <a:bodyPr/>
+                    <a:lstStyle/>
                     <a:p>
                       <a:pPr marL="342900" indent="-342900">
                         <a:buFont typeface="+mj-lt"/>
@@ -10027,7 +9914,6 @@
                         <a:rPr lang="en-US" sz="1600"/>
                         <a:t>reverse_copy</a:t>
                       </a:r>
-                      <a:endParaRPr lang="en-US" sz="1600"/>
                     </a:p>
                     <a:p>
                       <a:pPr marL="0" indent="0">
@@ -10043,6 +9929,7 @@
                 <a:tc>
                   <a:txBody>
                     <a:bodyPr/>
+                    <a:lstStyle/>
                     <a:p>
                       <a:pPr marL="342900" indent="-342900">
                         <a:buAutoNum type="arabicPeriod"/>
@@ -10050,11 +9937,7 @@
                       </a:pPr>
                       <a:r>
                         <a:rPr lang="ru-RU" sz="1600"/>
-                        <a:t>Перестанавливает</a:t>
-                      </a:r>
-                      <a:r>
-                        <a:rPr lang="ru-RU" sz="1600"/>
-                        <a:t> элементы интервала в обратном порядке</a:t>
+                        <a:t>Перестанавливает элементы интервала в обратном порядке</a:t>
                       </a:r>
                       <a:endParaRPr lang="en-US" sz="1600"/>
                     </a:p>
@@ -10065,11 +9948,7 @@
                       </a:pPr>
                       <a:r>
                         <a:rPr lang="ru-RU" sz="1600"/>
-                        <a:t>Копирует элементы интервала в другой интервал, перестанавливая</a:t>
-                      </a:r>
-                      <a:r>
-                        <a:rPr lang="ru-RU" sz="1600"/>
-                        <a:t> их в обратном порядке</a:t>
+                        <a:t>Копирует элементы интервала в другой интервал, перестанавливая их в обратном порядке</a:t>
                       </a:r>
                       <a:endParaRPr lang="en-US" sz="1600"/>
                     </a:p>
@@ -10079,6 +9958,7 @@
                 <a:tc>
                   <a:txBody>
                     <a:bodyPr/>
+                    <a:lstStyle/>
                     <a:p>
                       <a:pPr marL="0" indent="0" algn="ctr">
                         <a:buNone/>
@@ -10110,6 +9990,7 @@
                 <a:tc>
                   <a:txBody>
                     <a:bodyPr/>
+                    <a:lstStyle/>
                     <a:p>
                       <a:pPr marL="342900" indent="-342900">
                         <a:buFont typeface="+mj-lt"/>
@@ -10132,7 +10013,6 @@
                         <a:rPr lang="en-US" sz="1600"/>
                         <a:t>rotate_copy</a:t>
                       </a:r>
-                      <a:endParaRPr lang="en-US" sz="1600"/>
                     </a:p>
                   </a:txBody>
                   <a:tcPr anchor="ctr"/>
@@ -10140,6 +10020,7 @@
                 <a:tc>
                   <a:txBody>
                     <a:bodyPr/>
+                    <a:lstStyle/>
                     <a:p>
                       <a:pPr marL="342900" marR="0" indent="-342900" algn="l" defTabSz="457200">
                         <a:lnSpc>
@@ -10182,23 +10063,7 @@
                       </a:pPr>
                       <a:r>
                         <a:rPr lang="ru-RU" sz="1600"/>
-                        <a:t>Копирует элементы интервала в другой интервал,</a:t>
-                      </a:r>
-                      <a:r>
-                        <a:rPr lang="ru-RU" sz="1600"/>
-                        <a:t> в</a:t>
-                      </a:r>
-                      <a:r>
-                        <a:rPr lang="ru-RU" sz="1600"/>
-                        <a:t>ыполняя</a:t>
-                      </a:r>
-                      <a:r>
-                        <a:rPr lang="ru-RU" sz="1600"/>
-                        <a:t> их</a:t>
-                      </a:r>
-                      <a:r>
-                        <a:rPr lang="ru-RU" sz="1600"/>
-                        <a:t> циклический сдвиг</a:t>
+                        <a:t>Копирует элементы интервала в другой интервал, выполняя их циклический сдвиг</a:t>
                       </a:r>
                       <a:endParaRPr/>
                     </a:p>
@@ -10208,6 +10073,7 @@
                 <a:tc>
                   <a:txBody>
                     <a:bodyPr/>
+                    <a:lstStyle/>
                     <a:p>
                       <a:pPr marL="0" marR="0" indent="0" algn="ctr" defTabSz="457200">
                         <a:lnSpc>
@@ -10257,6 +10123,7 @@
                 <a:tc>
                   <a:txBody>
                     <a:bodyPr/>
+                    <a:lstStyle/>
                     <a:p>
                       <a:pPr marL="342900" indent="-342900">
                         <a:buFont typeface="+mj-lt"/>
@@ -10267,7 +10134,6 @@
                         <a:rPr lang="en-US" sz="1600"/>
                         <a:t>next_permutation</a:t>
                       </a:r>
-                      <a:endParaRPr lang="en-US" sz="1600"/>
                     </a:p>
                     <a:p>
                       <a:pPr marL="342900" indent="-342900">
@@ -10279,7 +10145,6 @@
                         <a:rPr lang="en-US" sz="1600"/>
                         <a:t>prev_permutation</a:t>
                       </a:r>
-                      <a:endParaRPr lang="en-US" sz="1600"/>
                     </a:p>
                   </a:txBody>
                   <a:tcPr anchor="ctr"/>
@@ -10287,6 +10152,7 @@
                 <a:tc>
                   <a:txBody>
                     <a:bodyPr/>
+                    <a:lstStyle/>
                     <a:p>
                       <a:pPr marL="282575" marR="0" indent="0" algn="l" defTabSz="457200">
                         <a:lnSpc>
@@ -10306,13 +10172,8 @@
                       </a:pPr>
                       <a:r>
                         <a:rPr lang="ru-RU" sz="1600"/>
-                        <a:t>Выполняют</a:t>
-                      </a:r>
-                      <a:r>
-                        <a:rPr lang="ru-RU" sz="1600"/>
-                        <a:t> перестановки элементов в интервале, пока он не будет отсортирован в лексикографическом порядке</a:t>
-                      </a:r>
-                      <a:endParaRPr lang="ru-RU" sz="1600"/>
+                        <a:t>Выполняют перестановки элементов в интервале, пока он не будет отсортирован в лексикографическом порядке</a:t>
+                      </a:r>
                     </a:p>
                   </a:txBody>
                   <a:tcPr anchor="ctr"/>
@@ -10320,6 +10181,7 @@
                 <a:tc>
                   <a:txBody>
                     <a:bodyPr/>
+                    <a:lstStyle/>
                     <a:p>
                       <a:pPr marL="0" marR="0" indent="0" algn="ctr" defTabSz="457200">
                         <a:lnSpc>
@@ -10363,6 +10225,7 @@
                 <a:tc>
                   <a:txBody>
                     <a:bodyPr/>
+                    <a:lstStyle/>
                     <a:p>
                       <a:pPr marL="342900" indent="-342900">
                         <a:buFont typeface="+mj-lt"/>
@@ -10385,7 +10248,6 @@
                         <a:rPr lang="en-US" sz="1600"/>
                         <a:t>random_shuffle</a:t>
                       </a:r>
-                      <a:endParaRPr lang="en-US" sz="1600"/>
                     </a:p>
                   </a:txBody>
                   <a:tcPr anchor="ctr"/>
@@ -10393,6 +10255,7 @@
                 <a:tc>
                   <a:txBody>
                     <a:bodyPr/>
+                    <a:lstStyle/>
                     <a:p>
                       <a:pPr marL="0" marR="0" indent="282575" algn="l" defTabSz="457200">
                         <a:lnSpc>
@@ -10422,6 +10285,7 @@
                 <a:tc>
                   <a:txBody>
                     <a:bodyPr/>
+                    <a:lstStyle/>
                     <a:p>
                       <a:pPr marL="0" marR="0" indent="0" algn="ctr" defTabSz="457200">
                         <a:lnSpc>
@@ -10470,11 +10334,11 @@
   <p:clrMapOvr>
     <a:masterClrMapping/>
   </p:clrMapOvr>
-  <mc:AlternateContent xmlns:mc="http://schemas.openxmlformats.org/markup-compatibility/2006">
-    <mc:Choice xmlns:p14="http://schemas.microsoft.com/office/powerpoint/2010/main" Requires="p14">
-      <p:transition p14:dur="2000" advClick="1"/>
+  <mc:AlternateContent xmlns:mc="http://schemas.openxmlformats.org/markup-compatibility/2006" xmlns:p14="http://schemas.microsoft.com/office/powerpoint/2010/main">
+    <mc:Choice Requires="p14">
+      <p:transition spd="slow" p14:dur="2000"/>
     </mc:Choice>
-    <mc:Fallback>
+    <mc:Fallback xmlns:w="http://schemas.openxmlformats.org/wordprocessingml/2006/main" xmlns:m="http://schemas.openxmlformats.org/officeDocument/2006/math" xmlns="">
       <p:transition advClick="1"/>
     </mc:Fallback>
   </mc:AlternateContent>
@@ -10482,13 +10346,13 @@
 </file>
 
 <file path=ppt/slides/slide16.xml><?xml version="1.0" encoding="utf-8"?>
-<p:sld xmlns:a="http://schemas.openxmlformats.org/drawingml/2006/main" xmlns:r="http://schemas.openxmlformats.org/officeDocument/2006/relationships" xmlns:p="http://schemas.openxmlformats.org/presentationml/2006/main" xmlns:m="http://schemas.openxmlformats.org/officeDocument/2006/math" xmlns:w="http://schemas.openxmlformats.org/wordprocessingml/2006/main" showMasterPhAnim="0" show="1">
-  <p:cSld name="">
+<p:sld xmlns:a="http://schemas.openxmlformats.org/drawingml/2006/main" xmlns:r="http://schemas.openxmlformats.org/officeDocument/2006/relationships" xmlns:p="http://schemas.openxmlformats.org/presentationml/2006/main" showMasterPhAnim="0">
+  <p:cSld>
     <p:spTree>
       <p:nvGrpSpPr>
-        <p:cNvPr id="1" name="" hidden="0"/>
+        <p:cNvPr id="1" name=""/>
         <p:cNvGrpSpPr/>
-        <p:nvPr isPhoto="0" userDrawn="0"/>
+        <p:nvPr/>
       </p:nvGrpSpPr>
       <p:grpSpPr bwMode="auto">
         <a:xfrm>
@@ -10500,9 +10364,9 @@
       </p:grpSpPr>
       <p:sp>
         <p:nvSpPr>
-          <p:cNvPr id="4" name="Title 1" hidden="0"/>
+          <p:cNvPr id="4" name="Title 1"/>
           <p:cNvSpPr txBox="1"/>
-          <p:nvPr isPhoto="0" userDrawn="0"/>
+          <p:nvPr/>
         </p:nvSpPr>
         <p:spPr bwMode="auto">
           <a:xfrm>
@@ -10603,11 +10467,7 @@
             </a:pPr>
             <a:r>
               <a:rPr lang="ru-RU" sz="2800"/>
-              <a:t>Сортирующие </a:t>
-            </a:r>
-            <a:r>
-              <a:rPr lang="ru-RU" sz="2800"/>
-              <a:t>(</a:t>
+              <a:t>Сортирующие (</a:t>
             </a:r>
             <a:r>
               <a:rPr lang="en-US" sz="2800"/>
@@ -10629,17 +10489,16 @@
               <a:rPr lang="en-US" sz="2800"/>
               <a:t>: &lt;algorithm&gt;</a:t>
             </a:r>
-            <a:endParaRPr lang="en-US" sz="2800"/>
           </a:p>
         </p:txBody>
       </p:sp>
       <p:graphicFrame>
         <p:nvGraphicFramePr>
-          <p:cNvPr id="5" name="Таблица 4" hidden="0"/>
+          <p:cNvPr id="5" name="Таблица 4"/>
           <p:cNvGraphicFramePr>
-            <a:graphicFrameLocks xmlns:a="http://schemas.openxmlformats.org/drawingml/2006/main" noGrp="1"/>
+            <a:graphicFrameLocks noGrp="1"/>
           </p:cNvGraphicFramePr>
-          <p:nvPr isPhoto="0" userDrawn="0"/>
+          <p:nvPr/>
         </p:nvGraphicFramePr>
         <p:xfrm>
           <a:off x="467487" y="836712"/>
@@ -10648,7 +10507,7 @@
         <a:graphic>
           <a:graphicData uri="http://schemas.openxmlformats.org/drawingml/2006/table">
             <a:tbl>
-              <a:tblPr firstRow="1" firstCol="0" lastRow="0" lastCol="0" bandRow="1" bandCol="0">
+              <a:tblPr firstRow="1" bandRow="1">
                 <a:tableStyleId>{4FEF7C57-BB6A-CDCA-EEBC-2947F47A9CEB}</a:tableStyleId>
               </a:tblPr>
               <a:tblGrid>
@@ -10660,6 +10519,7 @@
                 <a:tc>
                   <a:txBody>
                     <a:bodyPr/>
+                    <a:lstStyle/>
                     <a:p>
                       <a:pPr algn="ctr">
                         <a:defRPr/>
@@ -10676,6 +10536,7 @@
                 <a:tc>
                   <a:txBody>
                     <a:bodyPr/>
+                    <a:lstStyle/>
                     <a:p>
                       <a:pPr algn="ctr">
                         <a:defRPr/>
@@ -10692,6 +10553,7 @@
                 <a:tc>
                   <a:txBody>
                     <a:bodyPr/>
+                    <a:lstStyle/>
                     <a:p>
                       <a:pPr marL="0" marR="0" indent="0" algn="ctr" defTabSz="457200">
                         <a:lnSpc>
@@ -10711,15 +10573,7 @@
                       </a:pPr>
                       <a:r>
                         <a:rPr lang="ru-RU" sz="1400"/>
-                        <a:t>Сложность</a:t>
-                      </a:r>
-                      <a:r>
-                        <a:rPr lang="ru-RU" sz="1400"/>
-                        <a:t> по </a:t>
-                      </a:r>
-                      <a:r>
-                        <a:rPr lang="ru-RU" sz="1400"/>
-                        <a:t>времени</a:t>
+                        <a:t>Сложность по времени</a:t>
                       </a:r>
                       <a:endParaRPr lang="en-US" sz="1400"/>
                     </a:p>
@@ -10731,6 +10585,7 @@
                 <a:tc>
                   <a:txBody>
                     <a:bodyPr/>
+                    <a:lstStyle/>
                     <a:p>
                       <a:pPr marL="342900" indent="-342900">
                         <a:buFont typeface="+mj-lt"/>
@@ -10765,7 +10620,6 @@
                         <a:rPr lang="en-US" sz="1600"/>
                         <a:t>partial_sort</a:t>
                       </a:r>
-                      <a:endParaRPr lang="en-US" sz="1600"/>
                     </a:p>
                     <a:p>
                       <a:pPr marL="342900" marR="0" indent="-342900" algn="l" defTabSz="457200">
@@ -10788,7 +10642,6 @@
                         <a:rPr lang="en-US" sz="1600"/>
                         <a:t>partial_sort_copy</a:t>
                       </a:r>
-                      <a:endParaRPr lang="en-US" sz="1600"/>
                     </a:p>
                     <a:p>
                       <a:pPr marL="0" marR="0" indent="0" algn="l" defTabSz="457200">
@@ -10815,6 +10668,7 @@
                 <a:tc>
                   <a:txBody>
                     <a:bodyPr/>
+                    <a:lstStyle/>
                     <a:p>
                       <a:pPr marL="342900" indent="-342900">
                         <a:buAutoNum type="arabicPeriod"/>
@@ -10833,19 +10687,7 @@
                       </a:pPr>
                       <a:r>
                         <a:rPr lang="ru-RU" sz="1600"/>
-                        <a:t>Сортировка</a:t>
-                      </a:r>
-                      <a:r>
-                        <a:rPr lang="ru-RU" sz="1600"/>
-                        <a:t> </a:t>
-                      </a:r>
-                      <a:r>
-                        <a:rPr lang="ru-RU" sz="1600"/>
-                        <a:t>элементов в интервале </a:t>
-                      </a:r>
-                      <a:r>
-                        <a:rPr lang="ru-RU" sz="1600"/>
-                        <a:t>с сохранением относительного порядка элементов</a:t>
+                        <a:t>Сортировка элементов в интервале с сохранением относительного порядка элементов</a:t>
                       </a:r>
                       <a:endParaRPr lang="en-US" sz="1600"/>
                     </a:p>
@@ -10856,15 +10698,7 @@
                       </a:pPr>
                       <a:r>
                         <a:rPr lang="ru-RU" sz="1600"/>
-                        <a:t>Сортировка </a:t>
-                      </a:r>
-                      <a:r>
-                        <a:rPr lang="ru-RU" sz="1600"/>
-                        <a:t>элементов в интервале </a:t>
-                      </a:r>
-                      <a:r>
-                        <a:rPr lang="ru-RU" sz="1600"/>
-                        <a:t>до тех пор, пока не будут упорядочены </a:t>
+                        <a:t>Сортировка элементов в интервале до тех пор, пока не будут упорядочены </a:t>
                       </a:r>
                       <a:r>
                         <a:rPr lang="en-US" sz="1600"/>
@@ -10883,15 +10717,7 @@
                       </a:pPr>
                       <a:r>
                         <a:rPr lang="ru-RU" sz="1600"/>
-                        <a:t>Сортировка </a:t>
-                      </a:r>
-                      <a:r>
-                        <a:rPr lang="ru-RU" sz="1600"/>
-                        <a:t>элементов в интервале </a:t>
-                      </a:r>
-                      <a:r>
-                        <a:rPr lang="ru-RU" sz="1600"/>
-                        <a:t>до тех пор, пока не будут упорядочены </a:t>
+                        <a:t>Сортировка элементов в интервале до тех пор, пока не будут упорядочены </a:t>
                       </a:r>
                       <a:r>
                         <a:rPr lang="en-US" sz="1600"/>
@@ -10909,6 +10735,7 @@
                 <a:tc>
                   <a:txBody>
                     <a:bodyPr/>
+                    <a:lstStyle/>
                     <a:p>
                       <a:pPr marL="342900" indent="-342900" algn="l">
                         <a:buAutoNum type="arabicPeriod"/>
@@ -10923,29 +10750,7 @@
                           <a:ea typeface="+mn-ea"/>
                           <a:cs typeface="+mn-cs"/>
                         </a:rPr>
-                        <a:t>O(</a:t>
-                      </a:r>
-                      <a:r>
-                        <a:rPr lang="en-US" sz="1600" b="0" i="0">
-                          <a:solidFill>
-                            <a:schemeClr val="dk1"/>
-                          </a:solidFill>
-                          <a:latin typeface="+mn-lt"/>
-                          <a:ea typeface="+mn-ea"/>
-                          <a:cs typeface="+mn-cs"/>
-                        </a:rPr>
-                        <a:t>N·log</a:t>
-                      </a:r>
-                      <a:r>
-                        <a:rPr lang="en-US" sz="1600" b="0" i="0">
-                          <a:solidFill>
-                            <a:schemeClr val="dk1"/>
-                          </a:solidFill>
-                          <a:latin typeface="+mn-lt"/>
-                          <a:ea typeface="+mn-ea"/>
-                          <a:cs typeface="+mn-cs"/>
-                        </a:rPr>
-                        <a:t>(N))</a:t>
+                        <a:t>O(N·log(N))</a:t>
                       </a:r>
                       <a:endParaRPr lang="ru-RU" sz="1600" b="0" i="0">
                         <a:solidFill>
@@ -10982,29 +10787,7 @@
                           <a:ea typeface="+mn-ea"/>
                           <a:cs typeface="+mn-cs"/>
                         </a:rPr>
-                        <a:t>O(</a:t>
-                      </a:r>
-                      <a:r>
-                        <a:rPr lang="en-US" sz="1600" b="0" i="0">
-                          <a:solidFill>
-                            <a:schemeClr val="dk1"/>
-                          </a:solidFill>
-                          <a:latin typeface="+mn-lt"/>
-                          <a:ea typeface="+mn-ea"/>
-                          <a:cs typeface="+mn-cs"/>
-                        </a:rPr>
-                        <a:t>N·log</a:t>
-                      </a:r>
-                      <a:r>
-                        <a:rPr lang="en-US" sz="1600" b="0" i="0">
-                          <a:solidFill>
-                            <a:schemeClr val="dk1"/>
-                          </a:solidFill>
-                          <a:latin typeface="+mn-lt"/>
-                          <a:ea typeface="+mn-ea"/>
-                          <a:cs typeface="+mn-cs"/>
-                        </a:rPr>
-                        <a:t>(N)</a:t>
+                        <a:t>O(N·log(N)</a:t>
                       </a:r>
                       <a:r>
                         <a:rPr lang="ru-RU" sz="1600" b="0" i="0" baseline="30000">
@@ -11063,29 +10846,7 @@
                           <a:ea typeface="+mn-ea"/>
                           <a:cs typeface="+mn-cs"/>
                         </a:rPr>
-                        <a:t>O(</a:t>
-                      </a:r>
-                      <a:r>
-                        <a:rPr lang="en-US" sz="1600" b="0" i="0">
-                          <a:solidFill>
-                            <a:schemeClr val="dk1"/>
-                          </a:solidFill>
-                          <a:latin typeface="+mn-lt"/>
-                          <a:ea typeface="+mn-ea"/>
-                          <a:cs typeface="+mn-cs"/>
-                        </a:rPr>
-                        <a:t>N·log</a:t>
-                      </a:r>
-                      <a:r>
-                        <a:rPr lang="en-US" sz="1600" b="0" i="0">
-                          <a:solidFill>
-                            <a:schemeClr val="dk1"/>
-                          </a:solidFill>
-                          <a:latin typeface="+mn-lt"/>
-                          <a:ea typeface="+mn-ea"/>
-                          <a:cs typeface="+mn-cs"/>
-                        </a:rPr>
-                        <a:t>(N))</a:t>
+                        <a:t>O(N·log(N))</a:t>
                       </a:r>
                       <a:endParaRPr lang="ru-RU" sz="1600" b="0" i="0">
                         <a:solidFill>
@@ -11122,29 +10883,7 @@
                           <a:ea typeface="+mn-ea"/>
                           <a:cs typeface="+mn-cs"/>
                         </a:rPr>
-                        <a:t>O(</a:t>
-                      </a:r>
-                      <a:r>
-                        <a:rPr lang="en-US" sz="1600" b="0" i="0">
-                          <a:solidFill>
-                            <a:schemeClr val="dk1"/>
-                          </a:solidFill>
-                          <a:latin typeface="+mn-lt"/>
-                          <a:ea typeface="+mn-ea"/>
-                          <a:cs typeface="+mn-cs"/>
-                        </a:rPr>
-                        <a:t>N·log</a:t>
-                      </a:r>
-                      <a:r>
-                        <a:rPr lang="en-US" sz="1600" b="0" i="0">
-                          <a:solidFill>
-                            <a:schemeClr val="dk1"/>
-                          </a:solidFill>
-                          <a:latin typeface="+mn-lt"/>
-                          <a:ea typeface="+mn-ea"/>
-                          <a:cs typeface="+mn-cs"/>
-                        </a:rPr>
-                        <a:t>(N))</a:t>
+                        <a:t>O(N·log(N))</a:t>
                       </a:r>
                       <a:endParaRPr lang="ru-RU" sz="1600" b="0" i="0">
                         <a:solidFill>
@@ -11189,6 +10928,7 @@
                 <a:tc>
                   <a:txBody>
                     <a:bodyPr/>
+                    <a:lstStyle/>
                     <a:p>
                       <a:pPr marL="342900" marR="0" indent="-342900" algn="l" defTabSz="457200">
                         <a:lnSpc>
@@ -11210,7 +10950,6 @@
                         <a:rPr lang="en-US" sz="1600"/>
                         <a:t>nth_element</a:t>
                       </a:r>
-                      <a:endParaRPr lang="en-US" sz="1600"/>
                     </a:p>
                     <a:p>
                       <a:pPr marL="342900" marR="0" indent="-342900" algn="l" defTabSz="457200">
@@ -11256,7 +10995,6 @@
                         <a:rPr lang="en-US" sz="1600"/>
                         <a:t>stable_partition</a:t>
                       </a:r>
-                      <a:endParaRPr lang="en-US" sz="1600"/>
                     </a:p>
                     <a:p>
                       <a:pPr marL="342900" marR="0" indent="-342900" algn="l" defTabSz="457200">
@@ -11279,7 +11017,6 @@
                         <a:rPr lang="en-US" sz="1600"/>
                         <a:t>partition_copy</a:t>
                       </a:r>
-                      <a:endParaRPr lang="en-US" sz="1600"/>
                     </a:p>
                     <a:p>
                       <a:pPr marL="0" indent="0">
@@ -11295,6 +11032,7 @@
                 <a:tc>
                   <a:txBody>
                     <a:bodyPr/>
+                    <a:lstStyle/>
                     <a:p>
                       <a:pPr marL="342900" marR="0" indent="-342900" algn="l" defTabSz="457200">
                         <a:lnSpc>
@@ -11337,15 +11075,7 @@
                       </a:pPr>
                       <a:r>
                         <a:rPr lang="ru-RU" sz="1600"/>
-                        <a:t>Распределяет элементы на два </a:t>
-                      </a:r>
-                      <a:r>
-                        <a:rPr lang="ru-RU" sz="1600"/>
-                        <a:t>подинтервала</a:t>
-                      </a:r>
-                      <a:r>
-                        <a:rPr lang="ru-RU" sz="1600"/>
-                        <a:t> в зависимости от того, удовлетворяют ли они условию</a:t>
+                        <a:t>Распределяет элементы на два подинтервала в зависимости от того, удовлетворяют ли они условию</a:t>
                       </a:r>
                       <a:endParaRPr lang="en-US" sz="1600"/>
                     </a:p>
@@ -11368,15 +11098,7 @@
                       </a:pPr>
                       <a:r>
                         <a:rPr lang="ru-RU" sz="1600"/>
-                        <a:t>Распределяет элементы на два </a:t>
-                      </a:r>
-                      <a:r>
-                        <a:rPr lang="ru-RU" sz="1600"/>
-                        <a:t>подинтервала</a:t>
-                      </a:r>
-                      <a:r>
-                        <a:rPr lang="ru-RU" sz="1600"/>
-                        <a:t> в зависимости от того, удовлетворяют ли они условию, с сохранением их относительного порядка</a:t>
+                        <a:t>Распределяет элементы на два подинтервала в зависимости от того, удовлетворяют ли они условию, с сохранением их относительного порядка</a:t>
                       </a:r>
                       <a:endParaRPr/>
                     </a:p>
@@ -11399,17 +11121,8 @@
                       </a:pPr>
                       <a:r>
                         <a:rPr lang="ru-RU" sz="1600"/>
-                        <a:t>Распределяет элементы на два </a:t>
-                      </a:r>
-                      <a:r>
-                        <a:rPr lang="ru-RU" sz="1600"/>
-                        <a:t>подинтервала</a:t>
-                      </a:r>
-                      <a:r>
-                        <a:rPr lang="ru-RU" sz="1600"/>
-                        <a:t> в зависимости от того, удовлетворяют ли они условию, и копирует результат в другой интервал</a:t>
-                      </a:r>
-                      <a:endParaRPr lang="ru-RU" sz="1600"/>
+                        <a:t>Распределяет элементы на два подинтервала в зависимости от того, удовлетворяют ли они условию, и копирует результат в другой интервал</a:t>
+                      </a:r>
                     </a:p>
                   </a:txBody>
                   <a:tcPr anchor="ctr"/>
@@ -11417,6 +11130,7 @@
                 <a:tc>
                   <a:txBody>
                     <a:bodyPr/>
+                    <a:lstStyle/>
                     <a:p>
                       <a:pPr marL="0" marR="0" indent="0" algn="ctr" defTabSz="457200">
                         <a:lnSpc>
@@ -11473,11 +11187,11 @@
   <p:clrMapOvr>
     <a:masterClrMapping/>
   </p:clrMapOvr>
-  <mc:AlternateContent xmlns:mc="http://schemas.openxmlformats.org/markup-compatibility/2006">
-    <mc:Choice xmlns:p14="http://schemas.microsoft.com/office/powerpoint/2010/main" Requires="p14">
-      <p:transition p14:dur="2000" advClick="1"/>
+  <mc:AlternateContent xmlns:mc="http://schemas.openxmlformats.org/markup-compatibility/2006" xmlns:p14="http://schemas.microsoft.com/office/powerpoint/2010/main">
+    <mc:Choice Requires="p14">
+      <p:transition spd="slow" p14:dur="2000"/>
     </mc:Choice>
-    <mc:Fallback>
+    <mc:Fallback xmlns:w="http://schemas.openxmlformats.org/wordprocessingml/2006/main" xmlns:m="http://schemas.openxmlformats.org/officeDocument/2006/math" xmlns="">
       <p:transition advClick="1"/>
     </mc:Fallback>
   </mc:AlternateContent>
@@ -11485,13 +11199,13 @@
 </file>
 
 <file path=ppt/slides/slide17.xml><?xml version="1.0" encoding="utf-8"?>
-<p:sld xmlns:a="http://schemas.openxmlformats.org/drawingml/2006/main" xmlns:r="http://schemas.openxmlformats.org/officeDocument/2006/relationships" xmlns:p="http://schemas.openxmlformats.org/presentationml/2006/main" xmlns:m="http://schemas.openxmlformats.org/officeDocument/2006/math" xmlns:w="http://schemas.openxmlformats.org/wordprocessingml/2006/main" showMasterPhAnim="0" show="1">
-  <p:cSld name="">
+<p:sld xmlns:a="http://schemas.openxmlformats.org/drawingml/2006/main" xmlns:r="http://schemas.openxmlformats.org/officeDocument/2006/relationships" xmlns:p="http://schemas.openxmlformats.org/presentationml/2006/main" showMasterPhAnim="0">
+  <p:cSld>
     <p:spTree>
       <p:nvGrpSpPr>
-        <p:cNvPr id="1" name="" hidden="0"/>
+        <p:cNvPr id="1" name=""/>
         <p:cNvGrpSpPr/>
-        <p:nvPr isPhoto="0" userDrawn="0"/>
+        <p:nvPr/>
       </p:nvGrpSpPr>
       <p:grpSpPr bwMode="auto">
         <a:xfrm>
@@ -11503,9 +11217,9 @@
       </p:grpSpPr>
       <p:sp>
         <p:nvSpPr>
-          <p:cNvPr id="5" name="Title 1" hidden="0"/>
+          <p:cNvPr id="5" name="Title 1"/>
           <p:cNvSpPr txBox="1"/>
-          <p:nvPr isPhoto="0" userDrawn="0"/>
+          <p:nvPr/>
         </p:nvSpPr>
         <p:spPr bwMode="auto">
           <a:xfrm>
@@ -11606,11 +11320,7 @@
             </a:pPr>
             <a:r>
               <a:rPr lang="ru-RU" sz="2800"/>
-              <a:t>Сортирующие </a:t>
-            </a:r>
-            <a:r>
-              <a:rPr lang="ru-RU" sz="2800"/>
-              <a:t>(</a:t>
+              <a:t>Сортирующие (</a:t>
             </a:r>
             <a:r>
               <a:rPr lang="en-US" sz="2800"/>
@@ -11632,17 +11342,16 @@
               <a:rPr lang="en-US" sz="2800"/>
               <a:t>: &lt;algorithm&gt;</a:t>
             </a:r>
-            <a:endParaRPr lang="en-US" sz="2800"/>
           </a:p>
         </p:txBody>
       </p:sp>
       <p:graphicFrame>
         <p:nvGraphicFramePr>
-          <p:cNvPr id="6" name="Таблица 5" hidden="0"/>
+          <p:cNvPr id="6" name="Таблица 5"/>
           <p:cNvGraphicFramePr>
-            <a:graphicFrameLocks xmlns:a="http://schemas.openxmlformats.org/drawingml/2006/main" noGrp="1"/>
+            <a:graphicFrameLocks noGrp="1"/>
           </p:cNvGraphicFramePr>
-          <p:nvPr isPhoto="0" userDrawn="0"/>
+          <p:nvPr/>
         </p:nvGraphicFramePr>
         <p:xfrm>
           <a:off x="467487" y="836712"/>
@@ -11651,7 +11360,7 @@
         <a:graphic>
           <a:graphicData uri="http://schemas.openxmlformats.org/drawingml/2006/table">
             <a:tbl>
-              <a:tblPr firstRow="1" firstCol="0" lastRow="0" lastCol="0" bandRow="1" bandCol="0">
+              <a:tblPr firstRow="1" bandRow="1">
                 <a:tableStyleId>{4FEF7C57-BB6A-CDCA-EEBC-2947F47A9CEB}</a:tableStyleId>
               </a:tblPr>
               <a:tblGrid>
@@ -11663,6 +11372,7 @@
                 <a:tc>
                   <a:txBody>
                     <a:bodyPr/>
+                    <a:lstStyle/>
                     <a:p>
                       <a:pPr algn="ctr">
                         <a:defRPr/>
@@ -11679,6 +11389,7 @@
                 <a:tc>
                   <a:txBody>
                     <a:bodyPr/>
+                    <a:lstStyle/>
                     <a:p>
                       <a:pPr algn="ctr">
                         <a:defRPr/>
@@ -11695,6 +11406,7 @@
                 <a:tc>
                   <a:txBody>
                     <a:bodyPr/>
+                    <a:lstStyle/>
                     <a:p>
                       <a:pPr marL="0" marR="0" indent="0" algn="ctr" defTabSz="457200">
                         <a:lnSpc>
@@ -11714,15 +11426,7 @@
                       </a:pPr>
                       <a:r>
                         <a:rPr lang="ru-RU" sz="1400"/>
-                        <a:t>Сложность</a:t>
-                      </a:r>
-                      <a:r>
-                        <a:rPr lang="ru-RU" sz="1400"/>
-                        <a:t> по </a:t>
-                      </a:r>
-                      <a:r>
-                        <a:rPr lang="ru-RU" sz="1400"/>
-                        <a:t>времени</a:t>
+                        <a:t>Сложность по времени</a:t>
                       </a:r>
                       <a:endParaRPr lang="en-US" sz="1400"/>
                     </a:p>
@@ -11734,6 +11438,7 @@
                 <a:tc>
                   <a:txBody>
                     <a:bodyPr/>
+                    <a:lstStyle/>
                     <a:p>
                       <a:pPr marL="342900" indent="-342900">
                         <a:buFont typeface="+mj-lt"/>
@@ -11744,7 +11449,6 @@
                         <a:rPr lang="en-US" sz="1600"/>
                         <a:t>make_heap</a:t>
                       </a:r>
-                      <a:endParaRPr lang="en-US" sz="1600"/>
                     </a:p>
                     <a:p>
                       <a:pPr marL="342900" indent="-342900">
@@ -11756,7 +11460,6 @@
                         <a:rPr lang="en-US" sz="1600"/>
                         <a:t>push_heap</a:t>
                       </a:r>
-                      <a:endParaRPr lang="en-US" sz="1600"/>
                     </a:p>
                     <a:p>
                       <a:pPr marL="342900" indent="-342900">
@@ -11768,7 +11471,6 @@
                         <a:rPr lang="en-US" sz="1600"/>
                         <a:t>pop_heap</a:t>
                       </a:r>
-                      <a:endParaRPr lang="en-US" sz="1600"/>
                     </a:p>
                     <a:p>
                       <a:pPr marL="342900" indent="-342900">
@@ -11780,7 +11482,6 @@
                         <a:rPr lang="en-US" sz="1600"/>
                         <a:t>sort_heap</a:t>
                       </a:r>
-                      <a:endParaRPr lang="en-US" sz="1600"/>
                     </a:p>
                   </a:txBody>
                   <a:tcPr anchor="ctr"/>
@@ -11788,6 +11489,7 @@
                 <a:tc>
                   <a:txBody>
                     <a:bodyPr/>
+                    <a:lstStyle/>
                     <a:p>
                       <a:pPr marL="342900" marR="0" indent="-342900" algn="l" defTabSz="457200">
                         <a:lnSpc>
@@ -11807,11 +11509,7 @@
                       </a:pPr>
                       <a:r>
                         <a:rPr lang="ru-RU" sz="1600"/>
-                        <a:t>Сортирует</a:t>
-                      </a:r>
-                      <a:r>
-                        <a:rPr lang="ru-RU" sz="1600"/>
-                        <a:t> интервал как сортирующее дерево (</a:t>
+                        <a:t>Сортирует интервал как сортирующее дерево (</a:t>
                       </a:r>
                       <a:r>
                         <a:rPr lang="en-US" sz="1600"/>
@@ -11842,11 +11540,7 @@
                       </a:pPr>
                       <a:r>
                         <a:rPr lang="ru-RU" sz="1600"/>
-                        <a:t>Вставляет элемент в сортирующее</a:t>
-                      </a:r>
-                      <a:r>
-                        <a:rPr lang="ru-RU" sz="1600"/>
-                        <a:t> дерево</a:t>
+                        <a:t>Вставляет элемент в сортирующее дерево</a:t>
                       </a:r>
                       <a:endParaRPr/>
                     </a:p>
@@ -11892,11 +11586,7 @@
                       </a:pPr>
                       <a:r>
                         <a:rPr lang="ru-RU" sz="1600"/>
-                        <a:t>Сортирует элементы интервала</a:t>
-                      </a:r>
-                      <a:r>
-                        <a:rPr lang="ru-RU" sz="1600"/>
-                        <a:t> (например, по возрастанию - после этого они уже не представляют собой </a:t>
+                        <a:t>Сортирует элементы интервала (например, по возрастанию - после этого они уже не представляют собой </a:t>
                       </a:r>
                       <a:r>
                         <a:rPr lang="en-US" sz="1600"/>
@@ -11906,7 +11596,6 @@
                         <a:rPr lang="ru-RU" sz="1600"/>
                         <a:t>)</a:t>
                       </a:r>
-                      <a:endParaRPr lang="ru-RU" sz="1600"/>
                     </a:p>
                   </a:txBody>
                   <a:tcPr anchor="ctr"/>
@@ -11914,6 +11603,7 @@
                 <a:tc>
                   <a:txBody>
                     <a:bodyPr/>
+                    <a:lstStyle/>
                     <a:p>
                       <a:pPr marL="0" marR="0" indent="0" algn="ctr" defTabSz="457200">
                         <a:lnSpc>
@@ -11940,29 +11630,7 @@
                           <a:ea typeface="+mn-ea"/>
                           <a:cs typeface="+mn-cs"/>
                         </a:rPr>
-                        <a:t>O(</a:t>
-                      </a:r>
-                      <a:r>
-                        <a:rPr lang="en-US" sz="1600" b="0" i="0">
-                          <a:solidFill>
-                            <a:schemeClr val="dk1"/>
-                          </a:solidFill>
-                          <a:latin typeface="+mn-lt"/>
-                          <a:ea typeface="+mn-ea"/>
-                          <a:cs typeface="+mn-cs"/>
-                        </a:rPr>
-                        <a:t>N·log</a:t>
-                      </a:r>
-                      <a:r>
-                        <a:rPr lang="en-US" sz="1600" b="0" i="0">
-                          <a:solidFill>
-                            <a:schemeClr val="dk1"/>
-                          </a:solidFill>
-                          <a:latin typeface="+mn-lt"/>
-                          <a:ea typeface="+mn-ea"/>
-                          <a:cs typeface="+mn-cs"/>
-                        </a:rPr>
-                        <a:t>(N))</a:t>
+                        <a:t>O(N·log(N))</a:t>
                       </a:r>
                       <a:endParaRPr lang="ru-RU" sz="1600" b="0" i="0">
                         <a:solidFill>
@@ -11986,11 +11654,11 @@
   <p:clrMapOvr>
     <a:masterClrMapping/>
   </p:clrMapOvr>
-  <mc:AlternateContent xmlns:mc="http://schemas.openxmlformats.org/markup-compatibility/2006">
-    <mc:Choice xmlns:p14="http://schemas.microsoft.com/office/powerpoint/2010/main" Requires="p14">
-      <p:transition p14:dur="2000" advClick="1"/>
+  <mc:AlternateContent xmlns:mc="http://schemas.openxmlformats.org/markup-compatibility/2006" xmlns:p14="http://schemas.microsoft.com/office/powerpoint/2010/main">
+    <mc:Choice Requires="p14">
+      <p:transition spd="slow" p14:dur="2000"/>
     </mc:Choice>
-    <mc:Fallback>
+    <mc:Fallback xmlns:w="http://schemas.openxmlformats.org/wordprocessingml/2006/main" xmlns:m="http://schemas.openxmlformats.org/officeDocument/2006/math" xmlns="">
       <p:transition advClick="1"/>
     </mc:Fallback>
   </mc:AlternateContent>
@@ -11998,13 +11666,13 @@
 </file>
 
 <file path=ppt/slides/slide18.xml><?xml version="1.0" encoding="utf-8"?>
-<p:sld xmlns:a="http://schemas.openxmlformats.org/drawingml/2006/main" xmlns:r="http://schemas.openxmlformats.org/officeDocument/2006/relationships" xmlns:p="http://schemas.openxmlformats.org/presentationml/2006/main" xmlns:m="http://schemas.openxmlformats.org/officeDocument/2006/math" xmlns:w="http://schemas.openxmlformats.org/wordprocessingml/2006/main" showMasterPhAnim="0" show="1">
-  <p:cSld name="">
+<p:sld xmlns:a="http://schemas.openxmlformats.org/drawingml/2006/main" xmlns:r="http://schemas.openxmlformats.org/officeDocument/2006/relationships" xmlns:p="http://schemas.openxmlformats.org/presentationml/2006/main" showMasterPhAnim="0">
+  <p:cSld>
     <p:spTree>
       <p:nvGrpSpPr>
-        <p:cNvPr id="1" name="" hidden="0"/>
+        <p:cNvPr id="1" name=""/>
         <p:cNvGrpSpPr/>
-        <p:nvPr isPhoto="0" userDrawn="0"/>
+        <p:nvPr/>
       </p:nvGrpSpPr>
       <p:grpSpPr bwMode="auto">
         <a:xfrm>
@@ -12016,11 +11684,11 @@
       </p:grpSpPr>
       <p:graphicFrame>
         <p:nvGraphicFramePr>
-          <p:cNvPr id="5" name="Таблица 4" hidden="0"/>
+          <p:cNvPr id="5" name="Таблица 4"/>
           <p:cNvGraphicFramePr>
-            <a:graphicFrameLocks xmlns:a="http://schemas.openxmlformats.org/drawingml/2006/main" noGrp="1"/>
+            <a:graphicFrameLocks noGrp="1"/>
           </p:cNvGraphicFramePr>
-          <p:nvPr isPhoto="0" userDrawn="0"/>
+          <p:nvPr/>
         </p:nvGraphicFramePr>
         <p:xfrm>
           <a:off x="263352" y="692696"/>
@@ -12029,7 +11697,7 @@
         <a:graphic>
           <a:graphicData uri="http://schemas.openxmlformats.org/drawingml/2006/table">
             <a:tbl>
-              <a:tblPr firstRow="1" firstCol="0" lastRow="0" lastCol="0" bandRow="1" bandCol="0">
+              <a:tblPr firstRow="1" bandRow="1">
                 <a:tableStyleId>{4FEF7C57-BB6A-CDCA-EEBC-2947F47A9CEB}</a:tableStyleId>
               </a:tblPr>
               <a:tblGrid>
@@ -12041,6 +11709,7 @@
                 <a:tc>
                   <a:txBody>
                     <a:bodyPr/>
+                    <a:lstStyle/>
                     <a:p>
                       <a:pPr algn="ctr">
                         <a:defRPr/>
@@ -12057,6 +11726,7 @@
                 <a:tc>
                   <a:txBody>
                     <a:bodyPr/>
+                    <a:lstStyle/>
                     <a:p>
                       <a:pPr algn="ctr">
                         <a:defRPr/>
@@ -12073,6 +11743,7 @@
                 <a:tc>
                   <a:txBody>
                     <a:bodyPr/>
+                    <a:lstStyle/>
                     <a:p>
                       <a:pPr marL="0" marR="0" indent="0" algn="ctr" defTabSz="457200">
                         <a:lnSpc>
@@ -12092,15 +11763,7 @@
                       </a:pPr>
                       <a:r>
                         <a:rPr lang="ru-RU" sz="1400"/>
-                        <a:t>Сложность</a:t>
-                      </a:r>
-                      <a:r>
-                        <a:rPr lang="ru-RU" sz="1400"/>
-                        <a:t> по </a:t>
-                      </a:r>
-                      <a:r>
-                        <a:rPr lang="ru-RU" sz="1400"/>
-                        <a:t>времени</a:t>
+                        <a:t>Сложность по времени</a:t>
                       </a:r>
                       <a:endParaRPr lang="en-US" sz="1400"/>
                     </a:p>
@@ -12112,6 +11775,7 @@
                 <a:tc>
                   <a:txBody>
                     <a:bodyPr/>
+                    <a:lstStyle/>
                     <a:p>
                       <a:pPr marL="342900" marR="0" indent="-342900" algn="l" defTabSz="457200">
                         <a:lnSpc>
@@ -12133,7 +11797,6 @@
                         <a:rPr lang="en-US" sz="1600"/>
                         <a:t>binary_search</a:t>
                       </a:r>
-                      <a:endParaRPr lang="en-US" sz="1600"/>
                     </a:p>
                     <a:p>
                       <a:pPr marL="342900" marR="0" indent="-342900" algn="l" defTabSz="457200">
@@ -12179,7 +11842,6 @@
                         <a:rPr lang="en-US" sz="1600"/>
                         <a:t>lower_bound</a:t>
                       </a:r>
-                      <a:endParaRPr lang="en-US" sz="1600"/>
                     </a:p>
                     <a:p>
                       <a:pPr marL="342900" marR="0" indent="-342900" algn="l" defTabSz="457200">
@@ -12225,7 +11887,6 @@
                         <a:rPr lang="en-US" sz="1600"/>
                         <a:t>equal_range</a:t>
                       </a:r>
-                      <a:endParaRPr lang="en-US" sz="1600"/>
                     </a:p>
                   </a:txBody>
                   <a:tcPr anchor="ctr"/>
@@ -12233,6 +11894,7 @@
                 <a:tc>
                   <a:txBody>
                     <a:bodyPr/>
+                    <a:lstStyle/>
                     <a:p>
                       <a:pPr marL="342900" indent="-342900">
                         <a:buAutoNum type="arabicPeriod"/>
@@ -12240,11 +11902,7 @@
                       </a:pPr>
                       <a:r>
                         <a:rPr lang="ru-RU" sz="1600"/>
-                        <a:t>Проверка на наличие в интервале элемента,</a:t>
-                      </a:r>
-                      <a:r>
-                        <a:rPr lang="ru-RU" sz="1600"/>
-                        <a:t> имеющего данное значение</a:t>
+                        <a:t>Проверка на наличие в интервале элемента, имеющего данное значение</a:t>
                       </a:r>
                       <a:endParaRPr/>
                     </a:p>
@@ -12322,6 +11980,7 @@
                 <a:tc>
                   <a:txBody>
                     <a:bodyPr/>
+                    <a:lstStyle/>
                     <a:p>
                       <a:pPr marL="112713" marR="0" indent="-3175" algn="l" defTabSz="457200">
                         <a:lnSpc>
@@ -12496,6 +12155,7 @@
                 <a:tc>
                   <a:txBody>
                     <a:bodyPr/>
+                    <a:lstStyle/>
                     <a:p>
                       <a:pPr marL="342900" indent="-342900">
                         <a:buFont typeface="+mj-lt"/>
@@ -12560,14 +12220,6 @@
                         </a:rPr>
                         <a:t>set_symmetric_difference</a:t>
                       </a:r>
-                      <a:endParaRPr lang="en-US" sz="1600" b="0" i="0">
-                        <a:solidFill>
-                          <a:schemeClr val="dk1"/>
-                        </a:solidFill>
-                        <a:latin typeface="+mn-lt"/>
-                        <a:ea typeface="+mn-ea"/>
-                        <a:cs typeface="+mn-cs"/>
-                      </a:endParaRPr>
                     </a:p>
                     <a:p>
                       <a:pPr marL="342900" indent="-342900">
@@ -12583,6 +12235,7 @@
                 <a:tc>
                   <a:txBody>
                     <a:bodyPr/>
+                    <a:lstStyle/>
                     <a:p>
                       <a:pPr marL="342900" marR="0" indent="-342900" algn="l" defTabSz="457200">
                         <a:lnSpc>
@@ -12602,11 +12255,7 @@
                       </a:pPr>
                       <a:r>
                         <a:rPr lang="ru-RU" sz="1600"/>
-                        <a:t>Объединение</a:t>
-                      </a:r>
-                      <a:r>
-                        <a:rPr lang="ru-RU" sz="1600"/>
-                        <a:t> двух интервалов</a:t>
+                        <a:t>Объединение двух интервалов</a:t>
                       </a:r>
                       <a:endParaRPr lang="en-US" sz="1600"/>
                     </a:p>
@@ -12629,11 +12278,7 @@
                       </a:pPr>
                       <a:r>
                         <a:rPr lang="ru-RU" sz="1600"/>
-                        <a:t>Копирует элементы первого интервала, отсутствующие</a:t>
-                      </a:r>
-                      <a:r>
-                        <a:rPr lang="ru-RU" sz="1600"/>
-                        <a:t> во втором интервале, в третий интервал</a:t>
+                        <a:t>Копирует элементы первого интервала, отсутствующие во втором интервале, в третий интервал</a:t>
                       </a:r>
                       <a:endParaRPr lang="en-US" sz="1600"/>
                     </a:p>
@@ -12656,11 +12301,7 @@
                       </a:pPr>
                       <a:r>
                         <a:rPr lang="ru-RU" sz="1600"/>
-                        <a:t>Копирует элементы, присутствующие одновременно в первом и втором интервале,</a:t>
-                      </a:r>
-                      <a:r>
-                        <a:rPr lang="ru-RU" sz="1600"/>
-                        <a:t> в третий интервал</a:t>
+                        <a:t>Копирует элементы, присутствующие одновременно в первом и втором интервале, в третий интервал</a:t>
                       </a:r>
                       <a:endParaRPr/>
                     </a:p>
@@ -12683,13 +12324,8 @@
                       </a:pPr>
                       <a:r>
                         <a:rPr lang="ru-RU" sz="1600"/>
-                        <a:t>Копирует элементы, не присутствующие в первом и втором интервале одновременно,</a:t>
-                      </a:r>
-                      <a:r>
-                        <a:rPr lang="ru-RU" sz="1600"/>
-                        <a:t> в третий интервал</a:t>
-                      </a:r>
-                      <a:endParaRPr lang="ru-RU" sz="1600"/>
+                        <a:t>Копирует элементы, не присутствующие в первом и втором интервале одновременно, в третий интервал</a:t>
+                      </a:r>
                     </a:p>
                   </a:txBody>
                   <a:tcPr anchor="ctr"/>
@@ -12697,6 +12333,7 @@
                 <a:tc>
                   <a:txBody>
                     <a:bodyPr/>
+                    <a:lstStyle/>
                     <a:p>
                       <a:pPr marL="0" indent="0" algn="ctr">
                         <a:buNone/>
@@ -12732,9 +12369,9 @@
       </p:graphicFrame>
       <p:sp>
         <p:nvSpPr>
-          <p:cNvPr id="6" name="Title 1" hidden="0"/>
+          <p:cNvPr id="6" name="Title 1"/>
           <p:cNvSpPr txBox="1"/>
-          <p:nvPr isPhoto="0" userDrawn="0"/>
+          <p:nvPr/>
         </p:nvSpPr>
         <p:spPr bwMode="auto">
           <a:xfrm>
@@ -12849,7 +12486,6 @@
               <a:rPr lang="en-US" sz="2000"/>
               <a:t>: &lt;numeric&gt;</a:t>
             </a:r>
-            <a:endParaRPr lang="en-US" sz="2000"/>
           </a:p>
         </p:txBody>
       </p:sp>
@@ -12858,11 +12494,11 @@
   <p:clrMapOvr>
     <a:masterClrMapping/>
   </p:clrMapOvr>
-  <mc:AlternateContent xmlns:mc="http://schemas.openxmlformats.org/markup-compatibility/2006">
-    <mc:Choice xmlns:p14="http://schemas.microsoft.com/office/powerpoint/2010/main" Requires="p14">
-      <p:transition p14:dur="2000" advClick="1"/>
+  <mc:AlternateContent xmlns:mc="http://schemas.openxmlformats.org/markup-compatibility/2006" xmlns:p14="http://schemas.microsoft.com/office/powerpoint/2010/main">
+    <mc:Choice Requires="p14">
+      <p:transition spd="slow" p14:dur="2000"/>
     </mc:Choice>
-    <mc:Fallback>
+    <mc:Fallback xmlns:w="http://schemas.openxmlformats.org/wordprocessingml/2006/main" xmlns:m="http://schemas.openxmlformats.org/officeDocument/2006/math" xmlns="">
       <p:transition advClick="1"/>
     </mc:Fallback>
   </mc:AlternateContent>
@@ -12870,13 +12506,13 @@
 </file>
 
 <file path=ppt/slides/slide19.xml><?xml version="1.0" encoding="utf-8"?>
-<p:sld xmlns:a="http://schemas.openxmlformats.org/drawingml/2006/main" xmlns:r="http://schemas.openxmlformats.org/officeDocument/2006/relationships" xmlns:p="http://schemas.openxmlformats.org/presentationml/2006/main" xmlns:m="http://schemas.openxmlformats.org/officeDocument/2006/math" xmlns:w="http://schemas.openxmlformats.org/wordprocessingml/2006/main" showMasterPhAnim="0" show="1">
-  <p:cSld name="">
+<p:sld xmlns:a="http://schemas.openxmlformats.org/drawingml/2006/main" xmlns:r="http://schemas.openxmlformats.org/officeDocument/2006/relationships" xmlns:p="http://schemas.openxmlformats.org/presentationml/2006/main" showMasterPhAnim="0">
+  <p:cSld>
     <p:spTree>
       <p:nvGrpSpPr>
-        <p:cNvPr id="1" name="" hidden="0"/>
+        <p:cNvPr id="1" name=""/>
         <p:cNvGrpSpPr/>
-        <p:nvPr isPhoto="0" userDrawn="0"/>
+        <p:nvPr/>
       </p:nvGrpSpPr>
       <p:grpSpPr bwMode="auto">
         <a:xfrm>
@@ -12888,11 +12524,11 @@
       </p:grpSpPr>
       <p:graphicFrame>
         <p:nvGraphicFramePr>
-          <p:cNvPr id="5" name="Таблица 4" hidden="0"/>
+          <p:cNvPr id="5" name="Таблица 4"/>
           <p:cNvGraphicFramePr>
-            <a:graphicFrameLocks xmlns:a="http://schemas.openxmlformats.org/drawingml/2006/main" noGrp="1"/>
+            <a:graphicFrameLocks noGrp="1"/>
           </p:cNvGraphicFramePr>
-          <p:nvPr isPhoto="0" userDrawn="0"/>
+          <p:nvPr/>
         </p:nvGraphicFramePr>
         <p:xfrm>
           <a:off x="335360" y="692696"/>
@@ -12901,7 +12537,7 @@
         <a:graphic>
           <a:graphicData uri="http://schemas.openxmlformats.org/drawingml/2006/table">
             <a:tbl>
-              <a:tblPr firstRow="1" firstCol="0" lastRow="0" lastCol="0" bandRow="1" bandCol="0">
+              <a:tblPr firstRow="1" bandRow="1">
                 <a:tableStyleId>{4FEF7C57-BB6A-CDCA-EEBC-2947F47A9CEB}</a:tableStyleId>
               </a:tblPr>
               <a:tblGrid>
@@ -12912,6 +12548,7 @@
                 <a:tc>
                   <a:txBody>
                     <a:bodyPr/>
+                    <a:lstStyle/>
                     <a:p>
                       <a:pPr algn="ctr">
                         <a:defRPr/>
@@ -12928,6 +12565,7 @@
                 <a:tc>
                   <a:txBody>
                     <a:bodyPr/>
+                    <a:lstStyle/>
                     <a:p>
                       <a:pPr algn="ctr">
                         <a:defRPr/>
@@ -12946,6 +12584,7 @@
                 <a:tc>
                   <a:txBody>
                     <a:bodyPr/>
+                    <a:lstStyle/>
                     <a:p>
                       <a:pPr marL="342900" marR="0" indent="-342900" algn="l" defTabSz="457200">
                         <a:lnSpc>
@@ -13036,7 +12675,6 @@
                         <a:rPr lang="en-US" sz="1600"/>
                         <a:t>partial_sum</a:t>
                       </a:r>
-                      <a:endParaRPr lang="en-US" sz="1600"/>
                     </a:p>
                     <a:p>
                       <a:pPr marL="342900" marR="0" indent="-342900" algn="l" defTabSz="457200">
@@ -13063,6 +12701,7 @@
                 <a:tc>
                   <a:txBody>
                     <a:bodyPr/>
+                    <a:lstStyle/>
                     <a:p>
                       <a:pPr marL="342900" indent="-342900">
                         <a:buAutoNum type="arabicPeriod"/>
@@ -13070,11 +12709,7 @@
                       </a:pPr>
                       <a:r>
                         <a:rPr lang="ru-RU" sz="1600"/>
-                        <a:t>Возвращает сумму всех</a:t>
-                      </a:r>
-                      <a:r>
-                        <a:rPr lang="ru-RU" sz="1600"/>
-                        <a:t> значений в интервале</a:t>
+                        <a:t>Возвращает сумму всех значений в интервале</a:t>
                       </a:r>
                       <a:endParaRPr lang="en-US" sz="1600"/>
                     </a:p>
@@ -13119,6 +12754,7 @@
                 <a:tc>
                   <a:txBody>
                     <a:bodyPr/>
+                    <a:lstStyle/>
                     <a:p>
                       <a:pPr marL="342900" marR="0" indent="-342900" algn="l" defTabSz="457200">
                         <a:lnSpc>
@@ -13179,6 +12815,7 @@
                 <a:tc>
                   <a:txBody>
                     <a:bodyPr/>
+                    <a:lstStyle/>
                     <a:p>
                       <a:pPr marL="342900" indent="-342900">
                         <a:buAutoNum type="arabicPeriod"/>
@@ -13230,9 +12867,9 @@
       </p:graphicFrame>
       <p:sp>
         <p:nvSpPr>
-          <p:cNvPr id="6" name="Title 1" hidden="0"/>
+          <p:cNvPr id="6" name="Title 1"/>
           <p:cNvSpPr txBox="1"/>
-          <p:nvPr isPhoto="0" userDrawn="0"/>
+          <p:nvPr/>
         </p:nvSpPr>
         <p:spPr bwMode="auto">
           <a:xfrm>
@@ -13339,7 +12976,6 @@
               <a:rPr lang="en-US" sz="2000"/>
               <a:t>: &lt;numeric&gt;</a:t>
             </a:r>
-            <a:endParaRPr lang="en-US" sz="2000"/>
           </a:p>
         </p:txBody>
       </p:sp>
@@ -13348,11 +12984,11 @@
   <p:clrMapOvr>
     <a:masterClrMapping/>
   </p:clrMapOvr>
-  <mc:AlternateContent xmlns:mc="http://schemas.openxmlformats.org/markup-compatibility/2006">
-    <mc:Choice xmlns:p14="http://schemas.microsoft.com/office/powerpoint/2010/main" Requires="p14">
-      <p:transition p14:dur="2000" advClick="1"/>
+  <mc:AlternateContent xmlns:mc="http://schemas.openxmlformats.org/markup-compatibility/2006" xmlns:p14="http://schemas.microsoft.com/office/powerpoint/2010/main">
+    <mc:Choice Requires="p14">
+      <p:transition spd="slow" p14:dur="2000"/>
     </mc:Choice>
-    <mc:Fallback>
+    <mc:Fallback xmlns:w="http://schemas.openxmlformats.org/wordprocessingml/2006/main" xmlns:m="http://schemas.openxmlformats.org/officeDocument/2006/math" xmlns="">
       <p:transition advClick="1"/>
     </mc:Fallback>
   </mc:AlternateContent>
@@ -13360,13 +12996,13 @@
 </file>
 
 <file path=ppt/slides/slide2.xml><?xml version="1.0" encoding="utf-8"?>
-<p:sld xmlns:a="http://schemas.openxmlformats.org/drawingml/2006/main" xmlns:r="http://schemas.openxmlformats.org/officeDocument/2006/relationships" xmlns:p="http://schemas.openxmlformats.org/presentationml/2006/main" xmlns:m="http://schemas.openxmlformats.org/officeDocument/2006/math" xmlns:w="http://schemas.openxmlformats.org/wordprocessingml/2006/main" showMasterPhAnim="0" show="1">
-  <p:cSld name="">
+<p:sld xmlns:a="http://schemas.openxmlformats.org/drawingml/2006/main" xmlns:r="http://schemas.openxmlformats.org/officeDocument/2006/relationships" xmlns:p="http://schemas.openxmlformats.org/presentationml/2006/main" showMasterPhAnim="0">
+  <p:cSld>
     <p:spTree>
       <p:nvGrpSpPr>
-        <p:cNvPr id="1" name="" hidden="0"/>
+        <p:cNvPr id="1" name=""/>
         <p:cNvGrpSpPr/>
-        <p:nvPr isPhoto="0" userDrawn="0"/>
+        <p:nvPr/>
       </p:nvGrpSpPr>
       <p:grpSpPr bwMode="auto">
         <a:xfrm>
@@ -13378,12 +13014,12 @@
       </p:grpSpPr>
       <p:sp>
         <p:nvSpPr>
-          <p:cNvPr id="3" name="Объект 2" hidden="0"/>
+          <p:cNvPr id="3" name="Объект 2"/>
           <p:cNvSpPr>
             <a:spLocks noGrp="1"/>
           </p:cNvSpPr>
-          <p:nvPr isPhoto="0" userDrawn="0">
-            <p:ph idx="1" hasCustomPrompt="0"/>
+          <p:nvPr>
+            <p:ph idx="1"/>
           </p:nvPr>
         </p:nvSpPr>
         <p:spPr bwMode="auto">
@@ -13421,9 +13057,9 @@
       </p:sp>
       <p:sp>
         <p:nvSpPr>
-          <p:cNvPr id="4" name="Title 1" hidden="0"/>
+          <p:cNvPr id="4" name="Title 1"/>
           <p:cNvSpPr txBox="1"/>
-          <p:nvPr isPhoto="0" userDrawn="0"/>
+          <p:nvPr/>
         </p:nvSpPr>
         <p:spPr bwMode="auto">
           <a:xfrm>
@@ -13536,11 +13172,11 @@
       </p:sp>
       <p:pic>
         <p:nvPicPr>
-          <p:cNvPr id="5" name="Рисунок 4" hidden="0"/>
+          <p:cNvPr id="5" name="Рисунок 4"/>
           <p:cNvPicPr>
             <a:picLocks noChangeAspect="1"/>
           </p:cNvPicPr>
-          <p:nvPr isPhoto="0" userDrawn="0"/>
+          <p:nvPr/>
         </p:nvPicPr>
         <p:blipFill>
           <a:blip r:embed="rId2"/>
@@ -13558,11 +13194,11 @@
       </p:pic>
       <p:pic>
         <p:nvPicPr>
-          <p:cNvPr id="6" name="Рисунок 5" hidden="0"/>
+          <p:cNvPr id="6" name="Рисунок 5"/>
           <p:cNvPicPr>
             <a:picLocks noChangeAspect="1"/>
           </p:cNvPicPr>
-          <p:nvPr isPhoto="0" userDrawn="0"/>
+          <p:nvPr/>
         </p:nvPicPr>
         <p:blipFill>
           <a:blip r:embed="rId3"/>
@@ -13580,11 +13216,11 @@
       </p:pic>
       <p:pic>
         <p:nvPicPr>
-          <p:cNvPr id="7" name="Рисунок 6" hidden="0"/>
+          <p:cNvPr id="7" name="Рисунок 6"/>
           <p:cNvPicPr>
             <a:picLocks noChangeAspect="1"/>
           </p:cNvPicPr>
-          <p:nvPr isPhoto="0" userDrawn="0"/>
+          <p:nvPr/>
         </p:nvPicPr>
         <p:blipFill>
           <a:blip r:embed="rId4"/>
@@ -13602,15 +13238,15 @@
       </p:pic>
       <p:pic>
         <p:nvPicPr>
-          <p:cNvPr id="8" name="Picture 3" hidden="0"/>
+          <p:cNvPr id="8" name="Picture 3"/>
           <p:cNvPicPr>
             <a:picLocks noChangeAspect="1"/>
           </p:cNvPicPr>
-          <p:nvPr isPhoto="0" userDrawn="0"/>
+          <p:nvPr/>
         </p:nvPicPr>
         <p:blipFill>
           <a:blip r:embed="rId5"/>
-          <a:srcRect l="0" t="1031" r="1007" b="2712"/>
+          <a:srcRect t="1031" r="1007" b="2712"/>
           <a:stretch/>
         </p:blipFill>
         <p:spPr bwMode="auto">
@@ -13625,9 +13261,9 @@
       </p:pic>
       <p:sp>
         <p:nvSpPr>
-          <p:cNvPr id="9" name="Объект 2" hidden="0"/>
+          <p:cNvPr id="9" name="Объект 2"/>
           <p:cNvSpPr txBox="1"/>
-          <p:nvPr isPhoto="0" userDrawn="0"/>
+          <p:nvPr/>
         </p:nvSpPr>
         <p:spPr bwMode="auto">
           <a:xfrm>
@@ -13892,9 +13528,9 @@
       </p:sp>
       <p:sp>
         <p:nvSpPr>
-          <p:cNvPr id="10" name="Объект 2" hidden="0"/>
+          <p:cNvPr id="10" name="Объект 2"/>
           <p:cNvSpPr txBox="1"/>
-          <p:nvPr isPhoto="0" userDrawn="0"/>
+          <p:nvPr/>
         </p:nvSpPr>
         <p:spPr bwMode="auto">
           <a:xfrm>
@@ -14290,25 +13926,25 @@
   <p:clrMapOvr>
     <a:masterClrMapping/>
   </p:clrMapOvr>
-  <mc:AlternateContent xmlns:mc="http://schemas.openxmlformats.org/markup-compatibility/2006">
-    <mc:Choice xmlns:p14="http://schemas.microsoft.com/office/powerpoint/2010/main" Requires="p14">
-      <p:transition p14:dur="2000" advClick="1"/>
+  <mc:AlternateContent xmlns:mc="http://schemas.openxmlformats.org/markup-compatibility/2006" xmlns:p14="http://schemas.microsoft.com/office/powerpoint/2010/main">
+    <mc:Choice Requires="p14">
+      <p:transition spd="slow" p14:dur="2000"/>
     </mc:Choice>
-    <mc:Fallback>
+    <mc:Fallback xmlns:w="http://schemas.openxmlformats.org/wordprocessingml/2006/main" xmlns:m="http://schemas.openxmlformats.org/officeDocument/2006/math" xmlns="">
       <p:transition advClick="1"/>
     </mc:Fallback>
   </mc:AlternateContent>
 </p:sld>
 </file>
 
-<file path=ppt/slides/slide20.xml><?xml version="1.0" encoding="utf-8"?>
-<p:sld xmlns:a="http://schemas.openxmlformats.org/drawingml/2006/main" xmlns:r="http://schemas.openxmlformats.org/officeDocument/2006/relationships" xmlns:p="http://schemas.openxmlformats.org/presentationml/2006/main" xmlns:m="http://schemas.openxmlformats.org/officeDocument/2006/math" xmlns:w="http://schemas.openxmlformats.org/wordprocessingml/2006/main" showMasterPhAnim="0" show="1">
-  <p:cSld name="">
+<file path=ppt/slides/slide3.xml><?xml version="1.0" encoding="utf-8"?>
+<p:sld xmlns:a="http://schemas.openxmlformats.org/drawingml/2006/main" xmlns:r="http://schemas.openxmlformats.org/officeDocument/2006/relationships" xmlns:p="http://schemas.openxmlformats.org/presentationml/2006/main" showMasterPhAnim="0">
+  <p:cSld>
     <p:spTree>
       <p:nvGrpSpPr>
-        <p:cNvPr id="1" name="" hidden="0"/>
+        <p:cNvPr id="1" name=""/>
         <p:cNvGrpSpPr/>
-        <p:nvPr isPhoto="0" userDrawn="0"/>
+        <p:nvPr/>
       </p:nvGrpSpPr>
       <p:grpSpPr bwMode="auto">
         <a:xfrm>
@@ -14320,1945 +13956,9 @@
       </p:grpSpPr>
       <p:sp>
         <p:nvSpPr>
-          <p:cNvPr id="3" name="Объект 2" hidden="0"/>
-          <p:cNvSpPr>
-            <a:spLocks noGrp="1"/>
-          </p:cNvSpPr>
-          <p:nvPr isPhoto="0" userDrawn="0">
-            <p:ph idx="1" hasCustomPrompt="0"/>
-          </p:nvPr>
-        </p:nvSpPr>
-        <p:spPr bwMode="auto">
-          <a:xfrm>
-            <a:off x="263352" y="801143"/>
-            <a:ext cx="11665296" cy="648072"/>
-          </a:xfrm>
-          <a:prstGeom prst="rect">
-            <a:avLst/>
-          </a:prstGeom>
-          <a:solidFill>
-            <a:schemeClr val="bg1"/>
-          </a:solidFill>
-        </p:spPr>
-        <p:txBody>
-          <a:bodyPr>
-            <a:normAutofit/>
-          </a:bodyPr>
-          <a:lstStyle/>
-          <a:p>
-            <a:pPr>
-              <a:defRPr/>
-            </a:pPr>
-            <a:r>
-              <a:rPr lang="ru-RU"/>
-              <a:t>Управляют объектом через указатель на него – определяют правила передачи владения объектом и условия вызова деструктора</a:t>
-            </a:r>
-            <a:endParaRPr lang="en-US"/>
-          </a:p>
-        </p:txBody>
-      </p:sp>
-      <p:sp>
-        <p:nvSpPr>
-          <p:cNvPr id="4" name="Title 1" hidden="0"/>
+          <p:cNvPr id="4" name="Title 1"/>
           <p:cNvSpPr txBox="1"/>
-          <p:nvPr isPhoto="0" userDrawn="0"/>
-        </p:nvSpPr>
-        <p:spPr bwMode="auto">
-          <a:xfrm>
-            <a:off x="263352" y="116632"/>
-            <a:ext cx="11737304" cy="576064"/>
-          </a:xfrm>
-          <a:prstGeom prst="rect">
-            <a:avLst/>
-          </a:prstGeom>
-          <a:solidFill>
-            <a:schemeClr val="bg1"/>
-          </a:solidFill>
-          <a:ln>
-            <a:solidFill>
-              <a:schemeClr val="tx1"/>
-            </a:solidFill>
-          </a:ln>
-        </p:spPr>
-        <p:txBody>
-          <a:bodyPr vert="horz" lIns="91440" tIns="45720" rIns="91440" bIns="45720" rtlCol="0" anchor="t">
-            <a:noAutofit/>
-          </a:bodyPr>
-          <a:lstStyle>
-            <a:lvl1pPr algn="l" defTabSz="457200">
-              <a:spcBef>
-                <a:spcPts val="0"/>
-              </a:spcBef>
-              <a:buNone/>
-              <a:defRPr sz="3600">
-                <a:solidFill>
-                  <a:schemeClr val="accent1"/>
-                </a:solidFill>
-                <a:latin typeface="+mj-lt"/>
-                <a:ea typeface="+mj-ea"/>
-                <a:cs typeface="+mj-cs"/>
-              </a:defRPr>
-            </a:lvl1pPr>
-            <a:lvl2pPr>
-              <a:defRPr>
-                <a:solidFill>
-                  <a:schemeClr val="tx2"/>
-                </a:solidFill>
-              </a:defRPr>
-            </a:lvl2pPr>
-            <a:lvl3pPr>
-              <a:defRPr>
-                <a:solidFill>
-                  <a:schemeClr val="tx2"/>
-                </a:solidFill>
-              </a:defRPr>
-            </a:lvl3pPr>
-            <a:lvl4pPr>
-              <a:defRPr>
-                <a:solidFill>
-                  <a:schemeClr val="tx2"/>
-                </a:solidFill>
-              </a:defRPr>
-            </a:lvl4pPr>
-            <a:lvl5pPr>
-              <a:defRPr>
-                <a:solidFill>
-                  <a:schemeClr val="tx2"/>
-                </a:solidFill>
-              </a:defRPr>
-            </a:lvl5pPr>
-            <a:lvl6pPr>
-              <a:defRPr>
-                <a:solidFill>
-                  <a:schemeClr val="tx2"/>
-                </a:solidFill>
-              </a:defRPr>
-            </a:lvl6pPr>
-            <a:lvl7pPr>
-              <a:defRPr>
-                <a:solidFill>
-                  <a:schemeClr val="tx2"/>
-                </a:solidFill>
-              </a:defRPr>
-            </a:lvl7pPr>
-            <a:lvl8pPr>
-              <a:defRPr>
-                <a:solidFill>
-                  <a:schemeClr val="tx2"/>
-                </a:solidFill>
-              </a:defRPr>
-            </a:lvl8pPr>
-            <a:lvl9pPr>
-              <a:defRPr>
-                <a:solidFill>
-                  <a:schemeClr val="tx2"/>
-                </a:solidFill>
-              </a:defRPr>
-            </a:lvl9pPr>
-          </a:lstStyle>
-          <a:p>
-            <a:pPr algn="ctr">
-              <a:defRPr/>
-            </a:pPr>
-            <a:r>
-              <a:rPr lang="ru-RU" sz="3200"/>
-              <a:t>Умные указатели</a:t>
-            </a:r>
-            <a:endParaRPr lang="en-US" sz="3200"/>
-          </a:p>
-        </p:txBody>
-      </p:sp>
-      <p:pic>
-        <p:nvPicPr>
-          <p:cNvPr id="5" name="Рисунок 4" hidden="0"/>
-          <p:cNvPicPr>
-            <a:picLocks noChangeAspect="1"/>
-          </p:cNvPicPr>
-          <p:nvPr isPhoto="0" userDrawn="0"/>
-        </p:nvPicPr>
-        <p:blipFill>
-          <a:blip r:embed="rId2"/>
-          <a:srcRect l="0" t="0" r="0" b="6555"/>
-          <a:stretch/>
-        </p:blipFill>
-        <p:spPr bwMode="auto">
-          <a:xfrm>
-            <a:off x="335360" y="1493104"/>
-            <a:ext cx="5067739" cy="1239062"/>
-          </a:xfrm>
-          <a:prstGeom prst="rect">
-            <a:avLst/>
-          </a:prstGeom>
-        </p:spPr>
-      </p:pic>
-      <p:pic>
-        <p:nvPicPr>
-          <p:cNvPr id="6" name="Рисунок 5" hidden="0"/>
-          <p:cNvPicPr>
-            <a:picLocks noChangeAspect="1"/>
-          </p:cNvPicPr>
-          <p:nvPr isPhoto="0" userDrawn="0"/>
-        </p:nvPicPr>
-        <p:blipFill>
-          <a:blip r:embed="rId3"/>
-          <a:stretch/>
-        </p:blipFill>
-        <p:spPr bwMode="auto">
-          <a:xfrm>
-            <a:off x="5893740" y="1557662"/>
-            <a:ext cx="6106916" cy="1199956"/>
-          </a:xfrm>
-          <a:prstGeom prst="rect">
-            <a:avLst/>
-          </a:prstGeom>
-        </p:spPr>
-      </p:pic>
-      <p:sp>
-        <p:nvSpPr>
-          <p:cNvPr id="7" name="Объект 2" hidden="0"/>
-          <p:cNvSpPr txBox="1"/>
-          <p:nvPr isPhoto="0" userDrawn="0"/>
-        </p:nvSpPr>
-        <p:spPr bwMode="auto">
-          <a:xfrm>
-            <a:off x="263352" y="2924944"/>
-            <a:ext cx="5472608" cy="3744415"/>
-          </a:xfrm>
-          <a:prstGeom prst="rect">
-            <a:avLst/>
-          </a:prstGeom>
-          <a:solidFill>
-            <a:schemeClr val="bg1"/>
-          </a:solidFill>
-        </p:spPr>
-        <p:txBody>
-          <a:bodyPr vert="horz" lIns="91440" tIns="45720" rIns="91440" bIns="45720" rtlCol="0">
-            <a:normAutofit lnSpcReduction="10000"/>
-          </a:bodyPr>
-          <a:lstStyle>
-            <a:lvl1pPr marL="342900" indent="-342900" algn="l" defTabSz="457200">
-              <a:spcBef>
-                <a:spcPts val="1000"/>
-              </a:spcBef>
-              <a:spcAft>
-                <a:spcPts val="0"/>
-              </a:spcAft>
-              <a:buClr>
-                <a:schemeClr val="accent1"/>
-              </a:buClr>
-              <a:buSzPct val="80000"/>
-              <a:buFont typeface="Wingdings 3"/>
-              <a:buChar char=""/>
-              <a:defRPr sz="1800">
-                <a:solidFill>
-                  <a:schemeClr val="tx1">
-                    <a:lumMod val="75000"/>
-                    <a:lumOff val="25000"/>
-                  </a:schemeClr>
-                </a:solidFill>
-                <a:latin typeface="+mn-lt"/>
-                <a:ea typeface="+mn-ea"/>
-                <a:cs typeface="+mn-cs"/>
-              </a:defRPr>
-            </a:lvl1pPr>
-            <a:lvl2pPr marL="742950" indent="-285750" algn="l" defTabSz="457200">
-              <a:spcBef>
-                <a:spcPts val="1000"/>
-              </a:spcBef>
-              <a:spcAft>
-                <a:spcPts val="0"/>
-              </a:spcAft>
-              <a:buClr>
-                <a:schemeClr val="accent1"/>
-              </a:buClr>
-              <a:buSzPct val="80000"/>
-              <a:buFont typeface="Wingdings 3"/>
-              <a:buChar char=""/>
-              <a:defRPr sz="1600">
-                <a:solidFill>
-                  <a:schemeClr val="tx1">
-                    <a:lumMod val="75000"/>
-                    <a:lumOff val="25000"/>
-                  </a:schemeClr>
-                </a:solidFill>
-                <a:latin typeface="+mn-lt"/>
-                <a:ea typeface="+mn-ea"/>
-                <a:cs typeface="+mn-cs"/>
-              </a:defRPr>
-            </a:lvl2pPr>
-            <a:lvl3pPr marL="1143000" indent="-228600" algn="l" defTabSz="457200">
-              <a:spcBef>
-                <a:spcPts val="1000"/>
-              </a:spcBef>
-              <a:spcAft>
-                <a:spcPts val="0"/>
-              </a:spcAft>
-              <a:buClr>
-                <a:schemeClr val="accent1"/>
-              </a:buClr>
-              <a:buSzPct val="80000"/>
-              <a:buFont typeface="Wingdings 3"/>
-              <a:buChar char=""/>
-              <a:defRPr sz="1400">
-                <a:solidFill>
-                  <a:schemeClr val="tx1">
-                    <a:lumMod val="75000"/>
-                    <a:lumOff val="25000"/>
-                  </a:schemeClr>
-                </a:solidFill>
-                <a:latin typeface="+mn-lt"/>
-                <a:ea typeface="+mn-ea"/>
-                <a:cs typeface="+mn-cs"/>
-              </a:defRPr>
-            </a:lvl3pPr>
-            <a:lvl4pPr marL="1600200" indent="-228600" algn="l" defTabSz="457200">
-              <a:spcBef>
-                <a:spcPts val="1000"/>
-              </a:spcBef>
-              <a:spcAft>
-                <a:spcPts val="0"/>
-              </a:spcAft>
-              <a:buClr>
-                <a:schemeClr val="accent1"/>
-              </a:buClr>
-              <a:buSzPct val="80000"/>
-              <a:buFont typeface="Wingdings 3"/>
-              <a:buChar char=""/>
-              <a:defRPr sz="1200">
-                <a:solidFill>
-                  <a:schemeClr val="tx1">
-                    <a:lumMod val="75000"/>
-                    <a:lumOff val="25000"/>
-                  </a:schemeClr>
-                </a:solidFill>
-                <a:latin typeface="+mn-lt"/>
-                <a:ea typeface="+mn-ea"/>
-                <a:cs typeface="+mn-cs"/>
-              </a:defRPr>
-            </a:lvl4pPr>
-            <a:lvl5pPr marL="2057400" indent="-228600" algn="l" defTabSz="457200">
-              <a:spcBef>
-                <a:spcPts val="1000"/>
-              </a:spcBef>
-              <a:spcAft>
-                <a:spcPts val="0"/>
-              </a:spcAft>
-              <a:buClr>
-                <a:schemeClr val="accent1"/>
-              </a:buClr>
-              <a:buSzPct val="80000"/>
-              <a:buFont typeface="Wingdings 3"/>
-              <a:buChar char=""/>
-              <a:defRPr sz="1200">
-                <a:solidFill>
-                  <a:schemeClr val="tx1">
-                    <a:lumMod val="75000"/>
-                    <a:lumOff val="25000"/>
-                  </a:schemeClr>
-                </a:solidFill>
-                <a:latin typeface="+mn-lt"/>
-                <a:ea typeface="+mn-ea"/>
-                <a:cs typeface="+mn-cs"/>
-              </a:defRPr>
-            </a:lvl5pPr>
-            <a:lvl6pPr marL="2514600" indent="-228600" algn="l" defTabSz="457200">
-              <a:spcBef>
-                <a:spcPts val="1000"/>
-              </a:spcBef>
-              <a:spcAft>
-                <a:spcPts val="0"/>
-              </a:spcAft>
-              <a:buClr>
-                <a:schemeClr val="accent1"/>
-              </a:buClr>
-              <a:buSzPct val="80000"/>
-              <a:buFont typeface="Wingdings 3"/>
-              <a:buChar char=""/>
-              <a:defRPr sz="1200">
-                <a:solidFill>
-                  <a:schemeClr val="tx1">
-                    <a:lumMod val="75000"/>
-                    <a:lumOff val="25000"/>
-                  </a:schemeClr>
-                </a:solidFill>
-                <a:latin typeface="+mn-lt"/>
-                <a:ea typeface="+mn-ea"/>
-                <a:cs typeface="+mn-cs"/>
-              </a:defRPr>
-            </a:lvl6pPr>
-            <a:lvl7pPr marL="2971800" indent="-228600" algn="l" defTabSz="457200">
-              <a:spcBef>
-                <a:spcPts val="1000"/>
-              </a:spcBef>
-              <a:spcAft>
-                <a:spcPts val="0"/>
-              </a:spcAft>
-              <a:buClr>
-                <a:schemeClr val="accent1"/>
-              </a:buClr>
-              <a:buSzPct val="80000"/>
-              <a:buFont typeface="Wingdings 3"/>
-              <a:buChar char=""/>
-              <a:defRPr sz="1200">
-                <a:solidFill>
-                  <a:schemeClr val="tx1">
-                    <a:lumMod val="75000"/>
-                    <a:lumOff val="25000"/>
-                  </a:schemeClr>
-                </a:solidFill>
-                <a:latin typeface="+mn-lt"/>
-                <a:ea typeface="+mn-ea"/>
-                <a:cs typeface="+mn-cs"/>
-              </a:defRPr>
-            </a:lvl7pPr>
-            <a:lvl8pPr marL="3429000" indent="-228600" algn="l" defTabSz="457200">
-              <a:spcBef>
-                <a:spcPts val="1000"/>
-              </a:spcBef>
-              <a:spcAft>
-                <a:spcPts val="0"/>
-              </a:spcAft>
-              <a:buClr>
-                <a:schemeClr val="accent1"/>
-              </a:buClr>
-              <a:buSzPct val="80000"/>
-              <a:buFont typeface="Wingdings 3"/>
-              <a:buChar char=""/>
-              <a:defRPr sz="1200">
-                <a:solidFill>
-                  <a:schemeClr val="tx1">
-                    <a:lumMod val="75000"/>
-                    <a:lumOff val="25000"/>
-                  </a:schemeClr>
-                </a:solidFill>
-                <a:latin typeface="+mn-lt"/>
-                <a:ea typeface="+mn-ea"/>
-                <a:cs typeface="+mn-cs"/>
-              </a:defRPr>
-            </a:lvl8pPr>
-            <a:lvl9pPr marL="3886200" indent="-228600" algn="l" defTabSz="457200">
-              <a:spcBef>
-                <a:spcPts val="1000"/>
-              </a:spcBef>
-              <a:spcAft>
-                <a:spcPts val="0"/>
-              </a:spcAft>
-              <a:buClr>
-                <a:schemeClr val="accent1"/>
-              </a:buClr>
-              <a:buSzPct val="80000"/>
-              <a:buFont typeface="Wingdings 3"/>
-              <a:buChar char=""/>
-              <a:defRPr sz="1200">
-                <a:solidFill>
-                  <a:schemeClr val="tx1">
-                    <a:lumMod val="75000"/>
-                    <a:lumOff val="25000"/>
-                  </a:schemeClr>
-                </a:solidFill>
-                <a:latin typeface="+mn-lt"/>
-                <a:ea typeface="+mn-ea"/>
-                <a:cs typeface="+mn-cs"/>
-              </a:defRPr>
-            </a:lvl9pPr>
-          </a:lstStyle>
-          <a:p>
-            <a:pPr>
-              <a:defRPr/>
-            </a:pPr>
-            <a:r>
-              <a:rPr lang="ru-RU"/>
-              <a:t>Не допускает копирования указателя – копирующие операции удалены. Можно только передавать </a:t>
-            </a:r>
-            <a:r>
-              <a:rPr lang="en-US"/>
-              <a:t>unique_ptr</a:t>
-            </a:r>
-            <a:r>
-              <a:rPr lang="en-US"/>
-              <a:t> </a:t>
-            </a:r>
-            <a:r>
-              <a:rPr lang="ru-RU"/>
-              <a:t> при помощи перемещающих операций. Таким образом, у управляемого объекта может быть только один владелец</a:t>
-            </a:r>
-            <a:endParaRPr/>
-          </a:p>
-          <a:p>
-            <a:pPr>
-              <a:defRPr/>
-            </a:pPr>
-            <a:r>
-              <a:rPr lang="ru-RU"/>
-              <a:t>Для некоторых объектов копирование бессмысленно (котики) или вредно (большие области данных, </a:t>
-            </a:r>
-            <a:r>
-              <a:rPr lang="ru-RU"/>
-              <a:t>хэндлы</a:t>
-            </a:r>
-            <a:r>
-              <a:rPr lang="ru-RU"/>
-              <a:t> системных ресурсов)</a:t>
-            </a:r>
-            <a:endParaRPr/>
-          </a:p>
-          <a:p>
-            <a:pPr>
-              <a:defRPr/>
-            </a:pPr>
-            <a:r>
-              <a:rPr lang="ru-RU"/>
-              <a:t>Удаляет объект, которым управляет, в своём деструкторе</a:t>
-            </a:r>
-            <a:endParaRPr/>
-          </a:p>
-          <a:p>
-            <a:pPr>
-              <a:defRPr/>
-            </a:pPr>
-            <a:r>
-              <a:rPr lang="ru-RU"/>
-              <a:t>Имеет метод </a:t>
-            </a:r>
-            <a:r>
-              <a:rPr lang="en-US"/>
-              <a:t>release, </a:t>
-            </a:r>
-            <a:r>
-              <a:rPr lang="ru-RU"/>
-              <a:t>возвращающий указатель и прекращающий владение им</a:t>
-            </a:r>
-            <a:endParaRPr lang="en-US"/>
-          </a:p>
-        </p:txBody>
-      </p:sp>
-      <p:sp>
-        <p:nvSpPr>
-          <p:cNvPr id="8" name="Объект 2" hidden="0"/>
-          <p:cNvSpPr txBox="1"/>
-          <p:nvPr isPhoto="0" userDrawn="0"/>
-        </p:nvSpPr>
-        <p:spPr bwMode="auto">
-          <a:xfrm>
-            <a:off x="5951984" y="2875895"/>
-            <a:ext cx="6048672" cy="3824558"/>
-          </a:xfrm>
-          <a:prstGeom prst="rect">
-            <a:avLst/>
-          </a:prstGeom>
-          <a:solidFill>
-            <a:schemeClr val="bg1"/>
-          </a:solidFill>
-        </p:spPr>
-        <p:txBody>
-          <a:bodyPr vert="horz" lIns="91440" tIns="45720" rIns="91440" bIns="45720" rtlCol="0">
-            <a:normAutofit/>
-          </a:bodyPr>
-          <a:lstStyle>
-            <a:lvl1pPr marL="342900" indent="-342900" algn="l" defTabSz="457200">
-              <a:spcBef>
-                <a:spcPts val="1000"/>
-              </a:spcBef>
-              <a:spcAft>
-                <a:spcPts val="0"/>
-              </a:spcAft>
-              <a:buClr>
-                <a:schemeClr val="accent1"/>
-              </a:buClr>
-              <a:buSzPct val="80000"/>
-              <a:buFont typeface="Wingdings 3"/>
-              <a:buChar char=""/>
-              <a:defRPr sz="1800">
-                <a:solidFill>
-                  <a:schemeClr val="tx1">
-                    <a:lumMod val="75000"/>
-                    <a:lumOff val="25000"/>
-                  </a:schemeClr>
-                </a:solidFill>
-                <a:latin typeface="+mn-lt"/>
-                <a:ea typeface="+mn-ea"/>
-                <a:cs typeface="+mn-cs"/>
-              </a:defRPr>
-            </a:lvl1pPr>
-            <a:lvl2pPr marL="742950" indent="-285750" algn="l" defTabSz="457200">
-              <a:spcBef>
-                <a:spcPts val="1000"/>
-              </a:spcBef>
-              <a:spcAft>
-                <a:spcPts val="0"/>
-              </a:spcAft>
-              <a:buClr>
-                <a:schemeClr val="accent1"/>
-              </a:buClr>
-              <a:buSzPct val="80000"/>
-              <a:buFont typeface="Wingdings 3"/>
-              <a:buChar char=""/>
-              <a:defRPr sz="1600">
-                <a:solidFill>
-                  <a:schemeClr val="tx1">
-                    <a:lumMod val="75000"/>
-                    <a:lumOff val="25000"/>
-                  </a:schemeClr>
-                </a:solidFill>
-                <a:latin typeface="+mn-lt"/>
-                <a:ea typeface="+mn-ea"/>
-                <a:cs typeface="+mn-cs"/>
-              </a:defRPr>
-            </a:lvl2pPr>
-            <a:lvl3pPr marL="1143000" indent="-228600" algn="l" defTabSz="457200">
-              <a:spcBef>
-                <a:spcPts val="1000"/>
-              </a:spcBef>
-              <a:spcAft>
-                <a:spcPts val="0"/>
-              </a:spcAft>
-              <a:buClr>
-                <a:schemeClr val="accent1"/>
-              </a:buClr>
-              <a:buSzPct val="80000"/>
-              <a:buFont typeface="Wingdings 3"/>
-              <a:buChar char=""/>
-              <a:defRPr sz="1400">
-                <a:solidFill>
-                  <a:schemeClr val="tx1">
-                    <a:lumMod val="75000"/>
-                    <a:lumOff val="25000"/>
-                  </a:schemeClr>
-                </a:solidFill>
-                <a:latin typeface="+mn-lt"/>
-                <a:ea typeface="+mn-ea"/>
-                <a:cs typeface="+mn-cs"/>
-              </a:defRPr>
-            </a:lvl3pPr>
-            <a:lvl4pPr marL="1600200" indent="-228600" algn="l" defTabSz="457200">
-              <a:spcBef>
-                <a:spcPts val="1000"/>
-              </a:spcBef>
-              <a:spcAft>
-                <a:spcPts val="0"/>
-              </a:spcAft>
-              <a:buClr>
-                <a:schemeClr val="accent1"/>
-              </a:buClr>
-              <a:buSzPct val="80000"/>
-              <a:buFont typeface="Wingdings 3"/>
-              <a:buChar char=""/>
-              <a:defRPr sz="1200">
-                <a:solidFill>
-                  <a:schemeClr val="tx1">
-                    <a:lumMod val="75000"/>
-                    <a:lumOff val="25000"/>
-                  </a:schemeClr>
-                </a:solidFill>
-                <a:latin typeface="+mn-lt"/>
-                <a:ea typeface="+mn-ea"/>
-                <a:cs typeface="+mn-cs"/>
-              </a:defRPr>
-            </a:lvl4pPr>
-            <a:lvl5pPr marL="2057400" indent="-228600" algn="l" defTabSz="457200">
-              <a:spcBef>
-                <a:spcPts val="1000"/>
-              </a:spcBef>
-              <a:spcAft>
-                <a:spcPts val="0"/>
-              </a:spcAft>
-              <a:buClr>
-                <a:schemeClr val="accent1"/>
-              </a:buClr>
-              <a:buSzPct val="80000"/>
-              <a:buFont typeface="Wingdings 3"/>
-              <a:buChar char=""/>
-              <a:defRPr sz="1200">
-                <a:solidFill>
-                  <a:schemeClr val="tx1">
-                    <a:lumMod val="75000"/>
-                    <a:lumOff val="25000"/>
-                  </a:schemeClr>
-                </a:solidFill>
-                <a:latin typeface="+mn-lt"/>
-                <a:ea typeface="+mn-ea"/>
-                <a:cs typeface="+mn-cs"/>
-              </a:defRPr>
-            </a:lvl5pPr>
-            <a:lvl6pPr marL="2514600" indent="-228600" algn="l" defTabSz="457200">
-              <a:spcBef>
-                <a:spcPts val="1000"/>
-              </a:spcBef>
-              <a:spcAft>
-                <a:spcPts val="0"/>
-              </a:spcAft>
-              <a:buClr>
-                <a:schemeClr val="accent1"/>
-              </a:buClr>
-              <a:buSzPct val="80000"/>
-              <a:buFont typeface="Wingdings 3"/>
-              <a:buChar char=""/>
-              <a:defRPr sz="1200">
-                <a:solidFill>
-                  <a:schemeClr val="tx1">
-                    <a:lumMod val="75000"/>
-                    <a:lumOff val="25000"/>
-                  </a:schemeClr>
-                </a:solidFill>
-                <a:latin typeface="+mn-lt"/>
-                <a:ea typeface="+mn-ea"/>
-                <a:cs typeface="+mn-cs"/>
-              </a:defRPr>
-            </a:lvl6pPr>
-            <a:lvl7pPr marL="2971800" indent="-228600" algn="l" defTabSz="457200">
-              <a:spcBef>
-                <a:spcPts val="1000"/>
-              </a:spcBef>
-              <a:spcAft>
-                <a:spcPts val="0"/>
-              </a:spcAft>
-              <a:buClr>
-                <a:schemeClr val="accent1"/>
-              </a:buClr>
-              <a:buSzPct val="80000"/>
-              <a:buFont typeface="Wingdings 3"/>
-              <a:buChar char=""/>
-              <a:defRPr sz="1200">
-                <a:solidFill>
-                  <a:schemeClr val="tx1">
-                    <a:lumMod val="75000"/>
-                    <a:lumOff val="25000"/>
-                  </a:schemeClr>
-                </a:solidFill>
-                <a:latin typeface="+mn-lt"/>
-                <a:ea typeface="+mn-ea"/>
-                <a:cs typeface="+mn-cs"/>
-              </a:defRPr>
-            </a:lvl7pPr>
-            <a:lvl8pPr marL="3429000" indent="-228600" algn="l" defTabSz="457200">
-              <a:spcBef>
-                <a:spcPts val="1000"/>
-              </a:spcBef>
-              <a:spcAft>
-                <a:spcPts val="0"/>
-              </a:spcAft>
-              <a:buClr>
-                <a:schemeClr val="accent1"/>
-              </a:buClr>
-              <a:buSzPct val="80000"/>
-              <a:buFont typeface="Wingdings 3"/>
-              <a:buChar char=""/>
-              <a:defRPr sz="1200">
-                <a:solidFill>
-                  <a:schemeClr val="tx1">
-                    <a:lumMod val="75000"/>
-                    <a:lumOff val="25000"/>
-                  </a:schemeClr>
-                </a:solidFill>
-                <a:latin typeface="+mn-lt"/>
-                <a:ea typeface="+mn-ea"/>
-                <a:cs typeface="+mn-cs"/>
-              </a:defRPr>
-            </a:lvl8pPr>
-            <a:lvl9pPr marL="3886200" indent="-228600" algn="l" defTabSz="457200">
-              <a:spcBef>
-                <a:spcPts val="1000"/>
-              </a:spcBef>
-              <a:spcAft>
-                <a:spcPts val="0"/>
-              </a:spcAft>
-              <a:buClr>
-                <a:schemeClr val="accent1"/>
-              </a:buClr>
-              <a:buSzPct val="80000"/>
-              <a:buFont typeface="Wingdings 3"/>
-              <a:buChar char=""/>
-              <a:defRPr sz="1200">
-                <a:solidFill>
-                  <a:schemeClr val="tx1">
-                    <a:lumMod val="75000"/>
-                    <a:lumOff val="25000"/>
-                  </a:schemeClr>
-                </a:solidFill>
-                <a:latin typeface="+mn-lt"/>
-                <a:ea typeface="+mn-ea"/>
-                <a:cs typeface="+mn-cs"/>
-              </a:defRPr>
-            </a:lvl9pPr>
-          </a:lstStyle>
-          <a:p>
-            <a:pPr>
-              <a:defRPr/>
-            </a:pPr>
-            <a:r>
-              <a:rPr lang="ru-RU"/>
-              <a:t>Ведёт подсчёт экземпляров </a:t>
-            </a:r>
-            <a:r>
-              <a:rPr lang="en-US"/>
-              <a:t>shared_ptr</a:t>
-            </a:r>
-            <a:r>
-              <a:rPr lang="ru-RU"/>
-              <a:t>, ссылающихся на данный объект на текущий момент – у управляемого объекта может быть множество владельцев.</a:t>
-            </a:r>
-            <a:endParaRPr/>
-          </a:p>
-          <a:p>
-            <a:pPr>
-              <a:defRPr/>
-            </a:pPr>
-            <a:r>
-              <a:rPr lang="ru-RU"/>
-              <a:t>Когда на управляемый объект больше никто не ссылается, удаляет его, в противном случае, уменьшает счётчик ссылок</a:t>
-            </a:r>
-            <a:endParaRPr/>
-          </a:p>
-          <a:p>
-            <a:pPr>
-              <a:defRPr/>
-            </a:pPr>
-            <a:r>
-              <a:rPr lang="ru-RU"/>
-              <a:t>Последние действия выполняются методами:</a:t>
-            </a:r>
-            <a:endParaRPr/>
-          </a:p>
-          <a:p>
-            <a:pPr>
-              <a:defRPr/>
-            </a:pPr>
-            <a:r>
-              <a:rPr lang="ru-RU"/>
-              <a:t>Присваивание (копирующее и перемещающее)</a:t>
-            </a:r>
-            <a:endParaRPr/>
-          </a:p>
-          <a:p>
-            <a:pPr>
-              <a:defRPr/>
-            </a:pPr>
-            <a:r>
-              <a:rPr lang="en-US"/>
-              <a:t>void reset(T* </a:t>
-            </a:r>
-            <a:r>
-              <a:rPr lang="en-US"/>
-              <a:t>ptr</a:t>
-            </a:r>
-            <a:r>
-              <a:rPr lang="en-US"/>
-              <a:t>)</a:t>
-            </a:r>
-            <a:endParaRPr/>
-          </a:p>
-          <a:p>
-            <a:pPr>
-              <a:defRPr/>
-            </a:pPr>
-            <a:r>
-              <a:rPr lang="ru-RU"/>
-              <a:t>Деструктор</a:t>
-            </a:r>
-            <a:endParaRPr lang="en-US"/>
-          </a:p>
-          <a:p>
-            <a:pPr>
-              <a:defRPr/>
-            </a:pPr>
-            <a:endParaRPr lang="ru-RU"/>
-          </a:p>
-          <a:p>
-            <a:pPr>
-              <a:defRPr/>
-            </a:pPr>
-            <a:endParaRPr lang="ru-RU"/>
-          </a:p>
-          <a:p>
-            <a:pPr>
-              <a:defRPr/>
-            </a:pPr>
-            <a:endParaRPr lang="en-US"/>
-          </a:p>
-        </p:txBody>
-      </p:sp>
-    </p:spTree>
-  </p:cSld>
-  <p:clrMapOvr>
-    <a:masterClrMapping/>
-  </p:clrMapOvr>
-  <mc:AlternateContent xmlns:mc="http://schemas.openxmlformats.org/markup-compatibility/2006">
-    <mc:Choice xmlns:p14="http://schemas.microsoft.com/office/powerpoint/2010/main" Requires="p14">
-      <p:transition p14:dur="2000" advClick="1"/>
-    </mc:Choice>
-    <mc:Fallback>
-      <p:transition advClick="1"/>
-    </mc:Fallback>
-  </mc:AlternateContent>
-</p:sld>
-</file>
-
-<file path=ppt/slides/slide21.xml><?xml version="1.0" encoding="utf-8"?>
-<p:sld xmlns:a="http://schemas.openxmlformats.org/drawingml/2006/main" xmlns:r="http://schemas.openxmlformats.org/officeDocument/2006/relationships" xmlns:p="http://schemas.openxmlformats.org/presentationml/2006/main" xmlns:m="http://schemas.openxmlformats.org/officeDocument/2006/math" xmlns:w="http://schemas.openxmlformats.org/wordprocessingml/2006/main" showMasterPhAnim="0" show="1">
-  <p:cSld name="">
-    <p:spTree>
-      <p:nvGrpSpPr>
-        <p:cNvPr id="1" name="" hidden="0"/>
-        <p:cNvGrpSpPr/>
-        <p:nvPr isPhoto="0" userDrawn="0"/>
-      </p:nvGrpSpPr>
-      <p:grpSpPr bwMode="auto">
-        <a:xfrm>
-          <a:off x="0" y="0"/>
-          <a:ext cx="0" cy="0"/>
-          <a:chOff x="0" y="0"/>
-          <a:chExt cx="0" cy="0"/>
-        </a:xfrm>
-      </p:grpSpPr>
-      <p:sp>
-        <p:nvSpPr>
-          <p:cNvPr id="4" name="Объект 2" hidden="0"/>
-          <p:cNvSpPr>
-            <a:spLocks noGrp="1"/>
-          </p:cNvSpPr>
-          <p:nvPr isPhoto="0" userDrawn="0">
-            <p:ph idx="1" hasCustomPrompt="0"/>
-          </p:nvPr>
-        </p:nvSpPr>
-        <p:spPr bwMode="auto">
-          <a:xfrm>
-            <a:off x="407368" y="1020041"/>
-            <a:ext cx="3961407" cy="2861777"/>
-          </a:xfrm>
-        </p:spPr>
-        <p:style>
-          <a:lnRef idx="2">
-            <a:schemeClr val="accent1"/>
-          </a:lnRef>
-          <a:fillRef idx="1">
-            <a:schemeClr val="lt1"/>
-          </a:fillRef>
-          <a:effectRef idx="0">
-            <a:schemeClr val="accent1"/>
-          </a:effectRef>
-          <a:fontRef idx="minor">
-            <a:schemeClr val="dk1"/>
-          </a:fontRef>
-        </p:style>
-        <p:txBody>
-          <a:bodyPr>
-            <a:normAutofit/>
-          </a:bodyPr>
-          <a:lstStyle/>
-          <a:p>
-            <a:pPr>
-              <a:defRPr/>
-            </a:pPr>
-            <a:r>
-              <a:rPr lang="ru-RU" sz="1600"/>
-              <a:t>Правило трёх (</a:t>
-            </a:r>
-            <a:r>
-              <a:rPr lang="en-US" sz="1600"/>
-              <a:t>rule of three</a:t>
-            </a:r>
-            <a:r>
-              <a:rPr lang="ru-RU" sz="1600"/>
-              <a:t>, закон «Большой тройки»). </a:t>
-            </a:r>
-            <a:r>
-              <a:rPr lang="en-US" sz="1600"/>
-              <a:t>E</a:t>
-            </a:r>
-            <a:r>
-              <a:rPr lang="ru-RU" sz="1600"/>
-              <a:t>сли</a:t>
-            </a:r>
-            <a:r>
-              <a:rPr lang="ru-RU" sz="1600"/>
-              <a:t> классу необходим один из следующих методов:</a:t>
-            </a:r>
-            <a:endParaRPr/>
-          </a:p>
-          <a:p>
-            <a:pPr marL="801688" indent="-406400">
-              <a:buFont typeface="Arial"/>
-              <a:buChar char="•"/>
-              <a:defRPr/>
-            </a:pPr>
-            <a:r>
-              <a:rPr lang="ru-RU" sz="1600"/>
-              <a:t>Деструктор</a:t>
-            </a:r>
-            <a:endParaRPr/>
-          </a:p>
-          <a:p>
-            <a:pPr marL="801688" indent="-406400">
-              <a:buFont typeface="Arial"/>
-              <a:buChar char="•"/>
-              <a:defRPr/>
-            </a:pPr>
-            <a:r>
-              <a:rPr lang="ru-RU" sz="1600"/>
-              <a:t>Конструктор копирования</a:t>
-            </a:r>
-            <a:endParaRPr/>
-          </a:p>
-          <a:p>
-            <a:pPr marL="801688" indent="-406400">
-              <a:buFont typeface="Arial"/>
-              <a:buChar char="•"/>
-              <a:defRPr/>
-            </a:pPr>
-            <a:r>
-              <a:rPr lang="ru-RU" sz="1600"/>
-              <a:t>Оператор копирующего присваивания,</a:t>
-            </a:r>
-            <a:endParaRPr/>
-          </a:p>
-          <a:p>
-            <a:pPr marL="0" indent="0">
-              <a:buNone/>
-              <a:defRPr/>
-            </a:pPr>
-            <a:r>
-              <a:rPr lang="ru-RU" sz="1600"/>
-              <a:t>т</a:t>
-            </a:r>
-            <a:r>
-              <a:rPr lang="ru-RU" sz="1600"/>
-              <a:t>о класс должен определять все три.</a:t>
-            </a:r>
-            <a:endParaRPr/>
-          </a:p>
-          <a:p>
-            <a:pPr marL="0" indent="0">
-              <a:buNone/>
-              <a:defRPr/>
-            </a:pPr>
-            <a:endParaRPr lang="en-US" sz="1600"/>
-          </a:p>
-        </p:txBody>
-      </p:sp>
-      <p:sp>
-        <p:nvSpPr>
-          <p:cNvPr id="5" name="Объект 2" hidden="0"/>
-          <p:cNvSpPr txBox="1"/>
-          <p:nvPr isPhoto="0" userDrawn="0"/>
-        </p:nvSpPr>
-        <p:spPr bwMode="auto">
-          <a:xfrm>
-            <a:off x="6672064" y="980728"/>
-            <a:ext cx="5328591" cy="3024336"/>
-          </a:xfrm>
-          <a:prstGeom prst="rect">
-            <a:avLst/>
-          </a:prstGeom>
-        </p:spPr>
-        <p:style>
-          <a:lnRef idx="2">
-            <a:schemeClr val="accent1"/>
-          </a:lnRef>
-          <a:fillRef idx="1">
-            <a:schemeClr val="lt1"/>
-          </a:fillRef>
-          <a:effectRef idx="0">
-            <a:schemeClr val="accent1"/>
-          </a:effectRef>
-          <a:fontRef idx="minor">
-            <a:schemeClr val="dk1"/>
-          </a:fontRef>
-        </p:style>
-        <p:txBody>
-          <a:bodyPr vert="horz" lIns="91440" tIns="45720" rIns="91440" bIns="45720" rtlCol="0">
-            <a:noAutofit/>
-          </a:bodyPr>
-          <a:lstStyle>
-            <a:lvl1pPr marL="342900" indent="-342900" algn="l" defTabSz="457200">
-              <a:spcBef>
-                <a:spcPts val="1000"/>
-              </a:spcBef>
-              <a:spcAft>
-                <a:spcPts val="0"/>
-              </a:spcAft>
-              <a:buClr>
-                <a:schemeClr val="accent1"/>
-              </a:buClr>
-              <a:buSzPct val="80000"/>
-              <a:buFont typeface="Wingdings 3"/>
-              <a:buChar char=""/>
-              <a:defRPr sz="1800">
-                <a:solidFill>
-                  <a:schemeClr val="tx1">
-                    <a:lumMod val="75000"/>
-                    <a:lumOff val="25000"/>
-                  </a:schemeClr>
-                </a:solidFill>
-                <a:latin typeface="+mn-lt"/>
-                <a:ea typeface="+mn-ea"/>
-                <a:cs typeface="+mn-cs"/>
-              </a:defRPr>
-            </a:lvl1pPr>
-            <a:lvl2pPr marL="742950" indent="-285750" algn="l" defTabSz="457200">
-              <a:spcBef>
-                <a:spcPts val="1000"/>
-              </a:spcBef>
-              <a:spcAft>
-                <a:spcPts val="0"/>
-              </a:spcAft>
-              <a:buClr>
-                <a:schemeClr val="accent1"/>
-              </a:buClr>
-              <a:buSzPct val="80000"/>
-              <a:buFont typeface="Wingdings 3"/>
-              <a:buChar char=""/>
-              <a:defRPr sz="1600">
-                <a:solidFill>
-                  <a:schemeClr val="tx1">
-                    <a:lumMod val="75000"/>
-                    <a:lumOff val="25000"/>
-                  </a:schemeClr>
-                </a:solidFill>
-                <a:latin typeface="+mn-lt"/>
-                <a:ea typeface="+mn-ea"/>
-                <a:cs typeface="+mn-cs"/>
-              </a:defRPr>
-            </a:lvl2pPr>
-            <a:lvl3pPr marL="1143000" indent="-228600" algn="l" defTabSz="457200">
-              <a:spcBef>
-                <a:spcPts val="1000"/>
-              </a:spcBef>
-              <a:spcAft>
-                <a:spcPts val="0"/>
-              </a:spcAft>
-              <a:buClr>
-                <a:schemeClr val="accent1"/>
-              </a:buClr>
-              <a:buSzPct val="80000"/>
-              <a:buFont typeface="Wingdings 3"/>
-              <a:buChar char=""/>
-              <a:defRPr sz="1400">
-                <a:solidFill>
-                  <a:schemeClr val="tx1">
-                    <a:lumMod val="75000"/>
-                    <a:lumOff val="25000"/>
-                  </a:schemeClr>
-                </a:solidFill>
-                <a:latin typeface="+mn-lt"/>
-                <a:ea typeface="+mn-ea"/>
-                <a:cs typeface="+mn-cs"/>
-              </a:defRPr>
-            </a:lvl3pPr>
-            <a:lvl4pPr marL="1600200" indent="-228600" algn="l" defTabSz="457200">
-              <a:spcBef>
-                <a:spcPts val="1000"/>
-              </a:spcBef>
-              <a:spcAft>
-                <a:spcPts val="0"/>
-              </a:spcAft>
-              <a:buClr>
-                <a:schemeClr val="accent1"/>
-              </a:buClr>
-              <a:buSzPct val="80000"/>
-              <a:buFont typeface="Wingdings 3"/>
-              <a:buChar char=""/>
-              <a:defRPr sz="1200">
-                <a:solidFill>
-                  <a:schemeClr val="tx1">
-                    <a:lumMod val="75000"/>
-                    <a:lumOff val="25000"/>
-                  </a:schemeClr>
-                </a:solidFill>
-                <a:latin typeface="+mn-lt"/>
-                <a:ea typeface="+mn-ea"/>
-                <a:cs typeface="+mn-cs"/>
-              </a:defRPr>
-            </a:lvl4pPr>
-            <a:lvl5pPr marL="2057400" indent="-228600" algn="l" defTabSz="457200">
-              <a:spcBef>
-                <a:spcPts val="1000"/>
-              </a:spcBef>
-              <a:spcAft>
-                <a:spcPts val="0"/>
-              </a:spcAft>
-              <a:buClr>
-                <a:schemeClr val="accent1"/>
-              </a:buClr>
-              <a:buSzPct val="80000"/>
-              <a:buFont typeface="Wingdings 3"/>
-              <a:buChar char=""/>
-              <a:defRPr sz="1200">
-                <a:solidFill>
-                  <a:schemeClr val="tx1">
-                    <a:lumMod val="75000"/>
-                    <a:lumOff val="25000"/>
-                  </a:schemeClr>
-                </a:solidFill>
-                <a:latin typeface="+mn-lt"/>
-                <a:ea typeface="+mn-ea"/>
-                <a:cs typeface="+mn-cs"/>
-              </a:defRPr>
-            </a:lvl5pPr>
-            <a:lvl6pPr marL="2514600" indent="-228600" algn="l" defTabSz="457200">
-              <a:spcBef>
-                <a:spcPts val="1000"/>
-              </a:spcBef>
-              <a:spcAft>
-                <a:spcPts val="0"/>
-              </a:spcAft>
-              <a:buClr>
-                <a:schemeClr val="accent1"/>
-              </a:buClr>
-              <a:buSzPct val="80000"/>
-              <a:buFont typeface="Wingdings 3"/>
-              <a:buChar char=""/>
-              <a:defRPr sz="1200">
-                <a:solidFill>
-                  <a:schemeClr val="tx1">
-                    <a:lumMod val="75000"/>
-                    <a:lumOff val="25000"/>
-                  </a:schemeClr>
-                </a:solidFill>
-                <a:latin typeface="+mn-lt"/>
-                <a:ea typeface="+mn-ea"/>
-                <a:cs typeface="+mn-cs"/>
-              </a:defRPr>
-            </a:lvl6pPr>
-            <a:lvl7pPr marL="2971800" indent="-228600" algn="l" defTabSz="457200">
-              <a:spcBef>
-                <a:spcPts val="1000"/>
-              </a:spcBef>
-              <a:spcAft>
-                <a:spcPts val="0"/>
-              </a:spcAft>
-              <a:buClr>
-                <a:schemeClr val="accent1"/>
-              </a:buClr>
-              <a:buSzPct val="80000"/>
-              <a:buFont typeface="Wingdings 3"/>
-              <a:buChar char=""/>
-              <a:defRPr sz="1200">
-                <a:solidFill>
-                  <a:schemeClr val="tx1">
-                    <a:lumMod val="75000"/>
-                    <a:lumOff val="25000"/>
-                  </a:schemeClr>
-                </a:solidFill>
-                <a:latin typeface="+mn-lt"/>
-                <a:ea typeface="+mn-ea"/>
-                <a:cs typeface="+mn-cs"/>
-              </a:defRPr>
-            </a:lvl7pPr>
-            <a:lvl8pPr marL="3429000" indent="-228600" algn="l" defTabSz="457200">
-              <a:spcBef>
-                <a:spcPts val="1000"/>
-              </a:spcBef>
-              <a:spcAft>
-                <a:spcPts val="0"/>
-              </a:spcAft>
-              <a:buClr>
-                <a:schemeClr val="accent1"/>
-              </a:buClr>
-              <a:buSzPct val="80000"/>
-              <a:buFont typeface="Wingdings 3"/>
-              <a:buChar char=""/>
-              <a:defRPr sz="1200">
-                <a:solidFill>
-                  <a:schemeClr val="tx1">
-                    <a:lumMod val="75000"/>
-                    <a:lumOff val="25000"/>
-                  </a:schemeClr>
-                </a:solidFill>
-                <a:latin typeface="+mn-lt"/>
-                <a:ea typeface="+mn-ea"/>
-                <a:cs typeface="+mn-cs"/>
-              </a:defRPr>
-            </a:lvl8pPr>
-            <a:lvl9pPr marL="3886200" indent="-228600" algn="l" defTabSz="457200">
-              <a:spcBef>
-                <a:spcPts val="1000"/>
-              </a:spcBef>
-              <a:spcAft>
-                <a:spcPts val="0"/>
-              </a:spcAft>
-              <a:buClr>
-                <a:schemeClr val="accent1"/>
-              </a:buClr>
-              <a:buSzPct val="80000"/>
-              <a:buFont typeface="Wingdings 3"/>
-              <a:buChar char=""/>
-              <a:defRPr sz="1200">
-                <a:solidFill>
-                  <a:schemeClr val="tx1">
-                    <a:lumMod val="75000"/>
-                    <a:lumOff val="25000"/>
-                  </a:schemeClr>
-                </a:solidFill>
-                <a:latin typeface="+mn-lt"/>
-                <a:ea typeface="+mn-ea"/>
-                <a:cs typeface="+mn-cs"/>
-              </a:defRPr>
-            </a:lvl9pPr>
-          </a:lstStyle>
-          <a:p>
-            <a:pPr>
-              <a:defRPr/>
-            </a:pPr>
-            <a:r>
-              <a:rPr lang="ru-RU" sz="1600"/>
-              <a:t>С выходом С++11 правило трёх превратилось в правило пяти (</a:t>
-            </a:r>
-            <a:r>
-              <a:rPr lang="en-US" sz="1600"/>
-              <a:t>rule of five</a:t>
-            </a:r>
-            <a:r>
-              <a:rPr lang="ru-RU" sz="1600"/>
-              <a:t>): если классу необходим один из следующих методов:</a:t>
-            </a:r>
-            <a:endParaRPr/>
-          </a:p>
-          <a:p>
-            <a:pPr marL="801688" indent="-282575">
-              <a:buFont typeface="Arial"/>
-              <a:buChar char="•"/>
-              <a:defRPr/>
-            </a:pPr>
-            <a:r>
-              <a:rPr lang="ru-RU" sz="1600"/>
-              <a:t>Деструктор</a:t>
-            </a:r>
-            <a:endParaRPr/>
-          </a:p>
-          <a:p>
-            <a:pPr marL="801688" indent="-282575">
-              <a:buFont typeface="Arial"/>
-              <a:buChar char="•"/>
-              <a:defRPr/>
-            </a:pPr>
-            <a:r>
-              <a:rPr lang="ru-RU" sz="1600"/>
-              <a:t>Конструктор копирования</a:t>
-            </a:r>
-            <a:endParaRPr/>
-          </a:p>
-          <a:p>
-            <a:pPr marL="801688" indent="-282575">
-              <a:buFont typeface="Arial"/>
-              <a:buChar char="•"/>
-              <a:defRPr/>
-            </a:pPr>
-            <a:r>
-              <a:rPr lang="ru-RU" sz="1600"/>
-              <a:t>Оператор копирующего присваивания</a:t>
-            </a:r>
-            <a:endParaRPr lang="en-US" sz="1600"/>
-          </a:p>
-          <a:p>
-            <a:pPr marL="801688" indent="-282575">
-              <a:buFont typeface="Arial"/>
-              <a:buChar char="•"/>
-              <a:defRPr/>
-            </a:pPr>
-            <a:r>
-              <a:rPr lang="ru-RU" sz="1600"/>
-              <a:t>Конструктор перемещения</a:t>
-            </a:r>
-            <a:endParaRPr/>
-          </a:p>
-          <a:p>
-            <a:pPr marL="801688" indent="-282575">
-              <a:buFont typeface="Arial"/>
-              <a:buChar char="•"/>
-              <a:defRPr/>
-            </a:pPr>
-            <a:r>
-              <a:rPr lang="ru-RU" sz="1600"/>
-              <a:t>Оператор перемещающего присваивания,</a:t>
-            </a:r>
-            <a:endParaRPr/>
-          </a:p>
-          <a:p>
-            <a:pPr marL="0" indent="0">
-              <a:buFont typeface="Wingdings 3"/>
-              <a:buNone/>
-              <a:defRPr/>
-            </a:pPr>
-            <a:r>
-              <a:rPr lang="ru-RU" sz="1600"/>
-              <a:t>то класс должен определять все </a:t>
-            </a:r>
-            <a:r>
-              <a:rPr lang="ru-RU" sz="1600"/>
-              <a:t>пять</a:t>
-            </a:r>
-            <a:endParaRPr lang="ru-RU" sz="1600"/>
-          </a:p>
-          <a:p>
-            <a:pPr marL="0" indent="0">
-              <a:buFont typeface="Wingdings 3"/>
-              <a:buNone/>
-              <a:defRPr/>
-            </a:pPr>
-            <a:endParaRPr lang="en-US" sz="1600"/>
-          </a:p>
-        </p:txBody>
-      </p:sp>
-      <p:sp>
-        <p:nvSpPr>
-          <p:cNvPr id="6" name="Title 1" hidden="0"/>
-          <p:cNvSpPr txBox="1"/>
-          <p:nvPr isPhoto="0" userDrawn="0"/>
-        </p:nvSpPr>
-        <p:spPr bwMode="auto">
-          <a:xfrm>
-            <a:off x="263352" y="116632"/>
-            <a:ext cx="11737304" cy="576064"/>
-          </a:xfrm>
-          <a:prstGeom prst="rect">
-            <a:avLst/>
-          </a:prstGeom>
-          <a:solidFill>
-            <a:schemeClr val="bg1"/>
-          </a:solidFill>
-          <a:ln>
-            <a:solidFill>
-              <a:schemeClr val="tx1"/>
-            </a:solidFill>
-          </a:ln>
-        </p:spPr>
-        <p:txBody>
-          <a:bodyPr vert="horz" lIns="91440" tIns="45720" rIns="91440" bIns="45720" rtlCol="0" anchor="t">
-            <a:noAutofit/>
-          </a:bodyPr>
-          <a:lstStyle>
-            <a:lvl1pPr algn="l" defTabSz="457200">
-              <a:spcBef>
-                <a:spcPts val="0"/>
-              </a:spcBef>
-              <a:buNone/>
-              <a:defRPr sz="3600">
-                <a:solidFill>
-                  <a:schemeClr val="accent1"/>
-                </a:solidFill>
-                <a:latin typeface="+mj-lt"/>
-                <a:ea typeface="+mj-ea"/>
-                <a:cs typeface="+mj-cs"/>
-              </a:defRPr>
-            </a:lvl1pPr>
-            <a:lvl2pPr>
-              <a:defRPr>
-                <a:solidFill>
-                  <a:schemeClr val="tx2"/>
-                </a:solidFill>
-              </a:defRPr>
-            </a:lvl2pPr>
-            <a:lvl3pPr>
-              <a:defRPr>
-                <a:solidFill>
-                  <a:schemeClr val="tx2"/>
-                </a:solidFill>
-              </a:defRPr>
-            </a:lvl3pPr>
-            <a:lvl4pPr>
-              <a:defRPr>
-                <a:solidFill>
-                  <a:schemeClr val="tx2"/>
-                </a:solidFill>
-              </a:defRPr>
-            </a:lvl4pPr>
-            <a:lvl5pPr>
-              <a:defRPr>
-                <a:solidFill>
-                  <a:schemeClr val="tx2"/>
-                </a:solidFill>
-              </a:defRPr>
-            </a:lvl5pPr>
-            <a:lvl6pPr>
-              <a:defRPr>
-                <a:solidFill>
-                  <a:schemeClr val="tx2"/>
-                </a:solidFill>
-              </a:defRPr>
-            </a:lvl6pPr>
-            <a:lvl7pPr>
-              <a:defRPr>
-                <a:solidFill>
-                  <a:schemeClr val="tx2"/>
-                </a:solidFill>
-              </a:defRPr>
-            </a:lvl7pPr>
-            <a:lvl8pPr>
-              <a:defRPr>
-                <a:solidFill>
-                  <a:schemeClr val="tx2"/>
-                </a:solidFill>
-              </a:defRPr>
-            </a:lvl8pPr>
-            <a:lvl9pPr>
-              <a:defRPr>
-                <a:solidFill>
-                  <a:schemeClr val="tx2"/>
-                </a:solidFill>
-              </a:defRPr>
-            </a:lvl9pPr>
-          </a:lstStyle>
-          <a:p>
-            <a:pPr algn="ctr">
-              <a:defRPr/>
-            </a:pPr>
-            <a:r>
-              <a:rPr lang="ru-RU" sz="3200"/>
-              <a:t>Правило трёх / правило пяти / правило нуля</a:t>
-            </a:r>
-            <a:endParaRPr lang="en-US" sz="3200"/>
-          </a:p>
-        </p:txBody>
-      </p:sp>
-      <p:sp>
-        <p:nvSpPr>
-          <p:cNvPr id="7" name="Стрелка вправо 6" hidden="0"/>
-          <p:cNvSpPr/>
-          <p:nvPr isPhoto="0" userDrawn="0"/>
-        </p:nvSpPr>
-        <p:spPr bwMode="auto">
-          <a:xfrm>
-            <a:off x="4548313" y="2231596"/>
-            <a:ext cx="1944214" cy="432048"/>
-          </a:xfrm>
-          <a:prstGeom prst="rightArrow">
-            <a:avLst>
-              <a:gd name="adj1" fmla="val 50000"/>
-              <a:gd name="adj2" fmla="val 50000"/>
-            </a:avLst>
-          </a:prstGeom>
-        </p:spPr>
-        <p:style>
-          <a:lnRef idx="2">
-            <a:schemeClr val="accent1">
-              <a:shade val="50000"/>
-            </a:schemeClr>
-          </a:lnRef>
-          <a:fillRef idx="1">
-            <a:schemeClr val="accent1"/>
-          </a:fillRef>
-          <a:effectRef idx="0">
-            <a:schemeClr val="accent1"/>
-          </a:effectRef>
-          <a:fontRef idx="minor">
-            <a:schemeClr val="lt1"/>
-          </a:fontRef>
-        </p:style>
-        <p:txBody>
-          <a:bodyPr rtlCol="0" anchor="ctr"/>
-          <a:lstStyle/>
-          <a:p>
-            <a:pPr algn="ctr">
-              <a:defRPr/>
-            </a:pPr>
-            <a:endParaRPr lang="en-US"/>
-          </a:p>
-        </p:txBody>
-      </p:sp>
-      <p:sp>
-        <p:nvSpPr>
-          <p:cNvPr id="8" name="Объект 2" hidden="0"/>
-          <p:cNvSpPr txBox="1"/>
-          <p:nvPr isPhoto="0" userDrawn="0"/>
-        </p:nvSpPr>
-        <p:spPr bwMode="auto">
-          <a:xfrm>
-            <a:off x="1415479" y="4760393"/>
-            <a:ext cx="8856985" cy="981052"/>
-          </a:xfrm>
-          <a:prstGeom prst="rect">
-            <a:avLst/>
-          </a:prstGeom>
-        </p:spPr>
-        <p:style>
-          <a:lnRef idx="2">
-            <a:schemeClr val="accent1"/>
-          </a:lnRef>
-          <a:fillRef idx="1">
-            <a:schemeClr val="lt1"/>
-          </a:fillRef>
-          <a:effectRef idx="0">
-            <a:schemeClr val="accent1"/>
-          </a:effectRef>
-          <a:fontRef idx="minor">
-            <a:schemeClr val="dk1"/>
-          </a:fontRef>
-        </p:style>
-        <p:txBody>
-          <a:bodyPr vert="horz" lIns="91440" tIns="45720" rIns="91440" bIns="45720" rtlCol="0">
-            <a:normAutofit/>
-          </a:bodyPr>
-          <a:lstStyle>
-            <a:lvl1pPr marL="342900" indent="-342900" algn="l" defTabSz="457200">
-              <a:spcBef>
-                <a:spcPts val="1000"/>
-              </a:spcBef>
-              <a:spcAft>
-                <a:spcPts val="0"/>
-              </a:spcAft>
-              <a:buClr>
-                <a:schemeClr val="accent1"/>
-              </a:buClr>
-              <a:buSzPct val="80000"/>
-              <a:buFont typeface="Wingdings 3"/>
-              <a:buChar char=""/>
-              <a:defRPr sz="1800">
-                <a:solidFill>
-                  <a:schemeClr val="dk1"/>
-                </a:solidFill>
-                <a:latin typeface="+mn-lt"/>
-                <a:ea typeface="+mn-ea"/>
-                <a:cs typeface="+mn-cs"/>
-              </a:defRPr>
-            </a:lvl1pPr>
-            <a:lvl2pPr marL="742950" indent="-285750" algn="l" defTabSz="457200">
-              <a:spcBef>
-                <a:spcPts val="1000"/>
-              </a:spcBef>
-              <a:spcAft>
-                <a:spcPts val="0"/>
-              </a:spcAft>
-              <a:buClr>
-                <a:schemeClr val="accent1"/>
-              </a:buClr>
-              <a:buSzPct val="80000"/>
-              <a:buFont typeface="Wingdings 3"/>
-              <a:buChar char=""/>
-              <a:defRPr sz="1600">
-                <a:solidFill>
-                  <a:schemeClr val="dk1"/>
-                </a:solidFill>
-                <a:latin typeface="+mn-lt"/>
-                <a:ea typeface="+mn-ea"/>
-                <a:cs typeface="+mn-cs"/>
-              </a:defRPr>
-            </a:lvl2pPr>
-            <a:lvl3pPr marL="1143000" indent="-228600" algn="l" defTabSz="457200">
-              <a:spcBef>
-                <a:spcPts val="1000"/>
-              </a:spcBef>
-              <a:spcAft>
-                <a:spcPts val="0"/>
-              </a:spcAft>
-              <a:buClr>
-                <a:schemeClr val="accent1"/>
-              </a:buClr>
-              <a:buSzPct val="80000"/>
-              <a:buFont typeface="Wingdings 3"/>
-              <a:buChar char=""/>
-              <a:defRPr sz="1400">
-                <a:solidFill>
-                  <a:schemeClr val="dk1"/>
-                </a:solidFill>
-                <a:latin typeface="+mn-lt"/>
-                <a:ea typeface="+mn-ea"/>
-                <a:cs typeface="+mn-cs"/>
-              </a:defRPr>
-            </a:lvl3pPr>
-            <a:lvl4pPr marL="1600200" indent="-228600" algn="l" defTabSz="457200">
-              <a:spcBef>
-                <a:spcPts val="1000"/>
-              </a:spcBef>
-              <a:spcAft>
-                <a:spcPts val="0"/>
-              </a:spcAft>
-              <a:buClr>
-                <a:schemeClr val="accent1"/>
-              </a:buClr>
-              <a:buSzPct val="80000"/>
-              <a:buFont typeface="Wingdings 3"/>
-              <a:buChar char=""/>
-              <a:defRPr sz="1200">
-                <a:solidFill>
-                  <a:schemeClr val="dk1"/>
-                </a:solidFill>
-                <a:latin typeface="+mn-lt"/>
-                <a:ea typeface="+mn-ea"/>
-                <a:cs typeface="+mn-cs"/>
-              </a:defRPr>
-            </a:lvl4pPr>
-            <a:lvl5pPr marL="2057400" indent="-228600" algn="l" defTabSz="457200">
-              <a:spcBef>
-                <a:spcPts val="1000"/>
-              </a:spcBef>
-              <a:spcAft>
-                <a:spcPts val="0"/>
-              </a:spcAft>
-              <a:buClr>
-                <a:schemeClr val="accent1"/>
-              </a:buClr>
-              <a:buSzPct val="80000"/>
-              <a:buFont typeface="Wingdings 3"/>
-              <a:buChar char=""/>
-              <a:defRPr sz="1200">
-                <a:solidFill>
-                  <a:schemeClr val="dk1"/>
-                </a:solidFill>
-                <a:latin typeface="+mn-lt"/>
-                <a:ea typeface="+mn-ea"/>
-                <a:cs typeface="+mn-cs"/>
-              </a:defRPr>
-            </a:lvl5pPr>
-            <a:lvl6pPr marL="2514600" indent="-228600" algn="l" defTabSz="457200">
-              <a:spcBef>
-                <a:spcPts val="1000"/>
-              </a:spcBef>
-              <a:spcAft>
-                <a:spcPts val="0"/>
-              </a:spcAft>
-              <a:buClr>
-                <a:schemeClr val="accent1"/>
-              </a:buClr>
-              <a:buSzPct val="80000"/>
-              <a:buFont typeface="Wingdings 3"/>
-              <a:buChar char=""/>
-              <a:defRPr sz="1200">
-                <a:solidFill>
-                  <a:schemeClr val="dk1"/>
-                </a:solidFill>
-                <a:latin typeface="+mn-lt"/>
-                <a:ea typeface="+mn-ea"/>
-                <a:cs typeface="+mn-cs"/>
-              </a:defRPr>
-            </a:lvl6pPr>
-            <a:lvl7pPr marL="2971800" indent="-228600" algn="l" defTabSz="457200">
-              <a:spcBef>
-                <a:spcPts val="1000"/>
-              </a:spcBef>
-              <a:spcAft>
-                <a:spcPts val="0"/>
-              </a:spcAft>
-              <a:buClr>
-                <a:schemeClr val="accent1"/>
-              </a:buClr>
-              <a:buSzPct val="80000"/>
-              <a:buFont typeface="Wingdings 3"/>
-              <a:buChar char=""/>
-              <a:defRPr sz="1200">
-                <a:solidFill>
-                  <a:schemeClr val="dk1"/>
-                </a:solidFill>
-                <a:latin typeface="+mn-lt"/>
-                <a:ea typeface="+mn-ea"/>
-                <a:cs typeface="+mn-cs"/>
-              </a:defRPr>
-            </a:lvl7pPr>
-            <a:lvl8pPr marL="3429000" indent="-228600" algn="l" defTabSz="457200">
-              <a:spcBef>
-                <a:spcPts val="1000"/>
-              </a:spcBef>
-              <a:spcAft>
-                <a:spcPts val="0"/>
-              </a:spcAft>
-              <a:buClr>
-                <a:schemeClr val="accent1"/>
-              </a:buClr>
-              <a:buSzPct val="80000"/>
-              <a:buFont typeface="Wingdings 3"/>
-              <a:buChar char=""/>
-              <a:defRPr sz="1200">
-                <a:solidFill>
-                  <a:schemeClr val="dk1"/>
-                </a:solidFill>
-                <a:latin typeface="+mn-lt"/>
-                <a:ea typeface="+mn-ea"/>
-                <a:cs typeface="+mn-cs"/>
-              </a:defRPr>
-            </a:lvl8pPr>
-            <a:lvl9pPr marL="3886200" indent="-228600" algn="l" defTabSz="457200">
-              <a:spcBef>
-                <a:spcPts val="1000"/>
-              </a:spcBef>
-              <a:spcAft>
-                <a:spcPts val="0"/>
-              </a:spcAft>
-              <a:buClr>
-                <a:schemeClr val="accent1"/>
-              </a:buClr>
-              <a:buSzPct val="80000"/>
-              <a:buFont typeface="Wingdings 3"/>
-              <a:buChar char=""/>
-              <a:defRPr sz="1200">
-                <a:solidFill>
-                  <a:schemeClr val="dk1"/>
-                </a:solidFill>
-                <a:latin typeface="+mn-lt"/>
-                <a:ea typeface="+mn-ea"/>
-                <a:cs typeface="+mn-cs"/>
-              </a:defRPr>
-            </a:lvl9pPr>
-          </a:lstStyle>
-          <a:p>
-            <a:pPr>
-              <a:defRPr/>
-            </a:pPr>
-            <a:r>
-              <a:rPr lang="ru-RU" sz="1600"/>
-              <a:t>В результате распространения использования </a:t>
-            </a:r>
-            <a:r>
-              <a:rPr lang="en-US" sz="1600"/>
-              <a:t>11</a:t>
-            </a:r>
-            <a:r>
-              <a:rPr lang="ru-RU" sz="1600"/>
-              <a:t>го</a:t>
-            </a:r>
-            <a:r>
-              <a:rPr lang="ru-RU" sz="1600"/>
-              <a:t> стандарта было сформулировано правило нуля:</a:t>
-            </a:r>
-            <a:endParaRPr/>
-          </a:p>
-          <a:p>
-            <a:pPr marL="631825" indent="-292100">
-              <a:buFont typeface="Arial"/>
-              <a:buChar char="•"/>
-              <a:defRPr/>
-            </a:pPr>
-            <a:r>
-              <a:rPr lang="ru-RU" sz="1600"/>
-              <a:t>Используйте умные указатели, пусть они управляют памятью</a:t>
-            </a:r>
-            <a:endParaRPr/>
-          </a:p>
-          <a:p>
-            <a:pPr marL="0" indent="0">
-              <a:buFont typeface="Wingdings 3"/>
-              <a:buNone/>
-              <a:defRPr/>
-            </a:pPr>
-            <a:endParaRPr lang="en-US" sz="1600"/>
-          </a:p>
-        </p:txBody>
-      </p:sp>
-      <p:sp>
-        <p:nvSpPr>
-          <p:cNvPr id="9" name="Стрелка углом вверх 8" hidden="0"/>
-          <p:cNvSpPr/>
-          <p:nvPr isPhoto="0" userDrawn="0"/>
-        </p:nvSpPr>
-        <p:spPr bwMode="auto">
-          <a:xfrm rot="10800000">
-            <a:off x="5087888" y="3770496"/>
-            <a:ext cx="1404639" cy="864096"/>
-          </a:xfrm>
-          <a:prstGeom prst="bentUpArrow">
-            <a:avLst>
-              <a:gd name="adj1" fmla="val 25000"/>
-              <a:gd name="adj2" fmla="val 25000"/>
-              <a:gd name="adj3" fmla="val 25000"/>
-            </a:avLst>
-          </a:prstGeom>
-        </p:spPr>
-        <p:style>
-          <a:lnRef idx="2">
-            <a:schemeClr val="accent1">
-              <a:shade val="50000"/>
-            </a:schemeClr>
-          </a:lnRef>
-          <a:fillRef idx="1">
-            <a:schemeClr val="accent1"/>
-          </a:fillRef>
-          <a:effectRef idx="0">
-            <a:schemeClr val="accent1"/>
-          </a:effectRef>
-          <a:fontRef idx="minor">
-            <a:schemeClr val="lt1"/>
-          </a:fontRef>
-        </p:style>
-        <p:txBody>
-          <a:bodyPr rtlCol="0" anchor="ctr"/>
-          <a:lstStyle/>
-          <a:p>
-            <a:pPr algn="ctr">
-              <a:defRPr/>
-            </a:pPr>
-            <a:endParaRPr lang="en-US"/>
-          </a:p>
-        </p:txBody>
-      </p:sp>
-      <p:sp>
-        <p:nvSpPr>
-          <p:cNvPr id="10" name="TextBox 9" hidden="0"/>
-          <p:cNvSpPr txBox="1"/>
-          <p:nvPr isPhoto="0" userDrawn="0"/>
-        </p:nvSpPr>
-        <p:spPr bwMode="auto">
-          <a:xfrm>
-            <a:off x="263352" y="5961030"/>
-            <a:ext cx="11665296" cy="646331"/>
-          </a:xfrm>
-          <a:prstGeom prst="rect">
-            <a:avLst/>
-          </a:prstGeom>
-          <a:solidFill>
-            <a:schemeClr val="bg1"/>
-          </a:solidFill>
-        </p:spPr>
-        <p:txBody>
-          <a:bodyPr wrap="square" rtlCol="0">
-            <a:spAutoFit/>
-          </a:bodyPr>
-          <a:lstStyle/>
-          <a:p>
-            <a:pPr>
-              <a:defRPr/>
-            </a:pPr>
-            <a:r>
-              <a:rPr lang="ru-RU"/>
-              <a:t>В современном </a:t>
-            </a:r>
-            <a:r>
-              <a:rPr lang="en-US"/>
-              <a:t>C++ raw pointers </a:t>
-            </a:r>
-            <a:r>
-              <a:rPr lang="ru-RU"/>
-              <a:t>практически не используются. Практически в любой возможной ситуации выгоднее использовать умные указатели</a:t>
-            </a:r>
-            <a:endParaRPr lang="en-US"/>
-          </a:p>
-        </p:txBody>
-      </p:sp>
-    </p:spTree>
-  </p:cSld>
-  <p:clrMapOvr>
-    <a:masterClrMapping/>
-  </p:clrMapOvr>
-  <mc:AlternateContent xmlns:mc="http://schemas.openxmlformats.org/markup-compatibility/2006">
-    <mc:Choice xmlns:p14="http://schemas.microsoft.com/office/powerpoint/2010/main" Requires="p14">
-      <p:transition p14:dur="2000" advClick="1"/>
-    </mc:Choice>
-    <mc:Fallback>
-      <p:transition advClick="1"/>
-    </mc:Fallback>
-  </mc:AlternateContent>
-</p:sld>
-</file>
-
-<file path=ppt/slides/slide3.xml><?xml version="1.0" encoding="utf-8"?>
-<p:sld xmlns:a="http://schemas.openxmlformats.org/drawingml/2006/main" xmlns:r="http://schemas.openxmlformats.org/officeDocument/2006/relationships" xmlns:p="http://schemas.openxmlformats.org/presentationml/2006/main" xmlns:m="http://schemas.openxmlformats.org/officeDocument/2006/math" xmlns:w="http://schemas.openxmlformats.org/wordprocessingml/2006/main" showMasterPhAnim="0" show="1">
-  <p:cSld name="">
-    <p:spTree>
-      <p:nvGrpSpPr>
-        <p:cNvPr id="1" name="" hidden="0"/>
-        <p:cNvGrpSpPr/>
-        <p:nvPr isPhoto="0" userDrawn="0"/>
-      </p:nvGrpSpPr>
-      <p:grpSpPr bwMode="auto">
-        <a:xfrm>
-          <a:off x="0" y="0"/>
-          <a:ext cx="0" cy="0"/>
-          <a:chOff x="0" y="0"/>
-          <a:chExt cx="0" cy="0"/>
-        </a:xfrm>
-      </p:grpSpPr>
-      <p:sp>
-        <p:nvSpPr>
-          <p:cNvPr id="4" name="Title 1" hidden="0"/>
-          <p:cNvSpPr txBox="1"/>
-          <p:nvPr isPhoto="0" userDrawn="0"/>
+          <p:nvPr/>
         </p:nvSpPr>
         <p:spPr bwMode="auto">
           <a:xfrm>
@@ -16375,11 +14075,11 @@
       </p:sp>
       <p:pic>
         <p:nvPicPr>
-          <p:cNvPr id="5" name="Рисунок 4" hidden="0"/>
+          <p:cNvPr id="5" name="Рисунок 4"/>
           <p:cNvPicPr>
             <a:picLocks noChangeAspect="1"/>
           </p:cNvPicPr>
-          <p:nvPr isPhoto="0" userDrawn="0"/>
+          <p:nvPr/>
         </p:nvPicPr>
         <p:blipFill>
           <a:blip r:embed="rId2"/>
@@ -16397,9 +14097,9 @@
       </p:pic>
       <p:sp>
         <p:nvSpPr>
-          <p:cNvPr id="6" name="Объект 2" hidden="0"/>
+          <p:cNvPr id="6" name="Объект 2"/>
           <p:cNvSpPr txBox="1"/>
-          <p:nvPr isPhoto="0" userDrawn="0"/>
+          <p:nvPr/>
         </p:nvSpPr>
         <p:spPr bwMode="auto">
           <a:xfrm>
@@ -16732,9 +14432,9 @@
       </p:sp>
       <p:sp>
         <p:nvSpPr>
-          <p:cNvPr id="7" name="Прямоугольник 6" hidden="0"/>
+          <p:cNvPr id="7" name="Прямоугольник 6"/>
           <p:cNvSpPr/>
-          <p:nvPr isPhoto="0" userDrawn="0"/>
+          <p:nvPr/>
         </p:nvSpPr>
         <p:spPr bwMode="auto">
           <a:xfrm>
@@ -16780,11 +14480,11 @@
       </p:sp>
       <p:pic>
         <p:nvPicPr>
-          <p:cNvPr id="9" name="Рисунок 8" hidden="0"/>
+          <p:cNvPr id="9" name="Рисунок 8"/>
           <p:cNvPicPr>
             <a:picLocks noChangeAspect="1"/>
           </p:cNvPicPr>
-          <p:nvPr isPhoto="0" userDrawn="0"/>
+          <p:nvPr/>
         </p:nvPicPr>
         <p:blipFill>
           <a:blip r:embed="rId3"/>
@@ -16802,9 +14502,9 @@
       </p:pic>
       <p:sp>
         <p:nvSpPr>
-          <p:cNvPr id="10" name="Прямоугольник 9" hidden="0"/>
+          <p:cNvPr id="10" name="Прямоугольник 9"/>
           <p:cNvSpPr/>
-          <p:nvPr isPhoto="0" userDrawn="0"/>
+          <p:nvPr/>
         </p:nvSpPr>
         <p:spPr bwMode="auto">
           <a:xfrm>
@@ -16850,9 +14550,9 @@
       </p:sp>
       <p:sp>
         <p:nvSpPr>
-          <p:cNvPr id="11" name="Объект 2" hidden="0"/>
+          <p:cNvPr id="11" name="Объект 2"/>
           <p:cNvSpPr txBox="1"/>
-          <p:nvPr isPhoto="0" userDrawn="0"/>
+          <p:nvPr/>
         </p:nvSpPr>
         <p:spPr bwMode="auto">
           <a:xfrm>
@@ -17144,11 +14844,11 @@
   <p:clrMapOvr>
     <a:masterClrMapping/>
   </p:clrMapOvr>
-  <mc:AlternateContent xmlns:mc="http://schemas.openxmlformats.org/markup-compatibility/2006">
-    <mc:Choice xmlns:p14="http://schemas.microsoft.com/office/powerpoint/2010/main" Requires="p14">
-      <p:transition p14:dur="2000" advClick="1"/>
+  <mc:AlternateContent xmlns:mc="http://schemas.openxmlformats.org/markup-compatibility/2006" xmlns:p14="http://schemas.microsoft.com/office/powerpoint/2010/main">
+    <mc:Choice Requires="p14">
+      <p:transition spd="slow" p14:dur="2000"/>
     </mc:Choice>
-    <mc:Fallback>
+    <mc:Fallback xmlns:w="http://schemas.openxmlformats.org/wordprocessingml/2006/main" xmlns:m="http://schemas.openxmlformats.org/officeDocument/2006/math" xmlns="">
       <p:transition advClick="1"/>
     </mc:Fallback>
   </mc:AlternateContent>
@@ -17156,13 +14856,13 @@
 </file>
 
 <file path=ppt/slides/slide4.xml><?xml version="1.0" encoding="utf-8"?>
-<p:sld xmlns:a="http://schemas.openxmlformats.org/drawingml/2006/main" xmlns:r="http://schemas.openxmlformats.org/officeDocument/2006/relationships" xmlns:p="http://schemas.openxmlformats.org/presentationml/2006/main" xmlns:m="http://schemas.openxmlformats.org/officeDocument/2006/math" xmlns:w="http://schemas.openxmlformats.org/wordprocessingml/2006/main" showMasterPhAnim="0" show="1">
-  <p:cSld name="">
+<p:sld xmlns:a="http://schemas.openxmlformats.org/drawingml/2006/main" xmlns:r="http://schemas.openxmlformats.org/officeDocument/2006/relationships" xmlns:p="http://schemas.openxmlformats.org/presentationml/2006/main" showMasterPhAnim="0">
+  <p:cSld>
     <p:spTree>
       <p:nvGrpSpPr>
-        <p:cNvPr id="1" name="" hidden="0"/>
+        <p:cNvPr id="1" name=""/>
         <p:cNvGrpSpPr/>
-        <p:nvPr isPhoto="0" userDrawn="0"/>
+        <p:nvPr/>
       </p:nvGrpSpPr>
       <p:grpSpPr bwMode="auto">
         <a:xfrm>
@@ -17174,9 +14874,9 @@
       </p:grpSpPr>
       <p:sp>
         <p:nvSpPr>
-          <p:cNvPr id="4" name="Title 1" hidden="0"/>
+          <p:cNvPr id="4" name="Title 1"/>
           <p:cNvSpPr txBox="1"/>
-          <p:nvPr isPhoto="0" userDrawn="0"/>
+          <p:nvPr/>
         </p:nvSpPr>
         <p:spPr bwMode="auto">
           <a:xfrm>
@@ -17293,11 +14993,11 @@
       </p:sp>
       <p:pic>
         <p:nvPicPr>
-          <p:cNvPr id="5" name="Рисунок 4" hidden="0"/>
+          <p:cNvPr id="5" name="Рисунок 4"/>
           <p:cNvPicPr>
             <a:picLocks noChangeAspect="1"/>
           </p:cNvPicPr>
-          <p:nvPr isPhoto="0" userDrawn="0"/>
+          <p:nvPr/>
         </p:nvPicPr>
         <p:blipFill>
           <a:blip r:embed="rId2"/>
@@ -17315,11 +15015,11 @@
       </p:pic>
       <p:pic>
         <p:nvPicPr>
-          <p:cNvPr id="6" name="Рисунок 5" hidden="0"/>
+          <p:cNvPr id="6" name="Рисунок 5"/>
           <p:cNvPicPr>
             <a:picLocks noChangeAspect="1"/>
           </p:cNvPicPr>
-          <p:nvPr isPhoto="0" userDrawn="0"/>
+          <p:nvPr/>
         </p:nvPicPr>
         <p:blipFill>
           <a:blip r:embed="rId3"/>
@@ -17337,9 +15037,9 @@
       </p:pic>
       <p:sp>
         <p:nvSpPr>
-          <p:cNvPr id="7" name="Прямоугольник 6" hidden="0"/>
+          <p:cNvPr id="7" name="Прямоугольник 6"/>
           <p:cNvSpPr/>
-          <p:nvPr isPhoto="0" userDrawn="0"/>
+          <p:nvPr/>
         </p:nvSpPr>
         <p:spPr bwMode="auto">
           <a:xfrm>
@@ -17385,9 +15085,9 @@
       </p:sp>
       <p:sp>
         <p:nvSpPr>
-          <p:cNvPr id="8" name="Прямоугольник 7" hidden="0"/>
+          <p:cNvPr id="8" name="Прямоугольник 7"/>
           <p:cNvSpPr/>
-          <p:nvPr isPhoto="0" userDrawn="0"/>
+          <p:nvPr/>
         </p:nvSpPr>
         <p:spPr bwMode="auto">
           <a:xfrm>
@@ -17434,9 +15134,9 @@
       </p:sp>
       <p:sp>
         <p:nvSpPr>
-          <p:cNvPr id="9" name="Прямоугольник 8" hidden="0"/>
+          <p:cNvPr id="9" name="Прямоугольник 8"/>
           <p:cNvSpPr/>
-          <p:nvPr isPhoto="0" userDrawn="0"/>
+          <p:nvPr/>
         </p:nvSpPr>
         <p:spPr bwMode="auto">
           <a:xfrm>
@@ -17493,12 +15193,12 @@
       </p:sp>
       <p:pic>
         <p:nvPicPr>
-          <p:cNvPr id="10" name="Объект 9" hidden="0"/>
+          <p:cNvPr id="10" name="Объект 9"/>
           <p:cNvPicPr>
-            <a:picLocks noChangeAspect="1" noGrp="1"/>
+            <a:picLocks noGrp="1" noChangeAspect="1"/>
           </p:cNvPicPr>
-          <p:nvPr isPhoto="0" userDrawn="0">
-            <p:ph idx="1" hasCustomPrompt="0"/>
+          <p:nvPr>
+            <p:ph idx="1"/>
           </p:nvPr>
         </p:nvPicPr>
         <p:blipFill>
@@ -17517,11 +15217,11 @@
       </p:pic>
       <p:pic>
         <p:nvPicPr>
-          <p:cNvPr id="11" name="Рисунок 10" hidden="0"/>
+          <p:cNvPr id="11" name="Рисунок 10"/>
           <p:cNvPicPr>
             <a:picLocks noChangeAspect="1"/>
           </p:cNvPicPr>
-          <p:nvPr isPhoto="0" userDrawn="0"/>
+          <p:nvPr/>
         </p:nvPicPr>
         <p:blipFill>
           <a:blip r:embed="rId5"/>
@@ -17539,11 +15239,11 @@
       </p:pic>
       <p:pic>
         <p:nvPicPr>
-          <p:cNvPr id="12" name="Рисунок 11" hidden="0"/>
+          <p:cNvPr id="12" name="Рисунок 11"/>
           <p:cNvPicPr>
             <a:picLocks noChangeAspect="1"/>
           </p:cNvPicPr>
-          <p:nvPr isPhoto="0" userDrawn="0"/>
+          <p:nvPr/>
         </p:nvPicPr>
         <p:blipFill>
           <a:blip r:embed="rId6"/>
@@ -17561,9 +15261,9 @@
       </p:pic>
       <p:sp>
         <p:nvSpPr>
-          <p:cNvPr id="13" name="Прямоугольник 12" hidden="0"/>
+          <p:cNvPr id="13" name="Прямоугольник 12"/>
           <p:cNvSpPr/>
-          <p:nvPr isPhoto="0" userDrawn="0"/>
+          <p:nvPr/>
         </p:nvSpPr>
         <p:spPr bwMode="auto">
           <a:xfrm>
@@ -17615,11 +15315,11 @@
   <p:clrMapOvr>
     <a:masterClrMapping/>
   </p:clrMapOvr>
-  <mc:AlternateContent xmlns:mc="http://schemas.openxmlformats.org/markup-compatibility/2006">
-    <mc:Choice xmlns:p14="http://schemas.microsoft.com/office/powerpoint/2010/main" Requires="p14">
-      <p:transition p14:dur="2000" advClick="1"/>
+  <mc:AlternateContent xmlns:mc="http://schemas.openxmlformats.org/markup-compatibility/2006" xmlns:p14="http://schemas.microsoft.com/office/powerpoint/2010/main">
+    <mc:Choice Requires="p14">
+      <p:transition spd="slow" p14:dur="2000"/>
     </mc:Choice>
-    <mc:Fallback>
+    <mc:Fallback xmlns:w="http://schemas.openxmlformats.org/wordprocessingml/2006/main" xmlns:m="http://schemas.openxmlformats.org/officeDocument/2006/math" xmlns="">
       <p:transition advClick="1"/>
     </mc:Fallback>
   </mc:AlternateContent>
@@ -17627,13 +15327,13 @@
 </file>
 
 <file path=ppt/slides/slide5.xml><?xml version="1.0" encoding="utf-8"?>
-<p:sld xmlns:a="http://schemas.openxmlformats.org/drawingml/2006/main" xmlns:r="http://schemas.openxmlformats.org/officeDocument/2006/relationships" xmlns:p="http://schemas.openxmlformats.org/presentationml/2006/main" xmlns:m="http://schemas.openxmlformats.org/officeDocument/2006/math" xmlns:w="http://schemas.openxmlformats.org/wordprocessingml/2006/main" showMasterPhAnim="0" show="1">
-  <p:cSld name="">
+<p:sld xmlns:a="http://schemas.openxmlformats.org/drawingml/2006/main" xmlns:r="http://schemas.openxmlformats.org/officeDocument/2006/relationships" xmlns:p="http://schemas.openxmlformats.org/presentationml/2006/main" showMasterPhAnim="0">
+  <p:cSld>
     <p:spTree>
       <p:nvGrpSpPr>
-        <p:cNvPr id="1" name="" hidden="0"/>
+        <p:cNvPr id="1" name=""/>
         <p:cNvGrpSpPr/>
-        <p:nvPr isPhoto="0" userDrawn="0"/>
+        <p:nvPr/>
       </p:nvGrpSpPr>
       <p:grpSpPr bwMode="auto">
         <a:xfrm>
@@ -17645,11 +15345,11 @@
       </p:grpSpPr>
       <p:pic>
         <p:nvPicPr>
-          <p:cNvPr id="4" name="Рисунок 3" hidden="0"/>
+          <p:cNvPr id="4" name="Рисунок 3"/>
           <p:cNvPicPr>
             <a:picLocks noChangeAspect="1"/>
           </p:cNvPicPr>
-          <p:nvPr isPhoto="0" userDrawn="0"/>
+          <p:nvPr/>
         </p:nvPicPr>
         <p:blipFill>
           <a:blip r:embed="rId2"/>
@@ -17667,9 +15367,9 @@
       </p:pic>
       <p:sp>
         <p:nvSpPr>
-          <p:cNvPr id="5" name="TextBox 4" hidden="0"/>
+          <p:cNvPr id="5" name="TextBox 4"/>
           <p:cNvSpPr txBox="1"/>
-          <p:nvPr isPhoto="0" userDrawn="0"/>
+          <p:nvPr/>
         </p:nvSpPr>
         <p:spPr bwMode="auto">
           <a:xfrm>
@@ -17963,11 +15663,11 @@
       </p:sp>
       <p:cxnSp>
         <p:nvCxnSpPr>
-          <p:cNvPr id="6" name="Прямая соединительная линия 5" hidden="0"/>
+          <p:cNvPr id="6" name="Прямая соединительная линия 5"/>
           <p:cNvCxnSpPr>
             <a:cxnSpLocks/>
           </p:cNvCxnSpPr>
-          <p:nvPr isPhoto="0" userDrawn="0"/>
+          <p:nvPr/>
         </p:nvCxnSpPr>
         <p:spPr bwMode="auto">
           <a:xfrm>
@@ -17995,9 +15695,9 @@
       </p:cxnSp>
       <p:sp>
         <p:nvSpPr>
-          <p:cNvPr id="7" name="TextBox 6" hidden="0"/>
+          <p:cNvPr id="7" name="TextBox 6"/>
           <p:cNvSpPr txBox="1"/>
-          <p:nvPr isPhoto="0" userDrawn="0"/>
+          <p:nvPr/>
         </p:nvSpPr>
         <p:spPr bwMode="auto">
           <a:xfrm>
@@ -18041,9 +15741,9 @@
       </p:sp>
       <p:sp>
         <p:nvSpPr>
-          <p:cNvPr id="8" name="Title 1" hidden="0"/>
+          <p:cNvPr id="8" name="Title 1"/>
           <p:cNvSpPr txBox="1"/>
-          <p:nvPr isPhoto="0" userDrawn="0"/>
+          <p:nvPr/>
         </p:nvSpPr>
         <p:spPr bwMode="auto">
           <a:xfrm>
@@ -18152,11 +15852,11 @@
       </p:sp>
       <p:cxnSp>
         <p:nvCxnSpPr>
-          <p:cNvPr id="10" name="Прямая соединительная линия 9" hidden="0"/>
+          <p:cNvPr id="10" name="Прямая соединительная линия 9"/>
           <p:cNvCxnSpPr>
             <a:cxnSpLocks/>
           </p:cNvCxnSpPr>
-          <p:nvPr isPhoto="0" userDrawn="0"/>
+          <p:nvPr/>
         </p:nvCxnSpPr>
         <p:spPr bwMode="auto">
           <a:xfrm>
@@ -18184,9 +15884,9 @@
       </p:cxnSp>
       <p:sp>
         <p:nvSpPr>
-          <p:cNvPr id="12" name="TextBox 11" hidden="0"/>
+          <p:cNvPr id="12" name="TextBox 11"/>
           <p:cNvSpPr txBox="1"/>
-          <p:nvPr isPhoto="0" userDrawn="0"/>
+          <p:nvPr/>
         </p:nvSpPr>
         <p:spPr bwMode="auto">
           <a:xfrm>
@@ -18328,11 +16028,11 @@
       </p:sp>
       <p:cxnSp>
         <p:nvCxnSpPr>
-          <p:cNvPr id="13" name="Прямая соединительная линия 12" hidden="0"/>
+          <p:cNvPr id="13" name="Прямая соединительная линия 12"/>
           <p:cNvCxnSpPr>
             <a:cxnSpLocks/>
           </p:cNvCxnSpPr>
-          <p:nvPr isPhoto="0" userDrawn="0"/>
+          <p:nvPr/>
         </p:nvCxnSpPr>
         <p:spPr bwMode="auto">
           <a:xfrm>
@@ -18360,9 +16060,9 @@
       </p:cxnSp>
       <p:sp>
         <p:nvSpPr>
-          <p:cNvPr id="18" name="TextBox 17" hidden="0"/>
+          <p:cNvPr id="18" name="TextBox 17"/>
           <p:cNvSpPr txBox="1"/>
-          <p:nvPr isPhoto="0" userDrawn="0"/>
+          <p:nvPr/>
         </p:nvSpPr>
         <p:spPr bwMode="auto">
           <a:xfrm>
@@ -18406,11 +16106,11 @@
       </p:sp>
       <p:cxnSp>
         <p:nvCxnSpPr>
-          <p:cNvPr id="19" name="Прямая соединительная линия 18" hidden="0"/>
+          <p:cNvPr id="19" name="Прямая соединительная линия 18"/>
           <p:cNvCxnSpPr>
             <a:cxnSpLocks/>
           </p:cNvCxnSpPr>
-          <p:nvPr isPhoto="0" userDrawn="0"/>
+          <p:nvPr/>
         </p:nvCxnSpPr>
         <p:spPr bwMode="auto">
           <a:xfrm rot="5399977" flipV="1">
@@ -18438,12 +16138,12 @@
       </p:cxnSp>
       <p:cxnSp>
         <p:nvCxnSpPr>
-          <p:cNvPr id="2" name="Прямая соединительная линия 1" hidden="0"/>
+          <p:cNvPr id="2" name="Прямая соединительная линия 1"/>
           <p:cNvCxnSpPr>
             <a:cxnSpLocks/>
             <a:endCxn id="13" idx="0"/>
           </p:cNvCxnSpPr>
-          <p:nvPr isPhoto="0" userDrawn="0"/>
+          <p:nvPr/>
         </p:nvCxnSpPr>
         <p:spPr bwMode="auto">
           <a:xfrm flipV="1">
@@ -18479,11 +16179,11 @@
       </p:cxnSp>
       <p:cxnSp>
         <p:nvCxnSpPr>
-          <p:cNvPr id="223995359" name="Прямая соединительная линия 223995358" hidden="0"/>
+          <p:cNvPr id="223995359" name="Прямая соединительная линия 223995358"/>
           <p:cNvCxnSpPr>
             <a:cxnSpLocks/>
           </p:cNvCxnSpPr>
-          <p:nvPr isPhoto="0" userDrawn="0"/>
+          <p:nvPr/>
         </p:nvCxnSpPr>
         <p:spPr bwMode="auto">
           <a:xfrm>
@@ -18519,11 +16219,11 @@
       </p:cxnSp>
       <p:cxnSp>
         <p:nvCxnSpPr>
-          <p:cNvPr id="706251003" name="Прямая соединительная линия 706251002" hidden="0"/>
+          <p:cNvPr id="706251003" name="Прямая соединительная линия 706251002"/>
           <p:cNvCxnSpPr>
             <a:cxnSpLocks/>
           </p:cNvCxnSpPr>
-          <p:nvPr isPhoto="0" userDrawn="0"/>
+          <p:nvPr/>
         </p:nvCxnSpPr>
         <p:spPr bwMode="auto">
           <a:xfrm>
@@ -18559,11 +16259,11 @@
       </p:cxnSp>
       <p:cxnSp>
         <p:nvCxnSpPr>
-          <p:cNvPr id="2130435416" name="Прямая соединительная линия 2130435415" hidden="0"/>
+          <p:cNvPr id="2130435416" name="Прямая соединительная линия 2130435415"/>
           <p:cNvCxnSpPr>
             <a:cxnSpLocks/>
           </p:cNvCxnSpPr>
-          <p:nvPr isPhoto="0" userDrawn="0"/>
+          <p:nvPr/>
         </p:nvCxnSpPr>
         <p:spPr bwMode="auto">
           <a:xfrm flipV="1">
@@ -18599,9 +16299,9 @@
       </p:cxnSp>
       <p:sp>
         <p:nvSpPr>
-          <p:cNvPr id="1644967540" name="TextBox 11" hidden="0"/>
+          <p:cNvPr id="1644967540" name="TextBox 11"/>
           <p:cNvSpPr txBox="1"/>
-          <p:nvPr isPhoto="0" userDrawn="0"/>
+          <p:nvPr/>
         </p:nvSpPr>
         <p:spPr bwMode="auto">
           <a:xfrm>
@@ -18645,11 +16345,11 @@
       </p:sp>
       <p:cxnSp>
         <p:nvCxnSpPr>
-          <p:cNvPr id="1394905830" name="Прямая соединительная линия 18" hidden="0"/>
+          <p:cNvPr id="1394905830" name="Прямая соединительная линия 18"/>
           <p:cNvCxnSpPr>
             <a:cxnSpLocks/>
           </p:cNvCxnSpPr>
-          <p:nvPr isPhoto="0" userDrawn="0"/>
+          <p:nvPr/>
         </p:nvCxnSpPr>
         <p:spPr bwMode="auto">
           <a:xfrm rot="5399977" flipV="1">
@@ -18677,11 +16377,11 @@
       </p:cxnSp>
       <p:cxnSp>
         <p:nvCxnSpPr>
-          <p:cNvPr id="1930085225" name="Прямая соединительная линия 1930085224" hidden="0"/>
+          <p:cNvPr id="1930085225" name="Прямая соединительная линия 1930085224"/>
           <p:cNvCxnSpPr>
             <a:cxnSpLocks/>
           </p:cNvCxnSpPr>
-          <p:nvPr isPhoto="0" userDrawn="0"/>
+          <p:nvPr/>
         </p:nvCxnSpPr>
         <p:spPr bwMode="auto">
           <a:xfrm flipV="1">
@@ -18720,11 +16420,11 @@
   <p:clrMapOvr>
     <a:masterClrMapping/>
   </p:clrMapOvr>
-  <mc:AlternateContent xmlns:mc="http://schemas.openxmlformats.org/markup-compatibility/2006">
-    <mc:Choice xmlns:p14="http://schemas.microsoft.com/office/powerpoint/2010/main" Requires="p14">
-      <p:transition p14:dur="2000" advClick="1"/>
+  <mc:AlternateContent xmlns:mc="http://schemas.openxmlformats.org/markup-compatibility/2006" xmlns:p14="http://schemas.microsoft.com/office/powerpoint/2010/main">
+    <mc:Choice Requires="p14">
+      <p:transition spd="slow" p14:dur="2000"/>
     </mc:Choice>
-    <mc:Fallback>
+    <mc:Fallback xmlns:w="http://schemas.openxmlformats.org/wordprocessingml/2006/main" xmlns:m="http://schemas.openxmlformats.org/officeDocument/2006/math" xmlns="">
       <p:transition advClick="1"/>
     </mc:Fallback>
   </mc:AlternateContent>
@@ -18732,13 +16432,13 @@
 </file>
 
 <file path=ppt/slides/slide6.xml><?xml version="1.0" encoding="utf-8"?>
-<p:sld xmlns:a="http://schemas.openxmlformats.org/drawingml/2006/main" xmlns:r="http://schemas.openxmlformats.org/officeDocument/2006/relationships" xmlns:p="http://schemas.openxmlformats.org/presentationml/2006/main" xmlns:m="http://schemas.openxmlformats.org/officeDocument/2006/math" xmlns:w="http://schemas.openxmlformats.org/wordprocessingml/2006/main" showMasterPhAnim="0" show="1">
-  <p:cSld name="">
+<p:sld xmlns:a="http://schemas.openxmlformats.org/drawingml/2006/main" xmlns:r="http://schemas.openxmlformats.org/officeDocument/2006/relationships" xmlns:p="http://schemas.openxmlformats.org/presentationml/2006/main" showMasterPhAnim="0">
+  <p:cSld>
     <p:spTree>
       <p:nvGrpSpPr>
-        <p:cNvPr id="1" name="" hidden="0"/>
+        <p:cNvPr id="1" name=""/>
         <p:cNvGrpSpPr/>
-        <p:nvPr isPhoto="0" userDrawn="0"/>
+        <p:nvPr/>
       </p:nvGrpSpPr>
       <p:grpSpPr bwMode="auto">
         <a:xfrm>
@@ -18750,9 +16450,9 @@
       </p:grpSpPr>
       <p:sp>
         <p:nvSpPr>
-          <p:cNvPr id="217603874" name="Title 1" hidden="0"/>
+          <p:cNvPr id="217603874" name="Title 1"/>
           <p:cNvSpPr txBox="1"/>
-          <p:nvPr isPhoto="0" userDrawn="0"/>
+          <p:nvPr/>
         </p:nvSpPr>
         <p:spPr bwMode="auto">
           <a:xfrm>
@@ -18868,11 +16568,11 @@
       </p:sp>
       <p:sp>
         <p:nvSpPr>
-          <p:cNvPr id="914191297" name="Объект 2" hidden="0"/>
+          <p:cNvPr id="914191297" name="Объект 2"/>
           <p:cNvSpPr>
             <a:spLocks noGrp="1"/>
           </p:cNvSpPr>
-          <p:nvPr isPhoto="0" userDrawn="0"/>
+          <p:nvPr/>
         </p:nvSpPr>
         <p:spPr bwMode="auto">
           <a:xfrm>
@@ -19263,11 +16963,11 @@
       </p:sp>
       <p:pic>
         <p:nvPicPr>
-          <p:cNvPr id="1395551046" name="Рисунок 1395551045" hidden="0"/>
+          <p:cNvPr id="1395551046" name="Рисунок 1395551045"/>
           <p:cNvPicPr>
             <a:picLocks noChangeAspect="1"/>
           </p:cNvPicPr>
-          <p:nvPr isPhoto="0" userDrawn="0"/>
+          <p:nvPr/>
         </p:nvPicPr>
         <p:blipFill>
           <a:blip r:embed="rId2"/>
@@ -19285,11 +16985,11 @@
       </p:pic>
       <p:pic>
         <p:nvPicPr>
-          <p:cNvPr id="856796844" name="Рисунок 856796843" hidden="0"/>
+          <p:cNvPr id="856796844" name="Рисунок 856796843"/>
           <p:cNvPicPr>
             <a:picLocks noChangeAspect="1"/>
           </p:cNvPicPr>
-          <p:nvPr isPhoto="0" userDrawn="0"/>
+          <p:nvPr/>
         </p:nvPicPr>
         <p:blipFill>
           <a:blip r:embed="rId3"/>
@@ -19307,9 +17007,9 @@
       </p:pic>
       <p:sp>
         <p:nvSpPr>
-          <p:cNvPr id="1021869497" name="Стрелка вниз 1021869496" hidden="0"/>
+          <p:cNvPr id="1021869497" name="Стрелка вниз 1021869496"/>
           <p:cNvSpPr/>
-          <p:nvPr isPhoto="0" userDrawn="0"/>
+          <p:nvPr/>
         </p:nvSpPr>
         <p:spPr bwMode="auto">
           <a:xfrm>
@@ -19345,11 +17045,11 @@
   <p:clrMapOvr>
     <a:masterClrMapping/>
   </p:clrMapOvr>
-  <mc:AlternateContent xmlns:mc="http://schemas.openxmlformats.org/markup-compatibility/2006">
-    <mc:Choice xmlns:p14="http://schemas.microsoft.com/office/powerpoint/2010/main" Requires="p14">
-      <p:transition p14:dur="2000" advClick="1"/>
+  <mc:AlternateContent xmlns:mc="http://schemas.openxmlformats.org/markup-compatibility/2006" xmlns:p14="http://schemas.microsoft.com/office/powerpoint/2010/main">
+    <mc:Choice Requires="p14">
+      <p:transition spd="slow" p14:dur="2000"/>
     </mc:Choice>
-    <mc:Fallback>
+    <mc:Fallback xmlns:w="http://schemas.openxmlformats.org/wordprocessingml/2006/main" xmlns:m="http://schemas.openxmlformats.org/officeDocument/2006/math" xmlns="">
       <p:transition advClick="1"/>
     </mc:Fallback>
   </mc:AlternateContent>
@@ -19357,20 +17057,21 @@
 </file>
 
 <file path=ppt/slides/slide7.xml><?xml version="1.0" encoding="utf-8"?>
-<p:sld xmlns:a="http://schemas.openxmlformats.org/drawingml/2006/main" xmlns:r="http://schemas.openxmlformats.org/officeDocument/2006/relationships" xmlns:p="http://schemas.openxmlformats.org/presentationml/2006/main" xmlns:m="http://schemas.openxmlformats.org/officeDocument/2006/math" xmlns:w="http://schemas.openxmlformats.org/wordprocessingml/2006/main" showMasterPhAnim="0" show="1">
-  <p:cSld name="">
+<p:sld xmlns:a="http://schemas.openxmlformats.org/drawingml/2006/main" xmlns:r="http://schemas.openxmlformats.org/officeDocument/2006/relationships" xmlns:p="http://schemas.openxmlformats.org/presentationml/2006/main" showMasterPhAnim="0">
+  <p:cSld>
     <p:bg>
-      <p:bgPr shadeToTitle="0">
+      <p:bgPr>
         <a:solidFill>
           <a:schemeClr val="bg1"/>
         </a:solidFill>
+        <a:effectLst/>
       </p:bgPr>
     </p:bg>
     <p:spTree>
       <p:nvGrpSpPr>
-        <p:cNvPr id="1" name="" hidden="0"/>
+        <p:cNvPr id="1" name=""/>
         <p:cNvGrpSpPr/>
-        <p:nvPr isPhoto="0" userDrawn="0"/>
+        <p:nvPr/>
       </p:nvGrpSpPr>
       <p:grpSpPr bwMode="auto">
         <a:xfrm>
@@ -19382,12 +17083,12 @@
       </p:grpSpPr>
       <p:sp>
         <p:nvSpPr>
-          <p:cNvPr id="1564580333" name="Content Placeholder 2" hidden="0"/>
+          <p:cNvPr id="1564580333" name="Content Placeholder 2"/>
           <p:cNvSpPr>
             <a:spLocks noGrp="1"/>
           </p:cNvSpPr>
-          <p:nvPr isPhoto="0" userDrawn="0">
-            <p:ph idx="1" hasCustomPrompt="0"/>
+          <p:nvPr>
+            <p:ph idx="1"/>
           </p:nvPr>
         </p:nvSpPr>
         <p:spPr bwMode="auto">
@@ -19475,9 +17176,9 @@
       </p:sp>
       <p:sp>
         <p:nvSpPr>
-          <p:cNvPr id="1428104893" name="Title 1" hidden="0"/>
+          <p:cNvPr id="1428104893" name="Title 1"/>
           <p:cNvSpPr txBox="1"/>
-          <p:nvPr isPhoto="0" userDrawn="0"/>
+          <p:nvPr/>
         </p:nvSpPr>
         <p:spPr bwMode="auto">
           <a:xfrm>
@@ -19593,11 +17294,11 @@
       </p:sp>
       <p:pic>
         <p:nvPicPr>
-          <p:cNvPr id="1538016761" name="Рисунок 1538016760" hidden="0"/>
+          <p:cNvPr id="1538016761" name="Рисунок 1538016760"/>
           <p:cNvPicPr>
             <a:picLocks noChangeAspect="1"/>
           </p:cNvPicPr>
-          <p:nvPr isPhoto="0" userDrawn="0"/>
+          <p:nvPr/>
         </p:nvPicPr>
         <p:blipFill>
           <a:blip r:embed="rId2"/>
@@ -19615,11 +17316,11 @@
       </p:pic>
       <p:sp>
         <p:nvSpPr>
-          <p:cNvPr id="1031273003" name="Content Placeholder 2" hidden="0"/>
+          <p:cNvPr id="1031273003" name="Content Placeholder 2"/>
           <p:cNvSpPr>
             <a:spLocks noGrp="1"/>
           </p:cNvSpPr>
-          <p:nvPr isPhoto="0" userDrawn="0"/>
+          <p:nvPr/>
         </p:nvSpPr>
         <p:spPr bwMode="auto">
           <a:xfrm>
@@ -19910,9 +17611,9 @@
       </p:sp>
       <p:sp>
         <p:nvSpPr>
-          <p:cNvPr id="1951776792" name="TextBox 1951776791" hidden="0"/>
+          <p:cNvPr id="1951776792" name="TextBox 1951776791"/>
           <p:cNvSpPr txBox="1"/>
-          <p:nvPr isPhoto="0" userDrawn="0"/>
+          <p:nvPr/>
         </p:nvSpPr>
         <p:spPr bwMode="auto">
           <a:xfrm>
@@ -19946,11 +17647,11 @@
   <p:clrMapOvr>
     <a:masterClrMapping/>
   </p:clrMapOvr>
-  <mc:AlternateContent xmlns:mc="http://schemas.openxmlformats.org/markup-compatibility/2006">
-    <mc:Choice xmlns:p14="http://schemas.microsoft.com/office/powerpoint/2010/main" Requires="p14">
-      <p:transition p14:dur="2000" advClick="1"/>
+  <mc:AlternateContent xmlns:mc="http://schemas.openxmlformats.org/markup-compatibility/2006" xmlns:p14="http://schemas.microsoft.com/office/powerpoint/2010/main">
+    <mc:Choice Requires="p14">
+      <p:transition spd="slow" p14:dur="2000"/>
     </mc:Choice>
-    <mc:Fallback>
+    <mc:Fallback xmlns:w="http://schemas.openxmlformats.org/wordprocessingml/2006/main" xmlns:m="http://schemas.openxmlformats.org/officeDocument/2006/math" xmlns="">
       <p:transition advClick="1"/>
     </mc:Fallback>
   </mc:AlternateContent>
@@ -19958,13 +17659,13 @@
 </file>
 
 <file path=ppt/slides/slide8.xml><?xml version="1.0" encoding="utf-8"?>
-<p:sld xmlns:a="http://schemas.openxmlformats.org/drawingml/2006/main" xmlns:r="http://schemas.openxmlformats.org/officeDocument/2006/relationships" xmlns:p="http://schemas.openxmlformats.org/presentationml/2006/main" xmlns:m="http://schemas.openxmlformats.org/officeDocument/2006/math" xmlns:w="http://schemas.openxmlformats.org/wordprocessingml/2006/main" showMasterPhAnim="0" show="1">
-  <p:cSld name="">
+<p:sld xmlns:a="http://schemas.openxmlformats.org/drawingml/2006/main" xmlns:r="http://schemas.openxmlformats.org/officeDocument/2006/relationships" xmlns:p="http://schemas.openxmlformats.org/presentationml/2006/main" showMasterPhAnim="0">
+  <p:cSld>
     <p:spTree>
       <p:nvGrpSpPr>
-        <p:cNvPr id="1" name="" hidden="0"/>
+        <p:cNvPr id="1" name=""/>
         <p:cNvGrpSpPr/>
-        <p:nvPr isPhoto="0" userDrawn="0"/>
+        <p:nvPr/>
       </p:nvGrpSpPr>
       <p:grpSpPr bwMode="auto">
         <a:xfrm>
@@ -19976,9 +17677,9 @@
       </p:grpSpPr>
       <p:sp>
         <p:nvSpPr>
-          <p:cNvPr id="4" name="Title 1" hidden="0"/>
+          <p:cNvPr id="4" name="Title 1"/>
           <p:cNvSpPr txBox="1"/>
-          <p:nvPr isPhoto="0" userDrawn="0"/>
+          <p:nvPr/>
         </p:nvSpPr>
         <p:spPr bwMode="auto">
           <a:xfrm>
@@ -20095,11 +17796,11 @@
       </p:sp>
       <p:graphicFrame>
         <p:nvGraphicFramePr>
-          <p:cNvPr id="5" name="Таблица 4" hidden="0"/>
+          <p:cNvPr id="5" name="Таблица 4"/>
           <p:cNvGraphicFramePr>
-            <a:graphicFrameLocks xmlns:a="http://schemas.openxmlformats.org/drawingml/2006/main" noGrp="1"/>
+            <a:graphicFrameLocks noGrp="1"/>
           </p:cNvGraphicFramePr>
-          <p:nvPr isPhoto="0" userDrawn="0"/>
+          <p:nvPr/>
         </p:nvGraphicFramePr>
         <p:xfrm>
           <a:off x="443060" y="923830"/>
@@ -20108,7 +17809,7 @@
         <a:graphic>
           <a:graphicData uri="http://schemas.openxmlformats.org/drawingml/2006/table">
             <a:tbl>
-              <a:tblPr firstRow="1" firstCol="0" lastRow="0" lastCol="0" bandRow="1" bandCol="0">
+              <a:tblPr firstRow="1" bandRow="1">
                 <a:tableStyleId>{4FEF7C57-BB6A-CDCA-EEBC-2947F47A9CEB}</a:tableStyleId>
               </a:tblPr>
               <a:tblGrid>
@@ -20122,6 +17823,7 @@
                 <a:tc>
                   <a:txBody>
                     <a:bodyPr/>
+                    <a:lstStyle/>
                     <a:p>
                       <a:pPr algn="ctr">
                         <a:defRPr/>
@@ -20138,6 +17840,7 @@
                 <a:tc>
                   <a:txBody>
                     <a:bodyPr/>
+                    <a:lstStyle/>
                     <a:p>
                       <a:pPr algn="ctr">
                         <a:defRPr/>
@@ -20154,6 +17857,7 @@
                 <a:tc>
                   <a:txBody>
                     <a:bodyPr/>
+                    <a:lstStyle/>
                     <a:p>
                       <a:pPr algn="ctr">
                         <a:defRPr/>
@@ -20180,6 +17884,7 @@
                 <a:tc>
                   <a:txBody>
                     <a:bodyPr/>
+                    <a:lstStyle/>
                     <a:p>
                       <a:pPr algn="ctr">
                         <a:defRPr/>
@@ -20216,6 +17921,7 @@
                 <a:tc>
                   <a:txBody>
                     <a:bodyPr/>
+                    <a:lstStyle/>
                     <a:p>
                       <a:pPr algn="ctr">
                         <a:defRPr/>
@@ -20244,6 +17950,7 @@
                 <a:tc>
                   <a:txBody>
                     <a:bodyPr/>
+                    <a:lstStyle/>
                     <a:p>
                       <a:pPr>
                         <a:defRPr/>
@@ -20260,6 +17967,7 @@
                 <a:tc>
                   <a:txBody>
                     <a:bodyPr/>
+                    <a:lstStyle/>
                     <a:p>
                       <a:pPr>
                         <a:defRPr/>
@@ -20272,6 +17980,7 @@
                 <a:tc>
                   <a:txBody>
                     <a:bodyPr/>
+                    <a:lstStyle/>
                     <a:p>
                       <a:pPr>
                         <a:defRPr/>
@@ -20284,6 +17993,7 @@
                 <a:tc>
                   <a:txBody>
                     <a:bodyPr/>
+                    <a:lstStyle/>
                     <a:p>
                       <a:pPr>
                         <a:defRPr/>
@@ -20296,6 +18006,7 @@
                 <a:tc>
                   <a:txBody>
                     <a:bodyPr/>
+                    <a:lstStyle/>
                     <a:p>
                       <a:pPr>
                         <a:defRPr/>
@@ -20310,6 +18021,7 @@
                 <a:tc>
                   <a:txBody>
                     <a:bodyPr/>
+                    <a:lstStyle/>
                     <a:p>
                       <a:pPr>
                         <a:defRPr/>
@@ -20326,6 +18038,7 @@
                 <a:tc>
                   <a:txBody>
                     <a:bodyPr/>
+                    <a:lstStyle/>
                     <a:p>
                       <a:pPr>
                         <a:defRPr/>
@@ -20338,6 +18051,7 @@
                 <a:tc>
                   <a:txBody>
                     <a:bodyPr/>
+                    <a:lstStyle/>
                     <a:p>
                       <a:pPr>
                         <a:defRPr/>
@@ -20350,6 +18064,7 @@
                 <a:tc>
                   <a:txBody>
                     <a:bodyPr/>
+                    <a:lstStyle/>
                     <a:p>
                       <a:pPr>
                         <a:defRPr/>
@@ -20362,6 +18077,7 @@
                 <a:tc>
                   <a:txBody>
                     <a:bodyPr/>
+                    <a:lstStyle/>
                     <a:p>
                       <a:pPr>
                         <a:defRPr/>
@@ -20376,6 +18092,7 @@
                 <a:tc>
                   <a:txBody>
                     <a:bodyPr/>
+                    <a:lstStyle/>
                     <a:p>
                       <a:pPr>
                         <a:defRPr/>
@@ -20392,6 +18109,7 @@
                 <a:tc>
                   <a:txBody>
                     <a:bodyPr/>
+                    <a:lstStyle/>
                     <a:p>
                       <a:pPr>
                         <a:defRPr/>
@@ -20404,6 +18122,7 @@
                 <a:tc>
                   <a:txBody>
                     <a:bodyPr/>
+                    <a:lstStyle/>
                     <a:p>
                       <a:pPr>
                         <a:defRPr/>
@@ -20416,6 +18135,7 @@
                 <a:tc>
                   <a:txBody>
                     <a:bodyPr/>
+                    <a:lstStyle/>
                     <a:p>
                       <a:pPr>
                         <a:defRPr/>
@@ -20428,6 +18148,7 @@
                 <a:tc>
                   <a:txBody>
                     <a:bodyPr/>
+                    <a:lstStyle/>
                     <a:p>
                       <a:pPr>
                         <a:defRPr/>
@@ -20444,11 +18165,11 @@
       </p:graphicFrame>
       <p:pic>
         <p:nvPicPr>
-          <p:cNvPr id="6" name="Рисунок 5" hidden="0"/>
+          <p:cNvPr id="6" name="Рисунок 5"/>
           <p:cNvPicPr>
             <a:picLocks noChangeAspect="1"/>
           </p:cNvPicPr>
-          <p:nvPr isPhoto="0" userDrawn="0"/>
+          <p:nvPr/>
         </p:nvPicPr>
         <p:blipFill>
           <a:blip r:embed="rId2"/>
@@ -20466,11 +18187,11 @@
       </p:pic>
       <p:pic>
         <p:nvPicPr>
-          <p:cNvPr id="7" name="Рисунок 6" hidden="0"/>
+          <p:cNvPr id="7" name="Рисунок 6"/>
           <p:cNvPicPr>
             <a:picLocks noChangeAspect="1"/>
           </p:cNvPicPr>
-          <p:nvPr isPhoto="0" userDrawn="0"/>
+          <p:nvPr/>
         </p:nvPicPr>
         <p:blipFill>
           <a:blip r:embed="rId3"/>
@@ -20488,11 +18209,11 @@
       </p:pic>
       <p:pic>
         <p:nvPicPr>
-          <p:cNvPr id="8" name="Рисунок 7" hidden="0"/>
+          <p:cNvPr id="8" name="Рисунок 7"/>
           <p:cNvPicPr>
             <a:picLocks noChangeAspect="1"/>
           </p:cNvPicPr>
-          <p:nvPr isPhoto="0" userDrawn="0"/>
+          <p:nvPr/>
         </p:nvPicPr>
         <p:blipFill>
           <a:blip r:embed="rId3"/>
@@ -20510,11 +18231,11 @@
       </p:pic>
       <p:pic>
         <p:nvPicPr>
-          <p:cNvPr id="9" name="Рисунок 8" hidden="0"/>
+          <p:cNvPr id="9" name="Рисунок 8"/>
           <p:cNvPicPr>
             <a:picLocks noChangeAspect="1"/>
           </p:cNvPicPr>
-          <p:nvPr isPhoto="0" userDrawn="0"/>
+          <p:nvPr/>
         </p:nvPicPr>
         <p:blipFill>
           <a:blip r:embed="rId3"/>
@@ -20532,11 +18253,11 @@
       </p:pic>
       <p:pic>
         <p:nvPicPr>
-          <p:cNvPr id="10" name="Рисунок 9" hidden="0"/>
+          <p:cNvPr id="10" name="Рисунок 9"/>
           <p:cNvPicPr>
             <a:picLocks noChangeAspect="1"/>
           </p:cNvPicPr>
-          <p:nvPr isPhoto="0" userDrawn="0"/>
+          <p:nvPr/>
         </p:nvPicPr>
         <p:blipFill>
           <a:blip r:embed="rId2"/>
@@ -20554,11 +18275,11 @@
       </p:pic>
       <p:pic>
         <p:nvPicPr>
-          <p:cNvPr id="11" name="Рисунок 10" hidden="0"/>
+          <p:cNvPr id="11" name="Рисунок 10"/>
           <p:cNvPicPr>
             <a:picLocks noChangeAspect="1"/>
           </p:cNvPicPr>
-          <p:nvPr isPhoto="0" userDrawn="0"/>
+          <p:nvPr/>
         </p:nvPicPr>
         <p:blipFill>
           <a:blip r:embed="rId2"/>
@@ -20576,11 +18297,11 @@
       </p:pic>
       <p:pic>
         <p:nvPicPr>
-          <p:cNvPr id="12" name="Рисунок 11" hidden="0"/>
+          <p:cNvPr id="12" name="Рисунок 11"/>
           <p:cNvPicPr>
             <a:picLocks noChangeAspect="1"/>
           </p:cNvPicPr>
-          <p:nvPr isPhoto="0" userDrawn="0"/>
+          <p:nvPr/>
         </p:nvPicPr>
         <p:blipFill>
           <a:blip r:embed="rId2"/>
@@ -20598,11 +18319,11 @@
       </p:pic>
       <p:pic>
         <p:nvPicPr>
-          <p:cNvPr id="13" name="Рисунок 12" hidden="0"/>
+          <p:cNvPr id="13" name="Рисунок 12"/>
           <p:cNvPicPr>
             <a:picLocks noChangeAspect="1"/>
           </p:cNvPicPr>
-          <p:nvPr isPhoto="0" userDrawn="0"/>
+          <p:nvPr/>
         </p:nvPicPr>
         <p:blipFill>
           <a:blip r:embed="rId3"/>
@@ -20620,11 +18341,11 @@
       </p:pic>
       <p:pic>
         <p:nvPicPr>
-          <p:cNvPr id="14" name="Рисунок 13" hidden="0"/>
+          <p:cNvPr id="14" name="Рисунок 13"/>
           <p:cNvPicPr>
             <a:picLocks noChangeAspect="1"/>
           </p:cNvPicPr>
-          <p:nvPr isPhoto="0" userDrawn="0"/>
+          <p:nvPr/>
         </p:nvPicPr>
         <p:blipFill>
           <a:blip r:embed="rId4"/>
@@ -20642,11 +18363,11 @@
       </p:pic>
       <p:pic>
         <p:nvPicPr>
-          <p:cNvPr id="15" name="Рисунок 14" hidden="0"/>
+          <p:cNvPr id="15" name="Рисунок 14"/>
           <p:cNvPicPr>
             <a:picLocks noChangeAspect="1"/>
           </p:cNvPicPr>
-          <p:nvPr isPhoto="0" userDrawn="0"/>
+          <p:nvPr/>
         </p:nvPicPr>
         <p:blipFill>
           <a:blip r:embed="rId5"/>
@@ -20664,11 +18385,11 @@
       </p:pic>
       <p:pic>
         <p:nvPicPr>
-          <p:cNvPr id="16" name="Рисунок 15" hidden="0"/>
+          <p:cNvPr id="16" name="Рисунок 15"/>
           <p:cNvPicPr>
             <a:picLocks noChangeAspect="1"/>
           </p:cNvPicPr>
-          <p:nvPr isPhoto="0" userDrawn="0"/>
+          <p:nvPr/>
         </p:nvPicPr>
         <p:blipFill>
           <a:blip r:embed="rId6"/>
@@ -20686,9 +18407,9 @@
       </p:pic>
       <p:sp>
         <p:nvSpPr>
-          <p:cNvPr id="18" name="Объект 2" hidden="0"/>
+          <p:cNvPr id="18" name="Объект 2"/>
           <p:cNvSpPr txBox="1"/>
-          <p:nvPr isPhoto="0" userDrawn="0"/>
+          <p:nvPr/>
         </p:nvSpPr>
         <p:spPr bwMode="auto">
           <a:xfrm>
@@ -21023,11 +18744,11 @@
       </p:sp>
       <p:pic>
         <p:nvPicPr>
-          <p:cNvPr id="19" name="Рисунок 18" hidden="0"/>
+          <p:cNvPr id="19" name="Рисунок 18"/>
           <p:cNvPicPr>
             <a:picLocks noChangeAspect="1"/>
           </p:cNvPicPr>
-          <p:nvPr isPhoto="0" userDrawn="0"/>
+          <p:nvPr/>
         </p:nvPicPr>
         <p:blipFill>
           <a:blip r:embed="rId7"/>
@@ -21048,11 +18769,11 @@
   <p:clrMapOvr>
     <a:masterClrMapping/>
   </p:clrMapOvr>
-  <mc:AlternateContent xmlns:mc="http://schemas.openxmlformats.org/markup-compatibility/2006">
-    <mc:Choice xmlns:p14="http://schemas.microsoft.com/office/powerpoint/2010/main" Requires="p14">
-      <p:transition p14:dur="2000" advClick="1"/>
+  <mc:AlternateContent xmlns:mc="http://schemas.openxmlformats.org/markup-compatibility/2006" xmlns:p14="http://schemas.microsoft.com/office/powerpoint/2010/main">
+    <mc:Choice Requires="p14">
+      <p:transition spd="slow" p14:dur="2000"/>
     </mc:Choice>
-    <mc:Fallback>
+    <mc:Fallback xmlns:w="http://schemas.openxmlformats.org/wordprocessingml/2006/main" xmlns:m="http://schemas.openxmlformats.org/officeDocument/2006/math" xmlns="">
       <p:transition advClick="1"/>
     </mc:Fallback>
   </mc:AlternateContent>
@@ -21060,13 +18781,13 @@
 </file>
 
 <file path=ppt/slides/slide9.xml><?xml version="1.0" encoding="utf-8"?>
-<p:sld xmlns:a="http://schemas.openxmlformats.org/drawingml/2006/main" xmlns:r="http://schemas.openxmlformats.org/officeDocument/2006/relationships" xmlns:p="http://schemas.openxmlformats.org/presentationml/2006/main" xmlns:m="http://schemas.openxmlformats.org/officeDocument/2006/math" xmlns:w="http://schemas.openxmlformats.org/wordprocessingml/2006/main" showMasterPhAnim="0" show="1">
-  <p:cSld name="">
+<p:sld xmlns:a="http://schemas.openxmlformats.org/drawingml/2006/main" xmlns:r="http://schemas.openxmlformats.org/officeDocument/2006/relationships" xmlns:p="http://schemas.openxmlformats.org/presentationml/2006/main" showMasterPhAnim="0">
+  <p:cSld>
     <p:spTree>
       <p:nvGrpSpPr>
-        <p:cNvPr id="1" name="" hidden="0"/>
+        <p:cNvPr id="1" name=""/>
         <p:cNvGrpSpPr/>
-        <p:nvPr isPhoto="0" userDrawn="0"/>
+        <p:nvPr/>
       </p:nvGrpSpPr>
       <p:grpSpPr bwMode="auto">
         <a:xfrm>
@@ -21078,9 +18799,9 @@
       </p:grpSpPr>
       <p:sp>
         <p:nvSpPr>
-          <p:cNvPr id="4" name="Title 1" hidden="0"/>
+          <p:cNvPr id="4" name="Title 1"/>
           <p:cNvSpPr txBox="1"/>
-          <p:nvPr isPhoto="0" userDrawn="0"/>
+          <p:nvPr/>
         </p:nvSpPr>
         <p:spPr bwMode="auto">
           <a:xfrm>
@@ -21181,11 +18902,7 @@
             </a:pPr>
             <a:r>
               <a:rPr lang="ru-RU" sz="2800"/>
-              <a:t>Неизменяющие</a:t>
-            </a:r>
-            <a:r>
-              <a:rPr lang="ru-RU" sz="2800"/>
-              <a:t> (</a:t>
+              <a:t>Неизменяющие (</a:t>
             </a:r>
             <a:r>
               <a:rPr lang="en-US" sz="2800"/>
@@ -21207,17 +18924,16 @@
               <a:rPr lang="en-US" sz="2800"/>
               <a:t>&lt;algorithm&gt;</a:t>
             </a:r>
-            <a:endParaRPr lang="en-US" sz="2800"/>
           </a:p>
         </p:txBody>
       </p:sp>
       <p:graphicFrame>
         <p:nvGraphicFramePr>
-          <p:cNvPr id="5" name="Таблица 4" hidden="0"/>
+          <p:cNvPr id="5" name="Таблица 4"/>
           <p:cNvGraphicFramePr>
-            <a:graphicFrameLocks xmlns:a="http://schemas.openxmlformats.org/drawingml/2006/main" noGrp="1"/>
+            <a:graphicFrameLocks noGrp="1"/>
           </p:cNvGraphicFramePr>
-          <p:nvPr isPhoto="0" userDrawn="0"/>
+          <p:nvPr/>
         </p:nvGraphicFramePr>
         <p:xfrm>
           <a:off x="443057" y="795079"/>
@@ -21226,7 +18942,7 @@
         <a:graphic>
           <a:graphicData uri="http://schemas.openxmlformats.org/drawingml/2006/table">
             <a:tbl>
-              <a:tblPr firstRow="1" firstCol="0" lastRow="0" lastCol="0" bandRow="1" bandCol="0">
+              <a:tblPr firstRow="1" bandRow="1">
                 <a:tableStyleId>{4FEF7C57-BB6A-CDCA-EEBC-2947F47A9CEB}</a:tableStyleId>
               </a:tblPr>
               <a:tblGrid>
@@ -21238,6 +18954,7 @@
                 <a:tc>
                   <a:txBody>
                     <a:bodyPr/>
+                    <a:lstStyle/>
                     <a:p>
                       <a:pPr algn="ctr">
                         <a:defRPr/>
@@ -21254,6 +18971,7 @@
                 <a:tc>
                   <a:txBody>
                     <a:bodyPr/>
+                    <a:lstStyle/>
                     <a:p>
                       <a:pPr algn="ctr">
                         <a:defRPr/>
@@ -21270,6 +18988,7 @@
                 <a:tc>
                   <a:txBody>
                     <a:bodyPr/>
+                    <a:lstStyle/>
                     <a:p>
                       <a:pPr marL="0" marR="0" indent="0" algn="ctr" defTabSz="457200">
                         <a:lnSpc>
@@ -21289,11 +19008,7 @@
                       </a:pPr>
                       <a:r>
                         <a:rPr lang="ru-RU" sz="1600"/>
-                        <a:t>Сложность</a:t>
-                      </a:r>
-                      <a:r>
-                        <a:rPr lang="ru-RU" sz="1600"/>
-                        <a:t> по времени</a:t>
+                        <a:t>Сложность по времени</a:t>
                       </a:r>
                       <a:endParaRPr lang="en-US" sz="1600"/>
                     </a:p>
@@ -21305,6 +19020,7 @@
                 <a:tc>
                   <a:txBody>
                     <a:bodyPr/>
+                    <a:lstStyle/>
                     <a:p>
                       <a:pPr marL="342900" indent="-342900">
                         <a:buFont typeface="+mj-lt"/>
@@ -21347,6 +19063,7 @@
                 <a:tc>
                   <a:txBody>
                     <a:bodyPr/>
+                    <a:lstStyle/>
                     <a:p>
                       <a:pPr>
                         <a:defRPr/>
@@ -21396,6 +19113,7 @@
                 <a:tc>
                   <a:txBody>
                     <a:bodyPr/>
+                    <a:lstStyle/>
                     <a:p>
                       <a:pPr marL="0" indent="0" algn="ctr">
                         <a:buNone/>
@@ -21405,7 +19123,6 @@
                         <a:rPr lang="en-US" sz="1600"/>
                         <a:t>O(N)</a:t>
                       </a:r>
-                      <a:endParaRPr lang="en-US" sz="1600"/>
                     </a:p>
                   </a:txBody>
                   <a:tcPr anchor="ctr"/>
@@ -21415,6 +19132,7 @@
                 <a:tc>
                   <a:txBody>
                     <a:bodyPr/>
+                    <a:lstStyle/>
                     <a:p>
                       <a:pPr marL="342900" indent="-342900">
                         <a:buFont typeface="+mj-lt"/>
@@ -21445,6 +19163,7 @@
                 <a:tc>
                   <a:txBody>
                     <a:bodyPr/>
+                    <a:lstStyle/>
                     <a:p>
                       <a:pPr>
                         <a:defRPr/>
@@ -21471,6 +19190,7 @@
                 <a:tc>
                   <a:txBody>
                     <a:bodyPr/>
+                    <a:lstStyle/>
                     <a:p>
                       <a:pPr algn="ctr">
                         <a:defRPr/>
@@ -21479,7 +19199,6 @@
                         <a:rPr lang="en-US" sz="1600"/>
                         <a:t>O(N)</a:t>
                       </a:r>
-                      <a:endParaRPr lang="en-US" sz="1600"/>
                     </a:p>
                   </a:txBody>
                   <a:tcPr anchor="ctr"/>
@@ -21489,6 +19208,7 @@
                 <a:tc>
                   <a:txBody>
                     <a:bodyPr/>
+                    <a:lstStyle/>
                     <a:p>
                       <a:pPr marL="342900" indent="-342900">
                         <a:buFont typeface="+mj-lt"/>
@@ -21531,6 +19251,7 @@
                 <a:tc>
                   <a:txBody>
                     <a:bodyPr/>
+                    <a:lstStyle/>
                     <a:p>
                       <a:pPr marL="342900" indent="-342900">
                         <a:buAutoNum type="arabicPeriod"/>
@@ -21570,6 +19291,7 @@
                 <a:tc>
                   <a:txBody>
                     <a:bodyPr/>
+                    <a:lstStyle/>
                     <a:p>
                       <a:pPr marL="0" indent="0" algn="ctr">
                         <a:buNone/>
@@ -21579,7 +19301,6 @@
                         <a:rPr lang="en-US" sz="1600"/>
                         <a:t>O(N)</a:t>
                       </a:r>
-                      <a:endParaRPr lang="en-US" sz="1600"/>
                     </a:p>
                   </a:txBody>
                   <a:tcPr anchor="ctr"/>
@@ -21589,6 +19310,7 @@
                 <a:tc>
                   <a:txBody>
                     <a:bodyPr/>
+                    <a:lstStyle/>
                     <a:p>
                       <a:pPr marL="342900" indent="-342900">
                         <a:buFont typeface="+mj-lt"/>
@@ -21631,6 +19353,7 @@
                 <a:tc>
                   <a:txBody>
                     <a:bodyPr/>
+                    <a:lstStyle/>
                     <a:p>
                       <a:pPr marL="342900" indent="-342900">
                         <a:buFont typeface="+mj-lt"/>
@@ -21695,6 +19418,7 @@
                 <a:tc>
                   <a:txBody>
                     <a:bodyPr/>
+                    <a:lstStyle/>
                     <a:p>
                       <a:pPr marL="0" marR="0" indent="0" algn="ctr" defTabSz="457200">
                         <a:lnSpc>
@@ -21731,11 +19455,11 @@
   <p:clrMapOvr>
     <a:masterClrMapping/>
   </p:clrMapOvr>
-  <mc:AlternateContent xmlns:mc="http://schemas.openxmlformats.org/markup-compatibility/2006">
-    <mc:Choice xmlns:p14="http://schemas.microsoft.com/office/powerpoint/2010/main" Requires="p14">
-      <p:transition p14:dur="2000" advClick="1"/>
+  <mc:AlternateContent xmlns:mc="http://schemas.openxmlformats.org/markup-compatibility/2006" xmlns:p14="http://schemas.microsoft.com/office/powerpoint/2010/main">
+    <mc:Choice Requires="p14">
+      <p:transition spd="slow" p14:dur="2000"/>
     </mc:Choice>
-    <mc:Fallback>
+    <mc:Fallback xmlns:w="http://schemas.openxmlformats.org/wordprocessingml/2006/main" xmlns:m="http://schemas.openxmlformats.org/officeDocument/2006/math" xmlns="">
       <p:transition advClick="1"/>
     </mc:Fallback>
   </mc:AlternateContent>
@@ -21743,7 +19467,7 @@
 </file>
 
 <file path=ppt/theme/theme1.xml><?xml version="1.0" encoding="utf-8"?>
-<a:theme xmlns:a="http://schemas.openxmlformats.org/drawingml/2006/main" xmlns:r="http://schemas.openxmlformats.org/officeDocument/2006/relationships" xmlns:p="http://schemas.openxmlformats.org/presentationml/2006/main" name="Грань">
+<a:theme xmlns:a="http://schemas.openxmlformats.org/drawingml/2006/main" name="Грань">
   <a:themeElements>
     <a:clrScheme name="Грань">
       <a:dk1>
@@ -21925,5 +19649,6 @@
     </a:fmtScheme>
   </a:themeElements>
   <a:objectDefaults/>
+  <a:extraClrSchemeLst/>
 </a:theme>
 </file>
--- a/pt2/lectures/lecture6/lecture6.pptx
+++ b/pt2/lectures/lecture6/lecture6.pptx
@@ -25,9 +25,105 @@
     <p:sldId id="272" r:id="rId21"/>
     <p:sldId id="273" r:id="rId22"/>
     <p:sldId id="274" r:id="rId23"/>
+    <p:sldId id="275" r:id="rId24"/>
   </p:sldIdLst>
   <p:sldSz cx="12192000" cy="6858000"/>
   <p:notesSz cx="12192000" cy="6858000"/>
+  <p:defaultTextStyle>
+    <a:defPPr>
+      <a:defRPr lang="en-US"/>
+    </a:defPPr>
+    <a:lvl1pPr marL="0" algn="l" defTabSz="914400">
+      <a:defRPr sz="1800">
+        <a:solidFill>
+          <a:schemeClr val="tx1"/>
+        </a:solidFill>
+        <a:latin typeface="+mn-lt"/>
+        <a:ea typeface="+mn-ea"/>
+        <a:cs typeface="+mn-cs"/>
+      </a:defRPr>
+    </a:lvl1pPr>
+    <a:lvl2pPr marL="457200" algn="l" defTabSz="914400">
+      <a:defRPr sz="1800">
+        <a:solidFill>
+          <a:schemeClr val="tx1"/>
+        </a:solidFill>
+        <a:latin typeface="+mn-lt"/>
+        <a:ea typeface="+mn-ea"/>
+        <a:cs typeface="+mn-cs"/>
+      </a:defRPr>
+    </a:lvl2pPr>
+    <a:lvl3pPr marL="914400" algn="l" defTabSz="914400">
+      <a:defRPr sz="1800">
+        <a:solidFill>
+          <a:schemeClr val="tx1"/>
+        </a:solidFill>
+        <a:latin typeface="+mn-lt"/>
+        <a:ea typeface="+mn-ea"/>
+        <a:cs typeface="+mn-cs"/>
+      </a:defRPr>
+    </a:lvl3pPr>
+    <a:lvl4pPr marL="1371600" algn="l" defTabSz="914400">
+      <a:defRPr sz="1800">
+        <a:solidFill>
+          <a:schemeClr val="tx1"/>
+        </a:solidFill>
+        <a:latin typeface="+mn-lt"/>
+        <a:ea typeface="+mn-ea"/>
+        <a:cs typeface="+mn-cs"/>
+      </a:defRPr>
+    </a:lvl4pPr>
+    <a:lvl5pPr marL="1828800" algn="l" defTabSz="914400">
+      <a:defRPr sz="1800">
+        <a:solidFill>
+          <a:schemeClr val="tx1"/>
+        </a:solidFill>
+        <a:latin typeface="+mn-lt"/>
+        <a:ea typeface="+mn-ea"/>
+        <a:cs typeface="+mn-cs"/>
+      </a:defRPr>
+    </a:lvl5pPr>
+    <a:lvl6pPr marL="2286000" algn="l" defTabSz="914400">
+      <a:defRPr sz="1800">
+        <a:solidFill>
+          <a:schemeClr val="tx1"/>
+        </a:solidFill>
+        <a:latin typeface="+mn-lt"/>
+        <a:ea typeface="+mn-ea"/>
+        <a:cs typeface="+mn-cs"/>
+      </a:defRPr>
+    </a:lvl6pPr>
+    <a:lvl7pPr marL="2743200" algn="l" defTabSz="914400">
+      <a:defRPr sz="1800">
+        <a:solidFill>
+          <a:schemeClr val="tx1"/>
+        </a:solidFill>
+        <a:latin typeface="+mn-lt"/>
+        <a:ea typeface="+mn-ea"/>
+        <a:cs typeface="+mn-cs"/>
+      </a:defRPr>
+    </a:lvl7pPr>
+    <a:lvl8pPr marL="3200400" algn="l" defTabSz="914400">
+      <a:defRPr sz="1800">
+        <a:solidFill>
+          <a:schemeClr val="tx1"/>
+        </a:solidFill>
+        <a:latin typeface="+mn-lt"/>
+        <a:ea typeface="+mn-ea"/>
+        <a:cs typeface="+mn-cs"/>
+      </a:defRPr>
+    </a:lvl8pPr>
+    <a:lvl9pPr marL="3657600" algn="l" defTabSz="914400">
+      <a:defRPr sz="1800">
+        <a:solidFill>
+          <a:schemeClr val="tx1"/>
+        </a:solidFill>
+        <a:latin typeface="+mn-lt"/>
+        <a:ea typeface="+mn-ea"/>
+        <a:cs typeface="+mn-cs"/>
+      </a:defRPr>
+    </a:lvl9pPr>
+  </p:defaultTextStyle>
 </p:presentation>
 </file>
 
@@ -96,6 +192,7 @@
           <a:bodyPr lIns="0" tIns="0" rIns="0" bIns="0" anchor="ctr">
             <a:noAutofit/>
           </a:bodyPr>
+          <a:lstStyle/>
           <a:p>
             <a:pPr>
               <a:defRPr/>
@@ -132,6 +229,7 @@
           <a:bodyPr lIns="0" tIns="0" rIns="0" bIns="0">
             <a:normAutofit/>
           </a:bodyPr>
+          <a:lstStyle/>
           <a:p>
             <a:pPr>
               <a:defRPr/>
@@ -168,6 +266,7 @@
           <a:bodyPr lIns="0" tIns="0" rIns="0" bIns="0">
             <a:normAutofit/>
           </a:bodyPr>
+          <a:lstStyle/>
           <a:p>
             <a:pPr>
               <a:defRPr/>
@@ -229,6 +328,7 @@
           <a:bodyPr lIns="0" tIns="0" rIns="0" bIns="0" anchor="ctr">
             <a:noAutofit/>
           </a:bodyPr>
+          <a:lstStyle/>
           <a:p>
             <a:pPr>
               <a:defRPr/>
@@ -265,6 +365,7 @@
           <a:bodyPr lIns="0" tIns="0" rIns="0" bIns="0">
             <a:normAutofit/>
           </a:bodyPr>
+          <a:lstStyle/>
           <a:p>
             <a:pPr>
               <a:defRPr/>
@@ -301,6 +402,7 @@
           <a:bodyPr lIns="0" tIns="0" rIns="0" bIns="0">
             <a:normAutofit/>
           </a:bodyPr>
+          <a:lstStyle/>
           <a:p>
             <a:pPr>
               <a:defRPr/>
@@ -337,6 +439,7 @@
           <a:bodyPr lIns="0" tIns="0" rIns="0" bIns="0">
             <a:normAutofit/>
           </a:bodyPr>
+          <a:lstStyle/>
           <a:p>
             <a:pPr>
               <a:defRPr/>
@@ -373,6 +476,7 @@
           <a:bodyPr lIns="0" tIns="0" rIns="0" bIns="0">
             <a:normAutofit/>
           </a:bodyPr>
+          <a:lstStyle/>
           <a:p>
             <a:pPr>
               <a:defRPr/>
@@ -434,6 +538,7 @@
           <a:bodyPr lIns="0" tIns="0" rIns="0" bIns="0" anchor="ctr">
             <a:noAutofit/>
           </a:bodyPr>
+          <a:lstStyle/>
           <a:p>
             <a:pPr>
               <a:defRPr/>
@@ -470,6 +575,7 @@
           <a:bodyPr lIns="0" tIns="0" rIns="0" bIns="0">
             <a:normAutofit/>
           </a:bodyPr>
+          <a:lstStyle/>
           <a:p>
             <a:pPr>
               <a:defRPr/>
@@ -506,6 +612,7 @@
           <a:bodyPr lIns="0" tIns="0" rIns="0" bIns="0">
             <a:normAutofit/>
           </a:bodyPr>
+          <a:lstStyle/>
           <a:p>
             <a:pPr>
               <a:defRPr/>
@@ -542,6 +649,7 @@
           <a:bodyPr lIns="0" tIns="0" rIns="0" bIns="0">
             <a:normAutofit/>
           </a:bodyPr>
+          <a:lstStyle/>
           <a:p>
             <a:pPr>
               <a:defRPr/>
@@ -578,6 +686,7 @@
           <a:bodyPr lIns="0" tIns="0" rIns="0" bIns="0">
             <a:normAutofit/>
           </a:bodyPr>
+          <a:lstStyle/>
           <a:p>
             <a:pPr>
               <a:defRPr/>
@@ -614,6 +723,7 @@
           <a:bodyPr lIns="0" tIns="0" rIns="0" bIns="0">
             <a:normAutofit/>
           </a:bodyPr>
+          <a:lstStyle/>
           <a:p>
             <a:pPr>
               <a:defRPr/>
@@ -650,6 +760,7 @@
           <a:bodyPr lIns="0" tIns="0" rIns="0" bIns="0">
             <a:normAutofit/>
           </a:bodyPr>
+          <a:lstStyle/>
           <a:p>
             <a:pPr>
               <a:defRPr/>
@@ -736,6 +847,7 @@
           <a:bodyPr lIns="0" tIns="0" rIns="0" bIns="0" anchor="ctr">
             <a:noAutofit/>
           </a:bodyPr>
+          <a:lstStyle/>
           <a:p>
             <a:pPr>
               <a:defRPr/>
@@ -772,6 +884,7 @@
           <a:bodyPr lIns="0" tIns="0" rIns="0" bIns="0" anchor="ctr">
             <a:noAutofit/>
           </a:bodyPr>
+          <a:lstStyle/>
           <a:p>
             <a:pPr algn="ctr">
               <a:defRPr/>
@@ -830,6 +943,7 @@
           <a:bodyPr lIns="0" tIns="0" rIns="0" bIns="0" anchor="ctr">
             <a:noAutofit/>
           </a:bodyPr>
+          <a:lstStyle/>
           <a:p>
             <a:pPr>
               <a:defRPr/>
@@ -866,6 +980,7 @@
           <a:bodyPr lIns="0" tIns="0" rIns="0" bIns="0">
             <a:normAutofit/>
           </a:bodyPr>
+          <a:lstStyle/>
           <a:p>
             <a:pPr>
               <a:defRPr/>
@@ -927,6 +1042,7 @@
           <a:bodyPr lIns="0" tIns="0" rIns="0" bIns="0" anchor="ctr">
             <a:noAutofit/>
           </a:bodyPr>
+          <a:lstStyle/>
           <a:p>
             <a:pPr>
               <a:defRPr/>
@@ -963,6 +1079,7 @@
           <a:bodyPr lIns="0" tIns="0" rIns="0" bIns="0">
             <a:normAutofit/>
           </a:bodyPr>
+          <a:lstStyle/>
           <a:p>
             <a:pPr>
               <a:defRPr/>
@@ -999,6 +1116,7 @@
           <a:bodyPr lIns="0" tIns="0" rIns="0" bIns="0">
             <a:normAutofit/>
           </a:bodyPr>
+          <a:lstStyle/>
           <a:p>
             <a:pPr>
               <a:defRPr/>
@@ -1060,6 +1178,7 @@
           <a:bodyPr lIns="0" tIns="0" rIns="0" bIns="0" anchor="ctr">
             <a:noAutofit/>
           </a:bodyPr>
+          <a:lstStyle/>
           <a:p>
             <a:pPr>
               <a:defRPr/>
@@ -1121,6 +1240,7 @@
           <a:bodyPr lIns="0" tIns="0" rIns="0" bIns="0" anchor="ctr">
             <a:noAutofit/>
           </a:bodyPr>
+          <a:lstStyle/>
           <a:p>
             <a:pPr algn="ctr">
               <a:defRPr/>
@@ -1179,6 +1299,7 @@
           <a:bodyPr lIns="0" tIns="0" rIns="0" bIns="0" anchor="ctr">
             <a:noAutofit/>
           </a:bodyPr>
+          <a:lstStyle/>
           <a:p>
             <a:pPr>
               <a:defRPr/>
@@ -1215,6 +1336,7 @@
           <a:bodyPr lIns="0" tIns="0" rIns="0" bIns="0">
             <a:normAutofit/>
           </a:bodyPr>
+          <a:lstStyle/>
           <a:p>
             <a:pPr>
               <a:defRPr/>
@@ -1251,6 +1373,7 @@
           <a:bodyPr lIns="0" tIns="0" rIns="0" bIns="0">
             <a:normAutofit/>
           </a:bodyPr>
+          <a:lstStyle/>
           <a:p>
             <a:pPr>
               <a:defRPr/>
@@ -1287,6 +1410,7 @@
           <a:bodyPr lIns="0" tIns="0" rIns="0" bIns="0">
             <a:normAutofit/>
           </a:bodyPr>
+          <a:lstStyle/>
           <a:p>
             <a:pPr>
               <a:defRPr/>
@@ -1348,6 +1472,7 @@
           <a:bodyPr lIns="0" tIns="0" rIns="0" bIns="0" anchor="ctr">
             <a:noAutofit/>
           </a:bodyPr>
+          <a:lstStyle/>
           <a:p>
             <a:pPr>
               <a:defRPr/>
@@ -1384,6 +1509,7 @@
           <a:bodyPr lIns="0" tIns="0" rIns="0" bIns="0" anchor="ctr">
             <a:noAutofit/>
           </a:bodyPr>
+          <a:lstStyle/>
           <a:p>
             <a:pPr algn="ctr">
               <a:defRPr/>
@@ -1442,6 +1568,7 @@
           <a:bodyPr lIns="0" tIns="0" rIns="0" bIns="0" anchor="ctr">
             <a:noAutofit/>
           </a:bodyPr>
+          <a:lstStyle/>
           <a:p>
             <a:pPr>
               <a:defRPr/>
@@ -1478,6 +1605,7 @@
           <a:bodyPr lIns="0" tIns="0" rIns="0" bIns="0">
             <a:normAutofit/>
           </a:bodyPr>
+          <a:lstStyle/>
           <a:p>
             <a:pPr>
               <a:defRPr/>
@@ -1514,6 +1642,7 @@
           <a:bodyPr lIns="0" tIns="0" rIns="0" bIns="0">
             <a:normAutofit/>
           </a:bodyPr>
+          <a:lstStyle/>
           <a:p>
             <a:pPr>
               <a:defRPr/>
@@ -1550,6 +1679,7 @@
           <a:bodyPr lIns="0" tIns="0" rIns="0" bIns="0">
             <a:normAutofit/>
           </a:bodyPr>
+          <a:lstStyle/>
           <a:p>
             <a:pPr>
               <a:defRPr/>
@@ -1611,6 +1741,7 @@
           <a:bodyPr lIns="0" tIns="0" rIns="0" bIns="0" anchor="ctr">
             <a:noAutofit/>
           </a:bodyPr>
+          <a:lstStyle/>
           <a:p>
             <a:pPr>
               <a:defRPr/>
@@ -1647,6 +1778,7 @@
           <a:bodyPr lIns="0" tIns="0" rIns="0" bIns="0">
             <a:normAutofit/>
           </a:bodyPr>
+          <a:lstStyle/>
           <a:p>
             <a:pPr>
               <a:defRPr/>
@@ -1683,6 +1815,7 @@
           <a:bodyPr lIns="0" tIns="0" rIns="0" bIns="0">
             <a:normAutofit/>
           </a:bodyPr>
+          <a:lstStyle/>
           <a:p>
             <a:pPr>
               <a:defRPr/>
@@ -1719,6 +1852,7 @@
           <a:bodyPr lIns="0" tIns="0" rIns="0" bIns="0">
             <a:normAutofit/>
           </a:bodyPr>
+          <a:lstStyle/>
           <a:p>
             <a:pPr>
               <a:defRPr/>
@@ -1780,6 +1914,7 @@
           <a:bodyPr lIns="0" tIns="0" rIns="0" bIns="0" anchor="ctr">
             <a:noAutofit/>
           </a:bodyPr>
+          <a:lstStyle/>
           <a:p>
             <a:pPr>
               <a:defRPr/>
@@ -1816,6 +1951,7 @@
           <a:bodyPr lIns="0" tIns="0" rIns="0" bIns="0">
             <a:normAutofit/>
           </a:bodyPr>
+          <a:lstStyle/>
           <a:p>
             <a:pPr>
               <a:defRPr/>
@@ -1852,6 +1988,7 @@
           <a:bodyPr lIns="0" tIns="0" rIns="0" bIns="0">
             <a:normAutofit/>
           </a:bodyPr>
+          <a:lstStyle/>
           <a:p>
             <a:pPr>
               <a:defRPr/>
@@ -1913,6 +2050,7 @@
           <a:bodyPr lIns="0" tIns="0" rIns="0" bIns="0" anchor="ctr">
             <a:noAutofit/>
           </a:bodyPr>
+          <a:lstStyle/>
           <a:p>
             <a:pPr>
               <a:defRPr/>
@@ -1949,6 +2087,7 @@
           <a:bodyPr lIns="0" tIns="0" rIns="0" bIns="0">
             <a:normAutofit/>
           </a:bodyPr>
+          <a:lstStyle/>
           <a:p>
             <a:pPr>
               <a:defRPr/>
@@ -1985,6 +2124,7 @@
           <a:bodyPr lIns="0" tIns="0" rIns="0" bIns="0">
             <a:normAutofit/>
           </a:bodyPr>
+          <a:lstStyle/>
           <a:p>
             <a:pPr>
               <a:defRPr/>
@@ -2021,6 +2161,7 @@
           <a:bodyPr lIns="0" tIns="0" rIns="0" bIns="0">
             <a:normAutofit/>
           </a:bodyPr>
+          <a:lstStyle/>
           <a:p>
             <a:pPr>
               <a:defRPr/>
@@ -2057,6 +2198,7 @@
           <a:bodyPr lIns="0" tIns="0" rIns="0" bIns="0">
             <a:normAutofit/>
           </a:bodyPr>
+          <a:lstStyle/>
           <a:p>
             <a:pPr>
               <a:defRPr/>
@@ -2118,6 +2260,7 @@
           <a:bodyPr lIns="0" tIns="0" rIns="0" bIns="0" anchor="ctr">
             <a:noAutofit/>
           </a:bodyPr>
+          <a:lstStyle/>
           <a:p>
             <a:pPr>
               <a:defRPr/>
@@ -2154,6 +2297,7 @@
           <a:bodyPr lIns="0" tIns="0" rIns="0" bIns="0">
             <a:normAutofit/>
           </a:bodyPr>
+          <a:lstStyle/>
           <a:p>
             <a:pPr>
               <a:defRPr/>
@@ -2190,6 +2334,7 @@
           <a:bodyPr lIns="0" tIns="0" rIns="0" bIns="0">
             <a:normAutofit/>
           </a:bodyPr>
+          <a:lstStyle/>
           <a:p>
             <a:pPr>
               <a:defRPr/>
@@ -2226,6 +2371,7 @@
           <a:bodyPr lIns="0" tIns="0" rIns="0" bIns="0">
             <a:normAutofit/>
           </a:bodyPr>
+          <a:lstStyle/>
           <a:p>
             <a:pPr>
               <a:defRPr/>
@@ -2262,6 +2408,7 @@
           <a:bodyPr lIns="0" tIns="0" rIns="0" bIns="0">
             <a:normAutofit/>
           </a:bodyPr>
+          <a:lstStyle/>
           <a:p>
             <a:pPr>
               <a:defRPr/>
@@ -2298,6 +2445,7 @@
           <a:bodyPr lIns="0" tIns="0" rIns="0" bIns="0">
             <a:normAutofit/>
           </a:bodyPr>
+          <a:lstStyle/>
           <a:p>
             <a:pPr>
               <a:defRPr/>
@@ -2334,6 +2482,7 @@
           <a:bodyPr lIns="0" tIns="0" rIns="0" bIns="0">
             <a:normAutofit/>
           </a:bodyPr>
+          <a:lstStyle/>
           <a:p>
             <a:pPr>
               <a:defRPr/>
@@ -2395,6 +2544,7 @@
           <a:bodyPr lIns="0" tIns="0" rIns="0" bIns="0" anchor="ctr">
             <a:noAutofit/>
           </a:bodyPr>
+          <a:lstStyle/>
           <a:p>
             <a:pPr>
               <a:defRPr/>
@@ -2431,6 +2581,7 @@
           <a:bodyPr lIns="0" tIns="0" rIns="0" bIns="0">
             <a:normAutofit/>
           </a:bodyPr>
+          <a:lstStyle/>
           <a:p>
             <a:pPr>
               <a:defRPr/>
@@ -2492,6 +2643,7 @@
           <a:bodyPr lIns="0" tIns="0" rIns="0" bIns="0" anchor="ctr">
             <a:noAutofit/>
           </a:bodyPr>
+          <a:lstStyle/>
           <a:p>
             <a:pPr>
               <a:defRPr/>
@@ -2528,6 +2680,7 @@
           <a:bodyPr lIns="0" tIns="0" rIns="0" bIns="0">
             <a:normAutofit/>
           </a:bodyPr>
+          <a:lstStyle/>
           <a:p>
             <a:pPr>
               <a:defRPr/>
@@ -2564,6 +2717,7 @@
           <a:bodyPr lIns="0" tIns="0" rIns="0" bIns="0">
             <a:normAutofit/>
           </a:bodyPr>
+          <a:lstStyle/>
           <a:p>
             <a:pPr>
               <a:defRPr/>
@@ -2625,6 +2779,7 @@
           <a:bodyPr lIns="0" tIns="0" rIns="0" bIns="0" anchor="ctr">
             <a:noAutofit/>
           </a:bodyPr>
+          <a:lstStyle/>
           <a:p>
             <a:pPr>
               <a:defRPr/>
@@ -2686,6 +2841,7 @@
           <a:bodyPr lIns="0" tIns="0" rIns="0" bIns="0" anchor="ctr">
             <a:noAutofit/>
           </a:bodyPr>
+          <a:lstStyle/>
           <a:p>
             <a:pPr algn="ctr">
               <a:defRPr/>
@@ -2744,6 +2900,7 @@
           <a:bodyPr lIns="0" tIns="0" rIns="0" bIns="0" anchor="ctr">
             <a:noAutofit/>
           </a:bodyPr>
+          <a:lstStyle/>
           <a:p>
             <a:pPr>
               <a:defRPr/>
@@ -2780,6 +2937,7 @@
           <a:bodyPr lIns="0" tIns="0" rIns="0" bIns="0">
             <a:normAutofit/>
           </a:bodyPr>
+          <a:lstStyle/>
           <a:p>
             <a:pPr>
               <a:defRPr/>
@@ -2816,6 +2974,7 @@
           <a:bodyPr lIns="0" tIns="0" rIns="0" bIns="0">
             <a:normAutofit/>
           </a:bodyPr>
+          <a:lstStyle/>
           <a:p>
             <a:pPr>
               <a:defRPr/>
@@ -2852,6 +3011,7 @@
           <a:bodyPr lIns="0" tIns="0" rIns="0" bIns="0">
             <a:normAutofit/>
           </a:bodyPr>
+          <a:lstStyle/>
           <a:p>
             <a:pPr>
               <a:defRPr/>
@@ -2913,6 +3073,7 @@
           <a:bodyPr lIns="0" tIns="0" rIns="0" bIns="0" anchor="ctr">
             <a:noAutofit/>
           </a:bodyPr>
+          <a:lstStyle/>
           <a:p>
             <a:pPr>
               <a:defRPr/>
@@ -2949,6 +3110,7 @@
           <a:bodyPr lIns="0" tIns="0" rIns="0" bIns="0">
             <a:normAutofit/>
           </a:bodyPr>
+          <a:lstStyle/>
           <a:p>
             <a:pPr>
               <a:defRPr/>
@@ -2985,6 +3147,7 @@
           <a:bodyPr lIns="0" tIns="0" rIns="0" bIns="0">
             <a:normAutofit/>
           </a:bodyPr>
+          <a:lstStyle/>
           <a:p>
             <a:pPr>
               <a:defRPr/>
@@ -3021,6 +3184,7 @@
           <a:bodyPr lIns="0" tIns="0" rIns="0" bIns="0">
             <a:normAutofit/>
           </a:bodyPr>
+          <a:lstStyle/>
           <a:p>
             <a:pPr>
               <a:defRPr/>
@@ -3082,6 +3246,7 @@
           <a:bodyPr lIns="0" tIns="0" rIns="0" bIns="0" anchor="ctr">
             <a:noAutofit/>
           </a:bodyPr>
+          <a:lstStyle/>
           <a:p>
             <a:pPr>
               <a:defRPr/>
@@ -3118,6 +3283,7 @@
           <a:bodyPr lIns="0" tIns="0" rIns="0" bIns="0">
             <a:normAutofit/>
           </a:bodyPr>
+          <a:lstStyle/>
           <a:p>
             <a:pPr>
               <a:defRPr/>
@@ -3154,6 +3320,7 @@
           <a:bodyPr lIns="0" tIns="0" rIns="0" bIns="0">
             <a:normAutofit/>
           </a:bodyPr>
+          <a:lstStyle/>
           <a:p>
             <a:pPr>
               <a:defRPr/>
@@ -3190,6 +3357,7 @@
           <a:bodyPr lIns="0" tIns="0" rIns="0" bIns="0">
             <a:normAutofit/>
           </a:bodyPr>
+          <a:lstStyle/>
           <a:p>
             <a:pPr>
               <a:defRPr/>
@@ -3237,7 +3405,7 @@
       </p:grpSpPr>
       <p:grpSp>
         <p:nvGrpSpPr>
-          <p:cNvPr id="0" name="Group 1"/>
+          <p:cNvPr id="27" name="Group 1"/>
           <p:cNvGrpSpPr/>
           <p:nvPr/>
         </p:nvGrpSpPr>
@@ -3251,7 +3419,7 @@
         </p:grpSpPr>
         <p:sp>
           <p:nvSpPr>
-            <p:cNvPr id="1" name="Line 2"/>
+            <p:cNvPr id="28" name="Line 2"/>
             <p:cNvSpPr/>
             <p:nvPr/>
           </p:nvSpPr>
@@ -4378,6 +4546,7 @@
           <a:bodyPr anchor="b">
             <a:noAutofit/>
           </a:bodyPr>
+          <a:lstStyle/>
           <a:p>
             <a:pPr algn="r">
               <a:lnSpc>
@@ -4427,6 +4596,7 @@
           <a:bodyPr anchor="ctr">
             <a:noAutofit/>
           </a:bodyPr>
+          <a:lstStyle/>
           <a:p>
             <a:pPr algn="r">
               <a:lnSpc>
@@ -4473,6 +4643,7 @@
           <a:bodyPr anchor="ctr">
             <a:noAutofit/>
           </a:bodyPr>
+          <a:lstStyle/>
           <a:p>
             <a:pPr>
               <a:defRPr/>
@@ -4506,6 +4677,7 @@
           <a:bodyPr anchor="ctr">
             <a:noAutofit/>
           </a:bodyPr>
+          <a:lstStyle/>
           <a:p>
             <a:pPr algn="r">
               <a:lnSpc>
@@ -4552,6 +4724,7 @@
           <a:bodyPr lIns="0" tIns="0" rIns="0" bIns="0">
             <a:normAutofit/>
           </a:bodyPr>
+          <a:lstStyle/>
           <a:p>
             <a:pPr marL="432000" indent="-324000">
               <a:spcBef>
@@ -4574,12 +4747,7 @@
               </a:rPr>
               <a:t>Click to edit the outline text format</a:t>
             </a:r>
-            <a:endParaRPr lang="en-US" sz="1800" b="0" strike="noStrike" spc="-1">
-              <a:solidFill>
-                <a:srgbClr val="404040"/>
-              </a:solidFill>
-              <a:latin typeface="Trebuchet MS"/>
-            </a:endParaRPr>
+            <a:endParaRPr/>
           </a:p>
           <a:p>
             <a:pPr marL="864000" lvl="1" indent="-324000">
@@ -4603,12 +4771,7 @@
               </a:rPr>
               <a:t>Second Outline Level</a:t>
             </a:r>
-            <a:endParaRPr lang="en-US" sz="1400" b="0" strike="noStrike" spc="-1">
-              <a:solidFill>
-                <a:srgbClr val="404040"/>
-              </a:solidFill>
-              <a:latin typeface="Trebuchet MS"/>
-            </a:endParaRPr>
+            <a:endParaRPr/>
           </a:p>
           <a:p>
             <a:pPr marL="1296000" lvl="2" indent="-288000">
@@ -4632,12 +4795,7 @@
               </a:rPr>
               <a:t>Third Outline Level</a:t>
             </a:r>
-            <a:endParaRPr lang="en-US" sz="1200" b="0" strike="noStrike" spc="-1">
-              <a:solidFill>
-                <a:srgbClr val="404040"/>
-              </a:solidFill>
-              <a:latin typeface="Trebuchet MS"/>
-            </a:endParaRPr>
+            <a:endParaRPr/>
           </a:p>
           <a:p>
             <a:pPr marL="1728000" lvl="3" indent="-216000">
@@ -4661,12 +4819,7 @@
               </a:rPr>
               <a:t>Fourth Outline Level</a:t>
             </a:r>
-            <a:endParaRPr lang="en-US" sz="1200" b="0" strike="noStrike" spc="-1">
-              <a:solidFill>
-                <a:srgbClr val="404040"/>
-              </a:solidFill>
-              <a:latin typeface="Trebuchet MS"/>
-            </a:endParaRPr>
+            <a:endParaRPr/>
           </a:p>
           <a:p>
             <a:pPr marL="2160000" lvl="4" indent="-216000">
@@ -4690,12 +4843,7 @@
               </a:rPr>
               <a:t>Fifth Outline Level</a:t>
             </a:r>
-            <a:endParaRPr lang="en-US" sz="2000" b="0" strike="noStrike" spc="-1">
-              <a:solidFill>
-                <a:srgbClr val="404040"/>
-              </a:solidFill>
-              <a:latin typeface="Trebuchet MS"/>
-            </a:endParaRPr>
+            <a:endParaRPr/>
           </a:p>
           <a:p>
             <a:pPr marL="2592000" lvl="5" indent="-216000">
@@ -4719,12 +4867,7 @@
               </a:rPr>
               <a:t>Sixth Outline Level</a:t>
             </a:r>
-            <a:endParaRPr lang="en-US" sz="2000" b="0" strike="noStrike" spc="-1">
-              <a:solidFill>
-                <a:srgbClr val="404040"/>
-              </a:solidFill>
-              <a:latin typeface="Trebuchet MS"/>
-            </a:endParaRPr>
+            <a:endParaRPr/>
           </a:p>
           <a:p>
             <a:pPr marL="3024000" lvl="6" indent="-216000">
@@ -4748,12 +4891,7 @@
               </a:rPr>
               <a:t>Seventh Outline Level</a:t>
             </a:r>
-            <a:endParaRPr lang="en-US" sz="2000" b="0" strike="noStrike" spc="-1">
-              <a:solidFill>
-                <a:srgbClr val="404040"/>
-              </a:solidFill>
-              <a:latin typeface="Trebuchet MS"/>
-            </a:endParaRPr>
+            <a:endParaRPr/>
           </a:p>
         </p:txBody>
       </p:sp>
@@ -4774,6 +4912,286 @@
     <p:sldLayoutId id="2147483659" r:id="rId11"/>
     <p:sldLayoutId id="2147483660" r:id="rId12"/>
   </p:sldLayoutIdLst>
+  <p:txStyles>
+    <p:titleStyle>
+      <a:lvl1pPr algn="l" defTabSz="914400">
+        <a:lnSpc>
+          <a:spcPct val="90000"/>
+        </a:lnSpc>
+        <a:spcBef>
+          <a:spcPts val="0"/>
+        </a:spcBef>
+        <a:buNone/>
+        <a:defRPr sz="4400">
+          <a:solidFill>
+            <a:schemeClr val="tx1"/>
+          </a:solidFill>
+          <a:latin typeface="+mj-lt"/>
+          <a:ea typeface="+mj-ea"/>
+          <a:cs typeface="+mj-cs"/>
+        </a:defRPr>
+      </a:lvl1pPr>
+    </p:titleStyle>
+    <p:bodyStyle>
+      <a:lvl1pPr marL="228600" indent="-228600" algn="l" defTabSz="914400">
+        <a:lnSpc>
+          <a:spcPct val="90000"/>
+        </a:lnSpc>
+        <a:spcBef>
+          <a:spcPts val="1000"/>
+        </a:spcBef>
+        <a:buFont typeface="Arial"/>
+        <a:buChar char="•"/>
+        <a:defRPr sz="2800">
+          <a:solidFill>
+            <a:schemeClr val="tx1"/>
+          </a:solidFill>
+          <a:latin typeface="+mn-lt"/>
+          <a:ea typeface="+mn-ea"/>
+          <a:cs typeface="+mn-cs"/>
+        </a:defRPr>
+      </a:lvl1pPr>
+      <a:lvl2pPr marL="685800" indent="-228600" algn="l" defTabSz="914400">
+        <a:lnSpc>
+          <a:spcPct val="90000"/>
+        </a:lnSpc>
+        <a:spcBef>
+          <a:spcPts val="500"/>
+        </a:spcBef>
+        <a:buFont typeface="Arial"/>
+        <a:buChar char="•"/>
+        <a:defRPr sz="2400">
+          <a:solidFill>
+            <a:schemeClr val="tx1"/>
+          </a:solidFill>
+          <a:latin typeface="+mn-lt"/>
+          <a:ea typeface="+mn-ea"/>
+          <a:cs typeface="+mn-cs"/>
+        </a:defRPr>
+      </a:lvl2pPr>
+      <a:lvl3pPr marL="1143000" indent="-228600" algn="l" defTabSz="914400">
+        <a:lnSpc>
+          <a:spcPct val="90000"/>
+        </a:lnSpc>
+        <a:spcBef>
+          <a:spcPts val="500"/>
+        </a:spcBef>
+        <a:buFont typeface="Arial"/>
+        <a:buChar char="•"/>
+        <a:defRPr sz="2000">
+          <a:solidFill>
+            <a:schemeClr val="tx1"/>
+          </a:solidFill>
+          <a:latin typeface="+mn-lt"/>
+          <a:ea typeface="+mn-ea"/>
+          <a:cs typeface="+mn-cs"/>
+        </a:defRPr>
+      </a:lvl3pPr>
+      <a:lvl4pPr marL="1600200" indent="-228600" algn="l" defTabSz="914400">
+        <a:lnSpc>
+          <a:spcPct val="90000"/>
+        </a:lnSpc>
+        <a:spcBef>
+          <a:spcPts val="500"/>
+        </a:spcBef>
+        <a:buFont typeface="Arial"/>
+        <a:buChar char="•"/>
+        <a:defRPr sz="1800">
+          <a:solidFill>
+            <a:schemeClr val="tx1"/>
+          </a:solidFill>
+          <a:latin typeface="+mn-lt"/>
+          <a:ea typeface="+mn-ea"/>
+          <a:cs typeface="+mn-cs"/>
+        </a:defRPr>
+      </a:lvl4pPr>
+      <a:lvl5pPr marL="2057400" indent="-228600" algn="l" defTabSz="914400">
+        <a:lnSpc>
+          <a:spcPct val="90000"/>
+        </a:lnSpc>
+        <a:spcBef>
+          <a:spcPts val="500"/>
+        </a:spcBef>
+        <a:buFont typeface="Arial"/>
+        <a:buChar char="•"/>
+        <a:defRPr sz="1800">
+          <a:solidFill>
+            <a:schemeClr val="tx1"/>
+          </a:solidFill>
+          <a:latin typeface="+mn-lt"/>
+          <a:ea typeface="+mn-ea"/>
+          <a:cs typeface="+mn-cs"/>
+        </a:defRPr>
+      </a:lvl5pPr>
+      <a:lvl6pPr marL="2514600" indent="-228600" algn="l" defTabSz="914400">
+        <a:lnSpc>
+          <a:spcPct val="90000"/>
+        </a:lnSpc>
+        <a:spcBef>
+          <a:spcPts val="500"/>
+        </a:spcBef>
+        <a:buFont typeface="Arial"/>
+        <a:buChar char="•"/>
+        <a:defRPr sz="1800">
+          <a:solidFill>
+            <a:schemeClr val="tx1"/>
+          </a:solidFill>
+          <a:latin typeface="+mn-lt"/>
+          <a:ea typeface="+mn-ea"/>
+          <a:cs typeface="+mn-cs"/>
+        </a:defRPr>
+      </a:lvl6pPr>
+      <a:lvl7pPr marL="2971800" indent="-228600" algn="l" defTabSz="914400">
+        <a:lnSpc>
+          <a:spcPct val="90000"/>
+        </a:lnSpc>
+        <a:spcBef>
+          <a:spcPts val="500"/>
+        </a:spcBef>
+        <a:buFont typeface="Arial"/>
+        <a:buChar char="•"/>
+        <a:defRPr sz="1800">
+          <a:solidFill>
+            <a:schemeClr val="tx1"/>
+          </a:solidFill>
+          <a:latin typeface="+mn-lt"/>
+          <a:ea typeface="+mn-ea"/>
+          <a:cs typeface="+mn-cs"/>
+        </a:defRPr>
+      </a:lvl7pPr>
+      <a:lvl8pPr marL="3429000" indent="-228600" algn="l" defTabSz="914400">
+        <a:lnSpc>
+          <a:spcPct val="90000"/>
+        </a:lnSpc>
+        <a:spcBef>
+          <a:spcPts val="500"/>
+        </a:spcBef>
+        <a:buFont typeface="Arial"/>
+        <a:buChar char="•"/>
+        <a:defRPr sz="1800">
+          <a:solidFill>
+            <a:schemeClr val="tx1"/>
+          </a:solidFill>
+          <a:latin typeface="+mn-lt"/>
+          <a:ea typeface="+mn-ea"/>
+          <a:cs typeface="+mn-cs"/>
+        </a:defRPr>
+      </a:lvl8pPr>
+      <a:lvl9pPr marL="3886200" indent="-228600" algn="l" defTabSz="914400">
+        <a:lnSpc>
+          <a:spcPct val="90000"/>
+        </a:lnSpc>
+        <a:spcBef>
+          <a:spcPts val="500"/>
+        </a:spcBef>
+        <a:buFont typeface="Arial"/>
+        <a:buChar char="•"/>
+        <a:defRPr sz="1800">
+          <a:solidFill>
+            <a:schemeClr val="tx1"/>
+          </a:solidFill>
+          <a:latin typeface="+mn-lt"/>
+          <a:ea typeface="+mn-ea"/>
+          <a:cs typeface="+mn-cs"/>
+        </a:defRPr>
+      </a:lvl9pPr>
+    </p:bodyStyle>
+    <p:otherStyle>
+      <a:defPPr>
+        <a:defRPr lang="en-US"/>
+      </a:defPPr>
+      <a:lvl1pPr marL="0" algn="l" defTabSz="914400">
+        <a:defRPr sz="1800">
+          <a:solidFill>
+            <a:schemeClr val="tx1"/>
+          </a:solidFill>
+          <a:latin typeface="+mn-lt"/>
+          <a:ea typeface="+mn-ea"/>
+          <a:cs typeface="+mn-cs"/>
+        </a:defRPr>
+      </a:lvl1pPr>
+      <a:lvl2pPr marL="457200" algn="l" defTabSz="914400">
+        <a:defRPr sz="1800">
+          <a:solidFill>
+            <a:schemeClr val="tx1"/>
+          </a:solidFill>
+          <a:latin typeface="+mn-lt"/>
+          <a:ea typeface="+mn-ea"/>
+          <a:cs typeface="+mn-cs"/>
+        </a:defRPr>
+      </a:lvl2pPr>
+      <a:lvl3pPr marL="914400" algn="l" defTabSz="914400">
+        <a:defRPr sz="1800">
+          <a:solidFill>
+            <a:schemeClr val="tx1"/>
+          </a:solidFill>
+          <a:latin typeface="+mn-lt"/>
+          <a:ea typeface="+mn-ea"/>
+          <a:cs typeface="+mn-cs"/>
+        </a:defRPr>
+      </a:lvl3pPr>
+      <a:lvl4pPr marL="1371600" algn="l" defTabSz="914400">
+        <a:defRPr sz="1800">
+          <a:solidFill>
+            <a:schemeClr val="tx1"/>
+          </a:solidFill>
+          <a:latin typeface="+mn-lt"/>
+          <a:ea typeface="+mn-ea"/>
+          <a:cs typeface="+mn-cs"/>
+        </a:defRPr>
+      </a:lvl4pPr>
+      <a:lvl5pPr marL="1828800" algn="l" defTabSz="914400">
+        <a:defRPr sz="1800">
+          <a:solidFill>
+            <a:schemeClr val="tx1"/>
+          </a:solidFill>
+          <a:latin typeface="+mn-lt"/>
+          <a:ea typeface="+mn-ea"/>
+          <a:cs typeface="+mn-cs"/>
+        </a:defRPr>
+      </a:lvl5pPr>
+      <a:lvl6pPr marL="2286000" algn="l" defTabSz="914400">
+        <a:defRPr sz="1800">
+          <a:solidFill>
+            <a:schemeClr val="tx1"/>
+          </a:solidFill>
+          <a:latin typeface="+mn-lt"/>
+          <a:ea typeface="+mn-ea"/>
+          <a:cs typeface="+mn-cs"/>
+        </a:defRPr>
+      </a:lvl6pPr>
+      <a:lvl7pPr marL="2743200" algn="l" defTabSz="914400">
+        <a:defRPr sz="1800">
+          <a:solidFill>
+            <a:schemeClr val="tx1"/>
+          </a:solidFill>
+          <a:latin typeface="+mn-lt"/>
+          <a:ea typeface="+mn-ea"/>
+          <a:cs typeface="+mn-cs"/>
+        </a:defRPr>
+      </a:lvl7pPr>
+      <a:lvl8pPr marL="3200400" algn="l" defTabSz="914400">
+        <a:defRPr sz="1800">
+          <a:solidFill>
+            <a:schemeClr val="tx1"/>
+          </a:solidFill>
+          <a:latin typeface="+mn-lt"/>
+          <a:ea typeface="+mn-ea"/>
+          <a:cs typeface="+mn-cs"/>
+        </a:defRPr>
+      </a:lvl8pPr>
+      <a:lvl9pPr marL="3657600" algn="l" defTabSz="914400">
+        <a:defRPr sz="1800">
+          <a:solidFill>
+            <a:schemeClr val="tx1"/>
+          </a:solidFill>
+          <a:latin typeface="+mn-lt"/>
+          <a:ea typeface="+mn-ea"/>
+          <a:cs typeface="+mn-cs"/>
+        </a:defRPr>
+      </a:lvl9pPr>
+    </p:otherStyle>
+  </p:txStyles>
 </p:sldMaster>
 </file>
 
@@ -5384,6 +5802,7 @@
           <a:bodyPr>
             <a:normAutofit/>
           </a:bodyPr>
+          <a:lstStyle/>
           <a:p>
             <a:pPr>
               <a:lnSpc>
@@ -5433,6 +5852,7 @@
           <a:bodyPr>
             <a:noAutofit/>
           </a:bodyPr>
+          <a:lstStyle/>
           <a:p>
             <a:pPr marL="343080" indent="-342720">
               <a:lnSpc>
@@ -5623,6 +6043,7 @@
           <a:bodyPr anchor="ctr">
             <a:noAutofit/>
           </a:bodyPr>
+          <a:lstStyle/>
           <a:p>
             <a:pPr algn="r">
               <a:lnSpc>
@@ -5669,6 +6090,7 @@
           <a:bodyPr anchor="ctr">
             <a:noAutofit/>
           </a:bodyPr>
+          <a:lstStyle/>
           <a:p>
             <a:pPr>
               <a:defRPr/>
@@ -5702,6 +6124,7 @@
           <a:bodyPr anchor="ctr">
             <a:noAutofit/>
           </a:bodyPr>
+          <a:lstStyle/>
           <a:p>
             <a:pPr algn="r">
               <a:lnSpc>
@@ -5742,6 +6165,286 @@
     <p:sldLayoutId id="2147483672" r:id="rId11"/>
     <p:sldLayoutId id="2147483673" r:id="rId12"/>
   </p:sldLayoutIdLst>
+  <p:txStyles>
+    <p:titleStyle>
+      <a:lvl1pPr algn="l" defTabSz="914400">
+        <a:lnSpc>
+          <a:spcPct val="90000"/>
+        </a:lnSpc>
+        <a:spcBef>
+          <a:spcPts val="0"/>
+        </a:spcBef>
+        <a:buNone/>
+        <a:defRPr sz="4400">
+          <a:solidFill>
+            <a:schemeClr val="tx1"/>
+          </a:solidFill>
+          <a:latin typeface="+mj-lt"/>
+          <a:ea typeface="+mj-ea"/>
+          <a:cs typeface="+mj-cs"/>
+        </a:defRPr>
+      </a:lvl1pPr>
+    </p:titleStyle>
+    <p:bodyStyle>
+      <a:lvl1pPr marL="228600" indent="-228600" algn="l" defTabSz="914400">
+        <a:lnSpc>
+          <a:spcPct val="90000"/>
+        </a:lnSpc>
+        <a:spcBef>
+          <a:spcPts val="1000"/>
+        </a:spcBef>
+        <a:buFont typeface="Arial"/>
+        <a:buChar char="•"/>
+        <a:defRPr sz="2800">
+          <a:solidFill>
+            <a:schemeClr val="tx1"/>
+          </a:solidFill>
+          <a:latin typeface="+mn-lt"/>
+          <a:ea typeface="+mn-ea"/>
+          <a:cs typeface="+mn-cs"/>
+        </a:defRPr>
+      </a:lvl1pPr>
+      <a:lvl2pPr marL="685800" indent="-228600" algn="l" defTabSz="914400">
+        <a:lnSpc>
+          <a:spcPct val="90000"/>
+        </a:lnSpc>
+        <a:spcBef>
+          <a:spcPts val="500"/>
+        </a:spcBef>
+        <a:buFont typeface="Arial"/>
+        <a:buChar char="•"/>
+        <a:defRPr sz="2400">
+          <a:solidFill>
+            <a:schemeClr val="tx1"/>
+          </a:solidFill>
+          <a:latin typeface="+mn-lt"/>
+          <a:ea typeface="+mn-ea"/>
+          <a:cs typeface="+mn-cs"/>
+        </a:defRPr>
+      </a:lvl2pPr>
+      <a:lvl3pPr marL="1143000" indent="-228600" algn="l" defTabSz="914400">
+        <a:lnSpc>
+          <a:spcPct val="90000"/>
+        </a:lnSpc>
+        <a:spcBef>
+          <a:spcPts val="500"/>
+        </a:spcBef>
+        <a:buFont typeface="Arial"/>
+        <a:buChar char="•"/>
+        <a:defRPr sz="2000">
+          <a:solidFill>
+            <a:schemeClr val="tx1"/>
+          </a:solidFill>
+          <a:latin typeface="+mn-lt"/>
+          <a:ea typeface="+mn-ea"/>
+          <a:cs typeface="+mn-cs"/>
+        </a:defRPr>
+      </a:lvl3pPr>
+      <a:lvl4pPr marL="1600200" indent="-228600" algn="l" defTabSz="914400">
+        <a:lnSpc>
+          <a:spcPct val="90000"/>
+        </a:lnSpc>
+        <a:spcBef>
+          <a:spcPts val="500"/>
+        </a:spcBef>
+        <a:buFont typeface="Arial"/>
+        <a:buChar char="•"/>
+        <a:defRPr sz="1800">
+          <a:solidFill>
+            <a:schemeClr val="tx1"/>
+          </a:solidFill>
+          <a:latin typeface="+mn-lt"/>
+          <a:ea typeface="+mn-ea"/>
+          <a:cs typeface="+mn-cs"/>
+        </a:defRPr>
+      </a:lvl4pPr>
+      <a:lvl5pPr marL="2057400" indent="-228600" algn="l" defTabSz="914400">
+        <a:lnSpc>
+          <a:spcPct val="90000"/>
+        </a:lnSpc>
+        <a:spcBef>
+          <a:spcPts val="500"/>
+        </a:spcBef>
+        <a:buFont typeface="Arial"/>
+        <a:buChar char="•"/>
+        <a:defRPr sz="1800">
+          <a:solidFill>
+            <a:schemeClr val="tx1"/>
+          </a:solidFill>
+          <a:latin typeface="+mn-lt"/>
+          <a:ea typeface="+mn-ea"/>
+          <a:cs typeface="+mn-cs"/>
+        </a:defRPr>
+      </a:lvl5pPr>
+      <a:lvl6pPr marL="2514600" indent="-228600" algn="l" defTabSz="914400">
+        <a:lnSpc>
+          <a:spcPct val="90000"/>
+        </a:lnSpc>
+        <a:spcBef>
+          <a:spcPts val="500"/>
+        </a:spcBef>
+        <a:buFont typeface="Arial"/>
+        <a:buChar char="•"/>
+        <a:defRPr sz="1800">
+          <a:solidFill>
+            <a:schemeClr val="tx1"/>
+          </a:solidFill>
+          <a:latin typeface="+mn-lt"/>
+          <a:ea typeface="+mn-ea"/>
+          <a:cs typeface="+mn-cs"/>
+        </a:defRPr>
+      </a:lvl6pPr>
+      <a:lvl7pPr marL="2971800" indent="-228600" algn="l" defTabSz="914400">
+        <a:lnSpc>
+          <a:spcPct val="90000"/>
+        </a:lnSpc>
+        <a:spcBef>
+          <a:spcPts val="500"/>
+        </a:spcBef>
+        <a:buFont typeface="Arial"/>
+        <a:buChar char="•"/>
+        <a:defRPr sz="1800">
+          <a:solidFill>
+            <a:schemeClr val="tx1"/>
+          </a:solidFill>
+          <a:latin typeface="+mn-lt"/>
+          <a:ea typeface="+mn-ea"/>
+          <a:cs typeface="+mn-cs"/>
+        </a:defRPr>
+      </a:lvl7pPr>
+      <a:lvl8pPr marL="3429000" indent="-228600" algn="l" defTabSz="914400">
+        <a:lnSpc>
+          <a:spcPct val="90000"/>
+        </a:lnSpc>
+        <a:spcBef>
+          <a:spcPts val="500"/>
+        </a:spcBef>
+        <a:buFont typeface="Arial"/>
+        <a:buChar char="•"/>
+        <a:defRPr sz="1800">
+          <a:solidFill>
+            <a:schemeClr val="tx1"/>
+          </a:solidFill>
+          <a:latin typeface="+mn-lt"/>
+          <a:ea typeface="+mn-ea"/>
+          <a:cs typeface="+mn-cs"/>
+        </a:defRPr>
+      </a:lvl8pPr>
+      <a:lvl9pPr marL="3886200" indent="-228600" algn="l" defTabSz="914400">
+        <a:lnSpc>
+          <a:spcPct val="90000"/>
+        </a:lnSpc>
+        <a:spcBef>
+          <a:spcPts val="500"/>
+        </a:spcBef>
+        <a:buFont typeface="Arial"/>
+        <a:buChar char="•"/>
+        <a:defRPr sz="1800">
+          <a:solidFill>
+            <a:schemeClr val="tx1"/>
+          </a:solidFill>
+          <a:latin typeface="+mn-lt"/>
+          <a:ea typeface="+mn-ea"/>
+          <a:cs typeface="+mn-cs"/>
+        </a:defRPr>
+      </a:lvl9pPr>
+    </p:bodyStyle>
+    <p:otherStyle>
+      <a:defPPr>
+        <a:defRPr lang="en-US"/>
+      </a:defPPr>
+      <a:lvl1pPr marL="0" algn="l" defTabSz="914400">
+        <a:defRPr sz="1800">
+          <a:solidFill>
+            <a:schemeClr val="tx1"/>
+          </a:solidFill>
+          <a:latin typeface="+mn-lt"/>
+          <a:ea typeface="+mn-ea"/>
+          <a:cs typeface="+mn-cs"/>
+        </a:defRPr>
+      </a:lvl1pPr>
+      <a:lvl2pPr marL="457200" algn="l" defTabSz="914400">
+        <a:defRPr sz="1800">
+          <a:solidFill>
+            <a:schemeClr val="tx1"/>
+          </a:solidFill>
+          <a:latin typeface="+mn-lt"/>
+          <a:ea typeface="+mn-ea"/>
+          <a:cs typeface="+mn-cs"/>
+        </a:defRPr>
+      </a:lvl2pPr>
+      <a:lvl3pPr marL="914400" algn="l" defTabSz="914400">
+        <a:defRPr sz="1800">
+          <a:solidFill>
+            <a:schemeClr val="tx1"/>
+          </a:solidFill>
+          <a:latin typeface="+mn-lt"/>
+          <a:ea typeface="+mn-ea"/>
+          <a:cs typeface="+mn-cs"/>
+        </a:defRPr>
+      </a:lvl3pPr>
+      <a:lvl4pPr marL="1371600" algn="l" defTabSz="914400">
+        <a:defRPr sz="1800">
+          <a:solidFill>
+            <a:schemeClr val="tx1"/>
+          </a:solidFill>
+          <a:latin typeface="+mn-lt"/>
+          <a:ea typeface="+mn-ea"/>
+          <a:cs typeface="+mn-cs"/>
+        </a:defRPr>
+      </a:lvl4pPr>
+      <a:lvl5pPr marL="1828800" algn="l" defTabSz="914400">
+        <a:defRPr sz="1800">
+          <a:solidFill>
+            <a:schemeClr val="tx1"/>
+          </a:solidFill>
+          <a:latin typeface="+mn-lt"/>
+          <a:ea typeface="+mn-ea"/>
+          <a:cs typeface="+mn-cs"/>
+        </a:defRPr>
+      </a:lvl5pPr>
+      <a:lvl6pPr marL="2286000" algn="l" defTabSz="914400">
+        <a:defRPr sz="1800">
+          <a:solidFill>
+            <a:schemeClr val="tx1"/>
+          </a:solidFill>
+          <a:latin typeface="+mn-lt"/>
+          <a:ea typeface="+mn-ea"/>
+          <a:cs typeface="+mn-cs"/>
+        </a:defRPr>
+      </a:lvl6pPr>
+      <a:lvl7pPr marL="2743200" algn="l" defTabSz="914400">
+        <a:defRPr sz="1800">
+          <a:solidFill>
+            <a:schemeClr val="tx1"/>
+          </a:solidFill>
+          <a:latin typeface="+mn-lt"/>
+          <a:ea typeface="+mn-ea"/>
+          <a:cs typeface="+mn-cs"/>
+        </a:defRPr>
+      </a:lvl7pPr>
+      <a:lvl8pPr marL="3200400" algn="l" defTabSz="914400">
+        <a:defRPr sz="1800">
+          <a:solidFill>
+            <a:schemeClr val="tx1"/>
+          </a:solidFill>
+          <a:latin typeface="+mn-lt"/>
+          <a:ea typeface="+mn-ea"/>
+          <a:cs typeface="+mn-cs"/>
+        </a:defRPr>
+      </a:lvl8pPr>
+      <a:lvl9pPr marL="3657600" algn="l" defTabSz="914400">
+        <a:defRPr sz="1800">
+          <a:solidFill>
+            <a:schemeClr val="tx1"/>
+          </a:solidFill>
+          <a:latin typeface="+mn-lt"/>
+          <a:ea typeface="+mn-ea"/>
+          <a:cs typeface="+mn-cs"/>
+        </a:defRPr>
+      </a:lvl9pPr>
+    </p:otherStyle>
+  </p:txStyles>
 </p:sldMaster>
 </file>
 
@@ -5789,6 +6492,7 @@
           <a:bodyPr anchor="b">
             <a:noAutofit/>
           </a:bodyPr>
+          <a:lstStyle/>
           <a:p>
             <a:pPr algn="ctr">
               <a:lnSpc>
@@ -5840,6 +6544,7 @@
           <a:bodyPr>
             <a:normAutofit/>
           </a:bodyPr>
+          <a:lstStyle/>
           <a:p>
             <a:pPr marL="461880" indent="-404280">
               <a:lnSpc>
@@ -5928,7 +6633,7 @@
                 <a:latin typeface="Trebuchet MS"/>
                 <a:ea typeface="Arial"/>
               </a:rPr>
-              <a:t>Алгоритмы</a:t>
+              <a:t>Алгоритмы STL</a:t>
             </a:r>
             <a:endParaRPr lang="en-US" sz="2800" b="0" strike="noStrike" spc="-1">
               <a:latin typeface="Arial"/>
@@ -5952,16 +6657,6 @@
               </a:tabLst>
               <a:defRPr/>
             </a:pPr>
-            <a:r>
-              <a:rPr lang="ru-RU" sz="2800" b="0" strike="noStrike" spc="-1">
-                <a:solidFill>
-                  <a:srgbClr val="808080"/>
-                </a:solidFill>
-                <a:latin typeface="Trebuchet MS"/>
-                <a:ea typeface="Arial"/>
-              </a:rPr>
-              <a:t>Управление памятью</a:t>
-            </a:r>
             <a:endParaRPr lang="en-US" sz="2800" b="0" strike="noStrike" spc="-1">
               <a:latin typeface="Arial"/>
             </a:endParaRPr>
@@ -6042,15 +6737,22 @@
           </a:ln>
         </p:spPr>
         <p:style>
-          <a:lnRef idx="0"/>
-          <a:fillRef idx="0"/>
-          <a:effectRef idx="0"/>
+          <a:lnRef idx="0">
+            <a:srgbClr val="000000"/>
+          </a:lnRef>
+          <a:fillRef idx="0">
+            <a:srgbClr val="000000"/>
+          </a:fillRef>
+          <a:effectRef idx="0">
+            <a:srgbClr val="000000"/>
+          </a:effectRef>
           <a:fontRef idx="minor"/>
         </p:style>
         <p:txBody>
           <a:bodyPr>
             <a:noAutofit/>
           </a:bodyPr>
+          <a:lstStyle/>
           <a:p>
             <a:pPr algn="ctr">
               <a:lnSpc>
@@ -6134,7 +6836,7 @@
         </p:nvGraphicFramePr>
         <p:xfrm>
           <a:off x="443160" y="795240"/>
-          <a:ext cx="11490840" cy="5729760"/>
+          <a:ext cx="11490838" cy="5729760"/>
         </p:xfrm>
         <a:graphic>
           <a:graphicData uri="http://schemas.openxmlformats.org/drawingml/2006/table">
@@ -6171,11 +6873,12 @@
                       </a:endParaRPr>
                     </a:p>
                   </a:txBody>
-                  <a:tcPr marL="91440" marR="91440">
+                  <a:tcPr>
                     <a:lnL w="12240" algn="ctr">
                       <a:solidFill>
                         <a:srgbClr val="FFFFFF"/>
                       </a:solidFill>
+                      <a:round/>
                     </a:lnL>
                     <a:lnR w="12240" algn="ctr">
                       <a:solidFill>
@@ -6222,11 +6925,12 @@
                       </a:endParaRPr>
                     </a:p>
                   </a:txBody>
-                  <a:tcPr marL="91440" marR="91440">
+                  <a:tcPr>
                     <a:lnL w="12240" algn="ctr">
                       <a:solidFill>
                         <a:srgbClr val="FFFFFF"/>
                       </a:solidFill>
+                      <a:round/>
                     </a:lnL>
                     <a:lnR w="12240" algn="ctr">
                       <a:solidFill>
@@ -6276,7 +6980,7 @@
                       </a:endParaRPr>
                     </a:p>
                   </a:txBody>
-                  <a:tcPr marL="91440" marR="91440">
+                  <a:tcPr>
                     <a:lnL w="12240" algn="ctr">
                       <a:solidFill>
                         <a:srgbClr val="FFFFFF"/>
@@ -6296,6 +7000,7 @@
                       <a:solidFill>
                         <a:srgbClr val="FFFFFF"/>
                       </a:solidFill>
+                      <a:round/>
                     </a:lnB>
                     <a:solidFill>
                       <a:srgbClr val="90C226"/>
@@ -6438,7 +7143,7 @@
                       </a:endParaRPr>
                     </a:p>
                   </a:txBody>
-                  <a:tcPr marL="91440" marR="91440">
+                  <a:tcPr>
                     <a:lnL w="12240" algn="ctr">
                       <a:solidFill>
                         <a:srgbClr val="FFFFFF"/>
@@ -6449,7 +7154,7 @@
                         <a:srgbClr val="FFFFFF"/>
                       </a:solidFill>
                     </a:lnR>
-                    <a:lnT w="12240" algn="ctr">
+                    <a:lnT w="38160" algn="ctr">
                       <a:solidFill>
                         <a:srgbClr val="FFFFFF"/>
                       </a:solidFill>
@@ -6458,6 +7163,7 @@
                       <a:solidFill>
                         <a:srgbClr val="FFFFFF"/>
                       </a:solidFill>
+                      <a:round/>
                     </a:lnB>
                     <a:solidFill>
                       <a:srgbClr val="DBE9CC"/>
@@ -6618,7 +7324,7 @@
                       </a:endParaRPr>
                     </a:p>
                   </a:txBody>
-                  <a:tcPr marL="91440" marR="91440">
+                  <a:tcPr>
                     <a:lnL w="12240" algn="ctr">
                       <a:solidFill>
                         <a:srgbClr val="FFFFFF"/>
@@ -6629,7 +7335,7 @@
                         <a:srgbClr val="FFFFFF"/>
                       </a:solidFill>
                     </a:lnR>
-                    <a:lnT w="12240" algn="ctr">
+                    <a:lnT w="38160" algn="ctr">
                       <a:solidFill>
                         <a:srgbClr val="FFFFFF"/>
                       </a:solidFill>
@@ -6638,6 +7344,7 @@
                       <a:solidFill>
                         <a:srgbClr val="FFFFFF"/>
                       </a:solidFill>
+                      <a:round/>
                     </a:lnB>
                     <a:solidFill>
                       <a:srgbClr val="DBE9CC"/>
@@ -6672,7 +7379,7 @@
                       </a:endParaRPr>
                     </a:p>
                   </a:txBody>
-                  <a:tcPr marL="91440" marR="91440">
+                  <a:tcPr>
                     <a:lnL w="12240" algn="ctr">
                       <a:solidFill>
                         <a:srgbClr val="FFFFFF"/>
@@ -6682,8 +7389,9 @@
                       <a:solidFill>
                         <a:srgbClr val="FFFFFF"/>
                       </a:solidFill>
+                      <a:round/>
                     </a:lnR>
-                    <a:lnT w="12240" algn="ctr">
+                    <a:lnT w="38160" algn="ctr">
                       <a:solidFill>
                         <a:srgbClr val="FFFFFF"/>
                       </a:solidFill>
@@ -6808,7 +7516,7 @@
                       </a:endParaRPr>
                     </a:p>
                   </a:txBody>
-                  <a:tcPr marL="91440" marR="91440">
+                  <a:tcPr>
                     <a:lnL w="12240" algn="ctr">
                       <a:solidFill>
                         <a:srgbClr val="FFFFFF"/>
@@ -6828,6 +7536,7 @@
                       <a:solidFill>
                         <a:srgbClr val="FFFFFF"/>
                       </a:solidFill>
+                      <a:round/>
                     </a:lnB>
                     <a:solidFill>
                       <a:srgbClr val="EEF4E7"/>
@@ -6980,7 +7689,7 @@
                       </a:endParaRPr>
                     </a:p>
                   </a:txBody>
-                  <a:tcPr marL="91440" marR="91440">
+                  <a:tcPr>
                     <a:lnL w="12240" algn="ctr">
                       <a:solidFill>
                         <a:srgbClr val="FFFFFF"/>
@@ -7000,6 +7709,7 @@
                       <a:solidFill>
                         <a:srgbClr val="FFFFFF"/>
                       </a:solidFill>
+                      <a:round/>
                     </a:lnB>
                     <a:solidFill>
                       <a:srgbClr val="EEF4E7"/>
@@ -7099,7 +7809,7 @@
                       </a:endParaRPr>
                     </a:p>
                   </a:txBody>
-                  <a:tcPr marL="91440" marR="91440">
+                  <a:tcPr>
                     <a:lnL w="12240" algn="ctr">
                       <a:solidFill>
                         <a:srgbClr val="FFFFFF"/>
@@ -7109,6 +7819,7 @@
                       <a:solidFill>
                         <a:srgbClr val="FFFFFF"/>
                       </a:solidFill>
+                      <a:round/>
                     </a:lnR>
                     <a:lnT w="12240" algn="ctr">
                       <a:solidFill>
@@ -7187,15 +7898,22 @@
           </a:ln>
         </p:spPr>
         <p:style>
-          <a:lnRef idx="0"/>
-          <a:fillRef idx="0"/>
-          <a:effectRef idx="0"/>
+          <a:lnRef idx="0">
+            <a:srgbClr val="000000"/>
+          </a:lnRef>
+          <a:fillRef idx="0">
+            <a:srgbClr val="000000"/>
+          </a:fillRef>
+          <a:effectRef idx="0">
+            <a:srgbClr val="000000"/>
+          </a:effectRef>
           <a:fontRef idx="minor"/>
         </p:style>
         <p:txBody>
           <a:bodyPr>
             <a:noAutofit/>
           </a:bodyPr>
+          <a:lstStyle/>
           <a:p>
             <a:pPr algn="ctr">
               <a:lnSpc>
@@ -7279,7 +7997,7 @@
         </p:nvGraphicFramePr>
         <p:xfrm>
           <a:off x="443160" y="795240"/>
-          <a:ext cx="11490840" cy="5801760"/>
+          <a:ext cx="11490840" cy="5816760"/>
         </p:xfrm>
         <a:graphic>
           <a:graphicData uri="http://schemas.openxmlformats.org/drawingml/2006/table">
@@ -7316,11 +8034,12 @@
                       </a:endParaRPr>
                     </a:p>
                   </a:txBody>
-                  <a:tcPr marL="91440" marR="91440">
+                  <a:tcPr>
                     <a:lnL w="12240" algn="ctr">
                       <a:solidFill>
                         <a:srgbClr val="FFFFFF"/>
                       </a:solidFill>
+                      <a:round/>
                     </a:lnL>
                     <a:lnR w="12240" algn="ctr">
                       <a:solidFill>
@@ -7367,11 +8086,12 @@
                       </a:endParaRPr>
                     </a:p>
                   </a:txBody>
-                  <a:tcPr marL="91440" marR="91440">
+                  <a:tcPr>
                     <a:lnL w="12240" algn="ctr">
                       <a:solidFill>
                         <a:srgbClr val="FFFFFF"/>
                       </a:solidFill>
+                      <a:round/>
                     </a:lnL>
                     <a:lnR w="12240" algn="ctr">
                       <a:solidFill>
@@ -7418,7 +8138,7 @@
                       </a:endParaRPr>
                     </a:p>
                   </a:txBody>
-                  <a:tcPr marL="91440" marR="91440">
+                  <a:tcPr>
                     <a:lnL w="12240" algn="ctr">
                       <a:solidFill>
                         <a:srgbClr val="FFFFFF"/>
@@ -7438,6 +8158,7 @@
                       <a:solidFill>
                         <a:srgbClr val="FFFFFF"/>
                       </a:solidFill>
+                      <a:round/>
                     </a:lnB>
                     <a:solidFill>
                       <a:srgbClr val="90C226"/>
@@ -7606,7 +8327,7 @@
                       </a:endParaRPr>
                     </a:p>
                   </a:txBody>
-                  <a:tcPr marL="91440" marR="91440">
+                  <a:tcPr>
                     <a:lnL w="12240" algn="ctr">
                       <a:solidFill>
                         <a:srgbClr val="FFFFFF"/>
@@ -7617,7 +8338,7 @@
                         <a:srgbClr val="FFFFFF"/>
                       </a:solidFill>
                     </a:lnR>
-                    <a:lnT w="12240" algn="ctr">
+                    <a:lnT w="38160" algn="ctr">
                       <a:solidFill>
                         <a:srgbClr val="FFFFFF"/>
                       </a:solidFill>
@@ -7626,6 +8347,7 @@
                       <a:solidFill>
                         <a:srgbClr val="FFFFFF"/>
                       </a:solidFill>
+                      <a:round/>
                     </a:lnB>
                     <a:solidFill>
                       <a:srgbClr val="DBE9CC"/>
@@ -7858,7 +8580,7 @@
                       </a:endParaRPr>
                     </a:p>
                   </a:txBody>
-                  <a:tcPr marL="91440" marR="91440">
+                  <a:tcPr>
                     <a:lnL w="12240" algn="ctr">
                       <a:solidFill>
                         <a:srgbClr val="FFFFFF"/>
@@ -7869,7 +8591,7 @@
                         <a:srgbClr val="FFFFFF"/>
                       </a:solidFill>
                     </a:lnR>
-                    <a:lnT w="12240" algn="ctr">
+                    <a:lnT w="38160" algn="ctr">
                       <a:solidFill>
                         <a:srgbClr val="FFFFFF"/>
                       </a:solidFill>
@@ -7878,6 +8600,7 @@
                       <a:solidFill>
                         <a:srgbClr val="FFFFFF"/>
                       </a:solidFill>
+                      <a:round/>
                     </a:lnB>
                     <a:solidFill>
                       <a:srgbClr val="DBE9CC"/>
@@ -8000,7 +8723,7 @@
                       </a:endParaRPr>
                     </a:p>
                   </a:txBody>
-                  <a:tcPr marL="91440" marR="91440">
+                  <a:tcPr>
                     <a:lnL w="12240" algn="ctr">
                       <a:solidFill>
                         <a:srgbClr val="FFFFFF"/>
@@ -8010,8 +8733,9 @@
                       <a:solidFill>
                         <a:srgbClr val="FFFFFF"/>
                       </a:solidFill>
+                      <a:round/>
                     </a:lnR>
-                    <a:lnT w="12240" algn="ctr">
+                    <a:lnT w="38160" algn="ctr">
                       <a:solidFill>
                         <a:srgbClr val="FFFFFF"/>
                       </a:solidFill>
@@ -8088,15 +8812,22 @@
           </a:ln>
         </p:spPr>
         <p:style>
-          <a:lnRef idx="0"/>
-          <a:fillRef idx="0"/>
-          <a:effectRef idx="0"/>
+          <a:lnRef idx="0">
+            <a:srgbClr val="000000"/>
+          </a:lnRef>
+          <a:fillRef idx="0">
+            <a:srgbClr val="000000"/>
+          </a:fillRef>
+          <a:effectRef idx="0">
+            <a:srgbClr val="000000"/>
+          </a:effectRef>
           <a:fontRef idx="minor"/>
         </p:style>
         <p:txBody>
           <a:bodyPr>
             <a:noAutofit/>
           </a:bodyPr>
+          <a:lstStyle/>
           <a:p>
             <a:pPr algn="ctr">
               <a:lnSpc>
@@ -8180,7 +8911,7 @@
         </p:nvGraphicFramePr>
         <p:xfrm>
           <a:off x="443160" y="795240"/>
-          <a:ext cx="11485079" cy="5839560"/>
+          <a:ext cx="11485079" cy="5851199"/>
         </p:xfrm>
         <a:graphic>
           <a:graphicData uri="http://schemas.openxmlformats.org/drawingml/2006/table">
@@ -8217,11 +8948,12 @@
                       </a:endParaRPr>
                     </a:p>
                   </a:txBody>
-                  <a:tcPr marL="91440" marR="91440">
+                  <a:tcPr>
                     <a:lnL w="12240" algn="ctr">
                       <a:solidFill>
                         <a:srgbClr val="FFFFFF"/>
                       </a:solidFill>
+                      <a:round/>
                     </a:lnL>
                     <a:lnR w="12240" algn="ctr">
                       <a:solidFill>
@@ -8268,11 +9000,12 @@
                       </a:endParaRPr>
                     </a:p>
                   </a:txBody>
-                  <a:tcPr marL="91440" marR="91440">
+                  <a:tcPr>
                     <a:lnL w="12240" algn="ctr">
                       <a:solidFill>
                         <a:srgbClr val="FFFFFF"/>
                       </a:solidFill>
+                      <a:round/>
                     </a:lnL>
                     <a:lnR w="12240" algn="ctr">
                       <a:solidFill>
@@ -8322,7 +9055,7 @@
                       </a:endParaRPr>
                     </a:p>
                   </a:txBody>
-                  <a:tcPr marL="91440" marR="91440">
+                  <a:tcPr>
                     <a:lnL w="12240" algn="ctr">
                       <a:solidFill>
                         <a:srgbClr val="FFFFFF"/>
@@ -8342,6 +9075,7 @@
                       <a:solidFill>
                         <a:srgbClr val="FFFFFF"/>
                       </a:solidFill>
+                      <a:round/>
                     </a:lnB>
                     <a:solidFill>
                       <a:srgbClr val="90C226"/>
@@ -8406,7 +9140,7 @@
                       </a:endParaRPr>
                     </a:p>
                   </a:txBody>
-                  <a:tcPr marL="91440" marR="91440">
+                  <a:tcPr>
                     <a:lnL w="12240" algn="ctr">
                       <a:solidFill>
                         <a:srgbClr val="FFFFFF"/>
@@ -8417,7 +9151,7 @@
                         <a:srgbClr val="FFFFFF"/>
                       </a:solidFill>
                     </a:lnR>
-                    <a:lnT w="12240" algn="ctr">
+                    <a:lnT w="38160" algn="ctr">
                       <a:solidFill>
                         <a:srgbClr val="FFFFFF"/>
                       </a:solidFill>
@@ -8426,6 +9160,7 @@
                       <a:solidFill>
                         <a:srgbClr val="FFFFFF"/>
                       </a:solidFill>
+                      <a:round/>
                     </a:lnB>
                     <a:solidFill>
                       <a:srgbClr val="DBE9CC"/>
@@ -8508,7 +9243,7 @@
                       </a:endParaRPr>
                     </a:p>
                   </a:txBody>
-                  <a:tcPr marL="91440" marR="91440">
+                  <a:tcPr>
                     <a:lnL w="12240" algn="ctr">
                       <a:solidFill>
                         <a:srgbClr val="FFFFFF"/>
@@ -8519,7 +9254,7 @@
                         <a:srgbClr val="FFFFFF"/>
                       </a:solidFill>
                     </a:lnR>
-                    <a:lnT w="12240" algn="ctr">
+                    <a:lnT w="38160" algn="ctr">
                       <a:solidFill>
                         <a:srgbClr val="FFFFFF"/>
                       </a:solidFill>
@@ -8528,6 +9263,7 @@
                       <a:solidFill>
                         <a:srgbClr val="FFFFFF"/>
                       </a:solidFill>
+                      <a:round/>
                     </a:lnB>
                     <a:solidFill>
                       <a:srgbClr val="DBE9CC"/>
@@ -8562,7 +9298,7 @@
                       </a:endParaRPr>
                     </a:p>
                   </a:txBody>
-                  <a:tcPr marL="91440" marR="91440">
+                  <a:tcPr>
                     <a:lnL w="12240" algn="ctr">
                       <a:solidFill>
                         <a:srgbClr val="FFFFFF"/>
@@ -8572,8 +9308,9 @@
                       <a:solidFill>
                         <a:srgbClr val="FFFFFF"/>
                       </a:solidFill>
+                      <a:round/>
                     </a:lnR>
-                    <a:lnT w="12240" algn="ctr">
+                    <a:lnT w="38160" algn="ctr">
                       <a:solidFill>
                         <a:srgbClr val="FFFFFF"/>
                       </a:solidFill>
@@ -8698,7 +9435,7 @@
                       </a:endParaRPr>
                     </a:p>
                   </a:txBody>
-                  <a:tcPr marL="91440" marR="91440">
+                  <a:tcPr>
                     <a:lnL w="12240" algn="ctr">
                       <a:solidFill>
                         <a:srgbClr val="FFFFFF"/>
@@ -8718,6 +9455,7 @@
                       <a:solidFill>
                         <a:srgbClr val="FFFFFF"/>
                       </a:solidFill>
+                      <a:round/>
                     </a:lnB>
                     <a:solidFill>
                       <a:srgbClr val="EEF4E7"/>
@@ -8852,7 +9590,7 @@
                       </a:endParaRPr>
                     </a:p>
                   </a:txBody>
-                  <a:tcPr marL="91440" marR="91440">
+                  <a:tcPr>
                     <a:lnL w="12240" algn="ctr">
                       <a:solidFill>
                         <a:srgbClr val="FFFFFF"/>
@@ -8872,6 +9610,7 @@
                       <a:solidFill>
                         <a:srgbClr val="FFFFFF"/>
                       </a:solidFill>
+                      <a:round/>
                     </a:lnB>
                     <a:solidFill>
                       <a:srgbClr val="EEF4E7"/>
@@ -8920,7 +9659,7 @@
                       </a:endParaRPr>
                     </a:p>
                   </a:txBody>
-                  <a:tcPr marL="91440" marR="91440">
+                  <a:tcPr>
                     <a:lnL w="12240" algn="ctr">
                       <a:solidFill>
                         <a:srgbClr val="FFFFFF"/>
@@ -8930,6 +9669,7 @@
                       <a:solidFill>
                         <a:srgbClr val="FFFFFF"/>
                       </a:solidFill>
+                      <a:round/>
                     </a:lnR>
                     <a:lnT w="12240" algn="ctr">
                       <a:solidFill>
@@ -9004,7 +9744,7 @@
                       </a:endParaRPr>
                     </a:p>
                   </a:txBody>
-                  <a:tcPr marL="91440" marR="91440">
+                  <a:tcPr>
                     <a:lnL w="12240" algn="ctr">
                       <a:solidFill>
                         <a:srgbClr val="FFFFFF"/>
@@ -9014,6 +9754,7 @@
                       <a:solidFill>
                         <a:srgbClr val="FFFFFF"/>
                       </a:solidFill>
+                      <a:round/>
                     </a:lnR>
                     <a:lnT w="12240" algn="ctr">
                       <a:solidFill>
@@ -9126,7 +9867,7 @@
                       </a:endParaRPr>
                     </a:p>
                   </a:txBody>
-                  <a:tcPr marL="91440" marR="91440">
+                  <a:tcPr>
                     <a:lnL w="12240" algn="ctr">
                       <a:solidFill>
                         <a:srgbClr val="FFFFFF"/>
@@ -9141,6 +9882,7 @@
                       <a:solidFill>
                         <a:srgbClr val="FFFFFF"/>
                       </a:solidFill>
+                      <a:round/>
                     </a:lnT>
                     <a:lnB w="12240" algn="ctr">
                       <a:solidFill>
@@ -9194,7 +9936,7 @@
                       </a:endParaRPr>
                     </a:p>
                   </a:txBody>
-                  <a:tcPr marL="91440" marR="91440">
+                  <a:tcPr>
                     <a:lnL w="12240" algn="ctr">
                       <a:solidFill>
                         <a:srgbClr val="FFFFFF"/>
@@ -9209,6 +9951,7 @@
                       <a:solidFill>
                         <a:srgbClr val="FFFFFF"/>
                       </a:solidFill>
+                      <a:round/>
                     </a:lnT>
                     <a:lnB w="12240" algn="ctr">
                       <a:solidFill>
@@ -9278,7 +10021,7 @@
                       </a:endParaRPr>
                     </a:p>
                   </a:txBody>
-                  <a:tcPr marL="91440" marR="91440">
+                  <a:tcPr>
                     <a:lnL w="12240" algn="ctr">
                       <a:solidFill>
                         <a:srgbClr val="FFFFFF"/>
@@ -9298,6 +10041,7 @@
                       <a:solidFill>
                         <a:srgbClr val="FFFFFF"/>
                       </a:solidFill>
+                      <a:round/>
                     </a:lnB>
                     <a:solidFill>
                       <a:srgbClr val="EEF4E7"/>
@@ -9360,7 +10104,7 @@
                       </a:endParaRPr>
                     </a:p>
                   </a:txBody>
-                  <a:tcPr marL="91440" marR="91440">
+                  <a:tcPr>
                     <a:lnL w="12240" algn="ctr">
                       <a:solidFill>
                         <a:srgbClr val="FFFFFF"/>
@@ -9370,6 +10114,7 @@
                       <a:solidFill>
                         <a:srgbClr val="FFFFFF"/>
                       </a:solidFill>
+                      <a:round/>
                     </a:lnR>
                     <a:lnT w="12240" algn="ctr">
                       <a:solidFill>
@@ -9414,7 +10159,7 @@
                       </a:endParaRPr>
                     </a:p>
                   </a:txBody>
-                  <a:tcPr marL="91440" marR="91440">
+                  <a:tcPr>
                     <a:lnL w="12240" algn="ctr">
                       <a:solidFill>
                         <a:srgbClr val="FFFFFF"/>
@@ -9434,6 +10179,7 @@
                       <a:solidFill>
                         <a:srgbClr val="FFFFFF"/>
                       </a:solidFill>
+                      <a:round/>
                     </a:lnB>
                     <a:solidFill>
                       <a:srgbClr val="EEF4E7"/>
@@ -9502,15 +10248,22 @@
           </a:ln>
         </p:spPr>
         <p:style>
-          <a:lnRef idx="0"/>
-          <a:fillRef idx="0"/>
-          <a:effectRef idx="0"/>
+          <a:lnRef idx="0">
+            <a:srgbClr val="000000"/>
+          </a:lnRef>
+          <a:fillRef idx="0">
+            <a:srgbClr val="000000"/>
+          </a:fillRef>
+          <a:effectRef idx="0">
+            <a:srgbClr val="000000"/>
+          </a:effectRef>
           <a:fontRef idx="minor"/>
         </p:style>
         <p:txBody>
           <a:bodyPr>
             <a:noAutofit/>
           </a:bodyPr>
+          <a:lstStyle/>
           <a:p>
             <a:pPr algn="ctr">
               <a:lnSpc>
@@ -9631,11 +10384,12 @@
                       </a:endParaRPr>
                     </a:p>
                   </a:txBody>
-                  <a:tcPr marL="91440" marR="91440">
+                  <a:tcPr>
                     <a:lnL w="12240" algn="ctr">
                       <a:solidFill>
                         <a:srgbClr val="FFFFFF"/>
                       </a:solidFill>
+                      <a:round/>
                     </a:lnL>
                     <a:lnR w="12240" algn="ctr">
                       <a:solidFill>
@@ -9682,11 +10436,12 @@
                       </a:endParaRPr>
                     </a:p>
                   </a:txBody>
-                  <a:tcPr marL="91440" marR="91440">
+                  <a:tcPr>
                     <a:lnL w="12240" algn="ctr">
                       <a:solidFill>
                         <a:srgbClr val="FFFFFF"/>
                       </a:solidFill>
+                      <a:round/>
                     </a:lnL>
                     <a:lnR w="12240" algn="ctr">
                       <a:solidFill>
@@ -9736,7 +10491,7 @@
                       </a:endParaRPr>
                     </a:p>
                   </a:txBody>
-                  <a:tcPr marL="91440" marR="91440">
+                  <a:tcPr>
                     <a:lnL w="12240" algn="ctr">
                       <a:solidFill>
                         <a:srgbClr val="FFFFFF"/>
@@ -9756,6 +10511,7 @@
                       <a:solidFill>
                         <a:srgbClr val="FFFFFF"/>
                       </a:solidFill>
+                      <a:round/>
                     </a:lnB>
                     <a:solidFill>
                       <a:srgbClr val="90C226"/>
@@ -9872,18 +10628,19 @@
                       </a:endParaRPr>
                     </a:p>
                   </a:txBody>
-                  <a:tcPr marL="91440" marR="91440">
+                  <a:tcPr>
                     <a:lnL w="12240" algn="ctr">
                       <a:solidFill>
                         <a:srgbClr val="FFFFFF"/>
                       </a:solidFill>
+                      <a:round/>
                     </a:lnL>
                     <a:lnR w="12240" algn="ctr">
                       <a:solidFill>
                         <a:srgbClr val="FFFFFF"/>
                       </a:solidFill>
                     </a:lnR>
-                    <a:lnT w="12240" algn="ctr">
+                    <a:lnT w="38160" algn="ctr">
                       <a:solidFill>
                         <a:srgbClr val="FFFFFF"/>
                       </a:solidFill>
@@ -10046,18 +10803,19 @@
                       </a:endParaRPr>
                     </a:p>
                   </a:txBody>
-                  <a:tcPr marL="91440" marR="91440">
+                  <a:tcPr>
                     <a:lnL w="12240" algn="ctr">
                       <a:solidFill>
                         <a:srgbClr val="FFFFFF"/>
                       </a:solidFill>
+                      <a:round/>
                     </a:lnL>
                     <a:lnR w="12240" algn="ctr">
                       <a:solidFill>
                         <a:srgbClr val="FFFFFF"/>
                       </a:solidFill>
                     </a:lnR>
-                    <a:lnT w="12240" algn="ctr">
+                    <a:lnT w="38160" algn="ctr">
                       <a:solidFill>
                         <a:srgbClr val="FFFFFF"/>
                       </a:solidFill>
@@ -10100,7 +10858,7 @@
                       </a:endParaRPr>
                     </a:p>
                   </a:txBody>
-                  <a:tcPr marL="91440" marR="91440">
+                  <a:tcPr>
                     <a:lnL w="12240" algn="ctr">
                       <a:solidFill>
                         <a:srgbClr val="FFFFFF"/>
@@ -10111,7 +10869,7 @@
                         <a:srgbClr val="FFFFFF"/>
                       </a:solidFill>
                     </a:lnR>
-                    <a:lnT w="12240" algn="ctr">
+                    <a:lnT w="38160" algn="ctr">
                       <a:solidFill>
                         <a:srgbClr val="FFFFFF"/>
                       </a:solidFill>
@@ -10120,6 +10878,7 @@
                       <a:solidFill>
                         <a:srgbClr val="FFFFFF"/>
                       </a:solidFill>
+                      <a:round/>
                     </a:lnB>
                     <a:solidFill>
                       <a:srgbClr val="DBE9CC"/>
@@ -10256,7 +11015,7 @@
                       </a:endParaRPr>
                     </a:p>
                   </a:txBody>
-                  <a:tcPr marL="91440" marR="91440">
+                  <a:tcPr>
                     <a:lnL w="12240" algn="ctr">
                       <a:solidFill>
                         <a:srgbClr val="FFFFFF"/>
@@ -10276,6 +11035,7 @@
                       <a:solidFill>
                         <a:srgbClr val="FFFFFF"/>
                       </a:solidFill>
+                      <a:round/>
                     </a:lnB>
                     <a:solidFill>
                       <a:srgbClr val="EEF4E7"/>
@@ -10401,7 +11161,7 @@
                       </a:endParaRPr>
                     </a:p>
                   </a:txBody>
-                  <a:tcPr marL="91440" marR="91440">
+                  <a:tcPr>
                     <a:lnL w="12240" algn="ctr">
                       <a:solidFill>
                         <a:srgbClr val="FFFFFF"/>
@@ -10421,6 +11181,7 @@
                       <a:solidFill>
                         <a:srgbClr val="FFFFFF"/>
                       </a:solidFill>
+                      <a:round/>
                     </a:lnB>
                     <a:solidFill>
                       <a:srgbClr val="EEF4E7"/>
@@ -10469,7 +11230,7 @@
                       </a:endParaRPr>
                     </a:p>
                   </a:txBody>
-                  <a:tcPr marL="91440" marR="91440">
+                  <a:tcPr>
                     <a:lnL w="12240" algn="ctr">
                       <a:solidFill>
                         <a:srgbClr val="FFFFFF"/>
@@ -10479,6 +11240,7 @@
                       <a:solidFill>
                         <a:srgbClr val="FFFFFF"/>
                       </a:solidFill>
+                      <a:round/>
                     </a:lnR>
                     <a:lnT w="12240" algn="ctr">
                       <a:solidFill>
@@ -10543,7 +11305,7 @@
         </p:nvGraphicFramePr>
         <p:xfrm>
           <a:off x="479520" y="908640"/>
-          <a:ext cx="11454480" cy="3384000"/>
+          <a:ext cx="11454479" cy="3449040"/>
         </p:xfrm>
         <a:graphic>
           <a:graphicData uri="http://schemas.openxmlformats.org/drawingml/2006/table">
@@ -10580,7 +11342,7 @@
                       </a:endParaRPr>
                     </a:p>
                   </a:txBody>
-                  <a:tcPr marL="91440" marR="91440">
+                  <a:tcPr>
                     <a:lnL w="12240" algn="ctr">
                       <a:solidFill>
                         <a:srgbClr val="FFFFFF"/>
@@ -10590,6 +11352,7 @@
                       <a:solidFill>
                         <a:srgbClr val="FFFFFF"/>
                       </a:solidFill>
+                      <a:round/>
                     </a:lnR>
                     <a:lnT w="12240" algn="ctr">
                       <a:solidFill>
@@ -10631,7 +11394,7 @@
                       </a:endParaRPr>
                     </a:p>
                   </a:txBody>
-                  <a:tcPr marL="91440" marR="91440">
+                  <a:tcPr>
                     <a:lnL w="12240" algn="ctr">
                       <a:solidFill>
                         <a:srgbClr val="FFFFFF"/>
@@ -10646,6 +11409,7 @@
                       <a:solidFill>
                         <a:srgbClr val="FFFFFF"/>
                       </a:solidFill>
+                      <a:round/>
                     </a:lnT>
                     <a:lnB w="38160" algn="ctr">
                       <a:solidFill>
@@ -10685,7 +11449,7 @@
                       </a:endParaRPr>
                     </a:p>
                   </a:txBody>
-                  <a:tcPr marL="91440" marR="91440">
+                  <a:tcPr>
                     <a:lnL w="12240" algn="ctr">
                       <a:solidFill>
                         <a:srgbClr val="FFFFFF"/>
@@ -10700,6 +11464,7 @@
                       <a:solidFill>
                         <a:srgbClr val="FFFFFF"/>
                       </a:solidFill>
+                      <a:round/>
                     </a:lnT>
                     <a:lnB w="38160" algn="ctr">
                       <a:solidFill>
@@ -10832,7 +11597,7 @@
                       </a:endParaRPr>
                     </a:p>
                   </a:txBody>
-                  <a:tcPr marL="91440" marR="91440">
+                  <a:tcPr>
                     <a:lnL w="12240" algn="ctr">
                       <a:solidFill>
                         <a:srgbClr val="FFFFFF"/>
@@ -10843,10 +11608,11 @@
                         <a:srgbClr val="FFFFFF"/>
                       </a:solidFill>
                     </a:lnR>
-                    <a:lnT w="12240" algn="ctr">
-                      <a:solidFill>
-                        <a:srgbClr val="FFFFFF"/>
-                      </a:solidFill>
+                    <a:lnT w="38160" algn="ctr">
+                      <a:solidFill>
+                        <a:srgbClr val="FFFFFF"/>
+                      </a:solidFill>
+                      <a:round/>
                     </a:lnT>
                     <a:lnB w="12240" algn="ctr">
                       <a:solidFill>
@@ -10966,7 +11732,7 @@
                       </a:endParaRPr>
                     </a:p>
                   </a:txBody>
-                  <a:tcPr marL="91440" marR="91440">
+                  <a:tcPr>
                     <a:lnL w="12240" algn="ctr">
                       <a:solidFill>
                         <a:srgbClr val="FFFFFF"/>
@@ -10976,8 +11742,9 @@
                       <a:solidFill>
                         <a:srgbClr val="FFFFFF"/>
                       </a:solidFill>
+                      <a:round/>
                     </a:lnR>
-                    <a:lnT w="12240" algn="ctr">
+                    <a:lnT w="38160" algn="ctr">
                       <a:solidFill>
                         <a:srgbClr val="FFFFFF"/>
                       </a:solidFill>
@@ -11020,18 +11787,19 @@
                       </a:endParaRPr>
                     </a:p>
                   </a:txBody>
-                  <a:tcPr marL="91440" marR="91440">
+                  <a:tcPr>
                     <a:lnL w="12240" algn="ctr">
                       <a:solidFill>
                         <a:srgbClr val="FFFFFF"/>
                       </a:solidFill>
+                      <a:round/>
                     </a:lnL>
                     <a:lnR w="12240" algn="ctr">
                       <a:solidFill>
                         <a:srgbClr val="FFFFFF"/>
                       </a:solidFill>
                     </a:lnR>
-                    <a:lnT w="12240" algn="ctr">
+                    <a:lnT w="38160" algn="ctr">
                       <a:solidFill>
                         <a:srgbClr val="FFFFFF"/>
                       </a:solidFill>
@@ -11104,7 +11872,7 @@
                       </a:endParaRPr>
                     </a:p>
                   </a:txBody>
-                  <a:tcPr marL="91440" marR="91440">
+                  <a:tcPr>
                     <a:lnL w="12240" algn="ctr">
                       <a:solidFill>
                         <a:srgbClr val="FFFFFF"/>
@@ -11119,6 +11887,7 @@
                       <a:solidFill>
                         <a:srgbClr val="FFFFFF"/>
                       </a:solidFill>
+                      <a:round/>
                     </a:lnT>
                     <a:lnB w="12240" algn="ctr">
                       <a:solidFill>
@@ -11186,7 +11955,7 @@
                       </a:endParaRPr>
                     </a:p>
                   </a:txBody>
-                  <a:tcPr marL="91440" marR="91440">
+                  <a:tcPr>
                     <a:lnL w="12240" algn="ctr">
                       <a:solidFill>
                         <a:srgbClr val="FFFFFF"/>
@@ -11196,6 +11965,7 @@
                       <a:solidFill>
                         <a:srgbClr val="FFFFFF"/>
                       </a:solidFill>
+                      <a:round/>
                     </a:lnR>
                     <a:lnT w="12240" algn="ctr">
                       <a:solidFill>
@@ -11254,11 +12024,12 @@
                       </a:endParaRPr>
                     </a:p>
                   </a:txBody>
-                  <a:tcPr marL="91440" marR="91440">
+                  <a:tcPr>
                     <a:lnL w="12240" algn="ctr">
                       <a:solidFill>
                         <a:srgbClr val="FFFFFF"/>
                       </a:solidFill>
+                      <a:round/>
                     </a:lnL>
                     <a:lnR w="12240" algn="ctr">
                       <a:solidFill>
@@ -11309,15 +12080,22 @@
           </a:ln>
         </p:spPr>
         <p:style>
-          <a:lnRef idx="0"/>
-          <a:fillRef idx="0"/>
-          <a:effectRef idx="0"/>
+          <a:lnRef idx="0">
+            <a:srgbClr val="000000"/>
+          </a:lnRef>
+          <a:fillRef idx="0">
+            <a:srgbClr val="000000"/>
+          </a:fillRef>
+          <a:effectRef idx="0">
+            <a:srgbClr val="000000"/>
+          </a:effectRef>
           <a:fontRef idx="minor"/>
         </p:style>
         <p:txBody>
           <a:bodyPr>
             <a:noAutofit/>
           </a:bodyPr>
+          <a:lstStyle/>
           <a:p>
             <a:pPr algn="ctr">
               <a:lnSpc>
@@ -11393,7 +12171,7 @@
       </p:sp>
       <p:pic>
         <p:nvPicPr>
-          <p:cNvPr id="196" name="Рисунок 5" descr=""/>
+          <p:cNvPr id="196" name="Рисунок 5"/>
           <p:cNvPicPr/>
           <p:nvPr/>
         </p:nvPicPr>
@@ -11434,15 +12212,22 @@
           </a:ln>
         </p:spPr>
         <p:style>
-          <a:lnRef idx="0"/>
-          <a:fillRef idx="0"/>
-          <a:effectRef idx="0"/>
+          <a:lnRef idx="0">
+            <a:srgbClr val="000000"/>
+          </a:lnRef>
+          <a:fillRef idx="0">
+            <a:srgbClr val="000000"/>
+          </a:fillRef>
+          <a:effectRef idx="0">
+            <a:srgbClr val="000000"/>
+          </a:effectRef>
           <a:fontRef idx="minor"/>
         </p:style>
         <p:txBody>
           <a:bodyPr wrap="none" lIns="90000" tIns="45000" rIns="90000" bIns="45000">
             <a:spAutoFit/>
           </a:bodyPr>
+          <a:lstStyle/>
           <a:p>
             <a:pPr>
               <a:lnSpc>
@@ -11544,15 +12329,22 @@
           </a:ln>
         </p:spPr>
         <p:style>
-          <a:lnRef idx="0"/>
-          <a:fillRef idx="0"/>
-          <a:effectRef idx="0"/>
+          <a:lnRef idx="0">
+            <a:srgbClr val="000000"/>
+          </a:lnRef>
+          <a:fillRef idx="0">
+            <a:srgbClr val="000000"/>
+          </a:fillRef>
+          <a:effectRef idx="0">
+            <a:srgbClr val="000000"/>
+          </a:effectRef>
           <a:fontRef idx="minor"/>
         </p:style>
         <p:txBody>
           <a:bodyPr wrap="none" lIns="90000" tIns="45000" rIns="90000" bIns="45000">
             <a:spAutoFit/>
           </a:bodyPr>
+          <a:lstStyle/>
           <a:p>
             <a:pPr>
               <a:lnSpc>
@@ -11598,15 +12390,22 @@
           </a:ln>
         </p:spPr>
         <p:style>
-          <a:lnRef idx="0"/>
-          <a:fillRef idx="0"/>
-          <a:effectRef idx="0"/>
+          <a:lnRef idx="0">
+            <a:srgbClr val="000000"/>
+          </a:lnRef>
+          <a:fillRef idx="0">
+            <a:srgbClr val="000000"/>
+          </a:fillRef>
+          <a:effectRef idx="0">
+            <a:srgbClr val="000000"/>
+          </a:effectRef>
           <a:fontRef idx="minor"/>
         </p:style>
         <p:txBody>
           <a:bodyPr wrap="none" lIns="90000" tIns="45000" rIns="90000" bIns="45000">
             <a:spAutoFit/>
           </a:bodyPr>
+          <a:lstStyle/>
           <a:p>
             <a:pPr>
               <a:lnSpc>
@@ -11764,15 +12563,22 @@
           </a:ln>
         </p:spPr>
         <p:style>
-          <a:lnRef idx="0"/>
-          <a:fillRef idx="0"/>
-          <a:effectRef idx="0"/>
+          <a:lnRef idx="0">
+            <a:srgbClr val="000000"/>
+          </a:lnRef>
+          <a:fillRef idx="0">
+            <a:srgbClr val="000000"/>
+          </a:fillRef>
+          <a:effectRef idx="0">
+            <a:srgbClr val="000000"/>
+          </a:effectRef>
           <a:fontRef idx="minor"/>
         </p:style>
         <p:txBody>
           <a:bodyPr wrap="none" lIns="90000" tIns="45000" rIns="90000" bIns="45000">
             <a:spAutoFit/>
           </a:bodyPr>
+          <a:lstStyle/>
           <a:p>
             <a:pPr>
               <a:lnSpc>
@@ -11884,15 +12690,22 @@
           </a:ln>
         </p:spPr>
         <p:style>
-          <a:lnRef idx="0"/>
-          <a:fillRef idx="0"/>
-          <a:effectRef idx="0"/>
+          <a:lnRef idx="0">
+            <a:srgbClr val="000000"/>
+          </a:lnRef>
+          <a:fillRef idx="0">
+            <a:srgbClr val="000000"/>
+          </a:fillRef>
+          <a:effectRef idx="0">
+            <a:srgbClr val="000000"/>
+          </a:effectRef>
           <a:fontRef idx="minor"/>
         </p:style>
         <p:txBody>
           <a:bodyPr>
             <a:noAutofit/>
           </a:bodyPr>
+          <a:lstStyle/>
           <a:p>
             <a:pPr algn="ctr">
               <a:lnSpc>
@@ -11976,7 +12789,7 @@
         </p:nvGraphicFramePr>
         <p:xfrm>
           <a:off x="479520" y="908640"/>
-          <a:ext cx="11454480" cy="5093280"/>
+          <a:ext cx="11454479" cy="5104920"/>
         </p:xfrm>
         <a:graphic>
           <a:graphicData uri="http://schemas.openxmlformats.org/drawingml/2006/table">
@@ -12013,7 +12826,7 @@
                       </a:endParaRPr>
                     </a:p>
                   </a:txBody>
-                  <a:tcPr marL="91440" marR="91440">
+                  <a:tcPr>
                     <a:lnL w="12240" algn="ctr">
                       <a:solidFill>
                         <a:srgbClr val="FFFFFF"/>
@@ -12064,7 +12877,7 @@
                       </a:endParaRPr>
                     </a:p>
                   </a:txBody>
-                  <a:tcPr marL="91440" marR="91440">
+                  <a:tcPr>
                     <a:lnL w="12240" algn="ctr">
                       <a:solidFill>
                         <a:srgbClr val="FFFFFF"/>
@@ -12118,7 +12931,7 @@
                       </a:endParaRPr>
                     </a:p>
                   </a:txBody>
-                  <a:tcPr marL="91440" marR="91440">
+                  <a:tcPr>
                     <a:lnL w="12240" algn="ctr">
                       <a:solidFill>
                         <a:srgbClr val="FFFFFF"/>
@@ -12216,7 +13029,7 @@
                       </a:endParaRPr>
                     </a:p>
                   </a:txBody>
-                  <a:tcPr marL="91440" marR="91440">
+                  <a:tcPr>
                     <a:lnL w="12240" algn="ctr">
                       <a:solidFill>
                         <a:srgbClr val="FFFFFF"/>
@@ -12227,7 +13040,7 @@
                         <a:srgbClr val="FFFFFF"/>
                       </a:solidFill>
                     </a:lnR>
-                    <a:lnT w="12240" algn="ctr">
+                    <a:lnT w="38160" algn="ctr">
                       <a:solidFill>
                         <a:srgbClr val="FFFFFF"/>
                       </a:solidFill>
@@ -12298,7 +13111,7 @@
                       </a:endParaRPr>
                     </a:p>
                   </a:txBody>
-                  <a:tcPr marL="91440" marR="91440">
+                  <a:tcPr>
                     <a:lnL w="12240" algn="ctr">
                       <a:solidFill>
                         <a:srgbClr val="FFFFFF"/>
@@ -12309,7 +13122,7 @@
                         <a:srgbClr val="FFFFFF"/>
                       </a:solidFill>
                     </a:lnR>
-                    <a:lnT w="12240" algn="ctr">
+                    <a:lnT w="38160" algn="ctr">
                       <a:solidFill>
                         <a:srgbClr val="FFFFFF"/>
                       </a:solidFill>
@@ -12382,7 +13195,7 @@
                       </a:endParaRPr>
                     </a:p>
                   </a:txBody>
-                  <a:tcPr marL="91440" marR="91440">
+                  <a:tcPr>
                     <a:lnL w="12240" algn="ctr">
                       <a:solidFill>
                         <a:srgbClr val="FFFFFF"/>
@@ -12393,7 +13206,7 @@
                         <a:srgbClr val="FFFFFF"/>
                       </a:solidFill>
                     </a:lnR>
-                    <a:lnT w="12240" algn="ctr">
+                    <a:lnT w="38160" algn="ctr">
                       <a:solidFill>
                         <a:srgbClr val="FFFFFF"/>
                       </a:solidFill>
@@ -12466,7 +13279,7 @@
                       </a:endParaRPr>
                     </a:p>
                   </a:txBody>
-                  <a:tcPr marL="91440" marR="91440">
+                  <a:tcPr>
                     <a:lnL w="12240" algn="ctr">
                       <a:solidFill>
                         <a:srgbClr val="FFFFFF"/>
@@ -12548,7 +13361,7 @@
                       </a:endParaRPr>
                     </a:p>
                   </a:txBody>
-                  <a:tcPr marL="91440" marR="91440">
+                  <a:tcPr>
                     <a:lnL w="12240" algn="ctr">
                       <a:solidFill>
                         <a:srgbClr val="FFFFFF"/>
@@ -12646,7 +13459,7 @@
                       </a:endParaRPr>
                     </a:p>
                   </a:txBody>
-                  <a:tcPr marL="91440" marR="91440">
+                  <a:tcPr>
                     <a:lnL w="12240" algn="ctr">
                       <a:solidFill>
                         <a:srgbClr val="FFFFFF"/>
@@ -12730,7 +13543,7 @@
                       </a:endParaRPr>
                     </a:p>
                   </a:txBody>
-                  <a:tcPr marL="91440" marR="91440">
+                  <a:tcPr>
                     <a:lnL w="12240" algn="ctr">
                       <a:solidFill>
                         <a:srgbClr val="FFFFFF"/>
@@ -12784,7 +13597,7 @@
                       </a:endParaRPr>
                     </a:p>
                   </a:txBody>
-                  <a:tcPr marL="91440" marR="91440">
+                  <a:tcPr>
                     <a:lnL w="12240" algn="ctr">
                       <a:solidFill>
                         <a:srgbClr val="FFFFFF"/>
@@ -12868,7 +13681,7 @@
                       </a:endParaRPr>
                     </a:p>
                   </a:txBody>
-                  <a:tcPr marL="91440" marR="91440">
+                  <a:tcPr>
                     <a:lnL w="12240" algn="ctr">
                       <a:solidFill>
                         <a:srgbClr val="FFFFFF"/>
@@ -12952,7 +13765,7 @@
                       </a:endParaRPr>
                     </a:p>
                   </a:txBody>
-                  <a:tcPr marL="91440" marR="91440">
+                  <a:tcPr>
                     <a:lnL w="12240" algn="ctr">
                       <a:solidFill>
                         <a:srgbClr val="FFFFFF"/>
@@ -13006,7 +13819,7 @@
                       </a:endParaRPr>
                     </a:p>
                   </a:txBody>
-                  <a:tcPr marL="91440" marR="91440">
+                  <a:tcPr>
                     <a:lnL w="12240" algn="ctr">
                       <a:solidFill>
                         <a:srgbClr val="FFFFFF"/>
@@ -13090,7 +13903,7 @@
                       </a:endParaRPr>
                     </a:p>
                   </a:txBody>
-                  <a:tcPr marL="91440" marR="91440">
+                  <a:tcPr>
                     <a:lnL w="12240" algn="ctr">
                       <a:solidFill>
                         <a:srgbClr val="FFFFFF"/>
@@ -13178,15 +13991,22 @@
           </a:ln>
         </p:spPr>
         <p:style>
-          <a:lnRef idx="0"/>
-          <a:fillRef idx="0"/>
-          <a:effectRef idx="0"/>
+          <a:lnRef idx="0">
+            <a:srgbClr val="000000"/>
+          </a:lnRef>
+          <a:fillRef idx="0">
+            <a:srgbClr val="000000"/>
+          </a:fillRef>
+          <a:effectRef idx="0">
+            <a:srgbClr val="000000"/>
+          </a:effectRef>
           <a:fontRef idx="minor"/>
         </p:style>
         <p:txBody>
           <a:bodyPr>
             <a:noAutofit/>
           </a:bodyPr>
+          <a:lstStyle/>
           <a:p>
             <a:pPr algn="ctr">
               <a:lnSpc>
@@ -13270,7 +14090,7 @@
         </p:nvGraphicFramePr>
         <p:xfrm>
           <a:off x="467640" y="836640"/>
-          <a:ext cx="11454480" cy="5760360"/>
+          <a:ext cx="11454479" cy="5760360"/>
         </p:xfrm>
         <a:graphic>
           <a:graphicData uri="http://schemas.openxmlformats.org/drawingml/2006/table">
@@ -13307,7 +14127,7 @@
                       </a:endParaRPr>
                     </a:p>
                   </a:txBody>
-                  <a:tcPr marL="91440" marR="91440">
+                  <a:tcPr>
                     <a:lnL w="12240" algn="ctr">
                       <a:solidFill>
                         <a:srgbClr val="FFFFFF"/>
@@ -13358,7 +14178,7 @@
                       </a:endParaRPr>
                     </a:p>
                   </a:txBody>
-                  <a:tcPr marL="91440" marR="91440">
+                  <a:tcPr>
                     <a:lnL w="12240" algn="ctr">
                       <a:solidFill>
                         <a:srgbClr val="FFFFFF"/>
@@ -13412,7 +14232,7 @@
                       </a:endParaRPr>
                     </a:p>
                   </a:txBody>
-                  <a:tcPr marL="91440" marR="91440">
+                  <a:tcPr>
                     <a:lnL w="12240" algn="ctr">
                       <a:solidFill>
                         <a:srgbClr val="FFFFFF"/>
@@ -13562,7 +14382,7 @@
                       </a:endParaRPr>
                     </a:p>
                   </a:txBody>
-                  <a:tcPr marL="91440" marR="91440">
+                  <a:tcPr>
                     <a:lnL w="12240" algn="ctr">
                       <a:solidFill>
                         <a:srgbClr val="FFFFFF"/>
@@ -13573,7 +14393,7 @@
                         <a:srgbClr val="FFFFFF"/>
                       </a:solidFill>
                     </a:lnR>
-                    <a:lnT w="12240" algn="ctr">
+                    <a:lnT w="38160" algn="ctr">
                       <a:solidFill>
                         <a:srgbClr val="FFFFFF"/>
                       </a:solidFill>
@@ -13736,7 +14556,7 @@
                       </a:endParaRPr>
                     </a:p>
                   </a:txBody>
-                  <a:tcPr marL="91440" marR="91440">
+                  <a:tcPr>
                     <a:lnL w="12240" algn="ctr">
                       <a:solidFill>
                         <a:srgbClr val="FFFFFF"/>
@@ -13747,7 +14567,7 @@
                         <a:srgbClr val="FFFFFF"/>
                       </a:solidFill>
                     </a:lnR>
-                    <a:lnT w="12240" algn="ctr">
+                    <a:lnT w="38160" algn="ctr">
                       <a:solidFill>
                         <a:srgbClr val="FFFFFF"/>
                       </a:solidFill>
@@ -13912,7 +14732,7 @@
                       </a:endParaRPr>
                     </a:p>
                   </a:txBody>
-                  <a:tcPr marL="91440" marR="91440">
+                  <a:tcPr>
                     <a:lnL w="12240" algn="ctr">
                       <a:solidFill>
                         <a:srgbClr val="FFFFFF"/>
@@ -13923,7 +14743,7 @@
                         <a:srgbClr val="FFFFFF"/>
                       </a:solidFill>
                     </a:lnR>
-                    <a:lnT w="12240" algn="ctr">
+                    <a:lnT w="38160" algn="ctr">
                       <a:solidFill>
                         <a:srgbClr val="FFFFFF"/>
                       </a:solidFill>
@@ -14062,7 +14882,7 @@
                       </a:endParaRPr>
                     </a:p>
                   </a:txBody>
-                  <a:tcPr marL="91440" marR="91440">
+                  <a:tcPr>
                     <a:lnL w="12240" algn="ctr">
                       <a:solidFill>
                         <a:srgbClr val="FFFFFF"/>
@@ -14137,7 +14957,27 @@
                           <a:latin typeface="Trebuchet MS"/>
                           <a:ea typeface="Arial"/>
                         </a:rPr>
-                        <a:t>Распределяет элементы на два подинтервала в зависимости от того, удовлетворяют ли они условию</a:t>
+                        <a:t>Распределяет элементы на два </a:t>
+                      </a:r>
+                      <a:r>
+                        <a:rPr lang="ru-RU" sz="1600" b="0" strike="noStrike" spc="-1">
+                          <a:solidFill>
+                            <a:srgbClr val="000000"/>
+                          </a:solidFill>
+                          <a:latin typeface="Trebuchet MS"/>
+                          <a:ea typeface="Arial"/>
+                        </a:rPr>
+                        <a:t>подинтервала</a:t>
+                      </a:r>
+                      <a:r>
+                        <a:rPr lang="ru-RU" sz="1600" b="0" strike="noStrike" spc="-1">
+                          <a:solidFill>
+                            <a:srgbClr val="000000"/>
+                          </a:solidFill>
+                          <a:latin typeface="Trebuchet MS"/>
+                          <a:ea typeface="Arial"/>
+                        </a:rPr>
+                        <a:t> в зависимости от того, удовлетворяют ли они условию</a:t>
                       </a:r>
                       <a:endParaRPr lang="en-US" sz="1600" b="0" strike="noStrike" spc="-1">
                         <a:latin typeface="Arial"/>
@@ -14163,7 +15003,27 @@
                           <a:latin typeface="Trebuchet MS"/>
                           <a:ea typeface="Arial"/>
                         </a:rPr>
-                        <a:t>Распределяет элементы на два подинтервала в зависимости от того, удовлетворяют ли они условию, с сохранением их относительного порядка</a:t>
+                        <a:t>Распределяет элементы на два </a:t>
+                      </a:r>
+                      <a:r>
+                        <a:rPr lang="ru-RU" sz="1600" b="0" strike="noStrike" spc="-1">
+                          <a:solidFill>
+                            <a:srgbClr val="000000"/>
+                          </a:solidFill>
+                          <a:latin typeface="Trebuchet MS"/>
+                          <a:ea typeface="Arial"/>
+                        </a:rPr>
+                        <a:t>подинтервала</a:t>
+                      </a:r>
+                      <a:r>
+                        <a:rPr lang="ru-RU" sz="1600" b="0" strike="noStrike" spc="-1">
+                          <a:solidFill>
+                            <a:srgbClr val="000000"/>
+                          </a:solidFill>
+                          <a:latin typeface="Trebuchet MS"/>
+                          <a:ea typeface="Arial"/>
+                        </a:rPr>
+                        <a:t> в зависимости от того, удовлетворяют ли они условию, с сохранением их относительного порядка</a:t>
                       </a:r>
                       <a:endParaRPr lang="en-US" sz="1600" b="0" strike="noStrike" spc="-1">
                         <a:latin typeface="Arial"/>
@@ -14189,14 +15049,34 @@
                           <a:latin typeface="Trebuchet MS"/>
                           <a:ea typeface="Arial"/>
                         </a:rPr>
-                        <a:t>Распределяет элементы на два подинтервала в зависимости от того, удовлетворяют ли они условию, и копирует результат в другой интервал</a:t>
+                        <a:t>Распределяет элементы на два </a:t>
+                      </a:r>
+                      <a:r>
+                        <a:rPr lang="ru-RU" sz="1600" b="0" strike="noStrike" spc="-1">
+                          <a:solidFill>
+                            <a:srgbClr val="000000"/>
+                          </a:solidFill>
+                          <a:latin typeface="Trebuchet MS"/>
+                          <a:ea typeface="Arial"/>
+                        </a:rPr>
+                        <a:t>подинтервала</a:t>
+                      </a:r>
+                      <a:r>
+                        <a:rPr lang="ru-RU" sz="1600" b="0" strike="noStrike" spc="-1">
+                          <a:solidFill>
+                            <a:srgbClr val="000000"/>
+                          </a:solidFill>
+                          <a:latin typeface="Trebuchet MS"/>
+                          <a:ea typeface="Arial"/>
+                        </a:rPr>
+                        <a:t> в зависимости от того, удовлетворяют ли они условию, и копирует результат в другой интервал</a:t>
                       </a:r>
                       <a:endParaRPr lang="en-US" sz="1600" b="0" strike="noStrike" spc="-1">
                         <a:latin typeface="Arial"/>
                       </a:endParaRPr>
                     </a:p>
                   </a:txBody>
-                  <a:tcPr marL="91440" marR="91440">
+                  <a:tcPr>
                     <a:lnL w="12240" algn="ctr">
                       <a:solidFill>
                         <a:srgbClr val="FFFFFF"/>
@@ -14264,7 +15144,7 @@
                       </a:endParaRPr>
                     </a:p>
                   </a:txBody>
-                  <a:tcPr marL="91440" marR="91440">
+                  <a:tcPr>
                     <a:lnL w="12240" algn="ctr">
                       <a:solidFill>
                         <a:srgbClr val="FFFFFF"/>
@@ -14352,15 +15232,22 @@
           </a:ln>
         </p:spPr>
         <p:style>
-          <a:lnRef idx="0"/>
-          <a:fillRef idx="0"/>
-          <a:effectRef idx="0"/>
+          <a:lnRef idx="0">
+            <a:srgbClr val="000000"/>
+          </a:lnRef>
+          <a:fillRef idx="0">
+            <a:srgbClr val="000000"/>
+          </a:fillRef>
+          <a:effectRef idx="0">
+            <a:srgbClr val="000000"/>
+          </a:effectRef>
           <a:fontRef idx="minor"/>
         </p:style>
         <p:txBody>
           <a:bodyPr>
             <a:noAutofit/>
           </a:bodyPr>
+          <a:lstStyle/>
           <a:p>
             <a:pPr algn="ctr">
               <a:lnSpc>
@@ -14481,7 +15368,7 @@
                       </a:endParaRPr>
                     </a:p>
                   </a:txBody>
-                  <a:tcPr marL="91440" marR="91440">
+                  <a:tcPr>
                     <a:lnL w="12240" algn="ctr">
                       <a:solidFill>
                         <a:srgbClr val="FFFFFF"/>
@@ -14532,7 +15419,7 @@
                       </a:endParaRPr>
                     </a:p>
                   </a:txBody>
-                  <a:tcPr marL="91440" marR="91440">
+                  <a:tcPr>
                     <a:lnL w="12240" algn="ctr">
                       <a:solidFill>
                         <a:srgbClr val="FFFFFF"/>
@@ -14586,7 +15473,7 @@
                       </a:endParaRPr>
                     </a:p>
                   </a:txBody>
-                  <a:tcPr marL="91440" marR="91440">
+                  <a:tcPr>
                     <a:lnL w="12240" algn="ctr">
                       <a:solidFill>
                         <a:srgbClr val="FFFFFF"/>
@@ -14722,7 +15609,7 @@
                       </a:endParaRPr>
                     </a:p>
                   </a:txBody>
-                  <a:tcPr marL="91440" marR="91440">
+                  <a:tcPr>
                     <a:lnL w="12240" algn="ctr">
                       <a:solidFill>
                         <a:srgbClr val="FFFFFF"/>
@@ -14733,7 +15620,7 @@
                         <a:srgbClr val="FFFFFF"/>
                       </a:solidFill>
                     </a:lnR>
-                    <a:lnT w="12240" algn="ctr">
+                    <a:lnT w="38160" algn="ctr">
                       <a:solidFill>
                         <a:srgbClr val="FFFFFF"/>
                       </a:solidFill>
@@ -14896,7 +15783,7 @@
                       </a:endParaRPr>
                     </a:p>
                   </a:txBody>
-                  <a:tcPr marL="91440" marR="91440">
+                  <a:tcPr>
                     <a:lnL w="12240" algn="ctr">
                       <a:solidFill>
                         <a:srgbClr val="FFFFFF"/>
@@ -14907,7 +15794,7 @@
                         <a:srgbClr val="FFFFFF"/>
                       </a:solidFill>
                     </a:lnR>
-                    <a:lnT w="12240" algn="ctr">
+                    <a:lnT w="38160" algn="ctr">
                       <a:solidFill>
                         <a:srgbClr val="FFFFFF"/>
                       </a:solidFill>
@@ -14950,7 +15837,7 @@
                       </a:endParaRPr>
                     </a:p>
                   </a:txBody>
-                  <a:tcPr marL="91440" marR="91440">
+                  <a:tcPr>
                     <a:lnL w="12240" algn="ctr">
                       <a:solidFill>
                         <a:srgbClr val="FFFFFF"/>
@@ -14961,7 +15848,7 @@
                         <a:srgbClr val="FFFFFF"/>
                       </a:solidFill>
                     </a:lnR>
-                    <a:lnT w="12240" algn="ctr">
+                    <a:lnT w="38160" algn="ctr">
                       <a:solidFill>
                         <a:srgbClr val="FFFFFF"/>
                       </a:solidFill>
@@ -15024,7 +15911,7 @@
         </p:nvGraphicFramePr>
         <p:xfrm>
           <a:off x="263520" y="692640"/>
-          <a:ext cx="11737079" cy="5314680"/>
+          <a:ext cx="11737079" cy="5395080"/>
         </p:xfrm>
         <a:graphic>
           <a:graphicData uri="http://schemas.openxmlformats.org/drawingml/2006/table">
@@ -15061,7 +15948,7 @@
                       </a:endParaRPr>
                     </a:p>
                   </a:txBody>
-                  <a:tcPr marL="91440" marR="91440">
+                  <a:tcPr>
                     <a:lnL w="12240" algn="ctr">
                       <a:solidFill>
                         <a:srgbClr val="FFFFFF"/>
@@ -15112,7 +15999,7 @@
                       </a:endParaRPr>
                     </a:p>
                   </a:txBody>
-                  <a:tcPr marL="91440" marR="91440">
+                  <a:tcPr>
                     <a:lnL w="12240" algn="ctr">
                       <a:solidFill>
                         <a:srgbClr val="FFFFFF"/>
@@ -15166,7 +16053,7 @@
                       </a:endParaRPr>
                     </a:p>
                   </a:txBody>
-                  <a:tcPr marL="91440" marR="91440">
+                  <a:tcPr>
                     <a:lnL w="12240" algn="ctr">
                       <a:solidFill>
                         <a:srgbClr val="FFFFFF"/>
@@ -15328,7 +16215,7 @@
                       </a:endParaRPr>
                     </a:p>
                   </a:txBody>
-                  <a:tcPr marL="91440" marR="91440">
+                  <a:tcPr>
                     <a:lnL w="12240" algn="ctr">
                       <a:solidFill>
                         <a:srgbClr val="FFFFFF"/>
@@ -15339,7 +16226,7 @@
                         <a:srgbClr val="FFFFFF"/>
                       </a:solidFill>
                     </a:lnR>
-                    <a:lnT w="12240" algn="ctr">
+                    <a:lnT w="38160" algn="ctr">
                       <a:solidFill>
                         <a:srgbClr val="FFFFFF"/>
                       </a:solidFill>
@@ -15488,7 +16375,7 @@
                       </a:endParaRPr>
                     </a:p>
                   </a:txBody>
-                  <a:tcPr marL="91440" marR="91440">
+                  <a:tcPr>
                     <a:lnL w="12240" algn="ctr">
                       <a:solidFill>
                         <a:srgbClr val="FFFFFF"/>
@@ -15499,7 +16386,7 @@
                         <a:srgbClr val="FFFFFF"/>
                       </a:solidFill>
                     </a:lnR>
-                    <a:lnT w="12240" algn="ctr">
+                    <a:lnT w="38160" algn="ctr">
                       <a:solidFill>
                         <a:srgbClr val="FFFFFF"/>
                       </a:solidFill>
@@ -15659,7 +16546,7 @@
                       </a:endParaRPr>
                     </a:p>
                   </a:txBody>
-                  <a:tcPr marL="91440" marR="91440">
+                  <a:tcPr>
                     <a:lnL w="12240" algn="ctr">
                       <a:solidFill>
                         <a:srgbClr val="FFFFFF"/>
@@ -15670,7 +16557,7 @@
                         <a:srgbClr val="FFFFFF"/>
                       </a:solidFill>
                     </a:lnR>
-                    <a:lnT w="12240" algn="ctr">
+                    <a:lnT w="38160" algn="ctr">
                       <a:solidFill>
                         <a:srgbClr val="FFFFFF"/>
                       </a:solidFill>
@@ -15806,7 +16693,7 @@
                       </a:endParaRPr>
                     </a:p>
                   </a:txBody>
-                  <a:tcPr marL="91440" marR="91440">
+                  <a:tcPr>
                     <a:lnL w="12240" algn="ctr">
                       <a:solidFill>
                         <a:srgbClr val="FFFFFF"/>
@@ -15940,7 +16827,7 @@
                       </a:endParaRPr>
                     </a:p>
                   </a:txBody>
-                  <a:tcPr marL="91440" marR="91440">
+                  <a:tcPr>
                     <a:lnL w="12240" algn="ctr">
                       <a:solidFill>
                         <a:srgbClr val="FFFFFF"/>
@@ -16022,7 +16909,7 @@
                       </a:endParaRPr>
                     </a:p>
                   </a:txBody>
-                  <a:tcPr marL="91440" marR="91440">
+                  <a:tcPr>
                     <a:lnL w="12240" algn="ctr">
                       <a:solidFill>
                         <a:srgbClr val="FFFFFF"/>
@@ -16077,15 +16964,22 @@
           </a:ln>
         </p:spPr>
         <p:style>
-          <a:lnRef idx="0"/>
-          <a:fillRef idx="0"/>
-          <a:effectRef idx="0"/>
+          <a:lnRef idx="0">
+            <a:srgbClr val="000000"/>
+          </a:lnRef>
+          <a:fillRef idx="0">
+            <a:srgbClr val="000000"/>
+          </a:fillRef>
+          <a:effectRef idx="0">
+            <a:srgbClr val="000000"/>
+          </a:effectRef>
           <a:fontRef idx="minor"/>
         </p:style>
         <p:txBody>
           <a:bodyPr>
             <a:noAutofit/>
           </a:bodyPr>
+          <a:lstStyle/>
           <a:p>
             <a:pPr algn="ctr">
               <a:lnSpc>
@@ -16218,7 +17112,7 @@
                       </a:endParaRPr>
                     </a:p>
                   </a:txBody>
-                  <a:tcPr marL="91440" marR="91440">
+                  <a:tcPr>
                     <a:lnL w="12240" algn="ctr">
                       <a:solidFill>
                         <a:srgbClr val="FFFFFF"/>
@@ -16269,7 +17163,7 @@
                       </a:endParaRPr>
                     </a:p>
                   </a:txBody>
-                  <a:tcPr marL="91440" marR="91440">
+                  <a:tcPr>
                     <a:lnL w="12240" algn="ctr">
                       <a:solidFill>
                         <a:srgbClr val="FFFFFF"/>
@@ -16416,7 +17310,7 @@
                       </a:endParaRPr>
                     </a:p>
                   </a:txBody>
-                  <a:tcPr marL="91440" marR="91440">
+                  <a:tcPr>
                     <a:lnL w="12240" algn="ctr">
                       <a:solidFill>
                         <a:srgbClr val="FFFFFF"/>
@@ -16427,7 +17321,7 @@
                         <a:srgbClr val="FFFFFF"/>
                       </a:solidFill>
                     </a:lnR>
-                    <a:lnT w="12240" algn="ctr">
+                    <a:lnT w="38160" algn="ctr">
                       <a:solidFill>
                         <a:srgbClr val="FFFFFF"/>
                       </a:solidFill>
@@ -16550,7 +17444,7 @@
                       </a:endParaRPr>
                     </a:p>
                   </a:txBody>
-                  <a:tcPr marL="91440" marR="91440">
+                  <a:tcPr>
                     <a:lnL w="12240" algn="ctr">
                       <a:solidFill>
                         <a:srgbClr val="FFFFFF"/>
@@ -16561,7 +17455,7 @@
                         <a:srgbClr val="FFFFFF"/>
                       </a:solidFill>
                     </a:lnR>
-                    <a:lnT w="12240" algn="ctr">
+                    <a:lnT w="38160" algn="ctr">
                       <a:solidFill>
                         <a:srgbClr val="FFFFFF"/>
                       </a:solidFill>
@@ -16648,7 +17542,7 @@
                       </a:endParaRPr>
                     </a:p>
                   </a:txBody>
-                  <a:tcPr marL="91440" marR="91440">
+                  <a:tcPr>
                     <a:lnL w="12240" algn="ctr">
                       <a:solidFill>
                         <a:srgbClr val="FFFFFF"/>
@@ -16744,7 +17638,7 @@
                       </a:endParaRPr>
                     </a:p>
                   </a:txBody>
-                  <a:tcPr marL="91440" marR="91440">
+                  <a:tcPr>
                     <a:lnL w="12240" algn="ctr">
                       <a:solidFill>
                         <a:srgbClr val="FFFFFF"/>
@@ -16799,15 +17693,22 @@
           </a:ln>
         </p:spPr>
         <p:style>
-          <a:lnRef idx="0"/>
-          <a:fillRef idx="0"/>
-          <a:effectRef idx="0"/>
+          <a:lnRef idx="0">
+            <a:srgbClr val="000000"/>
+          </a:lnRef>
+          <a:fillRef idx="0">
+            <a:srgbClr val="000000"/>
+          </a:fillRef>
+          <a:effectRef idx="0">
+            <a:srgbClr val="000000"/>
+          </a:effectRef>
           <a:fontRef idx="minor"/>
         </p:style>
         <p:txBody>
           <a:bodyPr>
             <a:noAutofit/>
           </a:bodyPr>
+          <a:lstStyle/>
           <a:p>
             <a:pPr algn="ctr">
               <a:lnSpc>
@@ -16899,6 +17800,7 @@
           <a:bodyPr>
             <a:noAutofit/>
           </a:bodyPr>
+          <a:lstStyle/>
           <a:p>
             <a:pPr marL="343080" indent="-342720">
               <a:lnSpc>
@@ -16958,15 +17860,22 @@
           </a:ln>
         </p:spPr>
         <p:style>
-          <a:lnRef idx="0"/>
-          <a:fillRef idx="0"/>
-          <a:effectRef idx="0"/>
+          <a:lnRef idx="0">
+            <a:srgbClr val="000000"/>
+          </a:lnRef>
+          <a:fillRef idx="0">
+            <a:srgbClr val="000000"/>
+          </a:fillRef>
+          <a:effectRef idx="0">
+            <a:srgbClr val="000000"/>
+          </a:effectRef>
           <a:fontRef idx="minor"/>
         </p:style>
         <p:txBody>
           <a:bodyPr>
             <a:noAutofit/>
           </a:bodyPr>
+          <a:lstStyle/>
           <a:p>
             <a:pPr algn="ctr">
               <a:lnSpc>
@@ -17002,7 +17911,7 @@
       </p:sp>
       <p:pic>
         <p:nvPicPr>
-          <p:cNvPr id="119" name="Рисунок 4" descr=""/>
+          <p:cNvPr id="119" name="Рисунок 4"/>
           <p:cNvPicPr/>
           <p:nvPr/>
         </p:nvPicPr>
@@ -17025,7 +17934,7 @@
       </p:pic>
       <p:pic>
         <p:nvPicPr>
-          <p:cNvPr id="120" name="Рисунок 5" descr=""/>
+          <p:cNvPr id="120" name="Рисунок 5"/>
           <p:cNvPicPr/>
           <p:nvPr/>
         </p:nvPicPr>
@@ -17048,7 +17957,7 @@
       </p:pic>
       <p:pic>
         <p:nvPicPr>
-          <p:cNvPr id="121" name="Рисунок 6" descr=""/>
+          <p:cNvPr id="121" name="Рисунок 6"/>
           <p:cNvPicPr/>
           <p:nvPr/>
         </p:nvPicPr>
@@ -17071,7 +17980,7 @@
       </p:pic>
       <p:pic>
         <p:nvPicPr>
-          <p:cNvPr id="122" name="Picture 3" descr=""/>
+          <p:cNvPr id="122" name="Picture 3"/>
           <p:cNvPicPr/>
           <p:nvPr/>
         </p:nvPicPr>
@@ -17115,15 +18024,22 @@
           </a:ln>
         </p:spPr>
         <p:style>
-          <a:lnRef idx="0"/>
-          <a:fillRef idx="0"/>
-          <a:effectRef idx="0"/>
+          <a:lnRef idx="0">
+            <a:srgbClr val="000000"/>
+          </a:lnRef>
+          <a:fillRef idx="0">
+            <a:srgbClr val="000000"/>
+          </a:fillRef>
+          <a:effectRef idx="0">
+            <a:srgbClr val="000000"/>
+          </a:effectRef>
           <a:fontRef idx="minor"/>
         </p:style>
         <p:txBody>
           <a:bodyPr>
-            <a:normAutofit fontScale="75000"/>
+            <a:normAutofit fontScale="82500" lnSpcReduction="10000"/>
           </a:bodyPr>
+          <a:lstStyle/>
           <a:p>
             <a:pPr marL="343080" indent="-342720">
               <a:lnSpc>
@@ -17178,15 +18094,22 @@
           </a:ln>
         </p:spPr>
         <p:style>
-          <a:lnRef idx="0"/>
-          <a:fillRef idx="0"/>
-          <a:effectRef idx="0"/>
+          <a:lnRef idx="0">
+            <a:srgbClr val="000000"/>
+          </a:lnRef>
+          <a:fillRef idx="0">
+            <a:srgbClr val="000000"/>
+          </a:fillRef>
+          <a:effectRef idx="0">
+            <a:srgbClr val="000000"/>
+          </a:effectRef>
           <a:fontRef idx="minor"/>
         </p:style>
         <p:txBody>
           <a:bodyPr>
             <a:normAutofit/>
           </a:bodyPr>
+          <a:lstStyle/>
           <a:p>
             <a:pPr marL="343080" indent="-342720">
               <a:lnSpc>
@@ -17501,12 +18424,12 @@
       </p:sp>
       <p:sp>
         <p:nvSpPr>
-          <p:cNvPr id="420099422" name=""/>
+          <p:cNvPr id="420099422" name="TextBox 420099421"/>
           <p:cNvSpPr txBox="1"/>
           <p:nvPr/>
         </p:nvSpPr>
         <p:spPr bwMode="auto">
-          <a:xfrm flipH="0" flipV="0">
+          <a:xfrm>
             <a:off x="560721" y="6471107"/>
             <a:ext cx="1956378" cy="335315"/>
           </a:xfrm>
@@ -17516,22 +18439,438 @@
           <a:noFill/>
         </p:spPr>
         <p:txBody>
-          <a:bodyPr vertOverflow="overflow" horzOverflow="overflow" vert="horz" wrap="none" lIns="91440" tIns="45720" rIns="91440" bIns="45720" numCol="1" spcCol="0" rtlCol="0" fromWordArt="0" anchor="t" anchorCtr="0" forceAA="0" upright="0" compatLnSpc="0">
+          <a:bodyPr vertOverflow="overflow" horzOverflow="overflow" vert="horz" wrap="none" lIns="91440" tIns="45720" rIns="91440" bIns="45720" numCol="1" spcCol="0" rtlCol="0" fromWordArt="0" anchor="t" anchorCtr="0" forceAA="0" compatLnSpc="0">
             <a:spAutoFit/>
           </a:bodyPr>
+          <a:lstStyle/>
           <a:p>
             <a:pPr>
               <a:defRPr/>
             </a:pPr>
             <a:r>
               <a:rPr sz="1600"/>
-              <a:t>examples</a:t>
+              <a:t>examples/1_ranges</a:t>
             </a:r>
+            <a:endParaRPr/>
+          </a:p>
+        </p:txBody>
+      </p:sp>
+    </p:spTree>
+  </p:cSld>
+  <p:clrMapOvr>
+    <a:masterClrMapping/>
+  </p:clrMapOvr>
+  <mc:AlternateContent xmlns:mc="http://schemas.openxmlformats.org/markup-compatibility/2006">
+    <mc:Choice xmlns:p14="http://schemas.microsoft.com/office/powerpoint/2010/main" Requires="p14">
+      <p:transition p14:dur="2000" advClick="1"/>
+    </mc:Choice>
+    <mc:Fallback>
+      <p:transition advClick="1"/>
+    </mc:Fallback>
+  </mc:AlternateContent>
+</p:sld>
+</file>
+
+<file path=ppt/slides/slide20.xml><?xml version="1.0" encoding="utf-8"?>
+<p:sld xmlns:a="http://schemas.openxmlformats.org/drawingml/2006/main" xmlns:r="http://schemas.openxmlformats.org/officeDocument/2006/relationships" xmlns:p="http://schemas.openxmlformats.org/presentationml/2006/main" xmlns:m="http://schemas.openxmlformats.org/officeDocument/2006/math" xmlns:w="http://schemas.openxmlformats.org/wordprocessingml/2006/main" showMasterPhAnim="0" show="1">
+  <p:cSld name="">
+    <p:spTree>
+      <p:nvGrpSpPr>
+        <p:cNvPr id="1" name=""/>
+        <p:cNvGrpSpPr/>
+        <p:nvPr/>
+      </p:nvGrpSpPr>
+      <p:grpSpPr bwMode="auto">
+        <a:xfrm>
+          <a:off x="0" y="0"/>
+          <a:ext cx="0" cy="0"/>
+          <a:chOff x="0" y="0"/>
+          <a:chExt cx="0" cy="0"/>
+        </a:xfrm>
+      </p:grpSpPr>
+      <p:sp>
+        <p:nvSpPr>
+          <p:cNvPr id="1048941102" name="CustomShape 2"/>
+          <p:cNvSpPr/>
+          <p:nvPr/>
+        </p:nvSpPr>
+        <p:spPr bwMode="auto">
+          <a:xfrm>
+            <a:off x="335520" y="116640"/>
+            <a:ext cx="11665078" cy="419400"/>
+          </a:xfrm>
+          <a:prstGeom prst="rect">
+            <a:avLst/>
+          </a:prstGeom>
+          <a:solidFill>
+            <a:schemeClr val="bg1"/>
+          </a:solidFill>
+          <a:ln>
+            <a:solidFill>
+              <a:schemeClr val="tx1"/>
+            </a:solidFill>
+          </a:ln>
+        </p:spPr>
+        <p:style>
+          <a:lnRef idx="0">
+            <a:srgbClr val="000000"/>
+          </a:lnRef>
+          <a:fillRef idx="0">
+            <a:srgbClr val="000000"/>
+          </a:fillRef>
+          <a:effectRef idx="0">
+            <a:srgbClr val="000000"/>
+          </a:effectRef>
+          <a:fontRef idx="minor"/>
+        </p:style>
+        <p:txBody>
+          <a:bodyPr>
+            <a:noAutofit/>
+          </a:bodyPr>
+          <a:lstStyle/>
+          <a:p>
+            <a:pPr algn="ctr">
+              <a:lnSpc>
+                <a:spcPct val="100000"/>
+              </a:lnSpc>
+              <a:defRPr/>
+            </a:pPr>
             <a:r>
-              <a:rPr sz="1600"/>
-              <a:t>/1_ranges</a:t>
+              <a:rPr lang="ru-RU" sz="2000" b="0" i="0" u="none" strike="noStrike" cap="none" spc="0">
+                <a:solidFill>
+                  <a:srgbClr val="90C226"/>
+                </a:solidFill>
+                <a:latin typeface="Trebuchet MS"/>
+                <a:ea typeface="Arial"/>
+                <a:cs typeface="Trebuchet MS"/>
+              </a:rPr>
+              <a:t>Алгоритмы STL и функциональное программирование</a:t>
             </a:r>
-            <a:endParaRPr sz="1600"/>
+            <a:endParaRPr lang="en-US" sz="2000" b="0" strike="noStrike" spc="0">
+              <a:latin typeface="Arial"/>
+            </a:endParaRPr>
+          </a:p>
+        </p:txBody>
+      </p:sp>
+      <p:pic>
+        <p:nvPicPr>
+          <p:cNvPr id="2015422899" name=""/>
+          <p:cNvPicPr>
+            <a:picLocks noChangeAspect="1"/>
+          </p:cNvPicPr>
+          <p:nvPr/>
+        </p:nvPicPr>
+        <p:blipFill>
+          <a:blip r:embed="rId2"/>
+          <a:stretch/>
+        </p:blipFill>
+        <p:spPr bwMode="auto">
+          <a:xfrm flipH="0" flipV="0">
+            <a:off x="427430" y="1571133"/>
+            <a:ext cx="4184344" cy="4075128"/>
+          </a:xfrm>
+          <a:prstGeom prst="rect">
+            <a:avLst/>
+          </a:prstGeom>
+        </p:spPr>
+      </p:pic>
+      <p:pic>
+        <p:nvPicPr>
+          <p:cNvPr id="526983690" name=""/>
+          <p:cNvPicPr>
+            <a:picLocks noChangeAspect="1"/>
+          </p:cNvPicPr>
+          <p:nvPr/>
+        </p:nvPicPr>
+        <p:blipFill>
+          <a:blip r:embed="rId3"/>
+          <a:stretch/>
+        </p:blipFill>
+        <p:spPr bwMode="auto">
+          <a:xfrm flipH="0" flipV="0">
+            <a:off x="5588917" y="1541675"/>
+            <a:ext cx="6411681" cy="3564510"/>
+          </a:xfrm>
+          <a:prstGeom prst="rect">
+            <a:avLst/>
+          </a:prstGeom>
+        </p:spPr>
+      </p:pic>
+      <p:sp>
+        <p:nvSpPr>
+          <p:cNvPr id="329161402" name="CustomShape 2"/>
+          <p:cNvSpPr/>
+          <p:nvPr/>
+        </p:nvSpPr>
+        <p:spPr bwMode="auto">
+          <a:xfrm flipH="0" flipV="0">
+            <a:off x="381576" y="5862293"/>
+            <a:ext cx="4597958" cy="826337"/>
+          </a:xfrm>
+          <a:prstGeom prst="rect">
+            <a:avLst/>
+          </a:prstGeom>
+          <a:solidFill>
+            <a:schemeClr val="bg1"/>
+          </a:solidFill>
+          <a:ln>
+            <a:noFill/>
+          </a:ln>
+        </p:spPr>
+        <p:style>
+          <a:lnRef idx="0">
+            <a:srgbClr val="000000"/>
+          </a:lnRef>
+          <a:fillRef idx="0">
+            <a:srgbClr val="000000"/>
+          </a:fillRef>
+          <a:effectRef idx="0">
+            <a:srgbClr val="000000"/>
+          </a:effectRef>
+          <a:fontRef idx="minor"/>
+        </p:style>
+        <p:txBody>
+          <a:bodyPr vertOverflow="overflow" horzOverflow="overflow" vert="horz" wrap="square" lIns="91440" tIns="45720" rIns="91440" bIns="45720" numCol="1" spcCol="0" rtlCol="0" fromWordArt="0" anchor="t" anchorCtr="0" forceAA="0" upright="0" compatLnSpc="0">
+            <a:normAutofit/>
+          </a:bodyPr>
+          <a:lstStyle/>
+          <a:p>
+            <a:pPr marL="343079" indent="-342720">
+              <a:lnSpc>
+                <a:spcPct val="100000"/>
+              </a:lnSpc>
+              <a:spcBef>
+                <a:spcPts val="997"/>
+              </a:spcBef>
+              <a:buClr>
+                <a:srgbClr val="90C226"/>
+              </a:buClr>
+              <a:buSzPct val="80000"/>
+              <a:buFont typeface="Wingdings"/>
+              <a:buChar char=""/>
+              <a:defRPr/>
+            </a:pPr>
+            <a:r>
+              <a:rPr lang="ru-RU" sz="2000" b="0" strike="noStrike" spc="0">
+                <a:solidFill>
+                  <a:srgbClr val="404040"/>
+                </a:solidFill>
+                <a:latin typeface="Trebuchet MS"/>
+                <a:ea typeface="Arial"/>
+              </a:rPr>
+              <a:t>Императивная парадигма</a:t>
+            </a:r>
+            <a:endParaRPr lang="en-US" sz="2000" b="0" strike="noStrike" spc="0">
+              <a:latin typeface="Arial"/>
+            </a:endParaRPr>
+          </a:p>
+        </p:txBody>
+      </p:sp>
+      <p:sp>
+        <p:nvSpPr>
+          <p:cNvPr id="1098061303" name="CustomShape 2"/>
+          <p:cNvSpPr/>
+          <p:nvPr/>
+        </p:nvSpPr>
+        <p:spPr bwMode="auto">
+          <a:xfrm flipH="0" flipV="0">
+            <a:off x="5441056" y="5420412"/>
+            <a:ext cx="6443411" cy="1366414"/>
+          </a:xfrm>
+          <a:prstGeom prst="rect">
+            <a:avLst/>
+          </a:prstGeom>
+          <a:solidFill>
+            <a:schemeClr val="bg1"/>
+          </a:solidFill>
+          <a:ln>
+            <a:noFill/>
+          </a:ln>
+        </p:spPr>
+        <p:style>
+          <a:lnRef idx="0">
+            <a:srgbClr val="000000"/>
+          </a:lnRef>
+          <a:fillRef idx="0">
+            <a:srgbClr val="000000"/>
+          </a:fillRef>
+          <a:effectRef idx="0">
+            <a:srgbClr val="000000"/>
+          </a:effectRef>
+          <a:fontRef idx="minor"/>
+        </p:style>
+        <p:txBody>
+          <a:bodyPr vertOverflow="overflow" horzOverflow="overflow" vert="horz" wrap="square" lIns="91440" tIns="45720" rIns="91440" bIns="45720" numCol="1" spcCol="0" rtlCol="0" fromWordArt="0" anchor="t" anchorCtr="0" forceAA="0" upright="0" compatLnSpc="0">
+            <a:normAutofit/>
+          </a:bodyPr>
+          <a:lstStyle/>
+          <a:p>
+            <a:pPr marL="343079" indent="-342720">
+              <a:lnSpc>
+                <a:spcPct val="100000"/>
+              </a:lnSpc>
+              <a:spcBef>
+                <a:spcPts val="997"/>
+              </a:spcBef>
+              <a:buClr>
+                <a:srgbClr val="90C226"/>
+              </a:buClr>
+              <a:buSzPct val="80000"/>
+              <a:buFont typeface="Wingdings"/>
+              <a:buChar char=""/>
+              <a:defRPr/>
+            </a:pPr>
+            <a:r>
+              <a:rPr lang="ru-RU" sz="1800" b="0" strike="noStrike" spc="0">
+                <a:solidFill>
+                  <a:srgbClr val="404040"/>
+                </a:solidFill>
+                <a:latin typeface="Trebuchet MS"/>
+                <a:ea typeface="Arial"/>
+              </a:rPr>
+              <a:t>Декларативная парадигма</a:t>
+            </a:r>
+            <a:endParaRPr lang="ru-RU" sz="1800" b="0" strike="noStrike" spc="0">
+              <a:solidFill>
+                <a:srgbClr val="404040"/>
+              </a:solidFill>
+              <a:latin typeface="Trebuchet MS"/>
+              <a:ea typeface="Arial"/>
+            </a:endParaRPr>
+          </a:p>
+          <a:p>
+            <a:pPr marL="343079" indent="-342720">
+              <a:lnSpc>
+                <a:spcPct val="100000"/>
+              </a:lnSpc>
+              <a:spcBef>
+                <a:spcPts val="997"/>
+              </a:spcBef>
+              <a:buClr>
+                <a:srgbClr val="90C226"/>
+              </a:buClr>
+              <a:buSzPct val="80000"/>
+              <a:buFont typeface="Wingdings"/>
+              <a:buChar char=""/>
+              <a:defRPr/>
+            </a:pPr>
+            <a:r>
+              <a:rPr lang="en-US" sz="1800" b="0" strike="noStrike" spc="0">
+                <a:solidFill>
+                  <a:srgbClr val="404040"/>
+                </a:solidFill>
+                <a:latin typeface="Trebuchet MS"/>
+                <a:ea typeface="Arial"/>
+              </a:rPr>
+              <a:t>Функции как объекты первого рода</a:t>
+            </a:r>
+            <a:endParaRPr lang="en-US" sz="1800" b="0" strike="noStrike" spc="0">
+              <a:solidFill>
+                <a:srgbClr val="404040"/>
+              </a:solidFill>
+              <a:latin typeface="Trebuchet MS"/>
+              <a:ea typeface="Arial"/>
+            </a:endParaRPr>
+          </a:p>
+          <a:p>
+            <a:pPr marL="343079" indent="-342720">
+              <a:lnSpc>
+                <a:spcPct val="100000"/>
+              </a:lnSpc>
+              <a:spcBef>
+                <a:spcPts val="997"/>
+              </a:spcBef>
+              <a:buClr>
+                <a:srgbClr val="90C226"/>
+              </a:buClr>
+              <a:buSzPct val="80000"/>
+              <a:buFont typeface="Wingdings"/>
+              <a:buChar char=""/>
+              <a:defRPr/>
+            </a:pPr>
+            <a:r>
+              <a:rPr lang="en-US" sz="1800" b="0" strike="noStrike" spc="0">
+                <a:solidFill>
+                  <a:srgbClr val="404040"/>
+                </a:solidFill>
+                <a:latin typeface="Trebuchet MS"/>
+                <a:ea typeface="Arial"/>
+              </a:rPr>
+              <a:t>Ссылочная прозрачность (не храним состояние)</a:t>
+            </a:r>
+            <a:endParaRPr lang="en-US" sz="1800" b="0" strike="noStrike" spc="0">
+              <a:latin typeface="Arial"/>
+            </a:endParaRPr>
+          </a:p>
+        </p:txBody>
+      </p:sp>
+      <p:sp>
+        <p:nvSpPr>
+          <p:cNvPr id="1068347999" name="CustomShape 2"/>
+          <p:cNvSpPr/>
+          <p:nvPr/>
+        </p:nvSpPr>
+        <p:spPr bwMode="auto">
+          <a:xfrm flipH="0" flipV="0">
+            <a:off x="3896989" y="667730"/>
+            <a:ext cx="4597957" cy="461521"/>
+          </a:xfrm>
+          <a:prstGeom prst="rect">
+            <a:avLst/>
+          </a:prstGeom>
+          <a:solidFill>
+            <a:schemeClr val="bg1"/>
+          </a:solidFill>
+          <a:ln>
+            <a:noFill/>
+          </a:ln>
+        </p:spPr>
+        <p:style>
+          <a:lnRef idx="0">
+            <a:srgbClr val="000000"/>
+          </a:lnRef>
+          <a:fillRef idx="0">
+            <a:srgbClr val="000000"/>
+          </a:fillRef>
+          <a:effectRef idx="0">
+            <a:srgbClr val="000000"/>
+          </a:effectRef>
+          <a:fontRef idx="minor"/>
+        </p:style>
+        <p:txBody>
+          <a:bodyPr vertOverflow="overflow" horzOverflow="overflow" vert="horz" wrap="square" lIns="91440" tIns="45720" rIns="91440" bIns="45720" numCol="1" spcCol="0" rtlCol="0" fromWordArt="0" anchor="t" anchorCtr="0" forceAA="0" upright="0" compatLnSpc="0">
+            <a:normAutofit/>
+          </a:bodyPr>
+          <a:lstStyle/>
+          <a:p>
+            <a:pPr marL="343079" indent="-342720">
+              <a:lnSpc>
+                <a:spcPct val="100000"/>
+              </a:lnSpc>
+              <a:spcBef>
+                <a:spcPts val="997"/>
+              </a:spcBef>
+              <a:buClr>
+                <a:srgbClr val="90C226"/>
+              </a:buClr>
+              <a:buSzPct val="80000"/>
+              <a:buFont typeface="Wingdings"/>
+              <a:buChar char=""/>
+              <a:defRPr/>
+            </a:pPr>
+            <a:r>
+              <a:rPr lang="ru-RU" sz="2000" b="0" strike="noStrike" spc="0">
+                <a:solidFill>
+                  <a:srgbClr val="404040"/>
+                </a:solidFill>
+                <a:latin typeface="Trebuchet MS"/>
+                <a:ea typeface="Arial"/>
+              </a:rPr>
+              <a:t>Подсчёт строк в файлах</a:t>
+            </a:r>
+            <a:endParaRPr lang="en-US" sz="2000" b="0" strike="noStrike" spc="0">
+              <a:latin typeface="Arial"/>
+            </a:endParaRPr>
           </a:p>
         </p:txBody>
       </p:sp>
@@ -17592,15 +18931,22 @@
           </a:ln>
         </p:spPr>
         <p:style>
-          <a:lnRef idx="0"/>
-          <a:fillRef idx="0"/>
-          <a:effectRef idx="0"/>
+          <a:lnRef idx="0">
+            <a:srgbClr val="000000"/>
+          </a:lnRef>
+          <a:fillRef idx="0">
+            <a:srgbClr val="000000"/>
+          </a:fillRef>
+          <a:effectRef idx="0">
+            <a:srgbClr val="000000"/>
+          </a:effectRef>
           <a:fontRef idx="minor"/>
         </p:style>
         <p:txBody>
           <a:bodyPr>
             <a:noAutofit/>
           </a:bodyPr>
+          <a:lstStyle/>
           <a:p>
             <a:pPr algn="ctr">
               <a:lnSpc>
@@ -17646,7 +18992,7 @@
       </p:sp>
       <p:pic>
         <p:nvPicPr>
-          <p:cNvPr id="126" name="Рисунок 4" descr=""/>
+          <p:cNvPr id="126" name="Рисунок 4"/>
           <p:cNvPicPr/>
           <p:nvPr/>
         </p:nvPicPr>
@@ -17689,15 +19035,22 @@
           </a:ln>
         </p:spPr>
         <p:style>
-          <a:lnRef idx="0"/>
-          <a:fillRef idx="0"/>
-          <a:effectRef idx="0"/>
+          <a:lnRef idx="0">
+            <a:srgbClr val="000000"/>
+          </a:lnRef>
+          <a:fillRef idx="0">
+            <a:srgbClr val="000000"/>
+          </a:fillRef>
+          <a:effectRef idx="0">
+            <a:srgbClr val="000000"/>
+          </a:effectRef>
           <a:fontRef idx="minor"/>
         </p:style>
         <p:txBody>
           <a:bodyPr>
             <a:normAutofit/>
           </a:bodyPr>
+          <a:lstStyle/>
           <a:p>
             <a:pPr marL="343080" indent="-342720">
               <a:lnSpc>
@@ -17929,7 +19282,7 @@
       </p:sp>
       <p:pic>
         <p:nvPicPr>
-          <p:cNvPr id="129" name="Рисунок 8" descr=""/>
+          <p:cNvPr id="129" name="Рисунок 8"/>
           <p:cNvPicPr/>
           <p:nvPr/>
         </p:nvPicPr>
@@ -18009,15 +19362,22 @@
           </a:ln>
         </p:spPr>
         <p:style>
-          <a:lnRef idx="0"/>
-          <a:fillRef idx="0"/>
-          <a:effectRef idx="0"/>
+          <a:lnRef idx="0">
+            <a:srgbClr val="000000"/>
+          </a:lnRef>
+          <a:fillRef idx="0">
+            <a:srgbClr val="000000"/>
+          </a:fillRef>
+          <a:effectRef idx="0">
+            <a:srgbClr val="000000"/>
+          </a:effectRef>
           <a:fontRef idx="minor"/>
         </p:style>
         <p:txBody>
           <a:bodyPr>
             <a:normAutofit/>
           </a:bodyPr>
+          <a:lstStyle/>
           <a:p>
             <a:pPr marL="343080" indent="-342720">
               <a:lnSpc>
@@ -18167,15 +19527,22 @@
           </a:ln>
         </p:spPr>
         <p:style>
-          <a:lnRef idx="0"/>
-          <a:fillRef idx="0"/>
-          <a:effectRef idx="0"/>
+          <a:lnRef idx="0">
+            <a:srgbClr val="000000"/>
+          </a:lnRef>
+          <a:fillRef idx="0">
+            <a:srgbClr val="000000"/>
+          </a:fillRef>
+          <a:effectRef idx="0">
+            <a:srgbClr val="000000"/>
+          </a:effectRef>
           <a:fontRef idx="minor"/>
         </p:style>
         <p:txBody>
           <a:bodyPr>
             <a:noAutofit/>
           </a:bodyPr>
+          <a:lstStyle/>
           <a:p>
             <a:pPr algn="ctr">
               <a:lnSpc>
@@ -18221,7 +19588,7 @@
       </p:sp>
       <p:pic>
         <p:nvPicPr>
-          <p:cNvPr id="133" name="Рисунок 4" descr=""/>
+          <p:cNvPr id="133" name="Рисунок 4"/>
           <p:cNvPicPr/>
           <p:nvPr/>
         </p:nvPicPr>
@@ -18244,7 +19611,7 @@
       </p:pic>
       <p:pic>
         <p:nvPicPr>
-          <p:cNvPr id="134" name="Рисунок 5" descr=""/>
+          <p:cNvPr id="134" name="Рисунок 5"/>
           <p:cNvPicPr/>
           <p:nvPr/>
         </p:nvPicPr>
@@ -18287,15 +19654,22 @@
           </a:ln>
         </p:spPr>
         <p:style>
-          <a:lnRef idx="0"/>
-          <a:fillRef idx="0"/>
-          <a:effectRef idx="0"/>
+          <a:lnRef idx="0">
+            <a:srgbClr val="000000"/>
+          </a:lnRef>
+          <a:fillRef idx="0">
+            <a:srgbClr val="000000"/>
+          </a:fillRef>
+          <a:effectRef idx="0">
+            <a:srgbClr val="000000"/>
+          </a:effectRef>
           <a:fontRef idx="minor"/>
         </p:style>
         <p:txBody>
           <a:bodyPr wrap="none" lIns="90000" tIns="45000" rIns="90000" bIns="45000">
             <a:spAutoFit/>
           </a:bodyPr>
+          <a:lstStyle/>
           <a:p>
             <a:pPr marL="343080" indent="-342720" algn="ctr">
               <a:lnSpc>
@@ -18368,15 +19742,22 @@
           </a:ln>
         </p:spPr>
         <p:style>
-          <a:lnRef idx="0"/>
-          <a:fillRef idx="0"/>
-          <a:effectRef idx="0"/>
+          <a:lnRef idx="0">
+            <a:srgbClr val="000000"/>
+          </a:lnRef>
+          <a:fillRef idx="0">
+            <a:srgbClr val="000000"/>
+          </a:fillRef>
+          <a:effectRef idx="0">
+            <a:srgbClr val="000000"/>
+          </a:effectRef>
           <a:fontRef idx="minor"/>
         </p:style>
         <p:txBody>
           <a:bodyPr lIns="90000" tIns="45000" rIns="90000" bIns="45000">
             <a:spAutoFit/>
           </a:bodyPr>
+          <a:lstStyle/>
           <a:p>
             <a:pPr algn="ctr">
               <a:lnSpc>
@@ -18453,15 +19834,22 @@
           </a:ln>
         </p:spPr>
         <p:style>
-          <a:lnRef idx="0"/>
-          <a:fillRef idx="0"/>
-          <a:effectRef idx="0"/>
+          <a:lnRef idx="0">
+            <a:srgbClr val="000000"/>
+          </a:lnRef>
+          <a:fillRef idx="0">
+            <a:srgbClr val="000000"/>
+          </a:fillRef>
+          <a:effectRef idx="0">
+            <a:srgbClr val="000000"/>
+          </a:effectRef>
           <a:fontRef idx="minor"/>
         </p:style>
         <p:txBody>
           <a:bodyPr lIns="90000" tIns="45000" rIns="90000" bIns="45000">
             <a:spAutoFit/>
           </a:bodyPr>
+          <a:lstStyle/>
           <a:p>
             <a:pPr algn="ctr">
               <a:lnSpc>
@@ -18539,7 +19927,7 @@
       </p:sp>
       <p:pic>
         <p:nvPicPr>
-          <p:cNvPr id="138" name="Объект 9" descr=""/>
+          <p:cNvPr id="138" name="Объект 9"/>
           <p:cNvPicPr/>
           <p:nvPr/>
         </p:nvPicPr>
@@ -18562,7 +19950,7 @@
       </p:pic>
       <p:pic>
         <p:nvPicPr>
-          <p:cNvPr id="139" name="Рисунок 10" descr=""/>
+          <p:cNvPr id="139" name="Рисунок 10"/>
           <p:cNvPicPr/>
           <p:nvPr/>
         </p:nvPicPr>
@@ -18585,7 +19973,7 @@
       </p:pic>
       <p:pic>
         <p:nvPicPr>
-          <p:cNvPr id="140" name="Рисунок 11" descr=""/>
+          <p:cNvPr id="140" name="Рисунок 11"/>
           <p:cNvPicPr/>
           <p:nvPr/>
         </p:nvPicPr>
@@ -18628,15 +20016,22 @@
           </a:ln>
         </p:spPr>
         <p:style>
-          <a:lnRef idx="0"/>
-          <a:fillRef idx="0"/>
-          <a:effectRef idx="0"/>
+          <a:lnRef idx="0">
+            <a:srgbClr val="000000"/>
+          </a:lnRef>
+          <a:fillRef idx="0">
+            <a:srgbClr val="000000"/>
+          </a:fillRef>
+          <a:effectRef idx="0">
+            <a:srgbClr val="000000"/>
+          </a:effectRef>
           <a:fontRef idx="minor"/>
         </p:style>
         <p:txBody>
           <a:bodyPr lIns="90000" tIns="45000" rIns="90000" bIns="45000">
             <a:spAutoFit/>
           </a:bodyPr>
+          <a:lstStyle/>
           <a:p>
             <a:pPr algn="ctr">
               <a:lnSpc>
@@ -18694,12 +20089,12 @@
       </p:sp>
       <p:sp>
         <p:nvSpPr>
-          <p:cNvPr id="1465657421" name=""/>
+          <p:cNvPr id="1465657421" name="TextBox 1465657420"/>
           <p:cNvSpPr txBox="1"/>
           <p:nvPr/>
         </p:nvSpPr>
         <p:spPr bwMode="auto">
-          <a:xfrm flipH="0" flipV="0">
+          <a:xfrm>
             <a:off x="511623" y="6078324"/>
             <a:ext cx="3278259" cy="579155"/>
           </a:xfrm>
@@ -18709,22 +20104,19 @@
           <a:noFill/>
         </p:spPr>
         <p:txBody>
-          <a:bodyPr vertOverflow="overflow" horzOverflow="overflow" vert="horz" wrap="none" lIns="91440" tIns="45720" rIns="91440" bIns="45720" numCol="1" spcCol="0" rtlCol="0" fromWordArt="0" anchor="t" anchorCtr="0" forceAA="0" upright="0" compatLnSpc="0">
+          <a:bodyPr vertOverflow="overflow" horzOverflow="overflow" vert="horz" wrap="none" lIns="91440" tIns="45720" rIns="91440" bIns="45720" numCol="1" spcCol="0" rtlCol="0" fromWordArt="0" anchor="t" anchorCtr="0" forceAA="0" compatLnSpc="0">
             <a:spAutoFit/>
           </a:bodyPr>
+          <a:lstStyle/>
           <a:p>
             <a:pPr>
               <a:defRPr/>
             </a:pPr>
             <a:r>
               <a:rPr sz="1600"/>
-              <a:t>examples</a:t>
+              <a:t>examples/2_functions_vs_objects</a:t>
             </a:r>
-            <a:r>
-              <a:rPr sz="1600"/>
-              <a:t>/2_functions_vs_objects</a:t>
-            </a:r>
-            <a:endParaRPr sz="1600"/>
+            <a:endParaRPr/>
           </a:p>
           <a:p>
             <a:pPr>
@@ -18734,7 +20126,7 @@
               <a:rPr sz="1600"/>
               <a:t>examples/3_predefined_func_objs</a:t>
             </a:r>
-            <a:endParaRPr sz="1600"/>
+            <a:endParaRPr/>
           </a:p>
         </p:txBody>
       </p:sp>
@@ -18773,7 +20165,7 @@
       </p:grpSpPr>
       <p:pic>
         <p:nvPicPr>
-          <p:cNvPr id="142" name="Рисунок 3" descr=""/>
+          <p:cNvPr id="142" name="Рисунок 3"/>
           <p:cNvPicPr/>
           <p:nvPr/>
         </p:nvPicPr>
@@ -18828,6 +20220,7 @@
           <a:bodyPr lIns="90000" tIns="45000" rIns="90000" bIns="45000">
             <a:noAutofit/>
           </a:bodyPr>
+          <a:lstStyle/>
           <a:p>
             <a:pPr>
               <a:lnSpc>
@@ -19211,17 +20604,7 @@
                 <a:latin typeface="Trebuchet MS"/>
                 <a:ea typeface="Arial"/>
               </a:rPr>
-              <a:t>    </a:t>
-            </a:r>
-            <a:r>
-              <a:rPr lang="ru-RU" sz="1600" b="0" strike="noStrike" spc="-1">
-                <a:solidFill>
-                  <a:srgbClr val="000000"/>
-                </a:solidFill>
-                <a:latin typeface="Trebuchet MS"/>
-                <a:ea typeface="Arial"/>
-              </a:rPr>
-              <a:t>(нежелательно)</a:t>
+              <a:t>    (нежелательно)</a:t>
             </a:r>
             <a:endParaRPr lang="en-US" sz="1600" b="0" strike="noStrike" spc="-1">
               <a:latin typeface="Arial"/>
@@ -19442,6 +20825,7 @@
           <a:bodyPr lIns="90000" tIns="45000" rIns="90000" bIns="45000">
             <a:noAutofit/>
           </a:bodyPr>
+          <a:lstStyle/>
           <a:p>
             <a:pPr>
               <a:lnSpc>
@@ -19489,15 +20873,22 @@
           </a:ln>
         </p:spPr>
         <p:style>
-          <a:lnRef idx="0"/>
-          <a:fillRef idx="0"/>
-          <a:effectRef idx="0"/>
+          <a:lnRef idx="0">
+            <a:srgbClr val="000000"/>
+          </a:lnRef>
+          <a:fillRef idx="0">
+            <a:srgbClr val="000000"/>
+          </a:fillRef>
+          <a:effectRef idx="0">
+            <a:srgbClr val="000000"/>
+          </a:effectRef>
           <a:fontRef idx="minor"/>
         </p:style>
         <p:txBody>
           <a:bodyPr>
             <a:noAutofit/>
           </a:bodyPr>
+          <a:lstStyle/>
           <a:p>
             <a:pPr algn="ctr">
               <a:lnSpc>
@@ -19586,6 +20977,7 @@
           <a:bodyPr lIns="90000" tIns="45000" rIns="90000" bIns="45000">
             <a:noAutofit/>
           </a:bodyPr>
+          <a:lstStyle/>
           <a:p>
             <a:pPr marL="261719" indent="-261360">
               <a:lnSpc>
@@ -19880,6 +21272,7 @@
           <a:bodyPr lIns="90000" tIns="45000" rIns="90000" bIns="45000">
             <a:spAutoFit/>
           </a:bodyPr>
+          <a:lstStyle/>
           <a:p>
             <a:pPr>
               <a:lnSpc>
@@ -20112,6 +21505,7 @@
           <a:bodyPr lIns="90000" tIns="45000" rIns="90000" bIns="45000">
             <a:noAutofit/>
           </a:bodyPr>
+          <a:lstStyle/>
           <a:p>
             <a:pPr>
               <a:lnSpc>
@@ -20204,12 +21598,12 @@
       </p:sp>
       <p:sp>
         <p:nvSpPr>
-          <p:cNvPr id="622428297" name=""/>
+          <p:cNvPr id="622428297" name="TextBox 622428296"/>
           <p:cNvSpPr txBox="1"/>
           <p:nvPr/>
         </p:nvSpPr>
         <p:spPr bwMode="auto">
-          <a:xfrm flipH="0" flipV="0">
+          <a:xfrm>
             <a:off x="9597599" y="6343661"/>
             <a:ext cx="2001520" cy="335315"/>
           </a:xfrm>
@@ -20219,22 +21613,19 @@
           <a:noFill/>
         </p:spPr>
         <p:txBody>
-          <a:bodyPr vertOverflow="overflow" horzOverflow="overflow" vert="horz" wrap="none" lIns="91440" tIns="45720" rIns="91440" bIns="45720" numCol="1" spcCol="0" rtlCol="0" fromWordArt="0" anchor="t" anchorCtr="0" forceAA="0" upright="0" compatLnSpc="0">
+          <a:bodyPr vertOverflow="overflow" horzOverflow="overflow" vert="horz" wrap="none" lIns="91440" tIns="45720" rIns="91440" bIns="45720" numCol="1" spcCol="0" rtlCol="0" fromWordArt="0" anchor="t" anchorCtr="0" forceAA="0" compatLnSpc="0">
             <a:spAutoFit/>
           </a:bodyPr>
+          <a:lstStyle/>
           <a:p>
             <a:pPr>
               <a:defRPr/>
             </a:pPr>
             <a:r>
               <a:rPr sz="1600"/>
-              <a:t>examples</a:t>
+              <a:t>examples/4_lambda</a:t>
             </a:r>
-            <a:r>
-              <a:rPr sz="1600"/>
-              <a:t>/4_lambda</a:t>
-            </a:r>
-            <a:endParaRPr sz="1600"/>
+            <a:endParaRPr/>
           </a:p>
         </p:txBody>
       </p:sp>
@@ -20295,15 +21686,22 @@
           </a:ln>
         </p:spPr>
         <p:style>
-          <a:lnRef idx="0"/>
-          <a:fillRef idx="0"/>
-          <a:effectRef idx="0"/>
+          <a:lnRef idx="0">
+            <a:srgbClr val="000000"/>
+          </a:lnRef>
+          <a:fillRef idx="0">
+            <a:srgbClr val="000000"/>
+          </a:fillRef>
+          <a:effectRef idx="0">
+            <a:srgbClr val="000000"/>
+          </a:effectRef>
           <a:fontRef idx="minor"/>
         </p:style>
         <p:txBody>
           <a:bodyPr>
             <a:noAutofit/>
           </a:bodyPr>
+          <a:lstStyle/>
           <a:p>
             <a:pPr algn="ctr">
               <a:lnSpc>
@@ -20349,15 +21747,22 @@
           </a:ln>
         </p:spPr>
         <p:style>
-          <a:lnRef idx="0"/>
-          <a:fillRef idx="0"/>
-          <a:effectRef idx="0"/>
+          <a:lnRef idx="0">
+            <a:srgbClr val="000000"/>
+          </a:lnRef>
+          <a:fillRef idx="0">
+            <a:srgbClr val="000000"/>
+          </a:fillRef>
+          <a:effectRef idx="0">
+            <a:srgbClr val="000000"/>
+          </a:effectRef>
           <a:fontRef idx="minor"/>
         </p:style>
         <p:txBody>
           <a:bodyPr>
-            <a:normAutofit fontScale="88000"/>
+            <a:normAutofit fontScale="95500" lnSpcReduction="10000"/>
           </a:bodyPr>
+          <a:lstStyle/>
           <a:p>
             <a:pPr marL="343080" indent="-342720">
               <a:lnSpc>
@@ -20442,17 +21847,7 @@
                 <a:latin typeface="Trebuchet MS"/>
                 <a:ea typeface="Arial"/>
               </a:rPr>
-              <a:t> </a:t>
-            </a:r>
-            <a:r>
-              <a:rPr lang="ru-RU" sz="2000" b="0" strike="noStrike" spc="-1">
-                <a:solidFill>
-                  <a:srgbClr val="404040"/>
-                </a:solidFill>
-                <a:latin typeface="Trebuchet MS"/>
-                <a:ea typeface="Arial"/>
-              </a:rPr>
-              <a:t>Конструктор по умолчанию этого объекта удалён (=</a:t>
+              <a:t> Конструктор по умолчанию этого объекта удалён (=</a:t>
             </a:r>
             <a:r>
               <a:rPr lang="en-US" sz="2000" b="0" strike="noStrike" spc="-1">
@@ -20592,7 +21987,7 @@
       </p:sp>
       <p:pic>
         <p:nvPicPr>
-          <p:cNvPr id="161" name="Рисунок 1395551045" descr=""/>
+          <p:cNvPr id="161" name="Рисунок 1395551045"/>
           <p:cNvPicPr/>
           <p:nvPr/>
         </p:nvPicPr>
@@ -20615,7 +22010,7 @@
       </p:pic>
       <p:pic>
         <p:nvPicPr>
-          <p:cNvPr id="162" name="Рисунок 856796843" descr=""/>
+          <p:cNvPr id="162" name="Рисунок 856796843"/>
           <p:cNvPicPr/>
           <p:nvPr/>
         </p:nvPicPr>
@@ -20737,6 +22132,7 @@
           <a:bodyPr>
             <a:normAutofit/>
           </a:bodyPr>
+          <a:lstStyle/>
           <a:p>
             <a:pPr marL="343080" indent="-342720">
               <a:lnSpc>
@@ -20895,15 +22291,22 @@
           </a:ln>
         </p:spPr>
         <p:style>
-          <a:lnRef idx="0"/>
-          <a:fillRef idx="0"/>
-          <a:effectRef idx="0"/>
+          <a:lnRef idx="0">
+            <a:srgbClr val="000000"/>
+          </a:lnRef>
+          <a:fillRef idx="0">
+            <a:srgbClr val="000000"/>
+          </a:fillRef>
+          <a:effectRef idx="0">
+            <a:srgbClr val="000000"/>
+          </a:effectRef>
           <a:fontRef idx="minor"/>
         </p:style>
         <p:txBody>
           <a:bodyPr>
             <a:noAutofit/>
           </a:bodyPr>
+          <a:lstStyle/>
           <a:p>
             <a:pPr algn="ctr">
               <a:lnSpc>
@@ -20929,7 +22332,7 @@
       </p:sp>
       <p:pic>
         <p:nvPicPr>
-          <p:cNvPr id="166" name="Рисунок 1538016760" descr=""/>
+          <p:cNvPr id="166" name="Рисунок 1538016760"/>
           <p:cNvPicPr/>
           <p:nvPr/>
         </p:nvPicPr>
@@ -20972,15 +22375,22 @@
           </a:ln>
         </p:spPr>
         <p:style>
-          <a:lnRef idx="0"/>
-          <a:fillRef idx="0"/>
-          <a:effectRef idx="0"/>
+          <a:lnRef idx="0">
+            <a:srgbClr val="000000"/>
+          </a:lnRef>
+          <a:fillRef idx="0">
+            <a:srgbClr val="000000"/>
+          </a:fillRef>
+          <a:effectRef idx="0">
+            <a:srgbClr val="000000"/>
+          </a:effectRef>
           <a:fontRef idx="minor"/>
         </p:style>
         <p:txBody>
           <a:bodyPr>
             <a:normAutofit/>
           </a:bodyPr>
+          <a:lstStyle/>
           <a:p>
             <a:pPr marL="343080" indent="-342720">
               <a:lnSpc>
@@ -21063,15 +22473,22 @@
           </a:ln>
         </p:spPr>
         <p:style>
-          <a:lnRef idx="0"/>
-          <a:fillRef idx="0"/>
-          <a:effectRef idx="0"/>
+          <a:lnRef idx="0">
+            <a:srgbClr val="000000"/>
+          </a:lnRef>
+          <a:fillRef idx="0">
+            <a:srgbClr val="000000"/>
+          </a:fillRef>
+          <a:effectRef idx="0">
+            <a:srgbClr val="000000"/>
+          </a:effectRef>
           <a:fontRef idx="minor"/>
         </p:style>
         <p:txBody>
           <a:bodyPr>
             <a:spAutoFit/>
           </a:bodyPr>
+          <a:lstStyle/>
           <a:p>
             <a:pPr>
               <a:lnSpc>
@@ -21092,6 +22509,39 @@
             <a:endParaRPr lang="en-US" sz="1600" b="0" strike="noStrike" spc="-1">
               <a:latin typeface="Arial"/>
             </a:endParaRPr>
+          </a:p>
+        </p:txBody>
+      </p:sp>
+      <p:sp>
+        <p:nvSpPr>
+          <p:cNvPr id="2" name="TextBox 1"/>
+          <p:cNvSpPr txBox="1"/>
+          <p:nvPr/>
+        </p:nvSpPr>
+        <p:spPr bwMode="auto">
+          <a:xfrm>
+            <a:off x="623391" y="6381328"/>
+            <a:ext cx="2736647" cy="369332"/>
+          </a:xfrm>
+          <a:prstGeom prst="rect">
+            <a:avLst/>
+          </a:prstGeom>
+          <a:noFill/>
+        </p:spPr>
+        <p:txBody>
+          <a:bodyPr wrap="none" rtlCol="0">
+            <a:spAutoFit/>
+          </a:bodyPr>
+          <a:lstStyle/>
+          <a:p>
+            <a:pPr>
+              <a:defRPr/>
+            </a:pPr>
+            <a:r>
+              <a:rPr lang="en-US"/>
+              <a:t>examples/5_std_function</a:t>
+            </a:r>
+            <a:endParaRPr lang="en-US"/>
           </a:p>
         </p:txBody>
       </p:sp>
@@ -21152,15 +22602,22 @@
           </a:ln>
         </p:spPr>
         <p:style>
-          <a:lnRef idx="0"/>
-          <a:fillRef idx="0"/>
-          <a:effectRef idx="0"/>
+          <a:lnRef idx="0">
+            <a:srgbClr val="000000"/>
+          </a:lnRef>
+          <a:fillRef idx="0">
+            <a:srgbClr val="000000"/>
+          </a:fillRef>
+          <a:effectRef idx="0">
+            <a:srgbClr val="000000"/>
+          </a:effectRef>
           <a:fontRef idx="minor"/>
         </p:style>
         <p:txBody>
           <a:bodyPr>
             <a:noAutofit/>
           </a:bodyPr>
+          <a:lstStyle/>
           <a:p>
             <a:pPr algn="ctr">
               <a:lnSpc>
@@ -21214,7 +22671,7 @@
         </p:nvGraphicFramePr>
         <p:xfrm>
           <a:off x="443160" y="923760"/>
-          <a:ext cx="11490840" cy="2833560"/>
+          <a:ext cx="11490840" cy="2560320"/>
         </p:xfrm>
         <a:graphic>
           <a:graphicData uri="http://schemas.openxmlformats.org/drawingml/2006/table">
@@ -21253,7 +22710,7 @@
                       </a:endParaRPr>
                     </a:p>
                   </a:txBody>
-                  <a:tcPr marL="91440" marR="91440">
+                  <a:tcPr>
                     <a:lnL w="12240" algn="ctr">
                       <a:solidFill>
                         <a:srgbClr val="FFFFFF"/>
@@ -21304,7 +22761,7 @@
                       </a:endParaRPr>
                     </a:p>
                   </a:txBody>
-                  <a:tcPr marL="91440" marR="91440">
+                  <a:tcPr>
                     <a:lnL w="12240" algn="ctr">
                       <a:solidFill>
                         <a:srgbClr val="FFFFFF"/>
@@ -21376,7 +22833,7 @@
                       </a:endParaRPr>
                     </a:p>
                   </a:txBody>
-                  <a:tcPr marL="91440" marR="91440">
+                  <a:tcPr>
                     <a:lnL w="12240" algn="ctr">
                       <a:solidFill>
                         <a:srgbClr val="FFFFFF"/>
@@ -21469,7 +22926,7 @@
                       </a:endParaRPr>
                     </a:p>
                   </a:txBody>
-                  <a:tcPr marL="91440" marR="91440">
+                  <a:tcPr>
                     <a:lnL w="12240" algn="ctr">
                       <a:solidFill>
                         <a:srgbClr val="FFFFFF"/>
@@ -21541,7 +22998,7 @@
                       </a:endParaRPr>
                     </a:p>
                   </a:txBody>
-                  <a:tcPr marL="91440" marR="91440">
+                  <a:tcPr>
                     <a:lnL w="12240" algn="ctr">
                       <a:solidFill>
                         <a:srgbClr val="FFFFFF"/>
@@ -21594,7 +23051,7 @@
                       </a:endParaRPr>
                     </a:p>
                   </a:txBody>
-                  <a:tcPr marL="91440" marR="91440">
+                  <a:tcPr>
                     <a:lnL w="12240" algn="ctr">
                       <a:solidFill>
                         <a:srgbClr val="FFFFFF"/>
@@ -21605,7 +23062,7 @@
                         <a:srgbClr val="FFFFFF"/>
                       </a:solidFill>
                     </a:lnR>
-                    <a:lnT w="12240" algn="ctr">
+                    <a:lnT w="38160" algn="ctr">
                       <a:solidFill>
                         <a:srgbClr val="FFFFFF"/>
                       </a:solidFill>
@@ -21630,7 +23087,7 @@
                       <a:endParaRPr/>
                     </a:p>
                   </a:txBody>
-                  <a:tcPr marL="91440" marR="91440">
+                  <a:tcPr>
                     <a:lnL w="12240" algn="ctr">
                       <a:solidFill>
                         <a:srgbClr val="FFFFFF"/>
@@ -21641,7 +23098,7 @@
                         <a:srgbClr val="FFFFFF"/>
                       </a:solidFill>
                     </a:lnR>
-                    <a:lnT w="12240" algn="ctr">
+                    <a:lnT w="38160" algn="ctr">
                       <a:solidFill>
                         <a:srgbClr val="FFFFFF"/>
                       </a:solidFill>
@@ -21666,7 +23123,7 @@
                       <a:endParaRPr/>
                     </a:p>
                   </a:txBody>
-                  <a:tcPr marL="91440" marR="91440">
+                  <a:tcPr>
                     <a:lnL w="12240" algn="ctr">
                       <a:solidFill>
                         <a:srgbClr val="FFFFFF"/>
@@ -21677,7 +23134,7 @@
                         <a:srgbClr val="FFFFFF"/>
                       </a:solidFill>
                     </a:lnR>
-                    <a:lnT w="12240" algn="ctr">
+                    <a:lnT w="38160" algn="ctr">
                       <a:solidFill>
                         <a:srgbClr val="FFFFFF"/>
                       </a:solidFill>
@@ -21702,7 +23159,7 @@
                       <a:endParaRPr/>
                     </a:p>
                   </a:txBody>
-                  <a:tcPr marL="91440" marR="91440">
+                  <a:tcPr>
                     <a:lnL w="12240" algn="ctr">
                       <a:solidFill>
                         <a:srgbClr val="FFFFFF"/>
@@ -21713,7 +23170,7 @@
                         <a:srgbClr val="FFFFFF"/>
                       </a:solidFill>
                     </a:lnR>
-                    <a:lnT w="12240" algn="ctr">
+                    <a:lnT w="38160" algn="ctr">
                       <a:solidFill>
                         <a:srgbClr val="FFFFFF"/>
                       </a:solidFill>
@@ -21738,7 +23195,7 @@
                       <a:endParaRPr/>
                     </a:p>
                   </a:txBody>
-                  <a:tcPr marL="91440" marR="91440">
+                  <a:tcPr>
                     <a:lnL w="12240" algn="ctr">
                       <a:solidFill>
                         <a:srgbClr val="FFFFFF"/>
@@ -21749,7 +23206,7 @@
                         <a:srgbClr val="FFFFFF"/>
                       </a:solidFill>
                     </a:lnR>
-                    <a:lnT w="12240" algn="ctr">
+                    <a:lnT w="38160" algn="ctr">
                       <a:solidFill>
                         <a:srgbClr val="FFFFFF"/>
                       </a:solidFill>
@@ -21791,7 +23248,7 @@
                       </a:endParaRPr>
                     </a:p>
                   </a:txBody>
-                  <a:tcPr marL="91440" marR="91440">
+                  <a:tcPr>
                     <a:lnL w="12240" algn="ctr">
                       <a:solidFill>
                         <a:srgbClr val="FFFFFF"/>
@@ -21827,7 +23284,7 @@
                       <a:endParaRPr/>
                     </a:p>
                   </a:txBody>
-                  <a:tcPr marL="91440" marR="91440">
+                  <a:tcPr>
                     <a:lnL w="12240" algn="ctr">
                       <a:solidFill>
                         <a:srgbClr val="FFFFFF"/>
@@ -21863,7 +23320,7 @@
                       <a:endParaRPr/>
                     </a:p>
                   </a:txBody>
-                  <a:tcPr marL="91440" marR="91440">
+                  <a:tcPr>
                     <a:lnL w="12240" algn="ctr">
                       <a:solidFill>
                         <a:srgbClr val="FFFFFF"/>
@@ -21899,7 +23356,7 @@
                       <a:endParaRPr/>
                     </a:p>
                   </a:txBody>
-                  <a:tcPr marL="91440" marR="91440">
+                  <a:tcPr>
                     <a:lnL w="12240" algn="ctr">
                       <a:solidFill>
                         <a:srgbClr val="FFFFFF"/>
@@ -21935,7 +23392,7 @@
                       <a:endParaRPr/>
                     </a:p>
                   </a:txBody>
-                  <a:tcPr marL="91440" marR="91440">
+                  <a:tcPr>
                     <a:lnL w="12240" algn="ctr">
                       <a:solidFill>
                         <a:srgbClr val="FFFFFF"/>
@@ -21988,7 +23445,7 @@
                       </a:endParaRPr>
                     </a:p>
                   </a:txBody>
-                  <a:tcPr marL="91440" marR="91440">
+                  <a:tcPr>
                     <a:lnL w="12240" algn="ctr">
                       <a:solidFill>
                         <a:srgbClr val="FFFFFF"/>
@@ -22024,7 +23481,7 @@
                       <a:endParaRPr/>
                     </a:p>
                   </a:txBody>
-                  <a:tcPr marL="91440" marR="91440">
+                  <a:tcPr>
                     <a:lnL w="12240" algn="ctr">
                       <a:solidFill>
                         <a:srgbClr val="FFFFFF"/>
@@ -22060,7 +23517,7 @@
                       <a:endParaRPr/>
                     </a:p>
                   </a:txBody>
-                  <a:tcPr marL="91440" marR="91440">
+                  <a:tcPr>
                     <a:lnL w="12240" algn="ctr">
                       <a:solidFill>
                         <a:srgbClr val="FFFFFF"/>
@@ -22096,7 +23553,7 @@
                       <a:endParaRPr/>
                     </a:p>
                   </a:txBody>
-                  <a:tcPr marL="91440" marR="91440">
+                  <a:tcPr>
                     <a:lnL w="12240" algn="ctr">
                       <a:solidFill>
                         <a:srgbClr val="FFFFFF"/>
@@ -22132,7 +23589,7 @@
                       <a:endParaRPr/>
                     </a:p>
                   </a:txBody>
-                  <a:tcPr marL="91440" marR="91440">
+                  <a:tcPr>
                     <a:lnL w="12240" algn="ctr">
                       <a:solidFill>
                         <a:srgbClr val="FFFFFF"/>
@@ -22165,7 +23622,7 @@
       </p:graphicFrame>
       <p:pic>
         <p:nvPicPr>
-          <p:cNvPr id="171" name="Рисунок 5" descr=""/>
+          <p:cNvPr id="171" name="Рисунок 5"/>
           <p:cNvPicPr/>
           <p:nvPr/>
         </p:nvPicPr>
@@ -22188,7 +23645,7 @@
       </p:pic>
       <p:pic>
         <p:nvPicPr>
-          <p:cNvPr id="172" name="Рисунок 6" descr=""/>
+          <p:cNvPr id="172" name="Рисунок 6"/>
           <p:cNvPicPr/>
           <p:nvPr/>
         </p:nvPicPr>
@@ -22211,12 +23668,12 @@
       </p:pic>
       <p:pic>
         <p:nvPicPr>
-          <p:cNvPr id="173" name="Рисунок 7" descr=""/>
+          <p:cNvPr id="173" name="Рисунок 7"/>
           <p:cNvPicPr/>
           <p:nvPr/>
         </p:nvPicPr>
         <p:blipFill>
-          <a:blip r:embed="rId4"/>
+          <a:blip r:embed="rId3"/>
           <a:stretch/>
         </p:blipFill>
         <p:spPr bwMode="auto">
@@ -22234,12 +23691,12 @@
       </p:pic>
       <p:pic>
         <p:nvPicPr>
-          <p:cNvPr id="174" name="Рисунок 8" descr=""/>
+          <p:cNvPr id="174" name="Рисунок 8"/>
           <p:cNvPicPr/>
           <p:nvPr/>
         </p:nvPicPr>
         <p:blipFill>
-          <a:blip r:embed="rId5"/>
+          <a:blip r:embed="rId3"/>
           <a:stretch/>
         </p:blipFill>
         <p:spPr bwMode="auto">
@@ -22257,12 +23714,12 @@
       </p:pic>
       <p:pic>
         <p:nvPicPr>
-          <p:cNvPr id="175" name="Рисунок 9" descr=""/>
+          <p:cNvPr id="175" name="Рисунок 9"/>
           <p:cNvPicPr/>
           <p:nvPr/>
         </p:nvPicPr>
         <p:blipFill>
-          <a:blip r:embed="rId6"/>
+          <a:blip r:embed="rId2"/>
           <a:stretch/>
         </p:blipFill>
         <p:spPr bwMode="auto">
@@ -22280,12 +23737,12 @@
       </p:pic>
       <p:pic>
         <p:nvPicPr>
-          <p:cNvPr id="176" name="Рисунок 10" descr=""/>
+          <p:cNvPr id="176" name="Рисунок 10"/>
           <p:cNvPicPr/>
           <p:nvPr/>
         </p:nvPicPr>
         <p:blipFill>
-          <a:blip r:embed="rId7"/>
+          <a:blip r:embed="rId2"/>
           <a:stretch/>
         </p:blipFill>
         <p:spPr bwMode="auto">
@@ -22303,12 +23760,12 @@
       </p:pic>
       <p:pic>
         <p:nvPicPr>
-          <p:cNvPr id="177" name="Рисунок 11" descr=""/>
+          <p:cNvPr id="177" name="Рисунок 11"/>
           <p:cNvPicPr/>
           <p:nvPr/>
         </p:nvPicPr>
         <p:blipFill>
-          <a:blip r:embed="rId8"/>
+          <a:blip r:embed="rId2"/>
           <a:stretch/>
         </p:blipFill>
         <p:spPr bwMode="auto">
@@ -22326,12 +23783,12 @@
       </p:pic>
       <p:pic>
         <p:nvPicPr>
-          <p:cNvPr id="178" name="Рисунок 12" descr=""/>
+          <p:cNvPr id="178" name="Рисунок 12"/>
           <p:cNvPicPr/>
           <p:nvPr/>
         </p:nvPicPr>
         <p:blipFill>
-          <a:blip r:embed="rId9"/>
+          <a:blip r:embed="rId3"/>
           <a:stretch/>
         </p:blipFill>
         <p:spPr bwMode="auto">
@@ -22349,12 +23806,12 @@
       </p:pic>
       <p:pic>
         <p:nvPicPr>
-          <p:cNvPr id="179" name="Рисунок 13" descr=""/>
+          <p:cNvPr id="179" name="Рисунок 13"/>
           <p:cNvPicPr/>
           <p:nvPr/>
         </p:nvPicPr>
         <p:blipFill>
-          <a:blip r:embed="rId10"/>
+          <a:blip r:embed="rId4"/>
           <a:stretch/>
         </p:blipFill>
         <p:spPr bwMode="auto">
@@ -22372,12 +23829,12 @@
       </p:pic>
       <p:pic>
         <p:nvPicPr>
-          <p:cNvPr id="180" name="Рисунок 14" descr=""/>
+          <p:cNvPr id="180" name="Рисунок 14"/>
           <p:cNvPicPr/>
           <p:nvPr/>
         </p:nvPicPr>
         <p:blipFill>
-          <a:blip r:embed="rId11"/>
+          <a:blip r:embed="rId5"/>
           <a:stretch/>
         </p:blipFill>
         <p:spPr bwMode="auto">
@@ -22395,12 +23852,12 @@
       </p:pic>
       <p:pic>
         <p:nvPicPr>
-          <p:cNvPr id="181" name="Рисунок 15" descr=""/>
+          <p:cNvPr id="181" name="Рисунок 15"/>
           <p:cNvPicPr/>
           <p:nvPr/>
         </p:nvPicPr>
         <p:blipFill>
-          <a:blip r:embed="rId12"/>
+          <a:blip r:embed="rId6"/>
           <a:stretch/>
         </p:blipFill>
         <p:spPr bwMode="auto">
@@ -22438,15 +23895,22 @@
           </a:ln>
         </p:spPr>
         <p:style>
-          <a:lnRef idx="0"/>
-          <a:fillRef idx="0"/>
-          <a:effectRef idx="0"/>
+          <a:lnRef idx="0">
+            <a:srgbClr val="000000"/>
+          </a:lnRef>
+          <a:fillRef idx="0">
+            <a:srgbClr val="000000"/>
+          </a:fillRef>
+          <a:effectRef idx="0">
+            <a:srgbClr val="000000"/>
+          </a:effectRef>
           <a:fontRef idx="minor"/>
         </p:style>
         <p:txBody>
           <a:bodyPr>
-            <a:normAutofit/>
+            <a:normAutofit lnSpcReduction="10000"/>
           </a:bodyPr>
+          <a:lstStyle/>
           <a:p>
             <a:pPr marL="343080" indent="-342720">
               <a:lnSpc>
@@ -22625,12 +24089,12 @@
       </p:sp>
       <p:pic>
         <p:nvPicPr>
-          <p:cNvPr id="183" name="Рисунок 18" descr=""/>
+          <p:cNvPr id="183" name="Рисунок 18"/>
           <p:cNvPicPr/>
           <p:nvPr/>
         </p:nvPicPr>
         <p:blipFill>
-          <a:blip r:embed="rId13"/>
+          <a:blip r:embed="rId7"/>
           <a:stretch/>
         </p:blipFill>
         <p:spPr bwMode="auto">
@@ -22703,15 +24167,22 @@
           </a:ln>
         </p:spPr>
         <p:style>
-          <a:lnRef idx="0"/>
-          <a:fillRef idx="0"/>
-          <a:effectRef idx="0"/>
+          <a:lnRef idx="0">
+            <a:srgbClr val="000000"/>
+          </a:lnRef>
+          <a:fillRef idx="0">
+            <a:srgbClr val="000000"/>
+          </a:fillRef>
+          <a:effectRef idx="0">
+            <a:srgbClr val="000000"/>
+          </a:effectRef>
           <a:fontRef idx="minor"/>
         </p:style>
         <p:txBody>
           <a:bodyPr>
             <a:noAutofit/>
           </a:bodyPr>
+          <a:lstStyle/>
           <a:p>
             <a:pPr algn="ctr">
               <a:lnSpc>
@@ -22795,7 +24266,7 @@
         </p:nvGraphicFramePr>
         <p:xfrm>
           <a:off x="443160" y="795240"/>
-          <a:ext cx="11490840" cy="5729760"/>
+          <a:ext cx="11490838" cy="5729760"/>
         </p:xfrm>
         <a:graphic>
           <a:graphicData uri="http://schemas.openxmlformats.org/drawingml/2006/table">
@@ -22832,11 +24303,12 @@
                       </a:endParaRPr>
                     </a:p>
                   </a:txBody>
-                  <a:tcPr marL="91440" marR="91440">
+                  <a:tcPr>
                     <a:lnL w="12240" algn="ctr">
                       <a:solidFill>
                         <a:srgbClr val="FFFFFF"/>
                       </a:solidFill>
+                      <a:round/>
                     </a:lnL>
                     <a:lnR w="12240" algn="ctr">
                       <a:solidFill>
@@ -22883,11 +24355,12 @@
                       </a:endParaRPr>
                     </a:p>
                   </a:txBody>
-                  <a:tcPr marL="91440" marR="91440">
+                  <a:tcPr>
                     <a:lnL w="12240" algn="ctr">
                       <a:solidFill>
                         <a:srgbClr val="FFFFFF"/>
                       </a:solidFill>
+                      <a:round/>
                     </a:lnL>
                     <a:lnR w="12240" algn="ctr">
                       <a:solidFill>
@@ -22937,7 +24410,7 @@
                       </a:endParaRPr>
                     </a:p>
                   </a:txBody>
-                  <a:tcPr marL="91440" marR="91440">
+                  <a:tcPr>
                     <a:lnL w="12240" algn="ctr">
                       <a:solidFill>
                         <a:srgbClr val="FFFFFF"/>
@@ -22957,6 +24430,7 @@
                       <a:solidFill>
                         <a:srgbClr val="FFFFFF"/>
                       </a:solidFill>
+                      <a:round/>
                     </a:lnB>
                     <a:solidFill>
                       <a:srgbClr val="90C226"/>
@@ -23047,7 +24521,7 @@
                       </a:endParaRPr>
                     </a:p>
                   </a:txBody>
-                  <a:tcPr marL="91440" marR="91440">
+                  <a:tcPr>
                     <a:lnL w="12240" algn="ctr">
                       <a:solidFill>
                         <a:srgbClr val="FFFFFF"/>
@@ -23058,7 +24532,7 @@
                         <a:srgbClr val="FFFFFF"/>
                       </a:solidFill>
                     </a:lnR>
-                    <a:lnT w="12240" algn="ctr">
+                    <a:lnT w="38160" algn="ctr">
                       <a:solidFill>
                         <a:srgbClr val="FFFFFF"/>
                       </a:solidFill>
@@ -23067,6 +24541,7 @@
                       <a:solidFill>
                         <a:srgbClr val="FFFFFF"/>
                       </a:solidFill>
+                      <a:round/>
                     </a:lnB>
                     <a:solidFill>
                       <a:srgbClr val="DBE9CC"/>
@@ -23176,7 +24651,7 @@
                       </a:endParaRPr>
                     </a:p>
                   </a:txBody>
-                  <a:tcPr marL="91440" marR="91440">
+                  <a:tcPr>
                     <a:lnL w="12240" algn="ctr">
                       <a:solidFill>
                         <a:srgbClr val="FFFFFF"/>
@@ -23187,7 +24662,7 @@
                         <a:srgbClr val="FFFFFF"/>
                       </a:solidFill>
                     </a:lnR>
-                    <a:lnT w="12240" algn="ctr">
+                    <a:lnT w="38160" algn="ctr">
                       <a:solidFill>
                         <a:srgbClr val="FFFFFF"/>
                       </a:solidFill>
@@ -23196,6 +24671,7 @@
                       <a:solidFill>
                         <a:srgbClr val="FFFFFF"/>
                       </a:solidFill>
+                      <a:round/>
                     </a:lnB>
                     <a:solidFill>
                       <a:srgbClr val="DBE9CC"/>
@@ -23230,7 +24706,7 @@
                       </a:endParaRPr>
                     </a:p>
                   </a:txBody>
-                  <a:tcPr marL="91440" marR="91440">
+                  <a:tcPr>
                     <a:lnL w="12240" algn="ctr">
                       <a:solidFill>
                         <a:srgbClr val="FFFFFF"/>
@@ -23240,8 +24716,9 @@
                       <a:solidFill>
                         <a:srgbClr val="FFFFFF"/>
                       </a:solidFill>
+                      <a:round/>
                     </a:lnR>
-                    <a:lnT w="12240" algn="ctr">
+                    <a:lnT w="38160" algn="ctr">
                       <a:solidFill>
                         <a:srgbClr val="FFFFFF"/>
                       </a:solidFill>
@@ -23314,7 +24791,7 @@
                       </a:endParaRPr>
                     </a:p>
                   </a:txBody>
-                  <a:tcPr marL="91440" marR="91440">
+                  <a:tcPr>
                     <a:lnL w="12240" algn="ctr">
                       <a:solidFill>
                         <a:srgbClr val="FFFFFF"/>
@@ -23334,6 +24811,7 @@
                       <a:solidFill>
                         <a:srgbClr val="FFFFFF"/>
                       </a:solidFill>
+                      <a:round/>
                     </a:lnB>
                     <a:solidFill>
                       <a:srgbClr val="EEF4E7"/>
@@ -23386,7 +24864,7 @@
                       </a:endParaRPr>
                     </a:p>
                   </a:txBody>
-                  <a:tcPr marL="91440" marR="91440">
+                  <a:tcPr>
                     <a:lnL w="12240" algn="ctr">
                       <a:solidFill>
                         <a:srgbClr val="FFFFFF"/>
@@ -23401,6 +24879,7 @@
                       <a:solidFill>
                         <a:srgbClr val="FFFFFF"/>
                       </a:solidFill>
+                      <a:round/>
                     </a:lnT>
                     <a:lnB w="12240" algn="ctr">
                       <a:solidFill>
@@ -23437,7 +24916,7 @@
                       </a:endParaRPr>
                     </a:p>
                   </a:txBody>
-                  <a:tcPr marL="91440" marR="91440">
+                  <a:tcPr>
                     <a:lnL w="12240" algn="ctr">
                       <a:solidFill>
                         <a:srgbClr val="FFFFFF"/>
@@ -23452,6 +24931,7 @@
                       <a:solidFill>
                         <a:srgbClr val="FFFFFF"/>
                       </a:solidFill>
+                      <a:round/>
                     </a:lnT>
                     <a:lnB w="12240" algn="ctr">
                       <a:solidFill>
@@ -23547,7 +25027,7 @@
                       </a:endParaRPr>
                     </a:p>
                   </a:txBody>
-                  <a:tcPr marL="91440" marR="91440">
+                  <a:tcPr>
                     <a:lnL w="12240" algn="ctr">
                       <a:solidFill>
                         <a:srgbClr val="FFFFFF"/>
@@ -23557,6 +25037,7 @@
                       <a:solidFill>
                         <a:srgbClr val="FFFFFF"/>
                       </a:solidFill>
+                      <a:round/>
                     </a:lnR>
                     <a:lnT w="12240" algn="ctr">
                       <a:solidFill>
@@ -23655,7 +25136,7 @@
                       </a:endParaRPr>
                     </a:p>
                   </a:txBody>
-                  <a:tcPr marL="91440" marR="91440">
+                  <a:tcPr>
                     <a:lnL w="12240" algn="ctr">
                       <a:solidFill>
                         <a:srgbClr val="FFFFFF"/>
@@ -23670,6 +25151,7 @@
                       <a:solidFill>
                         <a:srgbClr val="FFFFFF"/>
                       </a:solidFill>
+                      <a:round/>
                     </a:lnT>
                     <a:lnB w="12240" algn="ctr">
                       <a:solidFill>
@@ -23709,7 +25191,7 @@
                       </a:endParaRPr>
                     </a:p>
                   </a:txBody>
-                  <a:tcPr marL="91440" marR="91440">
+                  <a:tcPr>
                     <a:lnL w="12240" algn="ctr">
                       <a:solidFill>
                         <a:srgbClr val="FFFFFF"/>
@@ -23724,6 +25206,7 @@
                       <a:solidFill>
                         <a:srgbClr val="FFFFFF"/>
                       </a:solidFill>
+                      <a:round/>
                     </a:lnT>
                     <a:lnB w="12240" algn="ctr">
                       <a:solidFill>
@@ -23819,7 +25302,7 @@
                       </a:endParaRPr>
                     </a:p>
                   </a:txBody>
-                  <a:tcPr marL="91440" marR="91440">
+                  <a:tcPr>
                     <a:lnL w="12240" algn="ctr">
                       <a:solidFill>
                         <a:srgbClr val="FFFFFF"/>
@@ -23839,6 +25322,7 @@
                       <a:solidFill>
                         <a:srgbClr val="FFFFFF"/>
                       </a:solidFill>
+                      <a:round/>
                     </a:lnB>
                     <a:solidFill>
                       <a:srgbClr val="EEF4E7"/>
@@ -23927,7 +25411,7 @@
                       </a:endParaRPr>
                     </a:p>
                   </a:txBody>
-                  <a:tcPr marL="91440" marR="91440">
+                  <a:tcPr>
                     <a:lnL w="12240" algn="ctr">
                       <a:solidFill>
                         <a:srgbClr val="FFFFFF"/>
@@ -23937,6 +25421,7 @@
                       <a:solidFill>
                         <a:srgbClr val="FFFFFF"/>
                       </a:solidFill>
+                      <a:round/>
                     </a:lnR>
                     <a:lnT w="12240" algn="ctr">
                       <a:solidFill>
@@ -23981,7 +25466,7 @@
                       </a:endParaRPr>
                     </a:p>
                   </a:txBody>
-                  <a:tcPr marL="91440" marR="91440">
+                  <a:tcPr>
                     <a:lnL w="12240" algn="ctr">
                       <a:solidFill>
                         <a:srgbClr val="FFFFFF"/>
@@ -24001,6 +25486,7 @@
                       <a:solidFill>
                         <a:srgbClr val="FFFFFF"/>
                       </a:solidFill>
+                      <a:round/>
                     </a:lnB>
                     <a:solidFill>
                       <a:srgbClr val="EEF4E7"/>
